--- a/10.12.19.pptx
+++ b/10.12.19.pptx
@@ -13,6 +13,7 @@
     <p:sldId id="257" r:id="rId6"/>
     <p:sldId id="258" r:id="rId7"/>
     <p:sldId id="259" r:id="rId8"/>
+    <p:sldId id="260" r:id="rId9"/>
   </p:sldIdLst>
   <p:sldSz cx="9144000" cy="5143500"/>
   <p:notesSz cx="6858000" cy="9144000"/>
@@ -38,7 +39,7 @@
       </p:grpSpPr>
       <p:sp>
         <p:nvSpPr>
-          <p:cNvPr id="79" name="PlaceHolder 1"/>
+          <p:cNvPr id="76" name="PlaceHolder 1"/>
           <p:cNvSpPr>
             <a:spLocks noGrp="1"/>
           </p:cNvSpPr>
@@ -58,27 +59,22 @@
         <p:txBody>
           <a:bodyPr lIns="0" rIns="0" tIns="0" bIns="0" anchor="ctr"/>
           <a:p>
+            <a:pPr algn="ctr"/>
             <a:r>
-              <a:rPr b="0" lang="ru-RU" sz="1800" spc="-1" strike="noStrike">
-                <a:solidFill>
-                  <a:srgbClr val="000000"/>
-                </a:solidFill>
-                <a:latin typeface="Akrobat SemiBold"/>
+              <a:rPr b="0" lang="ru-RU" sz="4400" spc="-1" strike="noStrike">
+                <a:latin typeface="Arial"/>
               </a:rPr>
               <a:t>Для перемещения страницы щёлкните мышью</a:t>
             </a:r>
-            <a:endParaRPr b="0" lang="ru-RU" sz="1800" spc="-1" strike="noStrike">
-              <a:solidFill>
-                <a:srgbClr val="000000"/>
-              </a:solidFill>
-              <a:latin typeface="Akrobat SemiBold"/>
-            </a:endParaRPr>
-          </a:p>
-        </p:txBody>
-      </p:sp>
-      <p:sp>
-        <p:nvSpPr>
-          <p:cNvPr id="80" name="PlaceHolder 2"/>
+            <a:endParaRPr b="0" lang="ru-RU" sz="4400" spc="-1" strike="noStrike">
+              <a:latin typeface="Arial"/>
+            </a:endParaRPr>
+          </a:p>
+        </p:txBody>
+      </p:sp>
+      <p:sp>
+        <p:nvSpPr>
+          <p:cNvPr id="77" name="PlaceHolder 2"/>
           <p:cNvSpPr>
             <a:spLocks noGrp="1"/>
           </p:cNvSpPr>
@@ -112,7 +108,7 @@
       </p:sp>
       <p:sp>
         <p:nvSpPr>
-          <p:cNvPr id="81" name="PlaceHolder 3"/>
+          <p:cNvPr id="78" name="PlaceHolder 3"/>
           <p:cNvSpPr>
             <a:spLocks noGrp="1"/>
           </p:cNvSpPr>
@@ -146,7 +142,7 @@
       </p:sp>
       <p:sp>
         <p:nvSpPr>
-          <p:cNvPr id="82" name="PlaceHolder 4"/>
+          <p:cNvPr id="79" name="PlaceHolder 4"/>
           <p:cNvSpPr>
             <a:spLocks noGrp="1"/>
           </p:cNvSpPr>
@@ -181,7 +177,7 @@
       </p:sp>
       <p:sp>
         <p:nvSpPr>
-          <p:cNvPr id="83" name="PlaceHolder 5"/>
+          <p:cNvPr id="80" name="PlaceHolder 5"/>
           <p:cNvSpPr>
             <a:spLocks noGrp="1"/>
           </p:cNvSpPr>
@@ -215,7 +211,7 @@
       </p:sp>
       <p:sp>
         <p:nvSpPr>
-          <p:cNvPr id="84" name="PlaceHolder 6"/>
+          <p:cNvPr id="81" name="PlaceHolder 6"/>
           <p:cNvSpPr>
             <a:spLocks noGrp="1"/>
           </p:cNvSpPr>
@@ -236,7 +232,7 @@
           <a:bodyPr lIns="0" rIns="0" tIns="0" bIns="0" anchor="b"/>
           <a:p>
             <a:pPr algn="r"/>
-            <a:fld id="{8F1A72D4-AAF3-47B9-A6B1-17F74F784D6A}" type="slidenum">
+            <a:fld id="{EFB4212B-3D7F-4717-97AF-573B2DE6FB23}" type="slidenum">
               <a:rPr b="0" lang="ru-RU" sz="1400" spc="-1" strike="noStrike">
                 <a:latin typeface="Times New Roman"/>
               </a:rPr>
@@ -284,7 +280,7 @@
         <p:spPr>
           <a:xfrm>
             <a:off x="380880" y="685800"/>
-            <a:ext cx="6095520" cy="3428640"/>
+            <a:ext cx="6095160" cy="3428280"/>
           </a:xfrm>
           <a:prstGeom prst="rect">
             <a:avLst/>
@@ -304,14 +300,14 @@
         <p:spPr>
           <a:xfrm>
             <a:off x="685800" y="4343400"/>
-            <a:ext cx="5486040" cy="4114440"/>
-          </a:xfrm>
-          <a:prstGeom prst="rect">
-            <a:avLst/>
-          </a:prstGeom>
-        </p:spPr>
-        <p:txBody>
-          <a:bodyPr/>
+            <a:ext cx="5485680" cy="4114080"/>
+          </a:xfrm>
+          <a:prstGeom prst="rect">
+            <a:avLst/>
+          </a:prstGeom>
+        </p:spPr>
+        <p:txBody>
+          <a:bodyPr lIns="0" rIns="0" tIns="0" bIns="0"/>
           <a:p>
             <a:endParaRPr b="0" lang="ru-RU" sz="2000" spc="-1" strike="noStrike">
               <a:latin typeface="Arial"/>
@@ -321,14 +317,14 @@
       </p:sp>
       <p:sp>
         <p:nvSpPr>
-          <p:cNvPr id="94" name="TextShape 3"/>
-          <p:cNvSpPr txBox="1"/>
+          <p:cNvPr id="94" name="CustomShape 3"/>
+          <p:cNvSpPr/>
           <p:nvPr/>
         </p:nvSpPr>
         <p:spPr>
           <a:xfrm>
             <a:off x="3884760" y="8685360"/>
-            <a:ext cx="2971440" cy="456840"/>
+            <a:ext cx="2971080" cy="456480"/>
           </a:xfrm>
           <a:prstGeom prst="rect">
             <a:avLst/>
@@ -338,15 +334,21 @@
             <a:noFill/>
           </a:ln>
         </p:spPr>
-        <p:txBody>
-          <a:bodyPr anchor="b"/>
+        <p:style>
+          <a:lnRef idx="0"/>
+          <a:fillRef idx="0"/>
+          <a:effectRef idx="0"/>
+          <a:fontRef idx="minor"/>
+        </p:style>
+        <p:txBody>
+          <a:bodyPr lIns="90000" rIns="90000" tIns="45000" bIns="45000" anchor="b"/>
           <a:p>
             <a:pPr algn="r">
               <a:lnSpc>
                 <a:spcPct val="100000"/>
               </a:lnSpc>
             </a:pPr>
-            <a:fld id="{FDB5FE99-3EF5-4940-85D1-7A0AC54D9848}" type="slidenum">
+            <a:fld id="{9D30D746-F2C7-4772-A01A-5324F1143C87}" type="slidenum">
               <a:rPr b="0" lang="ru-RU" sz="1200" spc="-1" strike="noStrike">
                 <a:solidFill>
                   <a:srgbClr val="000000"/>
@@ -357,7 +359,7 @@
               <a:t>&lt;номер&gt;</a:t>
             </a:fld>
             <a:endParaRPr b="0" lang="ru-RU" sz="1200" spc="-1" strike="noStrike">
-              <a:latin typeface="Times New Roman"/>
+              <a:latin typeface="Arial"/>
             </a:endParaRPr>
           </a:p>
         </p:txBody>
@@ -408,7 +410,7 @@
       </p:grpSpPr>
       <p:sp>
         <p:nvSpPr>
-          <p:cNvPr id="24" name="PlaceHolder 1"/>
+          <p:cNvPr id="23" name="PlaceHolder 1"/>
           <p:cNvSpPr>
             <a:spLocks noGrp="1"/>
           </p:cNvSpPr>
@@ -418,8 +420,8 @@
         </p:nvSpPr>
         <p:spPr>
           <a:xfrm>
-            <a:off x="431640" y="205920"/>
-            <a:ext cx="8280000" cy="565200"/>
+            <a:off x="457200" y="9360"/>
+            <a:ext cx="8229240" cy="1250280"/>
           </a:xfrm>
           <a:prstGeom prst="rect">
             <a:avLst/>
@@ -428,18 +430,16 @@
         <p:txBody>
           <a:bodyPr lIns="0" rIns="0" tIns="0" bIns="0" anchor="ctr"/>
           <a:p>
-            <a:endParaRPr b="0" lang="ru-RU" sz="1800" spc="-1" strike="noStrike">
-              <a:solidFill>
-                <a:srgbClr val="000000"/>
-              </a:solidFill>
-              <a:latin typeface="Akrobat SemiBold"/>
-            </a:endParaRPr>
-          </a:p>
-        </p:txBody>
-      </p:sp>
-      <p:sp>
-        <p:nvSpPr>
-          <p:cNvPr id="25" name="PlaceHolder 2"/>
+            <a:pPr algn="ctr"/>
+            <a:endParaRPr b="0" lang="ru-RU" sz="4400" spc="-1" strike="noStrike">
+              <a:latin typeface="Arial"/>
+            </a:endParaRPr>
+          </a:p>
+        </p:txBody>
+      </p:sp>
+      <p:sp>
+        <p:nvSpPr>
+          <p:cNvPr id="24" name="PlaceHolder 2"/>
           <p:cNvSpPr>
             <a:spLocks noGrp="1"/>
           </p:cNvSpPr>
@@ -449,8 +449,8 @@
         </p:nvSpPr>
         <p:spPr>
           <a:xfrm>
-            <a:off x="431640" y="915480"/>
-            <a:ext cx="8280000" cy="1785600"/>
+            <a:off x="457200" y="1203480"/>
+            <a:ext cx="8229240" cy="1422720"/>
           </a:xfrm>
           <a:prstGeom prst="rect">
             <a:avLst/>
@@ -461,18 +461,15 @@
             <a:normAutofit/>
           </a:bodyPr>
           <a:p>
-            <a:endParaRPr b="0" lang="ru-RU" sz="2400" spc="-1" strike="noStrike">
-              <a:solidFill>
-                <a:srgbClr val="000000"/>
-              </a:solidFill>
-              <a:latin typeface="Akrobat SemiBold"/>
-            </a:endParaRPr>
-          </a:p>
-        </p:txBody>
-      </p:sp>
-      <p:sp>
-        <p:nvSpPr>
-          <p:cNvPr id="26" name="PlaceHolder 3"/>
+            <a:endParaRPr b="0" lang="ru-RU" sz="3200" spc="-1" strike="noStrike">
+              <a:latin typeface="Arial"/>
+            </a:endParaRPr>
+          </a:p>
+        </p:txBody>
+      </p:sp>
+      <p:sp>
+        <p:nvSpPr>
+          <p:cNvPr id="25" name="PlaceHolder 3"/>
           <p:cNvSpPr>
             <a:spLocks noGrp="1"/>
           </p:cNvSpPr>
@@ -482,8 +479,8 @@
         </p:nvSpPr>
         <p:spPr>
           <a:xfrm>
-            <a:off x="431640" y="2871000"/>
-            <a:ext cx="8280000" cy="1785600"/>
+            <a:off x="457200" y="2761920"/>
+            <a:ext cx="8229240" cy="1422720"/>
           </a:xfrm>
           <a:prstGeom prst="rect">
             <a:avLst/>
@@ -494,11 +491,8 @@
             <a:normAutofit/>
           </a:bodyPr>
           <a:p>
-            <a:endParaRPr b="0" lang="ru-RU" sz="2400" spc="-1" strike="noStrike">
-              <a:solidFill>
-                <a:srgbClr val="000000"/>
-              </a:solidFill>
-              <a:latin typeface="Akrobat SemiBold"/>
+            <a:endParaRPr b="0" lang="ru-RU" sz="3200" spc="-1" strike="noStrike">
+              <a:latin typeface="Arial"/>
             </a:endParaRPr>
           </a:p>
         </p:txBody>
@@ -527,7 +521,7 @@
       </p:grpSpPr>
       <p:sp>
         <p:nvSpPr>
-          <p:cNvPr id="27" name="PlaceHolder 1"/>
+          <p:cNvPr id="26" name="PlaceHolder 1"/>
           <p:cNvSpPr>
             <a:spLocks noGrp="1"/>
           </p:cNvSpPr>
@@ -537,8 +531,8 @@
         </p:nvSpPr>
         <p:spPr>
           <a:xfrm>
-            <a:off x="431640" y="205920"/>
-            <a:ext cx="8280000" cy="565200"/>
+            <a:off x="457200" y="9360"/>
+            <a:ext cx="8229240" cy="1250280"/>
           </a:xfrm>
           <a:prstGeom prst="rect">
             <a:avLst/>
@@ -547,18 +541,16 @@
         <p:txBody>
           <a:bodyPr lIns="0" rIns="0" tIns="0" bIns="0" anchor="ctr"/>
           <a:p>
-            <a:endParaRPr b="0" lang="ru-RU" sz="1800" spc="-1" strike="noStrike">
-              <a:solidFill>
-                <a:srgbClr val="000000"/>
-              </a:solidFill>
-              <a:latin typeface="Akrobat SemiBold"/>
-            </a:endParaRPr>
-          </a:p>
-        </p:txBody>
-      </p:sp>
-      <p:sp>
-        <p:nvSpPr>
-          <p:cNvPr id="28" name="PlaceHolder 2"/>
+            <a:pPr algn="ctr"/>
+            <a:endParaRPr b="0" lang="ru-RU" sz="4400" spc="-1" strike="noStrike">
+              <a:latin typeface="Arial"/>
+            </a:endParaRPr>
+          </a:p>
+        </p:txBody>
+      </p:sp>
+      <p:sp>
+        <p:nvSpPr>
+          <p:cNvPr id="27" name="PlaceHolder 2"/>
           <p:cNvSpPr>
             <a:spLocks noGrp="1"/>
           </p:cNvSpPr>
@@ -568,8 +560,8 @@
         </p:nvSpPr>
         <p:spPr>
           <a:xfrm>
-            <a:off x="431640" y="915480"/>
-            <a:ext cx="4040280" cy="1785600"/>
+            <a:off x="457200" y="1203480"/>
+            <a:ext cx="4015800" cy="1422720"/>
           </a:xfrm>
           <a:prstGeom prst="rect">
             <a:avLst/>
@@ -580,18 +572,15 @@
             <a:normAutofit/>
           </a:bodyPr>
           <a:p>
-            <a:endParaRPr b="0" lang="ru-RU" sz="2400" spc="-1" strike="noStrike">
-              <a:solidFill>
-                <a:srgbClr val="000000"/>
-              </a:solidFill>
-              <a:latin typeface="Akrobat SemiBold"/>
-            </a:endParaRPr>
-          </a:p>
-        </p:txBody>
-      </p:sp>
-      <p:sp>
-        <p:nvSpPr>
-          <p:cNvPr id="29" name="PlaceHolder 3"/>
+            <a:endParaRPr b="0" lang="ru-RU" sz="3200" spc="-1" strike="noStrike">
+              <a:latin typeface="Arial"/>
+            </a:endParaRPr>
+          </a:p>
+        </p:txBody>
+      </p:sp>
+      <p:sp>
+        <p:nvSpPr>
+          <p:cNvPr id="28" name="PlaceHolder 3"/>
           <p:cNvSpPr>
             <a:spLocks noGrp="1"/>
           </p:cNvSpPr>
@@ -601,8 +590,8 @@
         </p:nvSpPr>
         <p:spPr>
           <a:xfrm>
-            <a:off x="4674240" y="915480"/>
-            <a:ext cx="4040280" cy="1785600"/>
+            <a:off x="4674240" y="1203480"/>
+            <a:ext cx="4015800" cy="1422720"/>
           </a:xfrm>
           <a:prstGeom prst="rect">
             <a:avLst/>
@@ -613,18 +602,15 @@
             <a:normAutofit/>
           </a:bodyPr>
           <a:p>
-            <a:endParaRPr b="0" lang="ru-RU" sz="2400" spc="-1" strike="noStrike">
-              <a:solidFill>
-                <a:srgbClr val="000000"/>
-              </a:solidFill>
-              <a:latin typeface="Akrobat SemiBold"/>
-            </a:endParaRPr>
-          </a:p>
-        </p:txBody>
-      </p:sp>
-      <p:sp>
-        <p:nvSpPr>
-          <p:cNvPr id="30" name="PlaceHolder 4"/>
+            <a:endParaRPr b="0" lang="ru-RU" sz="3200" spc="-1" strike="noStrike">
+              <a:latin typeface="Arial"/>
+            </a:endParaRPr>
+          </a:p>
+        </p:txBody>
+      </p:sp>
+      <p:sp>
+        <p:nvSpPr>
+          <p:cNvPr id="29" name="PlaceHolder 4"/>
           <p:cNvSpPr>
             <a:spLocks noGrp="1"/>
           </p:cNvSpPr>
@@ -634,8 +620,8 @@
         </p:nvSpPr>
         <p:spPr>
           <a:xfrm>
-            <a:off x="431640" y="2871000"/>
-            <a:ext cx="4040280" cy="1785600"/>
+            <a:off x="457200" y="2761920"/>
+            <a:ext cx="4015800" cy="1422720"/>
           </a:xfrm>
           <a:prstGeom prst="rect">
             <a:avLst/>
@@ -646,18 +632,15 @@
             <a:normAutofit/>
           </a:bodyPr>
           <a:p>
-            <a:endParaRPr b="0" lang="ru-RU" sz="2400" spc="-1" strike="noStrike">
-              <a:solidFill>
-                <a:srgbClr val="000000"/>
-              </a:solidFill>
-              <a:latin typeface="Akrobat SemiBold"/>
-            </a:endParaRPr>
-          </a:p>
-        </p:txBody>
-      </p:sp>
-      <p:sp>
-        <p:nvSpPr>
-          <p:cNvPr id="31" name="PlaceHolder 5"/>
+            <a:endParaRPr b="0" lang="ru-RU" sz="3200" spc="-1" strike="noStrike">
+              <a:latin typeface="Arial"/>
+            </a:endParaRPr>
+          </a:p>
+        </p:txBody>
+      </p:sp>
+      <p:sp>
+        <p:nvSpPr>
+          <p:cNvPr id="30" name="PlaceHolder 5"/>
           <p:cNvSpPr>
             <a:spLocks noGrp="1"/>
           </p:cNvSpPr>
@@ -667,8 +650,8 @@
         </p:nvSpPr>
         <p:spPr>
           <a:xfrm>
-            <a:off x="4674240" y="2871000"/>
-            <a:ext cx="4040280" cy="1785600"/>
+            <a:off x="4674240" y="2761920"/>
+            <a:ext cx="4015800" cy="1422720"/>
           </a:xfrm>
           <a:prstGeom prst="rect">
             <a:avLst/>
@@ -679,11 +662,8 @@
             <a:normAutofit/>
           </a:bodyPr>
           <a:p>
-            <a:endParaRPr b="0" lang="ru-RU" sz="2400" spc="-1" strike="noStrike">
-              <a:solidFill>
-                <a:srgbClr val="000000"/>
-              </a:solidFill>
-              <a:latin typeface="Akrobat SemiBold"/>
+            <a:endParaRPr b="0" lang="ru-RU" sz="3200" spc="-1" strike="noStrike">
+              <a:latin typeface="Arial"/>
             </a:endParaRPr>
           </a:p>
         </p:txBody>
@@ -712,7 +692,7 @@
       </p:grpSpPr>
       <p:sp>
         <p:nvSpPr>
-          <p:cNvPr id="32" name="PlaceHolder 1"/>
+          <p:cNvPr id="31" name="PlaceHolder 1"/>
           <p:cNvSpPr>
             <a:spLocks noGrp="1"/>
           </p:cNvSpPr>
@@ -722,8 +702,8 @@
         </p:nvSpPr>
         <p:spPr>
           <a:xfrm>
-            <a:off x="431640" y="205920"/>
-            <a:ext cx="8280000" cy="565200"/>
+            <a:off x="457200" y="9360"/>
+            <a:ext cx="8229240" cy="1250280"/>
           </a:xfrm>
           <a:prstGeom prst="rect">
             <a:avLst/>
@@ -732,18 +712,16 @@
         <p:txBody>
           <a:bodyPr lIns="0" rIns="0" tIns="0" bIns="0" anchor="ctr"/>
           <a:p>
-            <a:endParaRPr b="0" lang="ru-RU" sz="1800" spc="-1" strike="noStrike">
-              <a:solidFill>
-                <a:srgbClr val="000000"/>
-              </a:solidFill>
-              <a:latin typeface="Akrobat SemiBold"/>
-            </a:endParaRPr>
-          </a:p>
-        </p:txBody>
-      </p:sp>
-      <p:sp>
-        <p:nvSpPr>
-          <p:cNvPr id="33" name="PlaceHolder 2"/>
+            <a:pPr algn="ctr"/>
+            <a:endParaRPr b="0" lang="ru-RU" sz="4400" spc="-1" strike="noStrike">
+              <a:latin typeface="Arial"/>
+            </a:endParaRPr>
+          </a:p>
+        </p:txBody>
+      </p:sp>
+      <p:sp>
+        <p:nvSpPr>
+          <p:cNvPr id="32" name="PlaceHolder 2"/>
           <p:cNvSpPr>
             <a:spLocks noGrp="1"/>
           </p:cNvSpPr>
@@ -753,8 +731,8 @@
         </p:nvSpPr>
         <p:spPr>
           <a:xfrm>
-            <a:off x="431640" y="915480"/>
-            <a:ext cx="2665800" cy="1785600"/>
+            <a:off x="457200" y="1203480"/>
+            <a:ext cx="2649600" cy="1422720"/>
           </a:xfrm>
           <a:prstGeom prst="rect">
             <a:avLst/>
@@ -762,21 +740,18 @@
         </p:spPr>
         <p:txBody>
           <a:bodyPr lIns="0" rIns="0" tIns="0" bIns="0">
-            <a:normAutofit fontScale="88000"/>
+            <a:normAutofit fontScale="49000"/>
           </a:bodyPr>
           <a:p>
-            <a:endParaRPr b="0" lang="ru-RU" sz="2400" spc="-1" strike="noStrike">
-              <a:solidFill>
-                <a:srgbClr val="000000"/>
-              </a:solidFill>
-              <a:latin typeface="Akrobat SemiBold"/>
-            </a:endParaRPr>
-          </a:p>
-        </p:txBody>
-      </p:sp>
-      <p:sp>
-        <p:nvSpPr>
-          <p:cNvPr id="34" name="PlaceHolder 3"/>
+            <a:endParaRPr b="0" lang="ru-RU" sz="3200" spc="-1" strike="noStrike">
+              <a:latin typeface="Arial"/>
+            </a:endParaRPr>
+          </a:p>
+        </p:txBody>
+      </p:sp>
+      <p:sp>
+        <p:nvSpPr>
+          <p:cNvPr id="33" name="PlaceHolder 3"/>
           <p:cNvSpPr>
             <a:spLocks noGrp="1"/>
           </p:cNvSpPr>
@@ -786,8 +761,8 @@
         </p:nvSpPr>
         <p:spPr>
           <a:xfrm>
-            <a:off x="3231000" y="915480"/>
-            <a:ext cx="2665800" cy="1785600"/>
+            <a:off x="3239640" y="1203480"/>
+            <a:ext cx="2649600" cy="1422720"/>
           </a:xfrm>
           <a:prstGeom prst="rect">
             <a:avLst/>
@@ -795,21 +770,18 @@
         </p:spPr>
         <p:txBody>
           <a:bodyPr lIns="0" rIns="0" tIns="0" bIns="0">
-            <a:normAutofit fontScale="88000"/>
+            <a:normAutofit fontScale="49000"/>
           </a:bodyPr>
           <a:p>
-            <a:endParaRPr b="0" lang="ru-RU" sz="2400" spc="-1" strike="noStrike">
-              <a:solidFill>
-                <a:srgbClr val="000000"/>
-              </a:solidFill>
-              <a:latin typeface="Akrobat SemiBold"/>
-            </a:endParaRPr>
-          </a:p>
-        </p:txBody>
-      </p:sp>
-      <p:sp>
-        <p:nvSpPr>
-          <p:cNvPr id="35" name="PlaceHolder 4"/>
+            <a:endParaRPr b="0" lang="ru-RU" sz="3200" spc="-1" strike="noStrike">
+              <a:latin typeface="Arial"/>
+            </a:endParaRPr>
+          </a:p>
+        </p:txBody>
+      </p:sp>
+      <p:sp>
+        <p:nvSpPr>
+          <p:cNvPr id="34" name="PlaceHolder 4"/>
           <p:cNvSpPr>
             <a:spLocks noGrp="1"/>
           </p:cNvSpPr>
@@ -819,8 +791,8 @@
         </p:nvSpPr>
         <p:spPr>
           <a:xfrm>
-            <a:off x="6030720" y="915480"/>
-            <a:ext cx="2665800" cy="1785600"/>
+            <a:off x="6022080" y="1203480"/>
+            <a:ext cx="2649600" cy="1422720"/>
           </a:xfrm>
           <a:prstGeom prst="rect">
             <a:avLst/>
@@ -828,21 +800,18 @@
         </p:spPr>
         <p:txBody>
           <a:bodyPr lIns="0" rIns="0" tIns="0" bIns="0">
-            <a:normAutofit fontScale="88000"/>
+            <a:normAutofit fontScale="49000"/>
           </a:bodyPr>
           <a:p>
-            <a:endParaRPr b="0" lang="ru-RU" sz="2400" spc="-1" strike="noStrike">
-              <a:solidFill>
-                <a:srgbClr val="000000"/>
-              </a:solidFill>
-              <a:latin typeface="Akrobat SemiBold"/>
-            </a:endParaRPr>
-          </a:p>
-        </p:txBody>
-      </p:sp>
-      <p:sp>
-        <p:nvSpPr>
-          <p:cNvPr id="36" name="PlaceHolder 5"/>
+            <a:endParaRPr b="0" lang="ru-RU" sz="3200" spc="-1" strike="noStrike">
+              <a:latin typeface="Arial"/>
+            </a:endParaRPr>
+          </a:p>
+        </p:txBody>
+      </p:sp>
+      <p:sp>
+        <p:nvSpPr>
+          <p:cNvPr id="35" name="PlaceHolder 5"/>
           <p:cNvSpPr>
             <a:spLocks noGrp="1"/>
           </p:cNvSpPr>
@@ -852,8 +821,8 @@
         </p:nvSpPr>
         <p:spPr>
           <a:xfrm>
-            <a:off x="431640" y="2871000"/>
-            <a:ext cx="2665800" cy="1785600"/>
+            <a:off x="457200" y="2761920"/>
+            <a:ext cx="2649600" cy="1422720"/>
           </a:xfrm>
           <a:prstGeom prst="rect">
             <a:avLst/>
@@ -861,21 +830,18 @@
         </p:spPr>
         <p:txBody>
           <a:bodyPr lIns="0" rIns="0" tIns="0" bIns="0">
-            <a:normAutofit fontScale="88000"/>
+            <a:normAutofit fontScale="49000"/>
           </a:bodyPr>
           <a:p>
-            <a:endParaRPr b="0" lang="ru-RU" sz="2400" spc="-1" strike="noStrike">
-              <a:solidFill>
-                <a:srgbClr val="000000"/>
-              </a:solidFill>
-              <a:latin typeface="Akrobat SemiBold"/>
-            </a:endParaRPr>
-          </a:p>
-        </p:txBody>
-      </p:sp>
-      <p:sp>
-        <p:nvSpPr>
-          <p:cNvPr id="37" name="PlaceHolder 6"/>
+            <a:endParaRPr b="0" lang="ru-RU" sz="3200" spc="-1" strike="noStrike">
+              <a:latin typeface="Arial"/>
+            </a:endParaRPr>
+          </a:p>
+        </p:txBody>
+      </p:sp>
+      <p:sp>
+        <p:nvSpPr>
+          <p:cNvPr id="36" name="PlaceHolder 6"/>
           <p:cNvSpPr>
             <a:spLocks noGrp="1"/>
           </p:cNvSpPr>
@@ -885,8 +851,8 @@
         </p:nvSpPr>
         <p:spPr>
           <a:xfrm>
-            <a:off x="3231000" y="2871000"/>
-            <a:ext cx="2665800" cy="1785600"/>
+            <a:off x="3239640" y="2761920"/>
+            <a:ext cx="2649600" cy="1422720"/>
           </a:xfrm>
           <a:prstGeom prst="rect">
             <a:avLst/>
@@ -894,21 +860,18 @@
         </p:spPr>
         <p:txBody>
           <a:bodyPr lIns="0" rIns="0" tIns="0" bIns="0">
-            <a:normAutofit fontScale="88000"/>
+            <a:normAutofit fontScale="49000"/>
           </a:bodyPr>
           <a:p>
-            <a:endParaRPr b="0" lang="ru-RU" sz="2400" spc="-1" strike="noStrike">
-              <a:solidFill>
-                <a:srgbClr val="000000"/>
-              </a:solidFill>
-              <a:latin typeface="Akrobat SemiBold"/>
-            </a:endParaRPr>
-          </a:p>
-        </p:txBody>
-      </p:sp>
-      <p:sp>
-        <p:nvSpPr>
-          <p:cNvPr id="38" name="PlaceHolder 7"/>
+            <a:endParaRPr b="0" lang="ru-RU" sz="3200" spc="-1" strike="noStrike">
+              <a:latin typeface="Arial"/>
+            </a:endParaRPr>
+          </a:p>
+        </p:txBody>
+      </p:sp>
+      <p:sp>
+        <p:nvSpPr>
+          <p:cNvPr id="37" name="PlaceHolder 7"/>
           <p:cNvSpPr>
             <a:spLocks noGrp="1"/>
           </p:cNvSpPr>
@@ -918,8 +881,8 @@
         </p:nvSpPr>
         <p:spPr>
           <a:xfrm>
-            <a:off x="6030720" y="2871000"/>
-            <a:ext cx="2665800" cy="1785600"/>
+            <a:off x="6022080" y="2761920"/>
+            <a:ext cx="2649600" cy="1422720"/>
           </a:xfrm>
           <a:prstGeom prst="rect">
             <a:avLst/>
@@ -927,14 +890,11 @@
         </p:spPr>
         <p:txBody>
           <a:bodyPr lIns="0" rIns="0" tIns="0" bIns="0">
-            <a:normAutofit fontScale="88000"/>
+            <a:normAutofit fontScale="49000"/>
           </a:bodyPr>
           <a:p>
-            <a:endParaRPr b="0" lang="ru-RU" sz="2400" spc="-1" strike="noStrike">
-              <a:solidFill>
-                <a:srgbClr val="000000"/>
-              </a:solidFill>
-              <a:latin typeface="Akrobat SemiBold"/>
+            <a:endParaRPr b="0" lang="ru-RU" sz="3200" spc="-1" strike="noStrike">
+              <a:latin typeface="Arial"/>
             </a:endParaRPr>
           </a:p>
         </p:txBody>
@@ -985,7 +945,7 @@
       </p:grpSpPr>
       <p:sp>
         <p:nvSpPr>
-          <p:cNvPr id="43" name="PlaceHolder 1"/>
+          <p:cNvPr id="40" name="PlaceHolder 1"/>
           <p:cNvSpPr>
             <a:spLocks noGrp="1"/>
           </p:cNvSpPr>
@@ -995,8 +955,8 @@
         </p:nvSpPr>
         <p:spPr>
           <a:xfrm>
-            <a:off x="431640" y="205920"/>
-            <a:ext cx="8280000" cy="565200"/>
+            <a:off x="457200" y="9360"/>
+            <a:ext cx="8229240" cy="1250280"/>
           </a:xfrm>
           <a:prstGeom prst="rect">
             <a:avLst/>
@@ -1005,18 +965,16 @@
         <p:txBody>
           <a:bodyPr lIns="0" rIns="0" tIns="0" bIns="0" anchor="ctr"/>
           <a:p>
-            <a:endParaRPr b="0" lang="ru-RU" sz="1800" spc="-1" strike="noStrike">
-              <a:solidFill>
-                <a:srgbClr val="000000"/>
-              </a:solidFill>
-              <a:latin typeface="Akrobat SemiBold"/>
-            </a:endParaRPr>
-          </a:p>
-        </p:txBody>
-      </p:sp>
-      <p:sp>
-        <p:nvSpPr>
-          <p:cNvPr id="44" name="PlaceHolder 2"/>
+            <a:pPr algn="ctr"/>
+            <a:endParaRPr b="0" lang="ru-RU" sz="4400" spc="-1" strike="noStrike">
+              <a:latin typeface="Arial"/>
+            </a:endParaRPr>
+          </a:p>
+        </p:txBody>
+      </p:sp>
+      <p:sp>
+        <p:nvSpPr>
+          <p:cNvPr id="41" name="PlaceHolder 2"/>
           <p:cNvSpPr>
             <a:spLocks noGrp="1"/>
           </p:cNvSpPr>
@@ -1026,8 +984,8 @@
         </p:nvSpPr>
         <p:spPr>
           <a:xfrm>
-            <a:off x="431640" y="915480"/>
-            <a:ext cx="8280000" cy="3744000"/>
+            <a:off x="457200" y="1203480"/>
+            <a:ext cx="8229240" cy="2982960"/>
           </a:xfrm>
           <a:prstGeom prst="rect">
             <a:avLst/>
@@ -1067,7 +1025,7 @@
       </p:grpSpPr>
       <p:sp>
         <p:nvSpPr>
-          <p:cNvPr id="45" name="PlaceHolder 1"/>
+          <p:cNvPr id="42" name="PlaceHolder 1"/>
           <p:cNvSpPr>
             <a:spLocks noGrp="1"/>
           </p:cNvSpPr>
@@ -1077,8 +1035,8 @@
         </p:nvSpPr>
         <p:spPr>
           <a:xfrm>
-            <a:off x="431640" y="205920"/>
-            <a:ext cx="8280000" cy="565200"/>
+            <a:off x="457200" y="9360"/>
+            <a:ext cx="8229240" cy="1250280"/>
           </a:xfrm>
           <a:prstGeom prst="rect">
             <a:avLst/>
@@ -1087,18 +1045,16 @@
         <p:txBody>
           <a:bodyPr lIns="0" rIns="0" tIns="0" bIns="0" anchor="ctr"/>
           <a:p>
-            <a:endParaRPr b="0" lang="ru-RU" sz="1800" spc="-1" strike="noStrike">
-              <a:solidFill>
-                <a:srgbClr val="000000"/>
-              </a:solidFill>
-              <a:latin typeface="Akrobat SemiBold"/>
-            </a:endParaRPr>
-          </a:p>
-        </p:txBody>
-      </p:sp>
-      <p:sp>
-        <p:nvSpPr>
-          <p:cNvPr id="46" name="PlaceHolder 2"/>
+            <a:pPr algn="ctr"/>
+            <a:endParaRPr b="0" lang="ru-RU" sz="4400" spc="-1" strike="noStrike">
+              <a:latin typeface="Arial"/>
+            </a:endParaRPr>
+          </a:p>
+        </p:txBody>
+      </p:sp>
+      <p:sp>
+        <p:nvSpPr>
+          <p:cNvPr id="43" name="PlaceHolder 2"/>
           <p:cNvSpPr>
             <a:spLocks noGrp="1"/>
           </p:cNvSpPr>
@@ -1108,8 +1064,8 @@
         </p:nvSpPr>
         <p:spPr>
           <a:xfrm>
-            <a:off x="431640" y="915480"/>
-            <a:ext cx="8280000" cy="3744000"/>
+            <a:off x="457200" y="1203480"/>
+            <a:ext cx="8229240" cy="2982960"/>
           </a:xfrm>
           <a:prstGeom prst="rect">
             <a:avLst/>
@@ -1120,11 +1076,8 @@
             <a:normAutofit/>
           </a:bodyPr>
           <a:p>
-            <a:endParaRPr b="0" lang="ru-RU" sz="2400" spc="-1" strike="noStrike">
-              <a:solidFill>
-                <a:srgbClr val="000000"/>
-              </a:solidFill>
-              <a:latin typeface="Akrobat SemiBold"/>
+            <a:endParaRPr b="0" lang="ru-RU" sz="3200" spc="-1" strike="noStrike">
+              <a:latin typeface="Arial"/>
             </a:endParaRPr>
           </a:p>
         </p:txBody>
@@ -1153,7 +1106,7 @@
       </p:grpSpPr>
       <p:sp>
         <p:nvSpPr>
-          <p:cNvPr id="47" name="PlaceHolder 1"/>
+          <p:cNvPr id="44" name="PlaceHolder 1"/>
           <p:cNvSpPr>
             <a:spLocks noGrp="1"/>
           </p:cNvSpPr>
@@ -1163,8 +1116,8 @@
         </p:nvSpPr>
         <p:spPr>
           <a:xfrm>
-            <a:off x="431640" y="205920"/>
-            <a:ext cx="8280000" cy="565200"/>
+            <a:off x="457200" y="9360"/>
+            <a:ext cx="8229240" cy="1250280"/>
           </a:xfrm>
           <a:prstGeom prst="rect">
             <a:avLst/>
@@ -1173,18 +1126,16 @@
         <p:txBody>
           <a:bodyPr lIns="0" rIns="0" tIns="0" bIns="0" anchor="ctr"/>
           <a:p>
-            <a:endParaRPr b="0" lang="ru-RU" sz="1800" spc="-1" strike="noStrike">
-              <a:solidFill>
-                <a:srgbClr val="000000"/>
-              </a:solidFill>
-              <a:latin typeface="Akrobat SemiBold"/>
-            </a:endParaRPr>
-          </a:p>
-        </p:txBody>
-      </p:sp>
-      <p:sp>
-        <p:nvSpPr>
-          <p:cNvPr id="48" name="PlaceHolder 2"/>
+            <a:pPr algn="ctr"/>
+            <a:endParaRPr b="0" lang="ru-RU" sz="4400" spc="-1" strike="noStrike">
+              <a:latin typeface="Arial"/>
+            </a:endParaRPr>
+          </a:p>
+        </p:txBody>
+      </p:sp>
+      <p:sp>
+        <p:nvSpPr>
+          <p:cNvPr id="45" name="PlaceHolder 2"/>
           <p:cNvSpPr>
             <a:spLocks noGrp="1"/>
           </p:cNvSpPr>
@@ -1194,8 +1145,8 @@
         </p:nvSpPr>
         <p:spPr>
           <a:xfrm>
-            <a:off x="431640" y="915480"/>
-            <a:ext cx="4040280" cy="3744000"/>
+            <a:off x="457200" y="1203480"/>
+            <a:ext cx="4015800" cy="2982960"/>
           </a:xfrm>
           <a:prstGeom prst="rect">
             <a:avLst/>
@@ -1206,18 +1157,15 @@
             <a:normAutofit/>
           </a:bodyPr>
           <a:p>
-            <a:endParaRPr b="0" lang="ru-RU" sz="2400" spc="-1" strike="noStrike">
-              <a:solidFill>
-                <a:srgbClr val="000000"/>
-              </a:solidFill>
-              <a:latin typeface="Akrobat SemiBold"/>
-            </a:endParaRPr>
-          </a:p>
-        </p:txBody>
-      </p:sp>
-      <p:sp>
-        <p:nvSpPr>
-          <p:cNvPr id="49" name="PlaceHolder 3"/>
+            <a:endParaRPr b="0" lang="ru-RU" sz="3200" spc="-1" strike="noStrike">
+              <a:latin typeface="Arial"/>
+            </a:endParaRPr>
+          </a:p>
+        </p:txBody>
+      </p:sp>
+      <p:sp>
+        <p:nvSpPr>
+          <p:cNvPr id="46" name="PlaceHolder 3"/>
           <p:cNvSpPr>
             <a:spLocks noGrp="1"/>
           </p:cNvSpPr>
@@ -1227,8 +1175,8 @@
         </p:nvSpPr>
         <p:spPr>
           <a:xfrm>
-            <a:off x="4674240" y="915480"/>
-            <a:ext cx="4040280" cy="3744000"/>
+            <a:off x="4674240" y="1203480"/>
+            <a:ext cx="4015800" cy="2982960"/>
           </a:xfrm>
           <a:prstGeom prst="rect">
             <a:avLst/>
@@ -1239,11 +1187,8 @@
             <a:normAutofit/>
           </a:bodyPr>
           <a:p>
-            <a:endParaRPr b="0" lang="ru-RU" sz="2400" spc="-1" strike="noStrike">
-              <a:solidFill>
-                <a:srgbClr val="000000"/>
-              </a:solidFill>
-              <a:latin typeface="Akrobat SemiBold"/>
+            <a:endParaRPr b="0" lang="ru-RU" sz="3200" spc="-1" strike="noStrike">
+              <a:latin typeface="Arial"/>
             </a:endParaRPr>
           </a:p>
         </p:txBody>
@@ -1272,7 +1217,7 @@
       </p:grpSpPr>
       <p:sp>
         <p:nvSpPr>
-          <p:cNvPr id="50" name="PlaceHolder 1"/>
+          <p:cNvPr id="47" name="PlaceHolder 1"/>
           <p:cNvSpPr>
             <a:spLocks noGrp="1"/>
           </p:cNvSpPr>
@@ -1282,8 +1227,8 @@
         </p:nvSpPr>
         <p:spPr>
           <a:xfrm>
-            <a:off x="431640" y="205920"/>
-            <a:ext cx="8280000" cy="565200"/>
+            <a:off x="457200" y="9360"/>
+            <a:ext cx="8229240" cy="1250280"/>
           </a:xfrm>
           <a:prstGeom prst="rect">
             <a:avLst/>
@@ -1292,11 +1237,9 @@
         <p:txBody>
           <a:bodyPr lIns="0" rIns="0" tIns="0" bIns="0" anchor="ctr"/>
           <a:p>
-            <a:endParaRPr b="0" lang="ru-RU" sz="1800" spc="-1" strike="noStrike">
-              <a:solidFill>
-                <a:srgbClr val="000000"/>
-              </a:solidFill>
-              <a:latin typeface="Akrobat SemiBold"/>
+            <a:pPr algn="ctr"/>
+            <a:endParaRPr b="0" lang="ru-RU" sz="4400" spc="-1" strike="noStrike">
+              <a:latin typeface="Arial"/>
             </a:endParaRPr>
           </a:p>
         </p:txBody>
@@ -1325,7 +1268,7 @@
       </p:grpSpPr>
       <p:sp>
         <p:nvSpPr>
-          <p:cNvPr id="51" name="PlaceHolder 1"/>
+          <p:cNvPr id="48" name="PlaceHolder 1"/>
           <p:cNvSpPr>
             <a:spLocks noGrp="1"/>
           </p:cNvSpPr>
@@ -1335,8 +1278,8 @@
         </p:nvSpPr>
         <p:spPr>
           <a:xfrm>
-            <a:off x="431640" y="205920"/>
-            <a:ext cx="8280000" cy="2621160"/>
+            <a:off x="457200" y="205200"/>
+            <a:ext cx="8229240" cy="3981240"/>
           </a:xfrm>
           <a:prstGeom prst="rect">
             <a:avLst/>
@@ -1376,7 +1319,7 @@
       </p:grpSpPr>
       <p:sp>
         <p:nvSpPr>
-          <p:cNvPr id="52" name="PlaceHolder 1"/>
+          <p:cNvPr id="49" name="PlaceHolder 1"/>
           <p:cNvSpPr>
             <a:spLocks noGrp="1"/>
           </p:cNvSpPr>
@@ -1386,8 +1329,8 @@
         </p:nvSpPr>
         <p:spPr>
           <a:xfrm>
-            <a:off x="431640" y="205920"/>
-            <a:ext cx="8280000" cy="565200"/>
+            <a:off x="457200" y="9360"/>
+            <a:ext cx="8229240" cy="1250280"/>
           </a:xfrm>
           <a:prstGeom prst="rect">
             <a:avLst/>
@@ -1396,18 +1339,16 @@
         <p:txBody>
           <a:bodyPr lIns="0" rIns="0" tIns="0" bIns="0" anchor="ctr"/>
           <a:p>
-            <a:endParaRPr b="0" lang="ru-RU" sz="1800" spc="-1" strike="noStrike">
-              <a:solidFill>
-                <a:srgbClr val="000000"/>
-              </a:solidFill>
-              <a:latin typeface="Akrobat SemiBold"/>
-            </a:endParaRPr>
-          </a:p>
-        </p:txBody>
-      </p:sp>
-      <p:sp>
-        <p:nvSpPr>
-          <p:cNvPr id="53" name="PlaceHolder 2"/>
+            <a:pPr algn="ctr"/>
+            <a:endParaRPr b="0" lang="ru-RU" sz="4400" spc="-1" strike="noStrike">
+              <a:latin typeface="Arial"/>
+            </a:endParaRPr>
+          </a:p>
+        </p:txBody>
+      </p:sp>
+      <p:sp>
+        <p:nvSpPr>
+          <p:cNvPr id="50" name="PlaceHolder 2"/>
           <p:cNvSpPr>
             <a:spLocks noGrp="1"/>
           </p:cNvSpPr>
@@ -1417,8 +1358,8 @@
         </p:nvSpPr>
         <p:spPr>
           <a:xfrm>
-            <a:off x="431640" y="915480"/>
-            <a:ext cx="4040280" cy="1785600"/>
+            <a:off x="457200" y="1203480"/>
+            <a:ext cx="4015800" cy="1422720"/>
           </a:xfrm>
           <a:prstGeom prst="rect">
             <a:avLst/>
@@ -1429,18 +1370,15 @@
             <a:normAutofit/>
           </a:bodyPr>
           <a:p>
-            <a:endParaRPr b="0" lang="ru-RU" sz="2400" spc="-1" strike="noStrike">
-              <a:solidFill>
-                <a:srgbClr val="000000"/>
-              </a:solidFill>
-              <a:latin typeface="Akrobat SemiBold"/>
-            </a:endParaRPr>
-          </a:p>
-        </p:txBody>
-      </p:sp>
-      <p:sp>
-        <p:nvSpPr>
-          <p:cNvPr id="54" name="PlaceHolder 3"/>
+            <a:endParaRPr b="0" lang="ru-RU" sz="3200" spc="-1" strike="noStrike">
+              <a:latin typeface="Arial"/>
+            </a:endParaRPr>
+          </a:p>
+        </p:txBody>
+      </p:sp>
+      <p:sp>
+        <p:nvSpPr>
+          <p:cNvPr id="51" name="PlaceHolder 3"/>
           <p:cNvSpPr>
             <a:spLocks noGrp="1"/>
           </p:cNvSpPr>
@@ -1450,8 +1388,8 @@
         </p:nvSpPr>
         <p:spPr>
           <a:xfrm>
-            <a:off x="4674240" y="915480"/>
-            <a:ext cx="4040280" cy="3744000"/>
+            <a:off x="4674240" y="1203480"/>
+            <a:ext cx="4015800" cy="2982960"/>
           </a:xfrm>
           <a:prstGeom prst="rect">
             <a:avLst/>
@@ -1462,18 +1400,15 @@
             <a:normAutofit/>
           </a:bodyPr>
           <a:p>
-            <a:endParaRPr b="0" lang="ru-RU" sz="2400" spc="-1" strike="noStrike">
-              <a:solidFill>
-                <a:srgbClr val="000000"/>
-              </a:solidFill>
-              <a:latin typeface="Akrobat SemiBold"/>
-            </a:endParaRPr>
-          </a:p>
-        </p:txBody>
-      </p:sp>
-      <p:sp>
-        <p:nvSpPr>
-          <p:cNvPr id="55" name="PlaceHolder 4"/>
+            <a:endParaRPr b="0" lang="ru-RU" sz="3200" spc="-1" strike="noStrike">
+              <a:latin typeface="Arial"/>
+            </a:endParaRPr>
+          </a:p>
+        </p:txBody>
+      </p:sp>
+      <p:sp>
+        <p:nvSpPr>
+          <p:cNvPr id="52" name="PlaceHolder 4"/>
           <p:cNvSpPr>
             <a:spLocks noGrp="1"/>
           </p:cNvSpPr>
@@ -1483,8 +1418,8 @@
         </p:nvSpPr>
         <p:spPr>
           <a:xfrm>
-            <a:off x="431640" y="2871000"/>
-            <a:ext cx="4040280" cy="1785600"/>
+            <a:off x="457200" y="2761920"/>
+            <a:ext cx="4015800" cy="1422720"/>
           </a:xfrm>
           <a:prstGeom prst="rect">
             <a:avLst/>
@@ -1495,11 +1430,8 @@
             <a:normAutofit/>
           </a:bodyPr>
           <a:p>
-            <a:endParaRPr b="0" lang="ru-RU" sz="2400" spc="-1" strike="noStrike">
-              <a:solidFill>
-                <a:srgbClr val="000000"/>
-              </a:solidFill>
-              <a:latin typeface="Akrobat SemiBold"/>
+            <a:endParaRPr b="0" lang="ru-RU" sz="3200" spc="-1" strike="noStrike">
+              <a:latin typeface="Arial"/>
             </a:endParaRPr>
           </a:p>
         </p:txBody>
@@ -1528,7 +1460,7 @@
       </p:grpSpPr>
       <p:sp>
         <p:nvSpPr>
-          <p:cNvPr id="3" name="PlaceHolder 1"/>
+          <p:cNvPr id="2" name="PlaceHolder 1"/>
           <p:cNvSpPr>
             <a:spLocks noGrp="1"/>
           </p:cNvSpPr>
@@ -1538,8 +1470,8 @@
         </p:nvSpPr>
         <p:spPr>
           <a:xfrm>
-            <a:off x="431640" y="205920"/>
-            <a:ext cx="8280000" cy="565200"/>
+            <a:off x="457200" y="9360"/>
+            <a:ext cx="8229240" cy="1250280"/>
           </a:xfrm>
           <a:prstGeom prst="rect">
             <a:avLst/>
@@ -1548,18 +1480,16 @@
         <p:txBody>
           <a:bodyPr lIns="0" rIns="0" tIns="0" bIns="0" anchor="ctr"/>
           <a:p>
-            <a:endParaRPr b="0" lang="ru-RU" sz="1800" spc="-1" strike="noStrike">
-              <a:solidFill>
-                <a:srgbClr val="000000"/>
-              </a:solidFill>
-              <a:latin typeface="Akrobat SemiBold"/>
-            </a:endParaRPr>
-          </a:p>
-        </p:txBody>
-      </p:sp>
-      <p:sp>
-        <p:nvSpPr>
-          <p:cNvPr id="4" name="PlaceHolder 2"/>
+            <a:pPr algn="ctr"/>
+            <a:endParaRPr b="0" lang="ru-RU" sz="4400" spc="-1" strike="noStrike">
+              <a:latin typeface="Arial"/>
+            </a:endParaRPr>
+          </a:p>
+        </p:txBody>
+      </p:sp>
+      <p:sp>
+        <p:nvSpPr>
+          <p:cNvPr id="3" name="PlaceHolder 2"/>
           <p:cNvSpPr>
             <a:spLocks noGrp="1"/>
           </p:cNvSpPr>
@@ -1569,8 +1499,8 @@
         </p:nvSpPr>
         <p:spPr>
           <a:xfrm>
-            <a:off x="431640" y="915480"/>
-            <a:ext cx="8280000" cy="3744000"/>
+            <a:off x="457200" y="1203480"/>
+            <a:ext cx="8229240" cy="2982960"/>
           </a:xfrm>
           <a:prstGeom prst="rect">
             <a:avLst/>
@@ -1610,7 +1540,7 @@
       </p:grpSpPr>
       <p:sp>
         <p:nvSpPr>
-          <p:cNvPr id="56" name="PlaceHolder 1"/>
+          <p:cNvPr id="53" name="PlaceHolder 1"/>
           <p:cNvSpPr>
             <a:spLocks noGrp="1"/>
           </p:cNvSpPr>
@@ -1620,8 +1550,8 @@
         </p:nvSpPr>
         <p:spPr>
           <a:xfrm>
-            <a:off x="431640" y="205920"/>
-            <a:ext cx="8280000" cy="565200"/>
+            <a:off x="457200" y="9360"/>
+            <a:ext cx="8229240" cy="1250280"/>
           </a:xfrm>
           <a:prstGeom prst="rect">
             <a:avLst/>
@@ -1630,18 +1560,16 @@
         <p:txBody>
           <a:bodyPr lIns="0" rIns="0" tIns="0" bIns="0" anchor="ctr"/>
           <a:p>
-            <a:endParaRPr b="0" lang="ru-RU" sz="1800" spc="-1" strike="noStrike">
-              <a:solidFill>
-                <a:srgbClr val="000000"/>
-              </a:solidFill>
-              <a:latin typeface="Akrobat SemiBold"/>
-            </a:endParaRPr>
-          </a:p>
-        </p:txBody>
-      </p:sp>
-      <p:sp>
-        <p:nvSpPr>
-          <p:cNvPr id="57" name="PlaceHolder 2"/>
+            <a:pPr algn="ctr"/>
+            <a:endParaRPr b="0" lang="ru-RU" sz="4400" spc="-1" strike="noStrike">
+              <a:latin typeface="Arial"/>
+            </a:endParaRPr>
+          </a:p>
+        </p:txBody>
+      </p:sp>
+      <p:sp>
+        <p:nvSpPr>
+          <p:cNvPr id="54" name="PlaceHolder 2"/>
           <p:cNvSpPr>
             <a:spLocks noGrp="1"/>
           </p:cNvSpPr>
@@ -1651,8 +1579,8 @@
         </p:nvSpPr>
         <p:spPr>
           <a:xfrm>
-            <a:off x="431640" y="915480"/>
-            <a:ext cx="4040280" cy="3744000"/>
+            <a:off x="457200" y="1203480"/>
+            <a:ext cx="4015800" cy="2982960"/>
           </a:xfrm>
           <a:prstGeom prst="rect">
             <a:avLst/>
@@ -1663,18 +1591,15 @@
             <a:normAutofit/>
           </a:bodyPr>
           <a:p>
-            <a:endParaRPr b="0" lang="ru-RU" sz="2400" spc="-1" strike="noStrike">
-              <a:solidFill>
-                <a:srgbClr val="000000"/>
-              </a:solidFill>
-              <a:latin typeface="Akrobat SemiBold"/>
-            </a:endParaRPr>
-          </a:p>
-        </p:txBody>
-      </p:sp>
-      <p:sp>
-        <p:nvSpPr>
-          <p:cNvPr id="58" name="PlaceHolder 3"/>
+            <a:endParaRPr b="0" lang="ru-RU" sz="3200" spc="-1" strike="noStrike">
+              <a:latin typeface="Arial"/>
+            </a:endParaRPr>
+          </a:p>
+        </p:txBody>
+      </p:sp>
+      <p:sp>
+        <p:nvSpPr>
+          <p:cNvPr id="55" name="PlaceHolder 3"/>
           <p:cNvSpPr>
             <a:spLocks noGrp="1"/>
           </p:cNvSpPr>
@@ -1684,8 +1609,8 @@
         </p:nvSpPr>
         <p:spPr>
           <a:xfrm>
-            <a:off x="4674240" y="915480"/>
-            <a:ext cx="4040280" cy="1785600"/>
+            <a:off x="4674240" y="1203480"/>
+            <a:ext cx="4015800" cy="1422720"/>
           </a:xfrm>
           <a:prstGeom prst="rect">
             <a:avLst/>
@@ -1696,18 +1621,15 @@
             <a:normAutofit/>
           </a:bodyPr>
           <a:p>
-            <a:endParaRPr b="0" lang="ru-RU" sz="2400" spc="-1" strike="noStrike">
-              <a:solidFill>
-                <a:srgbClr val="000000"/>
-              </a:solidFill>
-              <a:latin typeface="Akrobat SemiBold"/>
-            </a:endParaRPr>
-          </a:p>
-        </p:txBody>
-      </p:sp>
-      <p:sp>
-        <p:nvSpPr>
-          <p:cNvPr id="59" name="PlaceHolder 4"/>
+            <a:endParaRPr b="0" lang="ru-RU" sz="3200" spc="-1" strike="noStrike">
+              <a:latin typeface="Arial"/>
+            </a:endParaRPr>
+          </a:p>
+        </p:txBody>
+      </p:sp>
+      <p:sp>
+        <p:nvSpPr>
+          <p:cNvPr id="56" name="PlaceHolder 4"/>
           <p:cNvSpPr>
             <a:spLocks noGrp="1"/>
           </p:cNvSpPr>
@@ -1717,8 +1639,8 @@
         </p:nvSpPr>
         <p:spPr>
           <a:xfrm>
-            <a:off x="4674240" y="2871000"/>
-            <a:ext cx="4040280" cy="1785600"/>
+            <a:off x="4674240" y="2761920"/>
+            <a:ext cx="4015800" cy="1422720"/>
           </a:xfrm>
           <a:prstGeom prst="rect">
             <a:avLst/>
@@ -1729,11 +1651,8 @@
             <a:normAutofit/>
           </a:bodyPr>
           <a:p>
-            <a:endParaRPr b="0" lang="ru-RU" sz="2400" spc="-1" strike="noStrike">
-              <a:solidFill>
-                <a:srgbClr val="000000"/>
-              </a:solidFill>
-              <a:latin typeface="Akrobat SemiBold"/>
+            <a:endParaRPr b="0" lang="ru-RU" sz="3200" spc="-1" strike="noStrike">
+              <a:latin typeface="Arial"/>
             </a:endParaRPr>
           </a:p>
         </p:txBody>
@@ -1762,7 +1681,7 @@
       </p:grpSpPr>
       <p:sp>
         <p:nvSpPr>
-          <p:cNvPr id="60" name="PlaceHolder 1"/>
+          <p:cNvPr id="57" name="PlaceHolder 1"/>
           <p:cNvSpPr>
             <a:spLocks noGrp="1"/>
           </p:cNvSpPr>
@@ -1772,8 +1691,8 @@
         </p:nvSpPr>
         <p:spPr>
           <a:xfrm>
-            <a:off x="431640" y="205920"/>
-            <a:ext cx="8280000" cy="565200"/>
+            <a:off x="457200" y="9360"/>
+            <a:ext cx="8229240" cy="1250280"/>
           </a:xfrm>
           <a:prstGeom prst="rect">
             <a:avLst/>
@@ -1782,18 +1701,16 @@
         <p:txBody>
           <a:bodyPr lIns="0" rIns="0" tIns="0" bIns="0" anchor="ctr"/>
           <a:p>
-            <a:endParaRPr b="0" lang="ru-RU" sz="1800" spc="-1" strike="noStrike">
-              <a:solidFill>
-                <a:srgbClr val="000000"/>
-              </a:solidFill>
-              <a:latin typeface="Akrobat SemiBold"/>
-            </a:endParaRPr>
-          </a:p>
-        </p:txBody>
-      </p:sp>
-      <p:sp>
-        <p:nvSpPr>
-          <p:cNvPr id="61" name="PlaceHolder 2"/>
+            <a:pPr algn="ctr"/>
+            <a:endParaRPr b="0" lang="ru-RU" sz="4400" spc="-1" strike="noStrike">
+              <a:latin typeface="Arial"/>
+            </a:endParaRPr>
+          </a:p>
+        </p:txBody>
+      </p:sp>
+      <p:sp>
+        <p:nvSpPr>
+          <p:cNvPr id="58" name="PlaceHolder 2"/>
           <p:cNvSpPr>
             <a:spLocks noGrp="1"/>
           </p:cNvSpPr>
@@ -1803,8 +1720,8 @@
         </p:nvSpPr>
         <p:spPr>
           <a:xfrm>
-            <a:off x="431640" y="915480"/>
-            <a:ext cx="4040280" cy="1785600"/>
+            <a:off x="457200" y="1203480"/>
+            <a:ext cx="4015800" cy="1422720"/>
           </a:xfrm>
           <a:prstGeom prst="rect">
             <a:avLst/>
@@ -1815,18 +1732,15 @@
             <a:normAutofit/>
           </a:bodyPr>
           <a:p>
-            <a:endParaRPr b="0" lang="ru-RU" sz="2400" spc="-1" strike="noStrike">
-              <a:solidFill>
-                <a:srgbClr val="000000"/>
-              </a:solidFill>
-              <a:latin typeface="Akrobat SemiBold"/>
-            </a:endParaRPr>
-          </a:p>
-        </p:txBody>
-      </p:sp>
-      <p:sp>
-        <p:nvSpPr>
-          <p:cNvPr id="62" name="PlaceHolder 3"/>
+            <a:endParaRPr b="0" lang="ru-RU" sz="3200" spc="-1" strike="noStrike">
+              <a:latin typeface="Arial"/>
+            </a:endParaRPr>
+          </a:p>
+        </p:txBody>
+      </p:sp>
+      <p:sp>
+        <p:nvSpPr>
+          <p:cNvPr id="59" name="PlaceHolder 3"/>
           <p:cNvSpPr>
             <a:spLocks noGrp="1"/>
           </p:cNvSpPr>
@@ -1836,8 +1750,8 @@
         </p:nvSpPr>
         <p:spPr>
           <a:xfrm>
-            <a:off x="4674240" y="915480"/>
-            <a:ext cx="4040280" cy="1785600"/>
+            <a:off x="4674240" y="1203480"/>
+            <a:ext cx="4015800" cy="1422720"/>
           </a:xfrm>
           <a:prstGeom prst="rect">
             <a:avLst/>
@@ -1848,18 +1762,15 @@
             <a:normAutofit/>
           </a:bodyPr>
           <a:p>
-            <a:endParaRPr b="0" lang="ru-RU" sz="2400" spc="-1" strike="noStrike">
-              <a:solidFill>
-                <a:srgbClr val="000000"/>
-              </a:solidFill>
-              <a:latin typeface="Akrobat SemiBold"/>
-            </a:endParaRPr>
-          </a:p>
-        </p:txBody>
-      </p:sp>
-      <p:sp>
-        <p:nvSpPr>
-          <p:cNvPr id="63" name="PlaceHolder 4"/>
+            <a:endParaRPr b="0" lang="ru-RU" sz="3200" spc="-1" strike="noStrike">
+              <a:latin typeface="Arial"/>
+            </a:endParaRPr>
+          </a:p>
+        </p:txBody>
+      </p:sp>
+      <p:sp>
+        <p:nvSpPr>
+          <p:cNvPr id="60" name="PlaceHolder 4"/>
           <p:cNvSpPr>
             <a:spLocks noGrp="1"/>
           </p:cNvSpPr>
@@ -1869,8 +1780,8 @@
         </p:nvSpPr>
         <p:spPr>
           <a:xfrm>
-            <a:off x="431640" y="2871000"/>
-            <a:ext cx="8280000" cy="1785600"/>
+            <a:off x="457200" y="2761920"/>
+            <a:ext cx="8229240" cy="1422720"/>
           </a:xfrm>
           <a:prstGeom prst="rect">
             <a:avLst/>
@@ -1881,11 +1792,8 @@
             <a:normAutofit/>
           </a:bodyPr>
           <a:p>
-            <a:endParaRPr b="0" lang="ru-RU" sz="2400" spc="-1" strike="noStrike">
-              <a:solidFill>
-                <a:srgbClr val="000000"/>
-              </a:solidFill>
-              <a:latin typeface="Akrobat SemiBold"/>
+            <a:endParaRPr b="0" lang="ru-RU" sz="3200" spc="-1" strike="noStrike">
+              <a:latin typeface="Arial"/>
             </a:endParaRPr>
           </a:p>
         </p:txBody>
@@ -1914,7 +1822,7 @@
       </p:grpSpPr>
       <p:sp>
         <p:nvSpPr>
-          <p:cNvPr id="64" name="PlaceHolder 1"/>
+          <p:cNvPr id="61" name="PlaceHolder 1"/>
           <p:cNvSpPr>
             <a:spLocks noGrp="1"/>
           </p:cNvSpPr>
@@ -1924,8 +1832,8 @@
         </p:nvSpPr>
         <p:spPr>
           <a:xfrm>
-            <a:off x="431640" y="205920"/>
-            <a:ext cx="8280000" cy="565200"/>
+            <a:off x="457200" y="9360"/>
+            <a:ext cx="8229240" cy="1250280"/>
           </a:xfrm>
           <a:prstGeom prst="rect">
             <a:avLst/>
@@ -1934,18 +1842,16 @@
         <p:txBody>
           <a:bodyPr lIns="0" rIns="0" tIns="0" bIns="0" anchor="ctr"/>
           <a:p>
-            <a:endParaRPr b="0" lang="ru-RU" sz="1800" spc="-1" strike="noStrike">
-              <a:solidFill>
-                <a:srgbClr val="000000"/>
-              </a:solidFill>
-              <a:latin typeface="Akrobat SemiBold"/>
-            </a:endParaRPr>
-          </a:p>
-        </p:txBody>
-      </p:sp>
-      <p:sp>
-        <p:nvSpPr>
-          <p:cNvPr id="65" name="PlaceHolder 2"/>
+            <a:pPr algn="ctr"/>
+            <a:endParaRPr b="0" lang="ru-RU" sz="4400" spc="-1" strike="noStrike">
+              <a:latin typeface="Arial"/>
+            </a:endParaRPr>
+          </a:p>
+        </p:txBody>
+      </p:sp>
+      <p:sp>
+        <p:nvSpPr>
+          <p:cNvPr id="62" name="PlaceHolder 2"/>
           <p:cNvSpPr>
             <a:spLocks noGrp="1"/>
           </p:cNvSpPr>
@@ -1955,8 +1861,8 @@
         </p:nvSpPr>
         <p:spPr>
           <a:xfrm>
-            <a:off x="431640" y="915480"/>
-            <a:ext cx="8280000" cy="1785600"/>
+            <a:off x="457200" y="1203480"/>
+            <a:ext cx="8229240" cy="1422720"/>
           </a:xfrm>
           <a:prstGeom prst="rect">
             <a:avLst/>
@@ -1967,18 +1873,15 @@
             <a:normAutofit/>
           </a:bodyPr>
           <a:p>
-            <a:endParaRPr b="0" lang="ru-RU" sz="2400" spc="-1" strike="noStrike">
-              <a:solidFill>
-                <a:srgbClr val="000000"/>
-              </a:solidFill>
-              <a:latin typeface="Akrobat SemiBold"/>
-            </a:endParaRPr>
-          </a:p>
-        </p:txBody>
-      </p:sp>
-      <p:sp>
-        <p:nvSpPr>
-          <p:cNvPr id="66" name="PlaceHolder 3"/>
+            <a:endParaRPr b="0" lang="ru-RU" sz="3200" spc="-1" strike="noStrike">
+              <a:latin typeface="Arial"/>
+            </a:endParaRPr>
+          </a:p>
+        </p:txBody>
+      </p:sp>
+      <p:sp>
+        <p:nvSpPr>
+          <p:cNvPr id="63" name="PlaceHolder 3"/>
           <p:cNvSpPr>
             <a:spLocks noGrp="1"/>
           </p:cNvSpPr>
@@ -1988,8 +1891,8 @@
         </p:nvSpPr>
         <p:spPr>
           <a:xfrm>
-            <a:off x="431640" y="2871000"/>
-            <a:ext cx="8280000" cy="1785600"/>
+            <a:off x="457200" y="2761920"/>
+            <a:ext cx="8229240" cy="1422720"/>
           </a:xfrm>
           <a:prstGeom prst="rect">
             <a:avLst/>
@@ -2000,11 +1903,8 @@
             <a:normAutofit/>
           </a:bodyPr>
           <a:p>
-            <a:endParaRPr b="0" lang="ru-RU" sz="2400" spc="-1" strike="noStrike">
-              <a:solidFill>
-                <a:srgbClr val="000000"/>
-              </a:solidFill>
-              <a:latin typeface="Akrobat SemiBold"/>
+            <a:endParaRPr b="0" lang="ru-RU" sz="3200" spc="-1" strike="noStrike">
+              <a:latin typeface="Arial"/>
             </a:endParaRPr>
           </a:p>
         </p:txBody>
@@ -2033,7 +1933,7 @@
       </p:grpSpPr>
       <p:sp>
         <p:nvSpPr>
-          <p:cNvPr id="67" name="PlaceHolder 1"/>
+          <p:cNvPr id="64" name="PlaceHolder 1"/>
           <p:cNvSpPr>
             <a:spLocks noGrp="1"/>
           </p:cNvSpPr>
@@ -2043,8 +1943,8 @@
         </p:nvSpPr>
         <p:spPr>
           <a:xfrm>
-            <a:off x="431640" y="205920"/>
-            <a:ext cx="8280000" cy="565200"/>
+            <a:off x="457200" y="9360"/>
+            <a:ext cx="8229240" cy="1250280"/>
           </a:xfrm>
           <a:prstGeom prst="rect">
             <a:avLst/>
@@ -2053,18 +1953,16 @@
         <p:txBody>
           <a:bodyPr lIns="0" rIns="0" tIns="0" bIns="0" anchor="ctr"/>
           <a:p>
-            <a:endParaRPr b="0" lang="ru-RU" sz="1800" spc="-1" strike="noStrike">
-              <a:solidFill>
-                <a:srgbClr val="000000"/>
-              </a:solidFill>
-              <a:latin typeface="Akrobat SemiBold"/>
-            </a:endParaRPr>
-          </a:p>
-        </p:txBody>
-      </p:sp>
-      <p:sp>
-        <p:nvSpPr>
-          <p:cNvPr id="68" name="PlaceHolder 2"/>
+            <a:pPr algn="ctr"/>
+            <a:endParaRPr b="0" lang="ru-RU" sz="4400" spc="-1" strike="noStrike">
+              <a:latin typeface="Arial"/>
+            </a:endParaRPr>
+          </a:p>
+        </p:txBody>
+      </p:sp>
+      <p:sp>
+        <p:nvSpPr>
+          <p:cNvPr id="65" name="PlaceHolder 2"/>
           <p:cNvSpPr>
             <a:spLocks noGrp="1"/>
           </p:cNvSpPr>
@@ -2074,8 +1972,8 @@
         </p:nvSpPr>
         <p:spPr>
           <a:xfrm>
-            <a:off x="431640" y="915480"/>
-            <a:ext cx="4040280" cy="1785600"/>
+            <a:off x="457200" y="1203480"/>
+            <a:ext cx="4015800" cy="1422720"/>
           </a:xfrm>
           <a:prstGeom prst="rect">
             <a:avLst/>
@@ -2086,18 +1984,15 @@
             <a:normAutofit/>
           </a:bodyPr>
           <a:p>
-            <a:endParaRPr b="0" lang="ru-RU" sz="2400" spc="-1" strike="noStrike">
-              <a:solidFill>
-                <a:srgbClr val="000000"/>
-              </a:solidFill>
-              <a:latin typeface="Akrobat SemiBold"/>
-            </a:endParaRPr>
-          </a:p>
-        </p:txBody>
-      </p:sp>
-      <p:sp>
-        <p:nvSpPr>
-          <p:cNvPr id="69" name="PlaceHolder 3"/>
+            <a:endParaRPr b="0" lang="ru-RU" sz="3200" spc="-1" strike="noStrike">
+              <a:latin typeface="Arial"/>
+            </a:endParaRPr>
+          </a:p>
+        </p:txBody>
+      </p:sp>
+      <p:sp>
+        <p:nvSpPr>
+          <p:cNvPr id="66" name="PlaceHolder 3"/>
           <p:cNvSpPr>
             <a:spLocks noGrp="1"/>
           </p:cNvSpPr>
@@ -2107,8 +2002,8 @@
         </p:nvSpPr>
         <p:spPr>
           <a:xfrm>
-            <a:off x="4674240" y="915480"/>
-            <a:ext cx="4040280" cy="1785600"/>
+            <a:off x="4674240" y="1203480"/>
+            <a:ext cx="4015800" cy="1422720"/>
           </a:xfrm>
           <a:prstGeom prst="rect">
             <a:avLst/>
@@ -2119,18 +2014,15 @@
             <a:normAutofit/>
           </a:bodyPr>
           <a:p>
-            <a:endParaRPr b="0" lang="ru-RU" sz="2400" spc="-1" strike="noStrike">
-              <a:solidFill>
-                <a:srgbClr val="000000"/>
-              </a:solidFill>
-              <a:latin typeface="Akrobat SemiBold"/>
-            </a:endParaRPr>
-          </a:p>
-        </p:txBody>
-      </p:sp>
-      <p:sp>
-        <p:nvSpPr>
-          <p:cNvPr id="70" name="PlaceHolder 4"/>
+            <a:endParaRPr b="0" lang="ru-RU" sz="3200" spc="-1" strike="noStrike">
+              <a:latin typeface="Arial"/>
+            </a:endParaRPr>
+          </a:p>
+        </p:txBody>
+      </p:sp>
+      <p:sp>
+        <p:nvSpPr>
+          <p:cNvPr id="67" name="PlaceHolder 4"/>
           <p:cNvSpPr>
             <a:spLocks noGrp="1"/>
           </p:cNvSpPr>
@@ -2140,8 +2032,8 @@
         </p:nvSpPr>
         <p:spPr>
           <a:xfrm>
-            <a:off x="431640" y="2871000"/>
-            <a:ext cx="4040280" cy="1785600"/>
+            <a:off x="457200" y="2761920"/>
+            <a:ext cx="4015800" cy="1422720"/>
           </a:xfrm>
           <a:prstGeom prst="rect">
             <a:avLst/>
@@ -2152,18 +2044,15 @@
             <a:normAutofit/>
           </a:bodyPr>
           <a:p>
-            <a:endParaRPr b="0" lang="ru-RU" sz="2400" spc="-1" strike="noStrike">
-              <a:solidFill>
-                <a:srgbClr val="000000"/>
-              </a:solidFill>
-              <a:latin typeface="Akrobat SemiBold"/>
-            </a:endParaRPr>
-          </a:p>
-        </p:txBody>
-      </p:sp>
-      <p:sp>
-        <p:nvSpPr>
-          <p:cNvPr id="71" name="PlaceHolder 5"/>
+            <a:endParaRPr b="0" lang="ru-RU" sz="3200" spc="-1" strike="noStrike">
+              <a:latin typeface="Arial"/>
+            </a:endParaRPr>
+          </a:p>
+        </p:txBody>
+      </p:sp>
+      <p:sp>
+        <p:nvSpPr>
+          <p:cNvPr id="68" name="PlaceHolder 5"/>
           <p:cNvSpPr>
             <a:spLocks noGrp="1"/>
           </p:cNvSpPr>
@@ -2173,8 +2062,8 @@
         </p:nvSpPr>
         <p:spPr>
           <a:xfrm>
-            <a:off x="4674240" y="2871000"/>
-            <a:ext cx="4040280" cy="1785600"/>
+            <a:off x="4674240" y="2761920"/>
+            <a:ext cx="4015800" cy="1422720"/>
           </a:xfrm>
           <a:prstGeom prst="rect">
             <a:avLst/>
@@ -2185,11 +2074,8 @@
             <a:normAutofit/>
           </a:bodyPr>
           <a:p>
-            <a:endParaRPr b="0" lang="ru-RU" sz="2400" spc="-1" strike="noStrike">
-              <a:solidFill>
-                <a:srgbClr val="000000"/>
-              </a:solidFill>
-              <a:latin typeface="Akrobat SemiBold"/>
+            <a:endParaRPr b="0" lang="ru-RU" sz="3200" spc="-1" strike="noStrike">
+              <a:latin typeface="Arial"/>
             </a:endParaRPr>
           </a:p>
         </p:txBody>
@@ -2218,7 +2104,7 @@
       </p:grpSpPr>
       <p:sp>
         <p:nvSpPr>
-          <p:cNvPr id="72" name="PlaceHolder 1"/>
+          <p:cNvPr id="69" name="PlaceHolder 1"/>
           <p:cNvSpPr>
             <a:spLocks noGrp="1"/>
           </p:cNvSpPr>
@@ -2228,8 +2114,8 @@
         </p:nvSpPr>
         <p:spPr>
           <a:xfrm>
-            <a:off x="431640" y="205920"/>
-            <a:ext cx="8280000" cy="565200"/>
+            <a:off x="457200" y="9360"/>
+            <a:ext cx="8229240" cy="1250280"/>
           </a:xfrm>
           <a:prstGeom prst="rect">
             <a:avLst/>
@@ -2238,18 +2124,16 @@
         <p:txBody>
           <a:bodyPr lIns="0" rIns="0" tIns="0" bIns="0" anchor="ctr"/>
           <a:p>
-            <a:endParaRPr b="0" lang="ru-RU" sz="1800" spc="-1" strike="noStrike">
-              <a:solidFill>
-                <a:srgbClr val="000000"/>
-              </a:solidFill>
-              <a:latin typeface="Akrobat SemiBold"/>
-            </a:endParaRPr>
-          </a:p>
-        </p:txBody>
-      </p:sp>
-      <p:sp>
-        <p:nvSpPr>
-          <p:cNvPr id="73" name="PlaceHolder 2"/>
+            <a:pPr algn="ctr"/>
+            <a:endParaRPr b="0" lang="ru-RU" sz="4400" spc="-1" strike="noStrike">
+              <a:latin typeface="Arial"/>
+            </a:endParaRPr>
+          </a:p>
+        </p:txBody>
+      </p:sp>
+      <p:sp>
+        <p:nvSpPr>
+          <p:cNvPr id="70" name="PlaceHolder 2"/>
           <p:cNvSpPr>
             <a:spLocks noGrp="1"/>
           </p:cNvSpPr>
@@ -2259,8 +2143,8 @@
         </p:nvSpPr>
         <p:spPr>
           <a:xfrm>
-            <a:off x="431640" y="915480"/>
-            <a:ext cx="2665800" cy="1785600"/>
+            <a:off x="457200" y="1203480"/>
+            <a:ext cx="2649600" cy="1422720"/>
           </a:xfrm>
           <a:prstGeom prst="rect">
             <a:avLst/>
@@ -2268,21 +2152,18 @@
         </p:spPr>
         <p:txBody>
           <a:bodyPr lIns="0" rIns="0" tIns="0" bIns="0">
-            <a:normAutofit fontScale="88000"/>
+            <a:normAutofit fontScale="49000"/>
           </a:bodyPr>
           <a:p>
-            <a:endParaRPr b="0" lang="ru-RU" sz="2400" spc="-1" strike="noStrike">
-              <a:solidFill>
-                <a:srgbClr val="000000"/>
-              </a:solidFill>
-              <a:latin typeface="Akrobat SemiBold"/>
-            </a:endParaRPr>
-          </a:p>
-        </p:txBody>
-      </p:sp>
-      <p:sp>
-        <p:nvSpPr>
-          <p:cNvPr id="74" name="PlaceHolder 3"/>
+            <a:endParaRPr b="0" lang="ru-RU" sz="3200" spc="-1" strike="noStrike">
+              <a:latin typeface="Arial"/>
+            </a:endParaRPr>
+          </a:p>
+        </p:txBody>
+      </p:sp>
+      <p:sp>
+        <p:nvSpPr>
+          <p:cNvPr id="71" name="PlaceHolder 3"/>
           <p:cNvSpPr>
             <a:spLocks noGrp="1"/>
           </p:cNvSpPr>
@@ -2292,8 +2173,8 @@
         </p:nvSpPr>
         <p:spPr>
           <a:xfrm>
-            <a:off x="3231000" y="915480"/>
-            <a:ext cx="2665800" cy="1785600"/>
+            <a:off x="3239640" y="1203480"/>
+            <a:ext cx="2649600" cy="1422720"/>
           </a:xfrm>
           <a:prstGeom prst="rect">
             <a:avLst/>
@@ -2301,21 +2182,18 @@
         </p:spPr>
         <p:txBody>
           <a:bodyPr lIns="0" rIns="0" tIns="0" bIns="0">
-            <a:normAutofit fontScale="88000"/>
+            <a:normAutofit fontScale="49000"/>
           </a:bodyPr>
           <a:p>
-            <a:endParaRPr b="0" lang="ru-RU" sz="2400" spc="-1" strike="noStrike">
-              <a:solidFill>
-                <a:srgbClr val="000000"/>
-              </a:solidFill>
-              <a:latin typeface="Akrobat SemiBold"/>
-            </a:endParaRPr>
-          </a:p>
-        </p:txBody>
-      </p:sp>
-      <p:sp>
-        <p:nvSpPr>
-          <p:cNvPr id="75" name="PlaceHolder 4"/>
+            <a:endParaRPr b="0" lang="ru-RU" sz="3200" spc="-1" strike="noStrike">
+              <a:latin typeface="Arial"/>
+            </a:endParaRPr>
+          </a:p>
+        </p:txBody>
+      </p:sp>
+      <p:sp>
+        <p:nvSpPr>
+          <p:cNvPr id="72" name="PlaceHolder 4"/>
           <p:cNvSpPr>
             <a:spLocks noGrp="1"/>
           </p:cNvSpPr>
@@ -2325,8 +2203,8 @@
         </p:nvSpPr>
         <p:spPr>
           <a:xfrm>
-            <a:off x="6030720" y="915480"/>
-            <a:ext cx="2665800" cy="1785600"/>
+            <a:off x="6022080" y="1203480"/>
+            <a:ext cx="2649600" cy="1422720"/>
           </a:xfrm>
           <a:prstGeom prst="rect">
             <a:avLst/>
@@ -2334,21 +2212,18 @@
         </p:spPr>
         <p:txBody>
           <a:bodyPr lIns="0" rIns="0" tIns="0" bIns="0">
-            <a:normAutofit fontScale="88000"/>
+            <a:normAutofit fontScale="49000"/>
           </a:bodyPr>
           <a:p>
-            <a:endParaRPr b="0" lang="ru-RU" sz="2400" spc="-1" strike="noStrike">
-              <a:solidFill>
-                <a:srgbClr val="000000"/>
-              </a:solidFill>
-              <a:latin typeface="Akrobat SemiBold"/>
-            </a:endParaRPr>
-          </a:p>
-        </p:txBody>
-      </p:sp>
-      <p:sp>
-        <p:nvSpPr>
-          <p:cNvPr id="76" name="PlaceHolder 5"/>
+            <a:endParaRPr b="0" lang="ru-RU" sz="3200" spc="-1" strike="noStrike">
+              <a:latin typeface="Arial"/>
+            </a:endParaRPr>
+          </a:p>
+        </p:txBody>
+      </p:sp>
+      <p:sp>
+        <p:nvSpPr>
+          <p:cNvPr id="73" name="PlaceHolder 5"/>
           <p:cNvSpPr>
             <a:spLocks noGrp="1"/>
           </p:cNvSpPr>
@@ -2358,8 +2233,8 @@
         </p:nvSpPr>
         <p:spPr>
           <a:xfrm>
-            <a:off x="431640" y="2871000"/>
-            <a:ext cx="2665800" cy="1785600"/>
+            <a:off x="457200" y="2761920"/>
+            <a:ext cx="2649600" cy="1422720"/>
           </a:xfrm>
           <a:prstGeom prst="rect">
             <a:avLst/>
@@ -2367,21 +2242,18 @@
         </p:spPr>
         <p:txBody>
           <a:bodyPr lIns="0" rIns="0" tIns="0" bIns="0">
-            <a:normAutofit fontScale="88000"/>
+            <a:normAutofit fontScale="49000"/>
           </a:bodyPr>
           <a:p>
-            <a:endParaRPr b="0" lang="ru-RU" sz="2400" spc="-1" strike="noStrike">
-              <a:solidFill>
-                <a:srgbClr val="000000"/>
-              </a:solidFill>
-              <a:latin typeface="Akrobat SemiBold"/>
-            </a:endParaRPr>
-          </a:p>
-        </p:txBody>
-      </p:sp>
-      <p:sp>
-        <p:nvSpPr>
-          <p:cNvPr id="77" name="PlaceHolder 6"/>
+            <a:endParaRPr b="0" lang="ru-RU" sz="3200" spc="-1" strike="noStrike">
+              <a:latin typeface="Arial"/>
+            </a:endParaRPr>
+          </a:p>
+        </p:txBody>
+      </p:sp>
+      <p:sp>
+        <p:nvSpPr>
+          <p:cNvPr id="74" name="PlaceHolder 6"/>
           <p:cNvSpPr>
             <a:spLocks noGrp="1"/>
           </p:cNvSpPr>
@@ -2391,8 +2263,8 @@
         </p:nvSpPr>
         <p:spPr>
           <a:xfrm>
-            <a:off x="3231000" y="2871000"/>
-            <a:ext cx="2665800" cy="1785600"/>
+            <a:off x="3239640" y="2761920"/>
+            <a:ext cx="2649600" cy="1422720"/>
           </a:xfrm>
           <a:prstGeom prst="rect">
             <a:avLst/>
@@ -2400,21 +2272,18 @@
         </p:spPr>
         <p:txBody>
           <a:bodyPr lIns="0" rIns="0" tIns="0" bIns="0">
-            <a:normAutofit fontScale="88000"/>
+            <a:normAutofit fontScale="49000"/>
           </a:bodyPr>
           <a:p>
-            <a:endParaRPr b="0" lang="ru-RU" sz="2400" spc="-1" strike="noStrike">
-              <a:solidFill>
-                <a:srgbClr val="000000"/>
-              </a:solidFill>
-              <a:latin typeface="Akrobat SemiBold"/>
-            </a:endParaRPr>
-          </a:p>
-        </p:txBody>
-      </p:sp>
-      <p:sp>
-        <p:nvSpPr>
-          <p:cNvPr id="78" name="PlaceHolder 7"/>
+            <a:endParaRPr b="0" lang="ru-RU" sz="3200" spc="-1" strike="noStrike">
+              <a:latin typeface="Arial"/>
+            </a:endParaRPr>
+          </a:p>
+        </p:txBody>
+      </p:sp>
+      <p:sp>
+        <p:nvSpPr>
+          <p:cNvPr id="75" name="PlaceHolder 7"/>
           <p:cNvSpPr>
             <a:spLocks noGrp="1"/>
           </p:cNvSpPr>
@@ -2424,8 +2293,8 @@
         </p:nvSpPr>
         <p:spPr>
           <a:xfrm>
-            <a:off x="6030720" y="2871000"/>
-            <a:ext cx="2665800" cy="1785600"/>
+            <a:off x="6022080" y="2761920"/>
+            <a:ext cx="2649600" cy="1422720"/>
           </a:xfrm>
           <a:prstGeom prst="rect">
             <a:avLst/>
@@ -2433,14 +2302,11 @@
         </p:spPr>
         <p:txBody>
           <a:bodyPr lIns="0" rIns="0" tIns="0" bIns="0">
-            <a:normAutofit fontScale="88000"/>
+            <a:normAutofit fontScale="49000"/>
           </a:bodyPr>
           <a:p>
-            <a:endParaRPr b="0" lang="ru-RU" sz="2400" spc="-1" strike="noStrike">
-              <a:solidFill>
-                <a:srgbClr val="000000"/>
-              </a:solidFill>
-              <a:latin typeface="Akrobat SemiBold"/>
+            <a:endParaRPr b="0" lang="ru-RU" sz="3200" spc="-1" strike="noStrike">
+              <a:latin typeface="Arial"/>
             </a:endParaRPr>
           </a:p>
         </p:txBody>
@@ -2469,7 +2335,7 @@
       </p:grpSpPr>
       <p:sp>
         <p:nvSpPr>
-          <p:cNvPr id="5" name="PlaceHolder 1"/>
+          <p:cNvPr id="4" name="PlaceHolder 1"/>
           <p:cNvSpPr>
             <a:spLocks noGrp="1"/>
           </p:cNvSpPr>
@@ -2479,8 +2345,8 @@
         </p:nvSpPr>
         <p:spPr>
           <a:xfrm>
-            <a:off x="431640" y="205920"/>
-            <a:ext cx="8280000" cy="565200"/>
+            <a:off x="457200" y="9360"/>
+            <a:ext cx="8229240" cy="1250280"/>
           </a:xfrm>
           <a:prstGeom prst="rect">
             <a:avLst/>
@@ -2489,18 +2355,16 @@
         <p:txBody>
           <a:bodyPr lIns="0" rIns="0" tIns="0" bIns="0" anchor="ctr"/>
           <a:p>
-            <a:endParaRPr b="0" lang="ru-RU" sz="1800" spc="-1" strike="noStrike">
-              <a:solidFill>
-                <a:srgbClr val="000000"/>
-              </a:solidFill>
-              <a:latin typeface="Akrobat SemiBold"/>
-            </a:endParaRPr>
-          </a:p>
-        </p:txBody>
-      </p:sp>
-      <p:sp>
-        <p:nvSpPr>
-          <p:cNvPr id="6" name="PlaceHolder 2"/>
+            <a:pPr algn="ctr"/>
+            <a:endParaRPr b="0" lang="ru-RU" sz="4400" spc="-1" strike="noStrike">
+              <a:latin typeface="Arial"/>
+            </a:endParaRPr>
+          </a:p>
+        </p:txBody>
+      </p:sp>
+      <p:sp>
+        <p:nvSpPr>
+          <p:cNvPr id="5" name="PlaceHolder 2"/>
           <p:cNvSpPr>
             <a:spLocks noGrp="1"/>
           </p:cNvSpPr>
@@ -2510,8 +2374,8 @@
         </p:nvSpPr>
         <p:spPr>
           <a:xfrm>
-            <a:off x="431640" y="915480"/>
-            <a:ext cx="8280000" cy="3744000"/>
+            <a:off x="457200" y="1203480"/>
+            <a:ext cx="8229240" cy="2982960"/>
           </a:xfrm>
           <a:prstGeom prst="rect">
             <a:avLst/>
@@ -2522,11 +2386,8 @@
             <a:normAutofit/>
           </a:bodyPr>
           <a:p>
-            <a:endParaRPr b="0" lang="ru-RU" sz="2400" spc="-1" strike="noStrike">
-              <a:solidFill>
-                <a:srgbClr val="000000"/>
-              </a:solidFill>
-              <a:latin typeface="Akrobat SemiBold"/>
+            <a:endParaRPr b="0" lang="ru-RU" sz="3200" spc="-1" strike="noStrike">
+              <a:latin typeface="Arial"/>
             </a:endParaRPr>
           </a:p>
         </p:txBody>
@@ -2555,7 +2416,7 @@
       </p:grpSpPr>
       <p:sp>
         <p:nvSpPr>
-          <p:cNvPr id="7" name="PlaceHolder 1"/>
+          <p:cNvPr id="6" name="PlaceHolder 1"/>
           <p:cNvSpPr>
             <a:spLocks noGrp="1"/>
           </p:cNvSpPr>
@@ -2565,8 +2426,8 @@
         </p:nvSpPr>
         <p:spPr>
           <a:xfrm>
-            <a:off x="431640" y="205920"/>
-            <a:ext cx="8280000" cy="565200"/>
+            <a:off x="457200" y="9360"/>
+            <a:ext cx="8229240" cy="1250280"/>
           </a:xfrm>
           <a:prstGeom prst="rect">
             <a:avLst/>
@@ -2575,18 +2436,16 @@
         <p:txBody>
           <a:bodyPr lIns="0" rIns="0" tIns="0" bIns="0" anchor="ctr"/>
           <a:p>
-            <a:endParaRPr b="0" lang="ru-RU" sz="1800" spc="-1" strike="noStrike">
-              <a:solidFill>
-                <a:srgbClr val="000000"/>
-              </a:solidFill>
-              <a:latin typeface="Akrobat SemiBold"/>
-            </a:endParaRPr>
-          </a:p>
-        </p:txBody>
-      </p:sp>
-      <p:sp>
-        <p:nvSpPr>
-          <p:cNvPr id="8" name="PlaceHolder 2"/>
+            <a:pPr algn="ctr"/>
+            <a:endParaRPr b="0" lang="ru-RU" sz="4400" spc="-1" strike="noStrike">
+              <a:latin typeface="Arial"/>
+            </a:endParaRPr>
+          </a:p>
+        </p:txBody>
+      </p:sp>
+      <p:sp>
+        <p:nvSpPr>
+          <p:cNvPr id="7" name="PlaceHolder 2"/>
           <p:cNvSpPr>
             <a:spLocks noGrp="1"/>
           </p:cNvSpPr>
@@ -2596,8 +2455,8 @@
         </p:nvSpPr>
         <p:spPr>
           <a:xfrm>
-            <a:off x="431640" y="915480"/>
-            <a:ext cx="4040280" cy="3744000"/>
+            <a:off x="457200" y="1203480"/>
+            <a:ext cx="4015800" cy="2982960"/>
           </a:xfrm>
           <a:prstGeom prst="rect">
             <a:avLst/>
@@ -2608,18 +2467,15 @@
             <a:normAutofit/>
           </a:bodyPr>
           <a:p>
-            <a:endParaRPr b="0" lang="ru-RU" sz="2400" spc="-1" strike="noStrike">
-              <a:solidFill>
-                <a:srgbClr val="000000"/>
-              </a:solidFill>
-              <a:latin typeface="Akrobat SemiBold"/>
-            </a:endParaRPr>
-          </a:p>
-        </p:txBody>
-      </p:sp>
-      <p:sp>
-        <p:nvSpPr>
-          <p:cNvPr id="9" name="PlaceHolder 3"/>
+            <a:endParaRPr b="0" lang="ru-RU" sz="3200" spc="-1" strike="noStrike">
+              <a:latin typeface="Arial"/>
+            </a:endParaRPr>
+          </a:p>
+        </p:txBody>
+      </p:sp>
+      <p:sp>
+        <p:nvSpPr>
+          <p:cNvPr id="8" name="PlaceHolder 3"/>
           <p:cNvSpPr>
             <a:spLocks noGrp="1"/>
           </p:cNvSpPr>
@@ -2629,8 +2485,8 @@
         </p:nvSpPr>
         <p:spPr>
           <a:xfrm>
-            <a:off x="4674240" y="915480"/>
-            <a:ext cx="4040280" cy="3744000"/>
+            <a:off x="4674240" y="1203480"/>
+            <a:ext cx="4015800" cy="2982960"/>
           </a:xfrm>
           <a:prstGeom prst="rect">
             <a:avLst/>
@@ -2641,11 +2497,8 @@
             <a:normAutofit/>
           </a:bodyPr>
           <a:p>
-            <a:endParaRPr b="0" lang="ru-RU" sz="2400" spc="-1" strike="noStrike">
-              <a:solidFill>
-                <a:srgbClr val="000000"/>
-              </a:solidFill>
-              <a:latin typeface="Akrobat SemiBold"/>
+            <a:endParaRPr b="0" lang="ru-RU" sz="3200" spc="-1" strike="noStrike">
+              <a:latin typeface="Arial"/>
             </a:endParaRPr>
           </a:p>
         </p:txBody>
@@ -2674,7 +2527,7 @@
       </p:grpSpPr>
       <p:sp>
         <p:nvSpPr>
-          <p:cNvPr id="10" name="PlaceHolder 1"/>
+          <p:cNvPr id="9" name="PlaceHolder 1"/>
           <p:cNvSpPr>
             <a:spLocks noGrp="1"/>
           </p:cNvSpPr>
@@ -2684,8 +2537,8 @@
         </p:nvSpPr>
         <p:spPr>
           <a:xfrm>
-            <a:off x="431640" y="205920"/>
-            <a:ext cx="8280000" cy="565200"/>
+            <a:off x="457200" y="9360"/>
+            <a:ext cx="8229240" cy="1250280"/>
           </a:xfrm>
           <a:prstGeom prst="rect">
             <a:avLst/>
@@ -2694,11 +2547,9 @@
         <p:txBody>
           <a:bodyPr lIns="0" rIns="0" tIns="0" bIns="0" anchor="ctr"/>
           <a:p>
-            <a:endParaRPr b="0" lang="ru-RU" sz="1800" spc="-1" strike="noStrike">
-              <a:solidFill>
-                <a:srgbClr val="000000"/>
-              </a:solidFill>
-              <a:latin typeface="Akrobat SemiBold"/>
+            <a:pPr algn="ctr"/>
+            <a:endParaRPr b="0" lang="ru-RU" sz="4400" spc="-1" strike="noStrike">
+              <a:latin typeface="Arial"/>
             </a:endParaRPr>
           </a:p>
         </p:txBody>
@@ -2727,7 +2578,7 @@
       </p:grpSpPr>
       <p:sp>
         <p:nvSpPr>
-          <p:cNvPr id="11" name="PlaceHolder 1"/>
+          <p:cNvPr id="10" name="PlaceHolder 1"/>
           <p:cNvSpPr>
             <a:spLocks noGrp="1"/>
           </p:cNvSpPr>
@@ -2737,8 +2588,8 @@
         </p:nvSpPr>
         <p:spPr>
           <a:xfrm>
-            <a:off x="431640" y="205920"/>
-            <a:ext cx="8280000" cy="2621160"/>
+            <a:off x="457200" y="205200"/>
+            <a:ext cx="8229240" cy="3981240"/>
           </a:xfrm>
           <a:prstGeom prst="rect">
             <a:avLst/>
@@ -2778,7 +2629,7 @@
       </p:grpSpPr>
       <p:sp>
         <p:nvSpPr>
-          <p:cNvPr id="12" name="PlaceHolder 1"/>
+          <p:cNvPr id="11" name="PlaceHolder 1"/>
           <p:cNvSpPr>
             <a:spLocks noGrp="1"/>
           </p:cNvSpPr>
@@ -2788,8 +2639,8 @@
         </p:nvSpPr>
         <p:spPr>
           <a:xfrm>
-            <a:off x="431640" y="205920"/>
-            <a:ext cx="8280000" cy="565200"/>
+            <a:off x="457200" y="9360"/>
+            <a:ext cx="8229240" cy="1250280"/>
           </a:xfrm>
           <a:prstGeom prst="rect">
             <a:avLst/>
@@ -2798,18 +2649,16 @@
         <p:txBody>
           <a:bodyPr lIns="0" rIns="0" tIns="0" bIns="0" anchor="ctr"/>
           <a:p>
-            <a:endParaRPr b="0" lang="ru-RU" sz="1800" spc="-1" strike="noStrike">
-              <a:solidFill>
-                <a:srgbClr val="000000"/>
-              </a:solidFill>
-              <a:latin typeface="Akrobat SemiBold"/>
-            </a:endParaRPr>
-          </a:p>
-        </p:txBody>
-      </p:sp>
-      <p:sp>
-        <p:nvSpPr>
-          <p:cNvPr id="13" name="PlaceHolder 2"/>
+            <a:pPr algn="ctr"/>
+            <a:endParaRPr b="0" lang="ru-RU" sz="4400" spc="-1" strike="noStrike">
+              <a:latin typeface="Arial"/>
+            </a:endParaRPr>
+          </a:p>
+        </p:txBody>
+      </p:sp>
+      <p:sp>
+        <p:nvSpPr>
+          <p:cNvPr id="12" name="PlaceHolder 2"/>
           <p:cNvSpPr>
             <a:spLocks noGrp="1"/>
           </p:cNvSpPr>
@@ -2819,8 +2668,8 @@
         </p:nvSpPr>
         <p:spPr>
           <a:xfrm>
-            <a:off x="431640" y="915480"/>
-            <a:ext cx="4040280" cy="1785600"/>
+            <a:off x="457200" y="1203480"/>
+            <a:ext cx="4015800" cy="1422720"/>
           </a:xfrm>
           <a:prstGeom prst="rect">
             <a:avLst/>
@@ -2831,18 +2680,15 @@
             <a:normAutofit/>
           </a:bodyPr>
           <a:p>
-            <a:endParaRPr b="0" lang="ru-RU" sz="2400" spc="-1" strike="noStrike">
-              <a:solidFill>
-                <a:srgbClr val="000000"/>
-              </a:solidFill>
-              <a:latin typeface="Akrobat SemiBold"/>
-            </a:endParaRPr>
-          </a:p>
-        </p:txBody>
-      </p:sp>
-      <p:sp>
-        <p:nvSpPr>
-          <p:cNvPr id="14" name="PlaceHolder 3"/>
+            <a:endParaRPr b="0" lang="ru-RU" sz="3200" spc="-1" strike="noStrike">
+              <a:latin typeface="Arial"/>
+            </a:endParaRPr>
+          </a:p>
+        </p:txBody>
+      </p:sp>
+      <p:sp>
+        <p:nvSpPr>
+          <p:cNvPr id="13" name="PlaceHolder 3"/>
           <p:cNvSpPr>
             <a:spLocks noGrp="1"/>
           </p:cNvSpPr>
@@ -2852,8 +2698,8 @@
         </p:nvSpPr>
         <p:spPr>
           <a:xfrm>
-            <a:off x="4674240" y="915480"/>
-            <a:ext cx="4040280" cy="3744000"/>
+            <a:off x="4674240" y="1203480"/>
+            <a:ext cx="4015800" cy="2982960"/>
           </a:xfrm>
           <a:prstGeom prst="rect">
             <a:avLst/>
@@ -2864,18 +2710,15 @@
             <a:normAutofit/>
           </a:bodyPr>
           <a:p>
-            <a:endParaRPr b="0" lang="ru-RU" sz="2400" spc="-1" strike="noStrike">
-              <a:solidFill>
-                <a:srgbClr val="000000"/>
-              </a:solidFill>
-              <a:latin typeface="Akrobat SemiBold"/>
-            </a:endParaRPr>
-          </a:p>
-        </p:txBody>
-      </p:sp>
-      <p:sp>
-        <p:nvSpPr>
-          <p:cNvPr id="15" name="PlaceHolder 4"/>
+            <a:endParaRPr b="0" lang="ru-RU" sz="3200" spc="-1" strike="noStrike">
+              <a:latin typeface="Arial"/>
+            </a:endParaRPr>
+          </a:p>
+        </p:txBody>
+      </p:sp>
+      <p:sp>
+        <p:nvSpPr>
+          <p:cNvPr id="14" name="PlaceHolder 4"/>
           <p:cNvSpPr>
             <a:spLocks noGrp="1"/>
           </p:cNvSpPr>
@@ -2885,8 +2728,8 @@
         </p:nvSpPr>
         <p:spPr>
           <a:xfrm>
-            <a:off x="431640" y="2871000"/>
-            <a:ext cx="4040280" cy="1785600"/>
+            <a:off x="457200" y="2761920"/>
+            <a:ext cx="4015800" cy="1422720"/>
           </a:xfrm>
           <a:prstGeom prst="rect">
             <a:avLst/>
@@ -2897,11 +2740,8 @@
             <a:normAutofit/>
           </a:bodyPr>
           <a:p>
-            <a:endParaRPr b="0" lang="ru-RU" sz="2400" spc="-1" strike="noStrike">
-              <a:solidFill>
-                <a:srgbClr val="000000"/>
-              </a:solidFill>
-              <a:latin typeface="Akrobat SemiBold"/>
+            <a:endParaRPr b="0" lang="ru-RU" sz="3200" spc="-1" strike="noStrike">
+              <a:latin typeface="Arial"/>
             </a:endParaRPr>
           </a:p>
         </p:txBody>
@@ -2930,7 +2770,7 @@
       </p:grpSpPr>
       <p:sp>
         <p:nvSpPr>
-          <p:cNvPr id="16" name="PlaceHolder 1"/>
+          <p:cNvPr id="15" name="PlaceHolder 1"/>
           <p:cNvSpPr>
             <a:spLocks noGrp="1"/>
           </p:cNvSpPr>
@@ -2940,8 +2780,8 @@
         </p:nvSpPr>
         <p:spPr>
           <a:xfrm>
-            <a:off x="431640" y="205920"/>
-            <a:ext cx="8280000" cy="565200"/>
+            <a:off x="457200" y="9360"/>
+            <a:ext cx="8229240" cy="1250280"/>
           </a:xfrm>
           <a:prstGeom prst="rect">
             <a:avLst/>
@@ -2950,18 +2790,16 @@
         <p:txBody>
           <a:bodyPr lIns="0" rIns="0" tIns="0" bIns="0" anchor="ctr"/>
           <a:p>
-            <a:endParaRPr b="0" lang="ru-RU" sz="1800" spc="-1" strike="noStrike">
-              <a:solidFill>
-                <a:srgbClr val="000000"/>
-              </a:solidFill>
-              <a:latin typeface="Akrobat SemiBold"/>
-            </a:endParaRPr>
-          </a:p>
-        </p:txBody>
-      </p:sp>
-      <p:sp>
-        <p:nvSpPr>
-          <p:cNvPr id="17" name="PlaceHolder 2"/>
+            <a:pPr algn="ctr"/>
+            <a:endParaRPr b="0" lang="ru-RU" sz="4400" spc="-1" strike="noStrike">
+              <a:latin typeface="Arial"/>
+            </a:endParaRPr>
+          </a:p>
+        </p:txBody>
+      </p:sp>
+      <p:sp>
+        <p:nvSpPr>
+          <p:cNvPr id="16" name="PlaceHolder 2"/>
           <p:cNvSpPr>
             <a:spLocks noGrp="1"/>
           </p:cNvSpPr>
@@ -2971,8 +2809,8 @@
         </p:nvSpPr>
         <p:spPr>
           <a:xfrm>
-            <a:off x="431640" y="915480"/>
-            <a:ext cx="4040280" cy="3744000"/>
+            <a:off x="457200" y="1203480"/>
+            <a:ext cx="4015800" cy="2982960"/>
           </a:xfrm>
           <a:prstGeom prst="rect">
             <a:avLst/>
@@ -2983,18 +2821,15 @@
             <a:normAutofit/>
           </a:bodyPr>
           <a:p>
-            <a:endParaRPr b="0" lang="ru-RU" sz="2400" spc="-1" strike="noStrike">
-              <a:solidFill>
-                <a:srgbClr val="000000"/>
-              </a:solidFill>
-              <a:latin typeface="Akrobat SemiBold"/>
-            </a:endParaRPr>
-          </a:p>
-        </p:txBody>
-      </p:sp>
-      <p:sp>
-        <p:nvSpPr>
-          <p:cNvPr id="18" name="PlaceHolder 3"/>
+            <a:endParaRPr b="0" lang="ru-RU" sz="3200" spc="-1" strike="noStrike">
+              <a:latin typeface="Arial"/>
+            </a:endParaRPr>
+          </a:p>
+        </p:txBody>
+      </p:sp>
+      <p:sp>
+        <p:nvSpPr>
+          <p:cNvPr id="17" name="PlaceHolder 3"/>
           <p:cNvSpPr>
             <a:spLocks noGrp="1"/>
           </p:cNvSpPr>
@@ -3004,8 +2839,8 @@
         </p:nvSpPr>
         <p:spPr>
           <a:xfrm>
-            <a:off x="4674240" y="915480"/>
-            <a:ext cx="4040280" cy="1785600"/>
+            <a:off x="4674240" y="1203480"/>
+            <a:ext cx="4015800" cy="1422720"/>
           </a:xfrm>
           <a:prstGeom prst="rect">
             <a:avLst/>
@@ -3016,18 +2851,15 @@
             <a:normAutofit/>
           </a:bodyPr>
           <a:p>
-            <a:endParaRPr b="0" lang="ru-RU" sz="2400" spc="-1" strike="noStrike">
-              <a:solidFill>
-                <a:srgbClr val="000000"/>
-              </a:solidFill>
-              <a:latin typeface="Akrobat SemiBold"/>
-            </a:endParaRPr>
-          </a:p>
-        </p:txBody>
-      </p:sp>
-      <p:sp>
-        <p:nvSpPr>
-          <p:cNvPr id="19" name="PlaceHolder 4"/>
+            <a:endParaRPr b="0" lang="ru-RU" sz="3200" spc="-1" strike="noStrike">
+              <a:latin typeface="Arial"/>
+            </a:endParaRPr>
+          </a:p>
+        </p:txBody>
+      </p:sp>
+      <p:sp>
+        <p:nvSpPr>
+          <p:cNvPr id="18" name="PlaceHolder 4"/>
           <p:cNvSpPr>
             <a:spLocks noGrp="1"/>
           </p:cNvSpPr>
@@ -3037,8 +2869,8 @@
         </p:nvSpPr>
         <p:spPr>
           <a:xfrm>
-            <a:off x="4674240" y="2871000"/>
-            <a:ext cx="4040280" cy="1785600"/>
+            <a:off x="4674240" y="2761920"/>
+            <a:ext cx="4015800" cy="1422720"/>
           </a:xfrm>
           <a:prstGeom prst="rect">
             <a:avLst/>
@@ -3049,11 +2881,8 @@
             <a:normAutofit/>
           </a:bodyPr>
           <a:p>
-            <a:endParaRPr b="0" lang="ru-RU" sz="2400" spc="-1" strike="noStrike">
-              <a:solidFill>
-                <a:srgbClr val="000000"/>
-              </a:solidFill>
-              <a:latin typeface="Akrobat SemiBold"/>
+            <a:endParaRPr b="0" lang="ru-RU" sz="3200" spc="-1" strike="noStrike">
+              <a:latin typeface="Arial"/>
             </a:endParaRPr>
           </a:p>
         </p:txBody>
@@ -3082,7 +2911,7 @@
       </p:grpSpPr>
       <p:sp>
         <p:nvSpPr>
-          <p:cNvPr id="20" name="PlaceHolder 1"/>
+          <p:cNvPr id="19" name="PlaceHolder 1"/>
           <p:cNvSpPr>
             <a:spLocks noGrp="1"/>
           </p:cNvSpPr>
@@ -3092,8 +2921,8 @@
         </p:nvSpPr>
         <p:spPr>
           <a:xfrm>
-            <a:off x="431640" y="205920"/>
-            <a:ext cx="8280000" cy="565200"/>
+            <a:off x="457200" y="9360"/>
+            <a:ext cx="8229240" cy="1250280"/>
           </a:xfrm>
           <a:prstGeom prst="rect">
             <a:avLst/>
@@ -3102,18 +2931,16 @@
         <p:txBody>
           <a:bodyPr lIns="0" rIns="0" tIns="0" bIns="0" anchor="ctr"/>
           <a:p>
-            <a:endParaRPr b="0" lang="ru-RU" sz="1800" spc="-1" strike="noStrike">
-              <a:solidFill>
-                <a:srgbClr val="000000"/>
-              </a:solidFill>
-              <a:latin typeface="Akrobat SemiBold"/>
-            </a:endParaRPr>
-          </a:p>
-        </p:txBody>
-      </p:sp>
-      <p:sp>
-        <p:nvSpPr>
-          <p:cNvPr id="21" name="PlaceHolder 2"/>
+            <a:pPr algn="ctr"/>
+            <a:endParaRPr b="0" lang="ru-RU" sz="4400" spc="-1" strike="noStrike">
+              <a:latin typeface="Arial"/>
+            </a:endParaRPr>
+          </a:p>
+        </p:txBody>
+      </p:sp>
+      <p:sp>
+        <p:nvSpPr>
+          <p:cNvPr id="20" name="PlaceHolder 2"/>
           <p:cNvSpPr>
             <a:spLocks noGrp="1"/>
           </p:cNvSpPr>
@@ -3123,8 +2950,8 @@
         </p:nvSpPr>
         <p:spPr>
           <a:xfrm>
-            <a:off x="431640" y="915480"/>
-            <a:ext cx="4040280" cy="1785600"/>
+            <a:off x="457200" y="1203480"/>
+            <a:ext cx="4015800" cy="1422720"/>
           </a:xfrm>
           <a:prstGeom prst="rect">
             <a:avLst/>
@@ -3135,18 +2962,15 @@
             <a:normAutofit/>
           </a:bodyPr>
           <a:p>
-            <a:endParaRPr b="0" lang="ru-RU" sz="2400" spc="-1" strike="noStrike">
-              <a:solidFill>
-                <a:srgbClr val="000000"/>
-              </a:solidFill>
-              <a:latin typeface="Akrobat SemiBold"/>
-            </a:endParaRPr>
-          </a:p>
-        </p:txBody>
-      </p:sp>
-      <p:sp>
-        <p:nvSpPr>
-          <p:cNvPr id="22" name="PlaceHolder 3"/>
+            <a:endParaRPr b="0" lang="ru-RU" sz="3200" spc="-1" strike="noStrike">
+              <a:latin typeface="Arial"/>
+            </a:endParaRPr>
+          </a:p>
+        </p:txBody>
+      </p:sp>
+      <p:sp>
+        <p:nvSpPr>
+          <p:cNvPr id="21" name="PlaceHolder 3"/>
           <p:cNvSpPr>
             <a:spLocks noGrp="1"/>
           </p:cNvSpPr>
@@ -3156,8 +2980,8 @@
         </p:nvSpPr>
         <p:spPr>
           <a:xfrm>
-            <a:off x="4674240" y="915480"/>
-            <a:ext cx="4040280" cy="1785600"/>
+            <a:off x="4674240" y="1203480"/>
+            <a:ext cx="4015800" cy="1422720"/>
           </a:xfrm>
           <a:prstGeom prst="rect">
             <a:avLst/>
@@ -3168,18 +2992,15 @@
             <a:normAutofit/>
           </a:bodyPr>
           <a:p>
-            <a:endParaRPr b="0" lang="ru-RU" sz="2400" spc="-1" strike="noStrike">
-              <a:solidFill>
-                <a:srgbClr val="000000"/>
-              </a:solidFill>
-              <a:latin typeface="Akrobat SemiBold"/>
-            </a:endParaRPr>
-          </a:p>
-        </p:txBody>
-      </p:sp>
-      <p:sp>
-        <p:nvSpPr>
-          <p:cNvPr id="23" name="PlaceHolder 4"/>
+            <a:endParaRPr b="0" lang="ru-RU" sz="3200" spc="-1" strike="noStrike">
+              <a:latin typeface="Arial"/>
+            </a:endParaRPr>
+          </a:p>
+        </p:txBody>
+      </p:sp>
+      <p:sp>
+        <p:nvSpPr>
+          <p:cNvPr id="22" name="PlaceHolder 4"/>
           <p:cNvSpPr>
             <a:spLocks noGrp="1"/>
           </p:cNvSpPr>
@@ -3189,8 +3010,8 @@
         </p:nvSpPr>
         <p:spPr>
           <a:xfrm>
-            <a:off x="431640" y="2871000"/>
-            <a:ext cx="8280000" cy="1785600"/>
+            <a:off x="457200" y="2761920"/>
+            <a:ext cx="8229240" cy="1422720"/>
           </a:xfrm>
           <a:prstGeom prst="rect">
             <a:avLst/>
@@ -3201,11 +3022,8 @@
             <a:normAutofit/>
           </a:bodyPr>
           <a:p>
-            <a:endParaRPr b="0" lang="ru-RU" sz="2400" spc="-1" strike="noStrike">
-              <a:solidFill>
-                <a:srgbClr val="000000"/>
-              </a:solidFill>
-              <a:latin typeface="Akrobat SemiBold"/>
+            <a:endParaRPr b="0" lang="ru-RU" sz="3200" spc="-1" strike="noStrike">
+              <a:latin typeface="Arial"/>
             </a:endParaRPr>
           </a:p>
         </p:txBody>
@@ -3254,37 +3072,24 @@
         </p:nvSpPr>
         <p:spPr>
           <a:xfrm>
-            <a:off x="431640" y="1597680"/>
-            <a:ext cx="5508000" cy="1117440"/>
-          </a:xfrm>
-          <a:prstGeom prst="rect">
-            <a:avLst/>
-          </a:prstGeom>
-        </p:spPr>
-        <p:txBody>
-          <a:bodyPr anchor="ctr">
-            <a:normAutofit/>
-          </a:bodyPr>
-          <a:p>
-            <a:pPr>
-              <a:lnSpc>
-                <a:spcPct val="100000"/>
-              </a:lnSpc>
-            </a:pPr>
+            <a:off x="431640" y="205920"/>
+            <a:ext cx="8279640" cy="564840"/>
+          </a:xfrm>
+          <a:prstGeom prst="rect">
+            <a:avLst/>
+          </a:prstGeom>
+        </p:spPr>
+        <p:txBody>
+          <a:bodyPr lIns="0" rIns="0" tIns="0" bIns="0" anchor="ctr"/>
+          <a:p>
             <a:r>
-              <a:rPr b="1" lang="ru-RU" sz="3600" spc="-1" strike="noStrike">
-                <a:solidFill>
-                  <a:srgbClr val="264796"/>
-                </a:solidFill>
-                <a:latin typeface="Akrobat Bold"/>
+              <a:rPr b="0" lang="ru-RU" sz="1800" spc="-1" strike="noStrike">
+                <a:latin typeface="Arial"/>
               </a:rPr>
-              <a:t>Образец заголовка</a:t>
+              <a:t>Для правки текста заглавия щёлкните мышью</a:t>
             </a:r>
-            <a:endParaRPr b="0" lang="ru-RU" sz="3600" spc="-1" strike="noStrike">
-              <a:solidFill>
-                <a:srgbClr val="000000"/>
-              </a:solidFill>
-              <a:latin typeface="Akrobat SemiBold"/>
+            <a:endParaRPr b="0" lang="ru-RU" sz="1800" spc="-1" strike="noStrike">
+              <a:latin typeface="Arial"/>
             </a:endParaRPr>
           </a:p>
         </p:txBody>
@@ -3292,48 +3097,6 @@
       <p:sp>
         <p:nvSpPr>
           <p:cNvPr id="1" name="PlaceHolder 2"/>
-          <p:cNvSpPr>
-            <a:spLocks noGrp="1"/>
-          </p:cNvSpPr>
-          <p:nvPr>
-            <p:ph type="dt"/>
-          </p:nvPr>
-        </p:nvSpPr>
-        <p:spPr>
-          <a:xfrm>
-            <a:off x="431640" y="4659840"/>
-            <a:ext cx="2097000" cy="273600"/>
-          </a:xfrm>
-          <a:prstGeom prst="rect">
-            <a:avLst/>
-          </a:prstGeom>
-        </p:spPr>
-        <p:txBody>
-          <a:bodyPr anchor="ctr"/>
-          <a:p>
-            <a:pPr>
-              <a:lnSpc>
-                <a:spcPct val="100000"/>
-              </a:lnSpc>
-            </a:pPr>
-            <a:fld id="{00DF854A-BA35-4645-8B66-29754A3E7C6A}" type="datetime1">
-              <a:rPr b="0" lang="ru-RU" sz="1200" spc="-1" strike="noStrike">
-                <a:solidFill>
-                  <a:srgbClr val="8bc5d0"/>
-                </a:solidFill>
-                <a:latin typeface="Akrobat SemiBold"/>
-              </a:rPr>
-              <a:t>05.12.2019</a:t>
-            </a:fld>
-            <a:endParaRPr b="0" lang="ru-RU" sz="1200" spc="-1" strike="noStrike">
-              <a:latin typeface="Times New Roman"/>
-            </a:endParaRPr>
-          </a:p>
-        </p:txBody>
-      </p:sp>
-      <p:sp>
-        <p:nvSpPr>
-          <p:cNvPr id="2" name="PlaceHolder 3"/>
           <p:cNvSpPr>
             <a:spLocks noGrp="1"/>
           </p:cNvSpPr>
@@ -3367,19 +3130,13 @@
               <a:buChar char=""/>
             </a:pPr>
             <a:r>
-              <a:rPr b="0" lang="ru-RU" sz="2400" spc="-1" strike="noStrike">
-                <a:solidFill>
-                  <a:srgbClr val="000000"/>
-                </a:solidFill>
-                <a:latin typeface="Akrobat SemiBold"/>
+              <a:rPr b="0" lang="ru-RU" sz="3200" spc="-1" strike="noStrike">
+                <a:latin typeface="Arial"/>
               </a:rPr>
               <a:t>Для правки структуры щёлкните мышью</a:t>
             </a:r>
-            <a:endParaRPr b="0" lang="ru-RU" sz="2400" spc="-1" strike="noStrike">
-              <a:solidFill>
-                <a:srgbClr val="000000"/>
-              </a:solidFill>
-              <a:latin typeface="Akrobat SemiBold"/>
+            <a:endParaRPr b="0" lang="ru-RU" sz="3200" spc="-1" strike="noStrike">
+              <a:latin typeface="Arial"/>
             </a:endParaRPr>
           </a:p>
           <a:p>
@@ -3395,19 +3152,13 @@
               <a:buChar char=""/>
             </a:pPr>
             <a:r>
-              <a:rPr b="0" lang="ru-RU" sz="1800" spc="-1" strike="noStrike">
-                <a:solidFill>
-                  <a:srgbClr val="000000"/>
-                </a:solidFill>
-                <a:latin typeface="Akrobat SemiBold"/>
+              <a:rPr b="0" lang="ru-RU" sz="2800" spc="-1" strike="noStrike">
+                <a:latin typeface="Arial"/>
               </a:rPr>
               <a:t>Второй уровень структуры</a:t>
             </a:r>
-            <a:endParaRPr b="0" lang="ru-RU" sz="1800" spc="-1" strike="noStrike">
-              <a:solidFill>
-                <a:srgbClr val="000000"/>
-              </a:solidFill>
-              <a:latin typeface="Akrobat SemiBold"/>
+            <a:endParaRPr b="0" lang="ru-RU" sz="2800" spc="-1" strike="noStrike">
+              <a:latin typeface="Arial"/>
             </a:endParaRPr>
           </a:p>
           <a:p>
@@ -3423,19 +3174,13 @@
               <a:buChar char=""/>
             </a:pPr>
             <a:r>
-              <a:rPr b="0" lang="ru-RU" sz="1600" spc="-1" strike="noStrike">
-                <a:solidFill>
-                  <a:srgbClr val="000000"/>
-                </a:solidFill>
-                <a:latin typeface="Akrobat SemiBold"/>
+              <a:rPr b="0" lang="ru-RU" sz="2400" spc="-1" strike="noStrike">
+                <a:latin typeface="Arial"/>
               </a:rPr>
               <a:t>Третий уровень структуры</a:t>
             </a:r>
-            <a:endParaRPr b="0" lang="ru-RU" sz="1600" spc="-1" strike="noStrike">
-              <a:solidFill>
-                <a:srgbClr val="000000"/>
-              </a:solidFill>
-              <a:latin typeface="Akrobat SemiBold"/>
+            <a:endParaRPr b="0" lang="ru-RU" sz="2400" spc="-1" strike="noStrike">
+              <a:latin typeface="Arial"/>
             </a:endParaRPr>
           </a:p>
           <a:p>
@@ -3451,19 +3196,13 @@
               <a:buChar char=""/>
             </a:pPr>
             <a:r>
-              <a:rPr b="0" lang="ru-RU" sz="1400" spc="-1" strike="noStrike">
-                <a:solidFill>
-                  <a:srgbClr val="000000"/>
-                </a:solidFill>
-                <a:latin typeface="Akrobat SemiBold"/>
+              <a:rPr b="0" lang="ru-RU" sz="2000" spc="-1" strike="noStrike">
+                <a:latin typeface="Arial"/>
               </a:rPr>
               <a:t>Четвёртый уровень структуры</a:t>
             </a:r>
-            <a:endParaRPr b="0" lang="ru-RU" sz="1400" spc="-1" strike="noStrike">
-              <a:solidFill>
-                <a:srgbClr val="000000"/>
-              </a:solidFill>
-              <a:latin typeface="Akrobat SemiBold"/>
+            <a:endParaRPr b="0" lang="ru-RU" sz="2000" spc="-1" strike="noStrike">
+              <a:latin typeface="Arial"/>
             </a:endParaRPr>
           </a:p>
           <a:p>
@@ -3480,18 +3219,12 @@
             </a:pPr>
             <a:r>
               <a:rPr b="0" lang="ru-RU" sz="2000" spc="-1" strike="noStrike">
-                <a:solidFill>
-                  <a:srgbClr val="000000"/>
-                </a:solidFill>
-                <a:latin typeface="Akrobat SemiBold"/>
+                <a:latin typeface="Arial"/>
               </a:rPr>
               <a:t>Пятый уровень структуры</a:t>
             </a:r>
             <a:endParaRPr b="0" lang="ru-RU" sz="2000" spc="-1" strike="noStrike">
-              <a:solidFill>
-                <a:srgbClr val="000000"/>
-              </a:solidFill>
-              <a:latin typeface="Akrobat SemiBold"/>
+              <a:latin typeface="Arial"/>
             </a:endParaRPr>
           </a:p>
           <a:p>
@@ -3508,18 +3241,12 @@
             </a:pPr>
             <a:r>
               <a:rPr b="0" lang="ru-RU" sz="2000" spc="-1" strike="noStrike">
-                <a:solidFill>
-                  <a:srgbClr val="000000"/>
-                </a:solidFill>
-                <a:latin typeface="Akrobat SemiBold"/>
+                <a:latin typeface="Arial"/>
               </a:rPr>
               <a:t>Шестой уровень структуры</a:t>
             </a:r>
             <a:endParaRPr b="0" lang="ru-RU" sz="2000" spc="-1" strike="noStrike">
-              <a:solidFill>
-                <a:srgbClr val="000000"/>
-              </a:solidFill>
-              <a:latin typeface="Akrobat SemiBold"/>
+              <a:latin typeface="Arial"/>
             </a:endParaRPr>
           </a:p>
           <a:p>
@@ -3536,18 +3263,12 @@
             </a:pPr>
             <a:r>
               <a:rPr b="0" lang="ru-RU" sz="2000" spc="-1" strike="noStrike">
-                <a:solidFill>
-                  <a:srgbClr val="000000"/>
-                </a:solidFill>
-                <a:latin typeface="Akrobat SemiBold"/>
+                <a:latin typeface="Arial"/>
               </a:rPr>
               <a:t>Седьмой уровень структуры</a:t>
             </a:r>
             <a:endParaRPr b="0" lang="ru-RU" sz="2000" spc="-1" strike="noStrike">
-              <a:solidFill>
-                <a:srgbClr val="000000"/>
-              </a:solidFill>
-              <a:latin typeface="Akrobat SemiBold"/>
+              <a:latin typeface="Arial"/>
             </a:endParaRPr>
           </a:p>
         </p:txBody>
@@ -3601,7 +3322,7 @@
       </p:grpSpPr>
       <p:sp>
         <p:nvSpPr>
-          <p:cNvPr id="39" name="PlaceHolder 1"/>
+          <p:cNvPr id="38" name="PlaceHolder 1"/>
           <p:cNvSpPr>
             <a:spLocks noGrp="1"/>
           </p:cNvSpPr>
@@ -3611,44 +3332,32 @@
         </p:nvSpPr>
         <p:spPr>
           <a:xfrm>
-            <a:off x="431640" y="205920"/>
-            <a:ext cx="8280000" cy="565200"/>
-          </a:xfrm>
-          <a:prstGeom prst="rect">
-            <a:avLst/>
-          </a:prstGeom>
-        </p:spPr>
-        <p:txBody>
-          <a:bodyPr anchor="ctr">
-            <a:normAutofit fontScale="73000"/>
-          </a:bodyPr>
-          <a:p>
-            <a:pPr algn="r">
-              <a:lnSpc>
-                <a:spcPct val="100000"/>
-              </a:lnSpc>
-            </a:pPr>
+            <a:off x="457200" y="205200"/>
+            <a:ext cx="8229240" cy="858600"/>
+          </a:xfrm>
+          <a:prstGeom prst="rect">
+            <a:avLst/>
+          </a:prstGeom>
+        </p:spPr>
+        <p:txBody>
+          <a:bodyPr lIns="0" rIns="0" tIns="0" bIns="0" anchor="ctr"/>
+          <a:p>
+            <a:pPr algn="ctr"/>
             <a:r>
-              <a:rPr b="0" lang="ru-RU" sz="3600" spc="-1" strike="noStrike">
-                <a:solidFill>
-                  <a:srgbClr val="264796"/>
-                </a:solidFill>
-                <a:latin typeface="Akrobat Bold"/>
+              <a:rPr b="0" lang="ru-RU" sz="4400" spc="-1" strike="noStrike">
+                <a:latin typeface="Arial"/>
               </a:rPr>
-              <a:t>Образец заголовка</a:t>
+              <a:t>Для правки текста заглавия щёлкните мышью</a:t>
             </a:r>
-            <a:endParaRPr b="0" lang="ru-RU" sz="3600" spc="-1" strike="noStrike">
-              <a:solidFill>
-                <a:srgbClr val="000000"/>
-              </a:solidFill>
-              <a:latin typeface="Akrobat SemiBold"/>
-            </a:endParaRPr>
-          </a:p>
-        </p:txBody>
-      </p:sp>
-      <p:sp>
-        <p:nvSpPr>
-          <p:cNvPr id="40" name="PlaceHolder 2"/>
+            <a:endParaRPr b="0" lang="ru-RU" sz="4400" spc="-1" strike="noStrike">
+              <a:latin typeface="Arial"/>
+            </a:endParaRPr>
+          </a:p>
+        </p:txBody>
+      </p:sp>
+      <p:sp>
+        <p:nvSpPr>
+          <p:cNvPr id="39" name="PlaceHolder 2"/>
           <p:cNvSpPr>
             <a:spLocks noGrp="1"/>
           </p:cNvSpPr>
@@ -3658,249 +3367,169 @@
         </p:nvSpPr>
         <p:spPr>
           <a:xfrm>
-            <a:off x="431640" y="915480"/>
-            <a:ext cx="8280000" cy="3744000"/>
-          </a:xfrm>
-          <a:prstGeom prst="rect">
-            <a:avLst/>
-          </a:prstGeom>
-        </p:spPr>
-        <p:txBody>
-          <a:bodyPr>
+            <a:off x="457200" y="1203480"/>
+            <a:ext cx="8229240" cy="2982960"/>
+          </a:xfrm>
+          <a:prstGeom prst="rect">
+            <a:avLst/>
+          </a:prstGeom>
+        </p:spPr>
+        <p:txBody>
+          <a:bodyPr lIns="0" rIns="0" tIns="0" bIns="0">
             <a:normAutofit/>
           </a:bodyPr>
           <a:p>
-            <a:pPr marL="343080" indent="-342720">
-              <a:lnSpc>
-                <a:spcPct val="100000"/>
-              </a:lnSpc>
+            <a:pPr marL="432000" indent="-324000">
               <a:spcBef>
-                <a:spcPts val="479"/>
+                <a:spcPts val="1417"/>
               </a:spcBef>
               <a:buClr>
                 <a:srgbClr val="000000"/>
               </a:buClr>
+              <a:buSzPct val="45000"/>
               <a:buFont typeface="Wingdings" charset="2"/>
-              <a:buChar char=""/>
+              <a:buChar char=""/>
             </a:pPr>
             <a:r>
-              <a:rPr b="0" lang="ru-RU" sz="2400" spc="-1" strike="noStrike">
-                <a:solidFill>
-                  <a:srgbClr val="000000"/>
-                </a:solidFill>
-                <a:latin typeface="Akrobat SemiBold"/>
+              <a:rPr b="0" lang="ru-RU" sz="3200" spc="-1" strike="noStrike">
+                <a:latin typeface="Arial"/>
               </a:rPr>
-              <a:t>Образец текста</a:t>
+              <a:t>Для правки структуры щёлкните мышью</a:t>
             </a:r>
-            <a:endParaRPr b="0" lang="ru-RU" sz="2400" spc="-1" strike="noStrike">
-              <a:solidFill>
-                <a:srgbClr val="000000"/>
-              </a:solidFill>
-              <a:latin typeface="Akrobat SemiBold"/>
-            </a:endParaRPr>
-          </a:p>
-          <a:p>
-            <a:pPr lvl="1" marL="743040" indent="-285480">
-              <a:lnSpc>
-                <a:spcPct val="100000"/>
-              </a:lnSpc>
+            <a:endParaRPr b="0" lang="ru-RU" sz="3200" spc="-1" strike="noStrike">
+              <a:latin typeface="Arial"/>
+            </a:endParaRPr>
+          </a:p>
+          <a:p>
+            <a:pPr lvl="1" marL="864000" indent="-324000">
               <a:spcBef>
-                <a:spcPts val="400"/>
+                <a:spcPts val="1134"/>
               </a:spcBef>
               <a:buClr>
                 <a:srgbClr val="000000"/>
               </a:buClr>
-              <a:buFont typeface="Arial"/>
-              <a:buChar char="•"/>
+              <a:buSzPct val="75000"/>
+              <a:buFont typeface="Symbol" charset="2"/>
+              <a:buChar char=""/>
             </a:pPr>
             <a:r>
-              <a:rPr b="0" lang="ru-RU" sz="2000" spc="-1" strike="noStrike">
-                <a:solidFill>
-                  <a:srgbClr val="000000"/>
-                </a:solidFill>
-                <a:latin typeface="Akrobat SemiBold"/>
+              <a:rPr b="0" lang="ru-RU" sz="2800" spc="-1" strike="noStrike">
+                <a:latin typeface="Arial"/>
               </a:rPr>
-              <a:t>Второй уровень</a:t>
+              <a:t>Второй уровень структуры</a:t>
             </a:r>
-            <a:endParaRPr b="0" lang="ru-RU" sz="2000" spc="-1" strike="noStrike">
-              <a:solidFill>
-                <a:srgbClr val="000000"/>
-              </a:solidFill>
-              <a:latin typeface="Akrobat SemiBold"/>
-            </a:endParaRPr>
-          </a:p>
-          <a:p>
-            <a:pPr lvl="2" marL="1143000" indent="-228240">
-              <a:lnSpc>
-                <a:spcPct val="100000"/>
-              </a:lnSpc>
+            <a:endParaRPr b="0" lang="ru-RU" sz="2800" spc="-1" strike="noStrike">
+              <a:latin typeface="Arial"/>
+            </a:endParaRPr>
+          </a:p>
+          <a:p>
+            <a:pPr lvl="2" marL="1296000" indent="-288000">
               <a:spcBef>
-                <a:spcPts val="360"/>
+                <a:spcPts val="850"/>
               </a:spcBef>
               <a:buClr>
                 <a:srgbClr val="000000"/>
               </a:buClr>
+              <a:buSzPct val="45000"/>
               <a:buFont typeface="Wingdings" charset="2"/>
-              <a:buChar char=""/>
+              <a:buChar char=""/>
             </a:pPr>
             <a:r>
-              <a:rPr b="0" lang="ru-RU" sz="1800" spc="-1" strike="noStrike">
-                <a:solidFill>
-                  <a:srgbClr val="000000"/>
-                </a:solidFill>
-                <a:latin typeface="Akrobat SemiBold"/>
+              <a:rPr b="0" lang="ru-RU" sz="2400" spc="-1" strike="noStrike">
+                <a:latin typeface="Arial"/>
               </a:rPr>
-              <a:t>Третий уровень</a:t>
+              <a:t>Третий уровень структуры</a:t>
             </a:r>
-            <a:endParaRPr b="0" lang="ru-RU" sz="1800" spc="-1" strike="noStrike">
-              <a:solidFill>
-                <a:srgbClr val="000000"/>
-              </a:solidFill>
-              <a:latin typeface="Akrobat SemiBold"/>
-            </a:endParaRPr>
-          </a:p>
-          <a:p>
-            <a:pPr lvl="3" marL="1600200" indent="-228240">
-              <a:lnSpc>
-                <a:spcPct val="100000"/>
-              </a:lnSpc>
+            <a:endParaRPr b="0" lang="ru-RU" sz="2400" spc="-1" strike="noStrike">
+              <a:latin typeface="Arial"/>
+            </a:endParaRPr>
+          </a:p>
+          <a:p>
+            <a:pPr lvl="3" marL="1728000" indent="-216000">
               <a:spcBef>
-                <a:spcPts val="320"/>
+                <a:spcPts val="567"/>
               </a:spcBef>
               <a:buClr>
                 <a:srgbClr val="000000"/>
               </a:buClr>
-              <a:buFont typeface="Arial"/>
-              <a:buChar char="•"/>
+              <a:buSzPct val="75000"/>
+              <a:buFont typeface="Symbol" charset="2"/>
+              <a:buChar char=""/>
             </a:pPr>
             <a:r>
-              <a:rPr b="0" lang="ru-RU" sz="1600" spc="-1" strike="noStrike">
-                <a:solidFill>
-                  <a:srgbClr val="000000"/>
-                </a:solidFill>
-                <a:latin typeface="Akrobat SemiBold"/>
+              <a:rPr b="0" lang="ru-RU" sz="2000" spc="-1" strike="noStrike">
+                <a:latin typeface="Arial"/>
               </a:rPr>
-              <a:t>Четвертый уровень</a:t>
+              <a:t>Четвёртый уровень структуры</a:t>
             </a:r>
-            <a:endParaRPr b="0" lang="ru-RU" sz="1600" spc="-1" strike="noStrike">
-              <a:solidFill>
-                <a:srgbClr val="000000"/>
-              </a:solidFill>
-              <a:latin typeface="Akrobat SemiBold"/>
-            </a:endParaRPr>
-          </a:p>
-          <a:p>
-            <a:pPr lvl="4" marL="2057400" indent="-228240">
-              <a:lnSpc>
-                <a:spcPct val="100000"/>
-              </a:lnSpc>
+            <a:endParaRPr b="0" lang="ru-RU" sz="2000" spc="-1" strike="noStrike">
+              <a:latin typeface="Arial"/>
+            </a:endParaRPr>
+          </a:p>
+          <a:p>
+            <a:pPr lvl="4" marL="2160000" indent="-216000">
               <a:spcBef>
-                <a:spcPts val="281"/>
+                <a:spcPts val="283"/>
               </a:spcBef>
               <a:buClr>
                 <a:srgbClr val="000000"/>
               </a:buClr>
+              <a:buSzPct val="45000"/>
               <a:buFont typeface="Wingdings" charset="2"/>
-              <a:buChar char=""/>
+              <a:buChar char=""/>
             </a:pPr>
             <a:r>
-              <a:rPr b="0" lang="ru-RU" sz="1400" spc="-1" strike="noStrike">
-                <a:solidFill>
-                  <a:srgbClr val="000000"/>
-                </a:solidFill>
-                <a:latin typeface="Akrobat SemiBold"/>
+              <a:rPr b="0" lang="ru-RU" sz="2000" spc="-1" strike="noStrike">
+                <a:latin typeface="Arial"/>
               </a:rPr>
-              <a:t>Пятый уровень</a:t>
+              <a:t>Пятый уровень структуры</a:t>
             </a:r>
-            <a:endParaRPr b="0" lang="ru-RU" sz="1400" spc="-1" strike="noStrike">
-              <a:solidFill>
+            <a:endParaRPr b="0" lang="ru-RU" sz="2000" spc="-1" strike="noStrike">
+              <a:latin typeface="Arial"/>
+            </a:endParaRPr>
+          </a:p>
+          <a:p>
+            <a:pPr lvl="5" marL="2592000" indent="-216000">
+              <a:spcBef>
+                <a:spcPts val="283"/>
+              </a:spcBef>
+              <a:buClr>
                 <a:srgbClr val="000000"/>
-              </a:solidFill>
-              <a:latin typeface="Akrobat SemiBold"/>
-            </a:endParaRPr>
-          </a:p>
-        </p:txBody>
-      </p:sp>
-      <p:sp>
-        <p:nvSpPr>
-          <p:cNvPr id="41" name="PlaceHolder 3"/>
-          <p:cNvSpPr>
-            <a:spLocks noGrp="1"/>
-          </p:cNvSpPr>
-          <p:nvPr>
-            <p:ph type="dt"/>
-          </p:nvPr>
-        </p:nvSpPr>
-        <p:spPr>
-          <a:xfrm>
-            <a:off x="3505320" y="4767120"/>
-            <a:ext cx="2133360" cy="273600"/>
-          </a:xfrm>
-          <a:prstGeom prst="rect">
-            <a:avLst/>
-          </a:prstGeom>
-        </p:spPr>
-        <p:txBody>
-          <a:bodyPr anchor="ctr"/>
-          <a:p>
-            <a:pPr algn="ctr">
-              <a:lnSpc>
-                <a:spcPct val="100000"/>
-              </a:lnSpc>
+              </a:buClr>
+              <a:buSzPct val="45000"/>
+              <a:buFont typeface="Wingdings" charset="2"/>
+              <a:buChar char=""/>
             </a:pPr>
-            <a:fld id="{FC0C0AAD-5644-46D6-9B35-DB1C3BB6A594}" type="datetime1">
-              <a:rPr b="0" lang="ru-RU" sz="1200" spc="-1" strike="noStrike">
-                <a:solidFill>
-                  <a:srgbClr val="8b8b8b"/>
-                </a:solidFill>
-                <a:latin typeface="Akrobat SemiBold"/>
+            <a:r>
+              <a:rPr b="0" lang="ru-RU" sz="2000" spc="-1" strike="noStrike">
+                <a:latin typeface="Arial"/>
               </a:rPr>
-              <a:t>05.12.2019</a:t>
-            </a:fld>
-            <a:endParaRPr b="0" lang="ru-RU" sz="1200" spc="-1" strike="noStrike">
-              <a:latin typeface="Times New Roman"/>
-            </a:endParaRPr>
-          </a:p>
-        </p:txBody>
-      </p:sp>
-      <p:sp>
-        <p:nvSpPr>
-          <p:cNvPr id="42" name="PlaceHolder 4"/>
-          <p:cNvSpPr>
-            <a:spLocks noGrp="1"/>
-          </p:cNvSpPr>
-          <p:nvPr>
-            <p:ph type="sldNum"/>
-          </p:nvPr>
-        </p:nvSpPr>
-        <p:spPr>
-          <a:xfrm>
-            <a:off x="7164360" y="4767120"/>
-            <a:ext cx="1872000" cy="273600"/>
-          </a:xfrm>
-          <a:prstGeom prst="rect">
-            <a:avLst/>
-          </a:prstGeom>
-        </p:spPr>
-        <p:txBody>
-          <a:bodyPr anchor="ctr"/>
-          <a:p>
-            <a:pPr algn="r">
-              <a:lnSpc>
-                <a:spcPct val="100000"/>
-              </a:lnSpc>
+              <a:t>Шестой уровень структуры</a:t>
+            </a:r>
+            <a:endParaRPr b="0" lang="ru-RU" sz="2000" spc="-1" strike="noStrike">
+              <a:latin typeface="Arial"/>
+            </a:endParaRPr>
+          </a:p>
+          <a:p>
+            <a:pPr lvl="6" marL="3024000" indent="-216000">
+              <a:spcBef>
+                <a:spcPts val="283"/>
+              </a:spcBef>
+              <a:buClr>
+                <a:srgbClr val="000000"/>
+              </a:buClr>
+              <a:buSzPct val="45000"/>
+              <a:buFont typeface="Wingdings" charset="2"/>
+              <a:buChar char=""/>
             </a:pPr>
-            <a:fld id="{10A2A191-F947-483F-8292-F0304538FC69}" type="slidenum">
-              <a:rPr b="0" lang="ru-RU" sz="1200" spc="-1" strike="noStrike">
-                <a:solidFill>
-                  <a:srgbClr val="ffffff"/>
-                </a:solidFill>
-                <a:latin typeface="Akrobat SemiBold"/>
+            <a:r>
+              <a:rPr b="0" lang="ru-RU" sz="2000" spc="-1" strike="noStrike">
+                <a:latin typeface="Arial"/>
               </a:rPr>
-              <a:t>&lt;номер&gt;</a:t>
-            </a:fld>
-            <a:endParaRPr b="0" lang="ru-RU" sz="1200" spc="-1" strike="noStrike">
-              <a:latin typeface="Times New Roman"/>
+              <a:t>Седьмой уровень структуры</a:t>
+            </a:r>
+            <a:endParaRPr b="0" lang="ru-RU" sz="2000" spc="-1" strike="noStrike">
+              <a:latin typeface="Arial"/>
             </a:endParaRPr>
           </a:p>
         </p:txBody>
@@ -3944,14 +3573,14 @@
       </p:grpSpPr>
       <p:sp>
         <p:nvSpPr>
-          <p:cNvPr id="85" name="TextShape 1"/>
-          <p:cNvSpPr txBox="1"/>
+          <p:cNvPr id="82" name="CustomShape 1"/>
+          <p:cNvSpPr/>
           <p:nvPr/>
         </p:nvSpPr>
         <p:spPr>
           <a:xfrm>
             <a:off x="323640" y="1728000"/>
-            <a:ext cx="5364360" cy="2160000"/>
+            <a:ext cx="5364000" cy="2159640"/>
           </a:xfrm>
           <a:prstGeom prst="rect">
             <a:avLst/>
@@ -3961,8 +3590,14 @@
             <a:noFill/>
           </a:ln>
         </p:spPr>
-        <p:txBody>
-          <a:bodyPr/>
+        <p:style>
+          <a:lnRef idx="0"/>
+          <a:fillRef idx="0"/>
+          <a:effectRef idx="0"/>
+          <a:fontRef idx="minor"/>
+        </p:style>
+        <p:txBody>
+          <a:bodyPr lIns="90000" rIns="90000" tIns="45000" bIns="45000"/>
           <a:p>
             <a:pPr>
               <a:lnSpc>
@@ -3972,12 +3607,16 @@
                 <a:spcPts val="320"/>
               </a:spcBef>
             </a:pPr>
-            <a:endParaRPr b="0" lang="ru-RU" sz="3200" spc="-1" strike="noStrike">
-              <a:latin typeface="Arial"/>
-            </a:endParaRPr>
-          </a:p>
-          <a:p>
-            <a:pPr algn="just"/>
+            <a:endParaRPr b="0" lang="ru-RU" sz="1800" spc="-1" strike="noStrike">
+              <a:latin typeface="Arial"/>
+            </a:endParaRPr>
+          </a:p>
+          <a:p>
+            <a:pPr algn="just">
+              <a:lnSpc>
+                <a:spcPct val="100000"/>
+              </a:lnSpc>
+            </a:pPr>
             <a:r>
               <a:rPr b="1" lang="ru-RU" sz="1800" spc="-1" strike="noStrike">
                 <a:solidFill>
@@ -3989,19 +3628,25 @@
               <a:t>«Эффективное использование новых возможностей САПР для ускорения разработки электронных приборов»</a:t>
             </a:r>
             <a:endParaRPr b="0" lang="ru-RU" sz="1800" spc="-1" strike="noStrike">
-              <a:latin typeface="Times New Roman"/>
-              <a:ea typeface="MS Mincho;ＭＳ 明朝"/>
-            </a:endParaRPr>
-          </a:p>
-          <a:p>
-            <a:pPr algn="just"/>
+              <a:latin typeface="Arial"/>
+            </a:endParaRPr>
+          </a:p>
+          <a:p>
+            <a:pPr algn="just">
+              <a:lnSpc>
+                <a:spcPct val="100000"/>
+              </a:lnSpc>
+            </a:pPr>
             <a:endParaRPr b="0" lang="ru-RU" sz="1800" spc="-1" strike="noStrike">
-              <a:latin typeface="Times New Roman"/>
-              <a:ea typeface="MS Mincho;ＭＳ 明朝"/>
-            </a:endParaRPr>
-          </a:p>
-          <a:p>
-            <a:pPr algn="just"/>
+              <a:latin typeface="Arial"/>
+            </a:endParaRPr>
+          </a:p>
+          <a:p>
+            <a:pPr algn="just">
+              <a:lnSpc>
+                <a:spcPct val="100000"/>
+              </a:lnSpc>
+            </a:pPr>
             <a:r>
               <a:rPr b="1" lang="ru-RU" sz="1800" spc="-1" strike="noStrike">
                 <a:solidFill>
@@ -4013,8 +3658,7 @@
               <a:t>Золотарев А.С. НПЦ «Промэлектроника»</a:t>
             </a:r>
             <a:endParaRPr b="0" lang="ru-RU" sz="1800" spc="-1" strike="noStrike">
-              <a:latin typeface="Times New Roman"/>
-              <a:ea typeface="MS Mincho;ＭＳ 明朝"/>
+              <a:latin typeface="Arial"/>
             </a:endParaRPr>
           </a:p>
         </p:txBody>
@@ -4078,14 +3722,14 @@
       </p:grpSpPr>
       <p:sp>
         <p:nvSpPr>
-          <p:cNvPr id="86" name="TextShape 1"/>
-          <p:cNvSpPr txBox="1"/>
+          <p:cNvPr id="83" name="CustomShape 1"/>
+          <p:cNvSpPr/>
           <p:nvPr/>
         </p:nvSpPr>
         <p:spPr>
           <a:xfrm>
             <a:off x="431640" y="205920"/>
-            <a:ext cx="8280000" cy="565200"/>
+            <a:ext cx="8279640" cy="564840"/>
           </a:xfrm>
           <a:prstGeom prst="rect">
             <a:avLst/>
@@ -4095,10 +3739,29 @@
             <a:noFill/>
           </a:ln>
         </p:spPr>
-        <p:txBody>
-          <a:bodyPr anchor="ctr"/>
-          <a:p>
-            <a:pPr algn="r"/>
+        <p:style>
+          <a:lnRef idx="0"/>
+          <a:fillRef idx="0"/>
+          <a:effectRef idx="0"/>
+          <a:fontRef idx="minor"/>
+        </p:style>
+        <p:txBody>
+          <a:bodyPr lIns="90000" rIns="90000" tIns="45000" bIns="45000" anchor="ctr"/>
+          <a:p>
+            <a:pPr algn="r">
+              <a:lnSpc>
+                <a:spcPct val="100000"/>
+              </a:lnSpc>
+            </a:pPr>
+            <a:r>
+              <a:rPr b="0" lang="ru-RU" sz="1800" spc="-1" strike="noStrike">
+                <a:solidFill>
+                  <a:srgbClr val="000000"/>
+                </a:solidFill>
+                <a:latin typeface="Arial"/>
+              </a:rPr>
+              <a:t>Технические задачи при разработке устройств</a:t>
+            </a:r>
             <a:r>
               <a:rPr b="0" lang="ru-RU" sz="1800" spc="-1" strike="noStrike">
                 <a:solidFill>
@@ -4106,27 +3769,24 @@
                 </a:solidFill>
                 <a:latin typeface="Akrobat SemiBold"/>
               </a:rPr>
-              <a:t>Технические задачи при разработке устройств </a:t>
+              <a:t> </a:t>
             </a:r>
             <a:endParaRPr b="0" lang="ru-RU" sz="1800" spc="-1" strike="noStrike">
-              <a:solidFill>
-                <a:srgbClr val="000000"/>
-              </a:solidFill>
-              <a:latin typeface="Akrobat SemiBold"/>
-            </a:endParaRPr>
-          </a:p>
-        </p:txBody>
-      </p:sp>
-      <p:sp>
-        <p:nvSpPr>
-          <p:cNvPr id="87" name="TextShape 2"/>
-          <p:cNvSpPr txBox="1"/>
+              <a:latin typeface="Arial"/>
+            </a:endParaRPr>
+          </a:p>
+        </p:txBody>
+      </p:sp>
+      <p:sp>
+        <p:nvSpPr>
+          <p:cNvPr id="84" name="CustomShape 2"/>
+          <p:cNvSpPr/>
           <p:nvPr/>
         </p:nvSpPr>
         <p:spPr>
           <a:xfrm>
             <a:off x="7164360" y="4767120"/>
-            <a:ext cx="1872000" cy="273600"/>
+            <a:ext cx="1871640" cy="273240"/>
           </a:xfrm>
           <a:prstGeom prst="rect">
             <a:avLst/>
@@ -4136,15 +3796,21 @@
             <a:noFill/>
           </a:ln>
         </p:spPr>
-        <p:txBody>
-          <a:bodyPr anchor="ctr"/>
+        <p:style>
+          <a:lnRef idx="0"/>
+          <a:fillRef idx="0"/>
+          <a:effectRef idx="0"/>
+          <a:fontRef idx="minor"/>
+        </p:style>
+        <p:txBody>
+          <a:bodyPr lIns="90000" rIns="90000" tIns="45000" bIns="45000" anchor="ctr"/>
           <a:p>
             <a:pPr algn="r">
               <a:lnSpc>
                 <a:spcPct val="100000"/>
               </a:lnSpc>
             </a:pPr>
-            <a:fld id="{E7855106-3AE2-473E-8A8C-DA0308C5B2A2}" type="slidenum">
+            <a:fld id="{F4DB2EC7-F7E2-42E2-8C09-BEA07A86DEDA}" type="slidenum">
               <a:rPr b="0" lang="ru-RU" sz="1200" spc="-1" strike="noStrike">
                 <a:solidFill>
                   <a:srgbClr val="ffffff"/>
@@ -4154,21 +3820,21 @@
               <a:t>&lt;номер&gt;</a:t>
             </a:fld>
             <a:endParaRPr b="0" lang="ru-RU" sz="1200" spc="-1" strike="noStrike">
-              <a:latin typeface="Times New Roman"/>
-            </a:endParaRPr>
-          </a:p>
-        </p:txBody>
-      </p:sp>
-      <p:sp>
-        <p:nvSpPr>
-          <p:cNvPr id="88" name="TextShape 3"/>
-          <p:cNvSpPr txBox="1"/>
+              <a:latin typeface="Arial"/>
+            </a:endParaRPr>
+          </a:p>
+        </p:txBody>
+      </p:sp>
+      <p:sp>
+        <p:nvSpPr>
+          <p:cNvPr id="85" name="CustomShape 3"/>
+          <p:cNvSpPr/>
           <p:nvPr/>
         </p:nvSpPr>
         <p:spPr>
           <a:xfrm>
             <a:off x="395640" y="915480"/>
-            <a:ext cx="8280000" cy="3744000"/>
+            <a:ext cx="8279640" cy="3743640"/>
           </a:xfrm>
           <a:prstGeom prst="rect">
             <a:avLst/>
@@ -4178,10 +3844,19 @@
             <a:noFill/>
           </a:ln>
         </p:spPr>
-        <p:txBody>
-          <a:bodyPr/>
-          <a:p>
-            <a:pPr marL="432000" indent="-324000">
+        <p:style>
+          <a:lnRef idx="0"/>
+          <a:fillRef idx="0"/>
+          <a:effectRef idx="0"/>
+          <a:fontRef idx="minor"/>
+        </p:style>
+        <p:txBody>
+          <a:bodyPr lIns="90000" rIns="90000" tIns="45000" bIns="45000"/>
+          <a:p>
+            <a:pPr marL="432000" indent="-323640">
+              <a:lnSpc>
+                <a:spcPct val="100000"/>
+              </a:lnSpc>
               <a:spcBef>
                 <a:spcPts val="1417"/>
               </a:spcBef>
@@ -4202,14 +3877,14 @@
               <a:t>Разработка принципиальной схемы </a:t>
             </a:r>
             <a:endParaRPr b="0" lang="ru-RU" sz="2400" spc="-1" strike="noStrike">
-              <a:solidFill>
-                <a:srgbClr val="000000"/>
-              </a:solidFill>
-              <a:latin typeface="Arial"/>
-            </a:endParaRPr>
-          </a:p>
-          <a:p>
-            <a:pPr marL="432000" indent="-324000">
+              <a:latin typeface="Arial"/>
+            </a:endParaRPr>
+          </a:p>
+          <a:p>
+            <a:pPr marL="432000" indent="-323640">
+              <a:lnSpc>
+                <a:spcPct val="100000"/>
+              </a:lnSpc>
               <a:spcBef>
                 <a:spcPts val="1417"/>
               </a:spcBef>
@@ -4230,14 +3905,14 @@
               <a:t>Разработка механической конструкции</a:t>
             </a:r>
             <a:endParaRPr b="0" lang="ru-RU" sz="2400" spc="-1" strike="noStrike">
-              <a:solidFill>
-                <a:srgbClr val="000000"/>
-              </a:solidFill>
-              <a:latin typeface="Arial"/>
-            </a:endParaRPr>
-          </a:p>
-          <a:p>
-            <a:pPr marL="432000" indent="-324000">
+              <a:latin typeface="Arial"/>
+            </a:endParaRPr>
+          </a:p>
+          <a:p>
+            <a:pPr marL="432000" indent="-323640">
+              <a:lnSpc>
+                <a:spcPct val="100000"/>
+              </a:lnSpc>
               <a:spcBef>
                 <a:spcPts val="1417"/>
               </a:spcBef>
@@ -4258,14 +3933,14 @@
               <a:t>Проектирование печатных плат</a:t>
             </a:r>
             <a:endParaRPr b="0" lang="ru-RU" sz="2400" spc="-1" strike="noStrike">
-              <a:solidFill>
-                <a:srgbClr val="000000"/>
-              </a:solidFill>
-              <a:latin typeface="Arial"/>
-            </a:endParaRPr>
-          </a:p>
-          <a:p>
-            <a:pPr marL="432000" indent="-324000">
+              <a:latin typeface="Arial"/>
+            </a:endParaRPr>
+          </a:p>
+          <a:p>
+            <a:pPr marL="432000" indent="-323640">
+              <a:lnSpc>
+                <a:spcPct val="100000"/>
+              </a:lnSpc>
               <a:spcBef>
                 <a:spcPts val="1417"/>
               </a:spcBef>
@@ -4286,14 +3961,14 @@
               <a:t>Разработка встроенного ПО</a:t>
             </a:r>
             <a:endParaRPr b="0" lang="ru-RU" sz="2400" spc="-1" strike="noStrike">
-              <a:solidFill>
-                <a:srgbClr val="000000"/>
-              </a:solidFill>
-              <a:latin typeface="Arial"/>
-            </a:endParaRPr>
-          </a:p>
-          <a:p>
-            <a:pPr marL="432000" indent="-324000">
+              <a:latin typeface="Arial"/>
+            </a:endParaRPr>
+          </a:p>
+          <a:p>
+            <a:pPr marL="432000" indent="-323640">
+              <a:lnSpc>
+                <a:spcPct val="100000"/>
+              </a:lnSpc>
               <a:spcBef>
                 <a:spcPts val="1417"/>
               </a:spcBef>
@@ -4314,14 +3989,14 @@
               <a:t>Разработка документации</a:t>
             </a:r>
             <a:endParaRPr b="0" lang="ru-RU" sz="2400" spc="-1" strike="noStrike">
-              <a:solidFill>
-                <a:srgbClr val="000000"/>
-              </a:solidFill>
-              <a:latin typeface="Arial"/>
-            </a:endParaRPr>
-          </a:p>
-          <a:p>
-            <a:pPr marL="432000" indent="-324000">
+              <a:latin typeface="Arial"/>
+            </a:endParaRPr>
+          </a:p>
+          <a:p>
+            <a:pPr marL="432000" indent="-323640">
+              <a:lnSpc>
+                <a:spcPct val="100000"/>
+              </a:lnSpc>
               <a:spcBef>
                 <a:spcPts val="1417"/>
               </a:spcBef>
@@ -4342,9 +4017,6 @@
               <a:t>Проверка и подтверждение соответствия техническим требованиям </a:t>
             </a:r>
             <a:endParaRPr b="0" lang="ru-RU" sz="2400" spc="-1" strike="noStrike">
-              <a:solidFill>
-                <a:srgbClr val="000000"/>
-              </a:solidFill>
               <a:latin typeface="Arial"/>
             </a:endParaRPr>
           </a:p>
@@ -4409,14 +4081,14 @@
       </p:grpSpPr>
       <p:sp>
         <p:nvSpPr>
-          <p:cNvPr id="89" name="TextShape 1"/>
-          <p:cNvSpPr txBox="1"/>
+          <p:cNvPr id="86" name="CustomShape 1"/>
+          <p:cNvSpPr/>
           <p:nvPr/>
         </p:nvSpPr>
         <p:spPr>
           <a:xfrm>
             <a:off x="431640" y="205920"/>
-            <a:ext cx="8280000" cy="565200"/>
+            <a:ext cx="8279640" cy="564840"/>
           </a:xfrm>
           <a:prstGeom prst="rect">
             <a:avLst/>
@@ -4426,24 +4098,130 @@
             <a:noFill/>
           </a:ln>
         </p:spPr>
+        <p:style>
+          <a:lnRef idx="0"/>
+          <a:fillRef idx="0"/>
+          <a:effectRef idx="0"/>
+          <a:fontRef idx="minor"/>
+        </p:style>
         <p:txBody>
           <a:bodyPr lIns="0" rIns="0" tIns="0" bIns="0" anchor="ctr"/>
           <a:p>
-            <a:pPr algn="r"/>
+            <a:pPr algn="r">
+              <a:lnSpc>
+                <a:spcPct val="100000"/>
+              </a:lnSpc>
+            </a:pPr>
             <a:r>
               <a:rPr b="0" lang="ru-RU" sz="1800" spc="-1" strike="noStrike">
                 <a:solidFill>
                   <a:srgbClr val="000000"/>
                 </a:solidFill>
-                <a:latin typeface="Akrobat SemiBold"/>
+                <a:latin typeface="Arial"/>
               </a:rPr>
               <a:t>Проектирование схем</a:t>
             </a:r>
             <a:endParaRPr b="0" lang="ru-RU" sz="1800" spc="-1" strike="noStrike">
-              <a:solidFill>
+              <a:latin typeface="Arial"/>
+            </a:endParaRPr>
+          </a:p>
+        </p:txBody>
+      </p:sp>
+      <p:sp>
+        <p:nvSpPr>
+          <p:cNvPr id="87" name="TextShape 2"/>
+          <p:cNvSpPr txBox="1"/>
+          <p:nvPr/>
+        </p:nvSpPr>
+        <p:spPr>
+          <a:xfrm>
+            <a:off x="457200" y="792000"/>
+            <a:ext cx="8229240" cy="3888000"/>
+          </a:xfrm>
+          <a:prstGeom prst="rect">
+            <a:avLst/>
+          </a:prstGeom>
+          <a:noFill/>
+          <a:ln>
+            <a:noFill/>
+          </a:ln>
+        </p:spPr>
+        <p:txBody>
+          <a:bodyPr lIns="0" rIns="0" tIns="0" bIns="0"/>
+          <a:p>
+            <a:pPr marL="216000" indent="-216000">
+              <a:buClr>
                 <a:srgbClr val="000000"/>
-              </a:solidFill>
-              <a:latin typeface="Akrobat SemiBold"/>
+              </a:buClr>
+              <a:buSzPct val="45000"/>
+              <a:buFont typeface="Wingdings" charset="2"/>
+              <a:buChar char=""/>
+            </a:pPr>
+            <a:r>
+              <a:rPr b="0" lang="ru-RU" sz="2800" spc="-1" strike="noStrike">
+                <a:latin typeface="Arial"/>
+              </a:rPr>
+              <a:t>Использование схемных заготовок, отлаженных схемных решений</a:t>
+            </a:r>
+            <a:endParaRPr b="0" lang="ru-RU" sz="2800" spc="-1" strike="noStrike">
+              <a:latin typeface="Arial"/>
+            </a:endParaRPr>
+          </a:p>
+          <a:p>
+            <a:pPr marL="216000" indent="-216000">
+              <a:buClr>
+                <a:srgbClr val="000000"/>
+              </a:buClr>
+              <a:buSzPct val="45000"/>
+              <a:buFont typeface="Wingdings" charset="2"/>
+              <a:buChar char=""/>
+            </a:pPr>
+            <a:r>
+              <a:rPr b="0" lang="ru-RU" sz="2800" spc="-1" strike="noStrike">
+                <a:latin typeface="Arial"/>
+              </a:rPr>
+              <a:t>Интерактивные схемы ускоряют навигацию</a:t>
+            </a:r>
+            <a:endParaRPr b="0" lang="ru-RU" sz="2800" spc="-1" strike="noStrike">
+              <a:latin typeface="Arial"/>
+            </a:endParaRPr>
+          </a:p>
+          <a:p>
+            <a:pPr marL="216000" indent="-216000">
+              <a:buClr>
+                <a:srgbClr val="000000"/>
+              </a:buClr>
+              <a:buSzPct val="45000"/>
+              <a:buFont typeface="Wingdings" charset="2"/>
+              <a:buChar char=""/>
+            </a:pPr>
+            <a:r>
+              <a:rPr b="0" lang="ru-RU" sz="2800" spc="-1" strike="noStrike">
+                <a:latin typeface="Arial"/>
+              </a:rPr>
+              <a:t>Использование ООП в схемных решениях</a:t>
+            </a:r>
+            <a:endParaRPr b="0" lang="ru-RU" sz="2800" spc="-1" strike="noStrike">
+              <a:latin typeface="Arial"/>
+            </a:endParaRPr>
+          </a:p>
+          <a:p>
+            <a:pPr marL="216000" indent="-216000">
+              <a:buClr>
+                <a:srgbClr val="000000"/>
+              </a:buClr>
+              <a:buSzPct val="45000"/>
+              <a:buFont typeface="Wingdings" charset="2"/>
+              <a:buChar char=""/>
+            </a:pPr>
+            <a:r>
+              <a:rPr b="0" lang="ru-RU" sz="2800" spc="-1" strike="noStrike">
+                <a:latin typeface="Arial"/>
+              </a:rPr>
+              <a:t>Использование мастеров при создании библиотек УГО и посадочных мест компонентов.</a:t>
+            </a:r>
+            <a:endParaRPr b="0" lang="ru-RU" sz="2800" spc="-1" strike="noStrike">
+              <a:latin typeface="Arial"/>
             </a:endParaRPr>
           </a:p>
         </p:txBody>
@@ -4507,14 +4285,14 @@
       </p:grpSpPr>
       <p:sp>
         <p:nvSpPr>
-          <p:cNvPr id="90" name="TextShape 1"/>
-          <p:cNvSpPr txBox="1"/>
+          <p:cNvPr id="88" name="CustomShape 1"/>
+          <p:cNvSpPr/>
           <p:nvPr/>
         </p:nvSpPr>
         <p:spPr>
           <a:xfrm>
-            <a:off x="7164360" y="4767120"/>
-            <a:ext cx="1872000" cy="273600"/>
+            <a:off x="431640" y="205920"/>
+            <a:ext cx="8279640" cy="564840"/>
           </a:xfrm>
           <a:prstGeom prst="rect">
             <a:avLst/>
@@ -4524,15 +4302,155 @@
             <a:noFill/>
           </a:ln>
         </p:spPr>
-        <p:txBody>
-          <a:bodyPr anchor="ctr"/>
+        <p:style>
+          <a:lnRef idx="0"/>
+          <a:fillRef idx="0"/>
+          <a:effectRef idx="0"/>
+          <a:fontRef idx="minor"/>
+        </p:style>
+        <p:txBody>
+          <a:bodyPr lIns="0" rIns="0" tIns="0" bIns="0" anchor="ctr"/>
           <a:p>
             <a:pPr algn="r">
               <a:lnSpc>
                 <a:spcPct val="100000"/>
               </a:lnSpc>
             </a:pPr>
-            <a:fld id="{B4CAE49C-AB9A-48E5-BD2E-3E0212B725F7}" type="slidenum">
+            <a:r>
+              <a:rPr b="0" lang="ru-RU" sz="1800" spc="-1" strike="noStrike">
+                <a:solidFill>
+                  <a:srgbClr val="000000"/>
+                </a:solidFill>
+                <a:latin typeface="Arial"/>
+              </a:rPr>
+              <a:t>Разработка механической конструкции</a:t>
+            </a:r>
+            <a:endParaRPr b="0" lang="ru-RU" sz="1800" spc="-1" strike="noStrike">
+              <a:latin typeface="Arial"/>
+            </a:endParaRPr>
+          </a:p>
+        </p:txBody>
+      </p:sp>
+      <p:sp>
+        <p:nvSpPr>
+          <p:cNvPr id="89" name="TextShape 2"/>
+          <p:cNvSpPr txBox="1"/>
+          <p:nvPr/>
+        </p:nvSpPr>
+        <p:spPr>
+          <a:xfrm>
+            <a:off x="431640" y="792000"/>
+            <a:ext cx="8229240" cy="3888000"/>
+          </a:xfrm>
+          <a:prstGeom prst="rect">
+            <a:avLst/>
+          </a:prstGeom>
+          <a:noFill/>
+          <a:ln>
+            <a:noFill/>
+          </a:ln>
+        </p:spPr>
+        <p:txBody>
+          <a:bodyPr lIns="0" rIns="0" tIns="0" bIns="0"/>
+          <a:p>
+            <a:pPr algn="ctr"/>
+            <a:endParaRPr b="0" lang="ru-RU" sz="3200" spc="-1" strike="noStrike">
+              <a:latin typeface="Arial"/>
+            </a:endParaRPr>
+          </a:p>
+        </p:txBody>
+      </p:sp>
+    </p:spTree>
+  </p:cSld>
+  <mc:AlternateContent>
+    <mc:Choice Requires="p14">
+      <p:transition spd="slow" p14:dur="2000"/>
+    </mc:Choice>
+    <mc:Fallback>
+      <p:transition spd="slow"/>
+    </mc:Fallback>
+  </mc:AlternateContent>
+  <p:timing>
+    <p:tnLst>
+      <p:par>
+        <p:cTn id="7" dur="indefinite" restart="never" nodeType="tmRoot">
+          <p:childTnLst>
+            <p:seq>
+              <p:cTn id="8" dur="indefinite" nodeType="mainSeq"/>
+              <p:prevCondLst>
+                <p:cond delay="0" evt="onPrev">
+                  <p:tgtEl>
+                    <p:sldTgt/>
+                  </p:tgtEl>
+                </p:cond>
+              </p:prevCondLst>
+              <p:nextCondLst>
+                <p:cond delay="0" evt="onNext">
+                  <p:tgtEl>
+                    <p:sldTgt/>
+                  </p:tgtEl>
+                </p:cond>
+              </p:nextCondLst>
+            </p:seq>
+          </p:childTnLst>
+        </p:cTn>
+      </p:par>
+    </p:tnLst>
+  </p:timing>
+</p:sld>
+</file>
+
+<file path=ppt/slides/slide5.xml><?xml version="1.0" encoding="utf-8"?>
+<p:sld xmlns:a="http://schemas.openxmlformats.org/drawingml/2006/main" xmlns:p="http://schemas.openxmlformats.org/presentationml/2006/main" xmlns:r="http://schemas.openxmlformats.org/officeDocument/2006/relationships" xmlns:p14="http://schemas.microsoft.com/office/powerpoint/2010/main" xmlns:p15="http://schemas.microsoft.com/office/powerpoint/2012/main" xmlns:mc="http://schemas.openxmlformats.org/markup-compatibility/2006">
+  <p:cSld>
+    <p:spTree>
+      <p:nvGrpSpPr>
+        <p:cNvPr id="1" name=""/>
+        <p:cNvGrpSpPr/>
+        <p:nvPr/>
+      </p:nvGrpSpPr>
+      <p:grpSpPr>
+        <a:xfrm>
+          <a:off x="0" y="0"/>
+          <a:ext cx="0" cy="0"/>
+          <a:chOff x="0" y="0"/>
+          <a:chExt cx="0" cy="0"/>
+        </a:xfrm>
+      </p:grpSpPr>
+      <p:sp>
+        <p:nvSpPr>
+          <p:cNvPr id="90" name="CustomShape 1"/>
+          <p:cNvSpPr/>
+          <p:nvPr/>
+        </p:nvSpPr>
+        <p:spPr>
+          <a:xfrm>
+            <a:off x="7164360" y="4767120"/>
+            <a:ext cx="1871640" cy="273240"/>
+          </a:xfrm>
+          <a:prstGeom prst="rect">
+            <a:avLst/>
+          </a:prstGeom>
+          <a:noFill/>
+          <a:ln>
+            <a:noFill/>
+          </a:ln>
+        </p:spPr>
+        <p:style>
+          <a:lnRef idx="0"/>
+          <a:fillRef idx="0"/>
+          <a:effectRef idx="0"/>
+          <a:fontRef idx="minor"/>
+        </p:style>
+        <p:txBody>
+          <a:bodyPr lIns="90000" rIns="90000" tIns="45000" bIns="45000" anchor="ctr"/>
+          <a:p>
+            <a:pPr algn="r">
+              <a:lnSpc>
+                <a:spcPct val="100000"/>
+              </a:lnSpc>
+            </a:pPr>
+            <a:fld id="{CB6F0F46-6FA5-4152-9C53-25DBEC0A9E71}" type="slidenum">
               <a:rPr b="0" lang="ru-RU" sz="1200" spc="-1" strike="noStrike">
                 <a:solidFill>
                   <a:srgbClr val="ffffff"/>
@@ -4542,21 +4460,21 @@
               <a:t>&lt;номер&gt;</a:t>
             </a:fld>
             <a:endParaRPr b="0" lang="ru-RU" sz="1200" spc="-1" strike="noStrike">
-              <a:latin typeface="Times New Roman"/>
-            </a:endParaRPr>
-          </a:p>
-        </p:txBody>
-      </p:sp>
-      <p:sp>
-        <p:nvSpPr>
-          <p:cNvPr id="91" name="TextShape 2"/>
-          <p:cNvSpPr txBox="1"/>
+              <a:latin typeface="Arial"/>
+            </a:endParaRPr>
+          </a:p>
+        </p:txBody>
+      </p:sp>
+      <p:sp>
+        <p:nvSpPr>
+          <p:cNvPr id="91" name="CustomShape 2"/>
+          <p:cNvSpPr/>
           <p:nvPr/>
         </p:nvSpPr>
         <p:spPr>
           <a:xfrm>
             <a:off x="431640" y="915480"/>
-            <a:ext cx="8280000" cy="3744000"/>
+            <a:ext cx="8279640" cy="3743640"/>
           </a:xfrm>
           <a:prstGeom prst="rect">
             <a:avLst/>
@@ -4566,8 +4484,14 @@
             <a:noFill/>
           </a:ln>
         </p:spPr>
-        <p:txBody>
-          <a:bodyPr>
+        <p:style>
+          <a:lnRef idx="0"/>
+          <a:fillRef idx="0"/>
+          <a:effectRef idx="0"/>
+          <a:fontRef idx="minor"/>
+        </p:style>
+        <p:txBody>
+          <a:bodyPr lIns="90000" rIns="90000" tIns="45000" bIns="45000">
             <a:normAutofit/>
           </a:bodyPr>
           <a:p>
@@ -4589,10 +4513,7 @@
               <a:t>Спасибо</a:t>
             </a:r>
             <a:endParaRPr b="0" lang="ru-RU" sz="3400" spc="-1" strike="noStrike">
-              <a:solidFill>
-                <a:srgbClr val="000000"/>
-              </a:solidFill>
-              <a:latin typeface="Akrobat SemiBold"/>
+              <a:latin typeface="Arial"/>
             </a:endParaRPr>
           </a:p>
           <a:p>
@@ -4614,10 +4535,7 @@
               <a:t>за внимание!</a:t>
             </a:r>
             <a:endParaRPr b="0" lang="ru-RU" sz="3400" spc="-1" strike="noStrike">
-              <a:solidFill>
-                <a:srgbClr val="000000"/>
-              </a:solidFill>
-              <a:latin typeface="Akrobat SemiBold"/>
+              <a:latin typeface="Arial"/>
             </a:endParaRPr>
           </a:p>
           <a:p>
@@ -4630,10 +4548,7 @@
               </a:spcBef>
             </a:pPr>
             <a:endParaRPr b="0" lang="ru-RU" sz="3400" spc="-1" strike="noStrike">
-              <a:solidFill>
-                <a:srgbClr val="000000"/>
-              </a:solidFill>
-              <a:latin typeface="Akrobat SemiBold"/>
+              <a:latin typeface="Arial"/>
             </a:endParaRPr>
           </a:p>
           <a:p>
@@ -4647,10 +4562,7 @@
             </a:pPr>
             <a:br/>
             <a:endParaRPr b="0" lang="ru-RU" sz="3400" spc="-1" strike="noStrike">
-              <a:solidFill>
-                <a:srgbClr val="000000"/>
-              </a:solidFill>
-              <a:latin typeface="Akrobat SemiBold"/>
+              <a:latin typeface="Arial"/>
             </a:endParaRPr>
           </a:p>
           <a:p>
@@ -4663,10 +4575,7 @@
               </a:spcBef>
             </a:pPr>
             <a:endParaRPr b="0" lang="ru-RU" sz="3400" spc="-1" strike="noStrike">
-              <a:solidFill>
-                <a:srgbClr val="000000"/>
-              </a:solidFill>
-              <a:latin typeface="Akrobat SemiBold"/>
+              <a:latin typeface="Arial"/>
             </a:endParaRPr>
           </a:p>
         </p:txBody>
@@ -4684,10 +4593,10 @@
   <p:timing>
     <p:tnLst>
       <p:par>
-        <p:cTn id="7" dur="indefinite" restart="never" nodeType="tmRoot">
+        <p:cTn id="9" dur="indefinite" restart="never" nodeType="tmRoot">
           <p:childTnLst>
             <p:seq>
-              <p:cTn id="8" dur="indefinite" nodeType="mainSeq"/>
+              <p:cTn id="10" dur="indefinite" nodeType="mainSeq"/>
               <p:prevCondLst>
                 <p:cond delay="0" evt="onPrev">
                   <p:tgtEl>

--- a/10.12.19.pptx
+++ b/10.12.19.pptx
@@ -4,16 +4,19 @@
   <p:sldMasterIdLst>
     <p:sldMasterId id="2147483648" r:id="rId2"/>
     <p:sldMasterId id="2147483661" r:id="rId3"/>
+    <p:sldMasterId id="2147483674" r:id="rId4"/>
   </p:sldMasterIdLst>
   <p:notesMasterIdLst>
-    <p:notesMasterId r:id="rId4"/>
+    <p:notesMasterId r:id="rId5"/>
   </p:notesMasterIdLst>
   <p:sldIdLst>
-    <p:sldId id="256" r:id="rId5"/>
-    <p:sldId id="257" r:id="rId6"/>
-    <p:sldId id="258" r:id="rId7"/>
-    <p:sldId id="259" r:id="rId8"/>
-    <p:sldId id="260" r:id="rId9"/>
+    <p:sldId id="256" r:id="rId6"/>
+    <p:sldId id="257" r:id="rId7"/>
+    <p:sldId id="258" r:id="rId8"/>
+    <p:sldId id="259" r:id="rId9"/>
+    <p:sldId id="260" r:id="rId10"/>
+    <p:sldId id="261" r:id="rId11"/>
+    <p:sldId id="262" r:id="rId12"/>
   </p:sldIdLst>
   <p:sldSz cx="9144000" cy="5143500"/>
   <p:notesSz cx="6858000" cy="9144000"/>
@@ -39,7 +42,7 @@
       </p:grpSpPr>
       <p:sp>
         <p:nvSpPr>
-          <p:cNvPr id="76" name="PlaceHolder 1"/>
+          <p:cNvPr id="114" name="PlaceHolder 1"/>
           <p:cNvSpPr>
             <a:spLocks noGrp="1"/>
           </p:cNvSpPr>
@@ -57,7 +60,9 @@
           </a:prstGeom>
         </p:spPr>
         <p:txBody>
-          <a:bodyPr lIns="0" rIns="0" tIns="0" bIns="0" anchor="ctr"/>
+          <a:bodyPr lIns="0" rIns="0" tIns="0" bIns="0" anchor="ctr">
+            <a:noAutofit/>
+          </a:bodyPr>
           <a:p>
             <a:pPr algn="ctr"/>
             <a:r>
@@ -74,7 +79,7 @@
       </p:sp>
       <p:sp>
         <p:nvSpPr>
-          <p:cNvPr id="77" name="PlaceHolder 2"/>
+          <p:cNvPr id="115" name="PlaceHolder 2"/>
           <p:cNvSpPr>
             <a:spLocks noGrp="1"/>
           </p:cNvSpPr>
@@ -92,7 +97,9 @@
           </a:prstGeom>
         </p:spPr>
         <p:txBody>
-          <a:bodyPr lIns="0" rIns="0" tIns="0" bIns="0"/>
+          <a:bodyPr lIns="0" rIns="0" tIns="0" bIns="0">
+            <a:noAutofit/>
+          </a:bodyPr>
           <a:p>
             <a:r>
               <a:rPr b="0" lang="ru-RU" sz="2000" spc="-1" strike="noStrike">
@@ -108,7 +115,7 @@
       </p:sp>
       <p:sp>
         <p:nvSpPr>
-          <p:cNvPr id="78" name="PlaceHolder 3"/>
+          <p:cNvPr id="116" name="PlaceHolder 3"/>
           <p:cNvSpPr>
             <a:spLocks noGrp="1"/>
           </p:cNvSpPr>
@@ -126,13 +133,15 @@
           </a:prstGeom>
         </p:spPr>
         <p:txBody>
-          <a:bodyPr lIns="0" rIns="0" tIns="0" bIns="0"/>
+          <a:bodyPr lIns="0" rIns="0" tIns="0" bIns="0">
+            <a:noAutofit/>
+          </a:bodyPr>
           <a:p>
             <a:r>
               <a:rPr b="0" lang="ru-RU" sz="1400" spc="-1" strike="noStrike">
                 <a:latin typeface="Times New Roman"/>
               </a:rPr>
-              <a:t>&lt;верхний колонтитул&gt;</a:t>
+              <a:t> </a:t>
             </a:r>
             <a:endParaRPr b="0" lang="ru-RU" sz="1400" spc="-1" strike="noStrike">
               <a:latin typeface="Times New Roman"/>
@@ -142,7 +151,7 @@
       </p:sp>
       <p:sp>
         <p:nvSpPr>
-          <p:cNvPr id="79" name="PlaceHolder 4"/>
+          <p:cNvPr id="117" name="PlaceHolder 4"/>
           <p:cNvSpPr>
             <a:spLocks noGrp="1"/>
           </p:cNvSpPr>
@@ -160,14 +169,16 @@
           </a:prstGeom>
         </p:spPr>
         <p:txBody>
-          <a:bodyPr lIns="0" rIns="0" tIns="0" bIns="0"/>
+          <a:bodyPr lIns="0" rIns="0" tIns="0" bIns="0">
+            <a:noAutofit/>
+          </a:bodyPr>
           <a:p>
             <a:pPr algn="r"/>
             <a:r>
               <a:rPr b="0" lang="ru-RU" sz="1400" spc="-1" strike="noStrike">
                 <a:latin typeface="Times New Roman"/>
               </a:rPr>
-              <a:t>&lt;дата/время&gt;</a:t>
+              <a:t> </a:t>
             </a:r>
             <a:endParaRPr b="0" lang="ru-RU" sz="1400" spc="-1" strike="noStrike">
               <a:latin typeface="Times New Roman"/>
@@ -177,7 +188,7 @@
       </p:sp>
       <p:sp>
         <p:nvSpPr>
-          <p:cNvPr id="80" name="PlaceHolder 5"/>
+          <p:cNvPr id="118" name="PlaceHolder 5"/>
           <p:cNvSpPr>
             <a:spLocks noGrp="1"/>
           </p:cNvSpPr>
@@ -195,13 +206,15 @@
           </a:prstGeom>
         </p:spPr>
         <p:txBody>
-          <a:bodyPr lIns="0" rIns="0" tIns="0" bIns="0" anchor="b"/>
+          <a:bodyPr lIns="0" rIns="0" tIns="0" bIns="0" anchor="b">
+            <a:noAutofit/>
+          </a:bodyPr>
           <a:p>
             <a:r>
               <a:rPr b="0" lang="ru-RU" sz="1400" spc="-1" strike="noStrike">
                 <a:latin typeface="Times New Roman"/>
               </a:rPr>
-              <a:t>&lt;нижний колонтитул&gt;</a:t>
+              <a:t> </a:t>
             </a:r>
             <a:endParaRPr b="0" lang="ru-RU" sz="1400" spc="-1" strike="noStrike">
               <a:latin typeface="Times New Roman"/>
@@ -211,7 +224,7 @@
       </p:sp>
       <p:sp>
         <p:nvSpPr>
-          <p:cNvPr id="81" name="PlaceHolder 6"/>
+          <p:cNvPr id="119" name="PlaceHolder 6"/>
           <p:cNvSpPr>
             <a:spLocks noGrp="1"/>
           </p:cNvSpPr>
@@ -229,14 +242,16 @@
           </a:prstGeom>
         </p:spPr>
         <p:txBody>
-          <a:bodyPr lIns="0" rIns="0" tIns="0" bIns="0" anchor="b"/>
+          <a:bodyPr lIns="0" rIns="0" tIns="0" bIns="0" anchor="b">
+            <a:noAutofit/>
+          </a:bodyPr>
           <a:p>
             <a:pPr algn="r"/>
-            <a:fld id="{EFB4212B-3D7F-4717-97AF-573B2DE6FB23}" type="slidenum">
+            <a:fld id="{D4C11B92-778A-4988-9C74-58B745BAD8A3}" type="slidenum">
               <a:rPr b="0" lang="ru-RU" sz="1400" spc="-1" strike="noStrike">
                 <a:latin typeface="Times New Roman"/>
               </a:rPr>
-              <a:t>&lt;номер&gt;</a:t>
+              <a:t>1</a:t>
             </a:fld>
             <a:endParaRPr b="0" lang="ru-RU" sz="1400" spc="-1" strike="noStrike">
               <a:latin typeface="Times New Roman"/>
@@ -269,7 +284,7 @@
       </p:grpSpPr>
       <p:sp>
         <p:nvSpPr>
-          <p:cNvPr id="92" name="PlaceHolder 1"/>
+          <p:cNvPr id="135" name="PlaceHolder 1"/>
           <p:cNvSpPr>
             <a:spLocks noGrp="1"/>
           </p:cNvSpPr>
@@ -280,16 +295,16 @@
         <p:spPr>
           <a:xfrm>
             <a:off x="380880" y="685800"/>
-            <a:ext cx="6095160" cy="3428280"/>
-          </a:xfrm>
-          <a:prstGeom prst="rect">
-            <a:avLst/>
-          </a:prstGeom>
-        </p:spPr>
-      </p:sp>
-      <p:sp>
-        <p:nvSpPr>
-          <p:cNvPr id="93" name="PlaceHolder 2"/>
+            <a:ext cx="6094440" cy="3427560"/>
+          </a:xfrm>
+          <a:prstGeom prst="rect">
+            <a:avLst/>
+          </a:prstGeom>
+        </p:spPr>
+      </p:sp>
+      <p:sp>
+        <p:nvSpPr>
+          <p:cNvPr id="136" name="PlaceHolder 2"/>
           <p:cNvSpPr>
             <a:spLocks noGrp="1"/>
           </p:cNvSpPr>
@@ -300,14 +315,16 @@
         <p:spPr>
           <a:xfrm>
             <a:off x="685800" y="4343400"/>
-            <a:ext cx="5485680" cy="4114080"/>
-          </a:xfrm>
-          <a:prstGeom prst="rect">
-            <a:avLst/>
-          </a:prstGeom>
-        </p:spPr>
-        <p:txBody>
-          <a:bodyPr lIns="0" rIns="0" tIns="0" bIns="0"/>
+            <a:ext cx="5484960" cy="4113360"/>
+          </a:xfrm>
+          <a:prstGeom prst="rect">
+            <a:avLst/>
+          </a:prstGeom>
+        </p:spPr>
+        <p:txBody>
+          <a:bodyPr lIns="0" rIns="0" tIns="0" bIns="0">
+            <a:noAutofit/>
+          </a:bodyPr>
           <a:p>
             <a:endParaRPr b="0" lang="ru-RU" sz="2000" spc="-1" strike="noStrike">
               <a:latin typeface="Arial"/>
@@ -317,14 +334,14 @@
       </p:sp>
       <p:sp>
         <p:nvSpPr>
-          <p:cNvPr id="94" name="CustomShape 3"/>
+          <p:cNvPr id="137" name="CustomShape 3"/>
           <p:cNvSpPr/>
           <p:nvPr/>
         </p:nvSpPr>
         <p:spPr>
           <a:xfrm>
             <a:off x="3884760" y="8685360"/>
-            <a:ext cx="2971080" cy="456480"/>
+            <a:ext cx="2970360" cy="455760"/>
           </a:xfrm>
           <a:prstGeom prst="rect">
             <a:avLst/>
@@ -341,14 +358,16 @@
           <a:fontRef idx="minor"/>
         </p:style>
         <p:txBody>
-          <a:bodyPr lIns="90000" rIns="90000" tIns="45000" bIns="45000" anchor="b"/>
+          <a:bodyPr lIns="90000" rIns="90000" tIns="45000" bIns="45000" anchor="b">
+            <a:noAutofit/>
+          </a:bodyPr>
           <a:p>
             <a:pPr algn="r">
               <a:lnSpc>
                 <a:spcPct val="100000"/>
               </a:lnSpc>
             </a:pPr>
-            <a:fld id="{9D30D746-F2C7-4772-A01A-5324F1143C87}" type="slidenum">
+            <a:fld id="{0A74F94D-50EA-407E-B132-0A8DEA9B0106}" type="slidenum">
               <a:rPr b="0" lang="ru-RU" sz="1200" spc="-1" strike="noStrike">
                 <a:solidFill>
                   <a:srgbClr val="000000"/>
@@ -428,7 +447,9 @@
           </a:prstGeom>
         </p:spPr>
         <p:txBody>
-          <a:bodyPr lIns="0" rIns="0" tIns="0" bIns="0" anchor="ctr"/>
+          <a:bodyPr lIns="0" rIns="0" tIns="0" bIns="0" anchor="ctr">
+            <a:noAutofit/>
+          </a:bodyPr>
           <a:p>
             <a:pPr algn="ctr"/>
             <a:endParaRPr b="0" lang="ru-RU" sz="4400" spc="-1" strike="noStrike">
@@ -539,7 +560,9 @@
           </a:prstGeom>
         </p:spPr>
         <p:txBody>
-          <a:bodyPr lIns="0" rIns="0" tIns="0" bIns="0" anchor="ctr"/>
+          <a:bodyPr lIns="0" rIns="0" tIns="0" bIns="0" anchor="ctr">
+            <a:noAutofit/>
+          </a:bodyPr>
           <a:p>
             <a:pPr algn="ctr"/>
             <a:endParaRPr b="0" lang="ru-RU" sz="4400" spc="-1" strike="noStrike">
@@ -710,7 +733,9 @@
           </a:prstGeom>
         </p:spPr>
         <p:txBody>
-          <a:bodyPr lIns="0" rIns="0" tIns="0" bIns="0" anchor="ctr"/>
+          <a:bodyPr lIns="0" rIns="0" tIns="0" bIns="0" anchor="ctr">
+            <a:noAutofit/>
+          </a:bodyPr>
           <a:p>
             <a:pPr algn="ctr"/>
             <a:endParaRPr b="0" lang="ru-RU" sz="4400" spc="-1" strike="noStrike">
@@ -963,7 +988,9 @@
           </a:prstGeom>
         </p:spPr>
         <p:txBody>
-          <a:bodyPr lIns="0" rIns="0" tIns="0" bIns="0" anchor="ctr"/>
+          <a:bodyPr lIns="0" rIns="0" tIns="0" bIns="0" anchor="ctr">
+            <a:noAutofit/>
+          </a:bodyPr>
           <a:p>
             <a:pPr algn="ctr"/>
             <a:endParaRPr b="0" lang="ru-RU" sz="4400" spc="-1" strike="noStrike">
@@ -992,7 +1019,9 @@
           </a:prstGeom>
         </p:spPr>
         <p:txBody>
-          <a:bodyPr lIns="0" rIns="0" tIns="0" bIns="0" anchor="ctr"/>
+          <a:bodyPr lIns="0" rIns="0" tIns="0" bIns="0" anchor="ctr">
+            <a:noAutofit/>
+          </a:bodyPr>
           <a:p>
             <a:pPr algn="ctr"/>
             <a:endParaRPr b="0" lang="ru-RU" sz="3200" spc="-1" strike="noStrike">
@@ -1043,7 +1072,9 @@
           </a:prstGeom>
         </p:spPr>
         <p:txBody>
-          <a:bodyPr lIns="0" rIns="0" tIns="0" bIns="0" anchor="ctr"/>
+          <a:bodyPr lIns="0" rIns="0" tIns="0" bIns="0" anchor="ctr">
+            <a:noAutofit/>
+          </a:bodyPr>
           <a:p>
             <a:pPr algn="ctr"/>
             <a:endParaRPr b="0" lang="ru-RU" sz="4400" spc="-1" strike="noStrike">
@@ -1124,7 +1155,9 @@
           </a:prstGeom>
         </p:spPr>
         <p:txBody>
-          <a:bodyPr lIns="0" rIns="0" tIns="0" bIns="0" anchor="ctr"/>
+          <a:bodyPr lIns="0" rIns="0" tIns="0" bIns="0" anchor="ctr">
+            <a:noAutofit/>
+          </a:bodyPr>
           <a:p>
             <a:pPr algn="ctr"/>
             <a:endParaRPr b="0" lang="ru-RU" sz="4400" spc="-1" strike="noStrike">
@@ -1235,7 +1268,9 @@
           </a:prstGeom>
         </p:spPr>
         <p:txBody>
-          <a:bodyPr lIns="0" rIns="0" tIns="0" bIns="0" anchor="ctr"/>
+          <a:bodyPr lIns="0" rIns="0" tIns="0" bIns="0" anchor="ctr">
+            <a:noAutofit/>
+          </a:bodyPr>
           <a:p>
             <a:pPr algn="ctr"/>
             <a:endParaRPr b="0" lang="ru-RU" sz="4400" spc="-1" strike="noStrike">
@@ -1286,7 +1321,9 @@
           </a:prstGeom>
         </p:spPr>
         <p:txBody>
-          <a:bodyPr lIns="0" rIns="0" tIns="0" bIns="0" anchor="ctr"/>
+          <a:bodyPr lIns="0" rIns="0" tIns="0" bIns="0" anchor="ctr">
+            <a:noAutofit/>
+          </a:bodyPr>
           <a:p>
             <a:pPr algn="ctr"/>
             <a:endParaRPr b="0" lang="ru-RU" sz="3200" spc="-1" strike="noStrike">
@@ -1337,7 +1374,9 @@
           </a:prstGeom>
         </p:spPr>
         <p:txBody>
-          <a:bodyPr lIns="0" rIns="0" tIns="0" bIns="0" anchor="ctr"/>
+          <a:bodyPr lIns="0" rIns="0" tIns="0" bIns="0" anchor="ctr">
+            <a:noAutofit/>
+          </a:bodyPr>
           <a:p>
             <a:pPr algn="ctr"/>
             <a:endParaRPr b="0" lang="ru-RU" sz="4400" spc="-1" strike="noStrike">
@@ -1478,7 +1517,9 @@
           </a:prstGeom>
         </p:spPr>
         <p:txBody>
-          <a:bodyPr lIns="0" rIns="0" tIns="0" bIns="0" anchor="ctr"/>
+          <a:bodyPr lIns="0" rIns="0" tIns="0" bIns="0" anchor="ctr">
+            <a:noAutofit/>
+          </a:bodyPr>
           <a:p>
             <a:pPr algn="ctr"/>
             <a:endParaRPr b="0" lang="ru-RU" sz="4400" spc="-1" strike="noStrike">
@@ -1507,7 +1548,9 @@
           </a:prstGeom>
         </p:spPr>
         <p:txBody>
-          <a:bodyPr lIns="0" rIns="0" tIns="0" bIns="0" anchor="ctr"/>
+          <a:bodyPr lIns="0" rIns="0" tIns="0" bIns="0" anchor="ctr">
+            <a:noAutofit/>
+          </a:bodyPr>
           <a:p>
             <a:pPr algn="ctr"/>
             <a:endParaRPr b="0" lang="ru-RU" sz="3200" spc="-1" strike="noStrike">
@@ -1558,7 +1601,9 @@
           </a:prstGeom>
         </p:spPr>
         <p:txBody>
-          <a:bodyPr lIns="0" rIns="0" tIns="0" bIns="0" anchor="ctr"/>
+          <a:bodyPr lIns="0" rIns="0" tIns="0" bIns="0" anchor="ctr">
+            <a:noAutofit/>
+          </a:bodyPr>
           <a:p>
             <a:pPr algn="ctr"/>
             <a:endParaRPr b="0" lang="ru-RU" sz="4400" spc="-1" strike="noStrike">
@@ -1699,7 +1744,9 @@
           </a:prstGeom>
         </p:spPr>
         <p:txBody>
-          <a:bodyPr lIns="0" rIns="0" tIns="0" bIns="0" anchor="ctr"/>
+          <a:bodyPr lIns="0" rIns="0" tIns="0" bIns="0" anchor="ctr">
+            <a:noAutofit/>
+          </a:bodyPr>
           <a:p>
             <a:pPr algn="ctr"/>
             <a:endParaRPr b="0" lang="ru-RU" sz="4400" spc="-1" strike="noStrike">
@@ -1840,7 +1887,9 @@
           </a:prstGeom>
         </p:spPr>
         <p:txBody>
-          <a:bodyPr lIns="0" rIns="0" tIns="0" bIns="0" anchor="ctr"/>
+          <a:bodyPr lIns="0" rIns="0" tIns="0" bIns="0" anchor="ctr">
+            <a:noAutofit/>
+          </a:bodyPr>
           <a:p>
             <a:pPr algn="ctr"/>
             <a:endParaRPr b="0" lang="ru-RU" sz="4400" spc="-1" strike="noStrike">
@@ -1951,7 +2000,9 @@
           </a:prstGeom>
         </p:spPr>
         <p:txBody>
-          <a:bodyPr lIns="0" rIns="0" tIns="0" bIns="0" anchor="ctr"/>
+          <a:bodyPr lIns="0" rIns="0" tIns="0" bIns="0" anchor="ctr">
+            <a:noAutofit/>
+          </a:bodyPr>
           <a:p>
             <a:pPr algn="ctr"/>
             <a:endParaRPr b="0" lang="ru-RU" sz="4400" spc="-1" strike="noStrike">
@@ -2122,7 +2173,9 @@
           </a:prstGeom>
         </p:spPr>
         <p:txBody>
-          <a:bodyPr lIns="0" rIns="0" tIns="0" bIns="0" anchor="ctr"/>
+          <a:bodyPr lIns="0" rIns="0" tIns="0" bIns="0" anchor="ctr">
+            <a:noAutofit/>
+          </a:bodyPr>
           <a:p>
             <a:pPr algn="ctr"/>
             <a:endParaRPr b="0" lang="ru-RU" sz="4400" spc="-1" strike="noStrike">
@@ -2306,6 +2359,361 @@
           </a:bodyPr>
           <a:p>
             <a:endParaRPr b="0" lang="ru-RU" sz="3200" spc="-1" strike="noStrike">
+              <a:latin typeface="Arial"/>
+            </a:endParaRPr>
+          </a:p>
+        </p:txBody>
+      </p:sp>
+    </p:spTree>
+  </p:cSld>
+</p:sldLayout>
+</file>
+
+<file path=ppt/slideLayouts/slideLayout25.xml><?xml version="1.0" encoding="utf-8"?>
+<p:sldLayout xmlns:a="http://schemas.openxmlformats.org/drawingml/2006/main" xmlns:p="http://schemas.openxmlformats.org/presentationml/2006/main" xmlns:r="http://schemas.openxmlformats.org/officeDocument/2006/relationships" xmlns:p14="http://schemas.microsoft.com/office/powerpoint/2010/main" xmlns:p15="http://schemas.microsoft.com/office/powerpoint/2012/main" xmlns:mc="http://schemas.openxmlformats.org/markup-compatibility/2006" type="blank" preserve="1">
+  <p:cSld name="Blank Slide">
+    <p:spTree>
+      <p:nvGrpSpPr>
+        <p:cNvPr id="1" name=""/>
+        <p:cNvGrpSpPr/>
+        <p:nvPr/>
+      </p:nvGrpSpPr>
+      <p:grpSpPr>
+        <a:xfrm>
+          <a:off x="0" y="0"/>
+          <a:ext cx="0" cy="0"/>
+          <a:chOff x="0" y="0"/>
+          <a:chExt cx="0" cy="0"/>
+        </a:xfrm>
+      </p:grpSpPr>
+    </p:spTree>
+  </p:cSld>
+</p:sldLayout>
+</file>
+
+<file path=ppt/slideLayouts/slideLayout26.xml><?xml version="1.0" encoding="utf-8"?>
+<p:sldLayout xmlns:a="http://schemas.openxmlformats.org/drawingml/2006/main" xmlns:p="http://schemas.openxmlformats.org/presentationml/2006/main" xmlns:r="http://schemas.openxmlformats.org/officeDocument/2006/relationships" xmlns:p14="http://schemas.microsoft.com/office/powerpoint/2010/main" xmlns:p15="http://schemas.microsoft.com/office/powerpoint/2012/main" xmlns:mc="http://schemas.openxmlformats.org/markup-compatibility/2006" type="tx" preserve="1">
+  <p:cSld name="Title Slide">
+    <p:spTree>
+      <p:nvGrpSpPr>
+        <p:cNvPr id="1" name=""/>
+        <p:cNvGrpSpPr/>
+        <p:nvPr/>
+      </p:nvGrpSpPr>
+      <p:grpSpPr>
+        <a:xfrm>
+          <a:off x="0" y="0"/>
+          <a:ext cx="0" cy="0"/>
+          <a:chOff x="0" y="0"/>
+          <a:chExt cx="0" cy="0"/>
+        </a:xfrm>
+      </p:grpSpPr>
+      <p:sp>
+        <p:nvSpPr>
+          <p:cNvPr id="78" name="PlaceHolder 1"/>
+          <p:cNvSpPr>
+            <a:spLocks noGrp="1"/>
+          </p:cNvSpPr>
+          <p:nvPr>
+            <p:ph type="title"/>
+          </p:nvPr>
+        </p:nvSpPr>
+        <p:spPr>
+          <a:xfrm>
+            <a:off x="457200" y="9360"/>
+            <a:ext cx="8229240" cy="1250280"/>
+          </a:xfrm>
+          <a:prstGeom prst="rect">
+            <a:avLst/>
+          </a:prstGeom>
+        </p:spPr>
+        <p:txBody>
+          <a:bodyPr lIns="0" rIns="0" tIns="0" bIns="0" anchor="ctr">
+            <a:noAutofit/>
+          </a:bodyPr>
+          <a:p>
+            <a:pPr algn="ctr"/>
+            <a:endParaRPr b="0" lang="ru-RU" sz="4400" spc="-1" strike="noStrike">
+              <a:latin typeface="Arial"/>
+            </a:endParaRPr>
+          </a:p>
+        </p:txBody>
+      </p:sp>
+      <p:sp>
+        <p:nvSpPr>
+          <p:cNvPr id="79" name="PlaceHolder 2"/>
+          <p:cNvSpPr>
+            <a:spLocks noGrp="1"/>
+          </p:cNvSpPr>
+          <p:nvPr>
+            <p:ph type="subTitle"/>
+          </p:nvPr>
+        </p:nvSpPr>
+        <p:spPr>
+          <a:xfrm>
+            <a:off x="457200" y="1203480"/>
+            <a:ext cx="8229240" cy="2982960"/>
+          </a:xfrm>
+          <a:prstGeom prst="rect">
+            <a:avLst/>
+          </a:prstGeom>
+        </p:spPr>
+        <p:txBody>
+          <a:bodyPr lIns="0" rIns="0" tIns="0" bIns="0" anchor="ctr">
+            <a:noAutofit/>
+          </a:bodyPr>
+          <a:p>
+            <a:pPr algn="ctr"/>
+            <a:endParaRPr b="0" lang="ru-RU" sz="3200" spc="-1" strike="noStrike">
+              <a:latin typeface="Arial"/>
+            </a:endParaRPr>
+          </a:p>
+        </p:txBody>
+      </p:sp>
+    </p:spTree>
+  </p:cSld>
+</p:sldLayout>
+</file>
+
+<file path=ppt/slideLayouts/slideLayout27.xml><?xml version="1.0" encoding="utf-8"?>
+<p:sldLayout xmlns:a="http://schemas.openxmlformats.org/drawingml/2006/main" xmlns:p="http://schemas.openxmlformats.org/presentationml/2006/main" xmlns:r="http://schemas.openxmlformats.org/officeDocument/2006/relationships" xmlns:p14="http://schemas.microsoft.com/office/powerpoint/2010/main" xmlns:p15="http://schemas.microsoft.com/office/powerpoint/2012/main" xmlns:mc="http://schemas.openxmlformats.org/markup-compatibility/2006" type="obj" preserve="1">
+  <p:cSld name="Title, Content">
+    <p:spTree>
+      <p:nvGrpSpPr>
+        <p:cNvPr id="1" name=""/>
+        <p:cNvGrpSpPr/>
+        <p:nvPr/>
+      </p:nvGrpSpPr>
+      <p:grpSpPr>
+        <a:xfrm>
+          <a:off x="0" y="0"/>
+          <a:ext cx="0" cy="0"/>
+          <a:chOff x="0" y="0"/>
+          <a:chExt cx="0" cy="0"/>
+        </a:xfrm>
+      </p:grpSpPr>
+      <p:sp>
+        <p:nvSpPr>
+          <p:cNvPr id="80" name="PlaceHolder 1"/>
+          <p:cNvSpPr>
+            <a:spLocks noGrp="1"/>
+          </p:cNvSpPr>
+          <p:nvPr>
+            <p:ph type="title"/>
+          </p:nvPr>
+        </p:nvSpPr>
+        <p:spPr>
+          <a:xfrm>
+            <a:off x="457200" y="9360"/>
+            <a:ext cx="8229240" cy="1250280"/>
+          </a:xfrm>
+          <a:prstGeom prst="rect">
+            <a:avLst/>
+          </a:prstGeom>
+        </p:spPr>
+        <p:txBody>
+          <a:bodyPr lIns="0" rIns="0" tIns="0" bIns="0" anchor="ctr">
+            <a:noAutofit/>
+          </a:bodyPr>
+          <a:p>
+            <a:pPr algn="ctr"/>
+            <a:endParaRPr b="0" lang="ru-RU" sz="4400" spc="-1" strike="noStrike">
+              <a:latin typeface="Arial"/>
+            </a:endParaRPr>
+          </a:p>
+        </p:txBody>
+      </p:sp>
+      <p:sp>
+        <p:nvSpPr>
+          <p:cNvPr id="81" name="PlaceHolder 2"/>
+          <p:cNvSpPr>
+            <a:spLocks noGrp="1"/>
+          </p:cNvSpPr>
+          <p:nvPr>
+            <p:ph type="body"/>
+          </p:nvPr>
+        </p:nvSpPr>
+        <p:spPr>
+          <a:xfrm>
+            <a:off x="457200" y="1203480"/>
+            <a:ext cx="8229240" cy="2982960"/>
+          </a:xfrm>
+          <a:prstGeom prst="rect">
+            <a:avLst/>
+          </a:prstGeom>
+        </p:spPr>
+        <p:txBody>
+          <a:bodyPr lIns="0" rIns="0" tIns="0" bIns="0">
+            <a:normAutofit/>
+          </a:bodyPr>
+          <a:p>
+            <a:endParaRPr b="0" lang="ru-RU" sz="3200" spc="-1" strike="noStrike">
+              <a:latin typeface="Arial"/>
+            </a:endParaRPr>
+          </a:p>
+        </p:txBody>
+      </p:sp>
+    </p:spTree>
+  </p:cSld>
+</p:sldLayout>
+</file>
+
+<file path=ppt/slideLayouts/slideLayout28.xml><?xml version="1.0" encoding="utf-8"?>
+<p:sldLayout xmlns:a="http://schemas.openxmlformats.org/drawingml/2006/main" xmlns:p="http://schemas.openxmlformats.org/presentationml/2006/main" xmlns:r="http://schemas.openxmlformats.org/officeDocument/2006/relationships" xmlns:p14="http://schemas.microsoft.com/office/powerpoint/2010/main" xmlns:p15="http://schemas.microsoft.com/office/powerpoint/2012/main" xmlns:mc="http://schemas.openxmlformats.org/markup-compatibility/2006" type="twoObj" preserve="1">
+  <p:cSld name="Title, 2 Content">
+    <p:spTree>
+      <p:nvGrpSpPr>
+        <p:cNvPr id="1" name=""/>
+        <p:cNvGrpSpPr/>
+        <p:nvPr/>
+      </p:nvGrpSpPr>
+      <p:grpSpPr>
+        <a:xfrm>
+          <a:off x="0" y="0"/>
+          <a:ext cx="0" cy="0"/>
+          <a:chOff x="0" y="0"/>
+          <a:chExt cx="0" cy="0"/>
+        </a:xfrm>
+      </p:grpSpPr>
+      <p:sp>
+        <p:nvSpPr>
+          <p:cNvPr id="82" name="PlaceHolder 1"/>
+          <p:cNvSpPr>
+            <a:spLocks noGrp="1"/>
+          </p:cNvSpPr>
+          <p:nvPr>
+            <p:ph type="title"/>
+          </p:nvPr>
+        </p:nvSpPr>
+        <p:spPr>
+          <a:xfrm>
+            <a:off x="457200" y="9360"/>
+            <a:ext cx="8229240" cy="1250280"/>
+          </a:xfrm>
+          <a:prstGeom prst="rect">
+            <a:avLst/>
+          </a:prstGeom>
+        </p:spPr>
+        <p:txBody>
+          <a:bodyPr lIns="0" rIns="0" tIns="0" bIns="0" anchor="ctr">
+            <a:noAutofit/>
+          </a:bodyPr>
+          <a:p>
+            <a:pPr algn="ctr"/>
+            <a:endParaRPr b="0" lang="ru-RU" sz="4400" spc="-1" strike="noStrike">
+              <a:latin typeface="Arial"/>
+            </a:endParaRPr>
+          </a:p>
+        </p:txBody>
+      </p:sp>
+      <p:sp>
+        <p:nvSpPr>
+          <p:cNvPr id="83" name="PlaceHolder 2"/>
+          <p:cNvSpPr>
+            <a:spLocks noGrp="1"/>
+          </p:cNvSpPr>
+          <p:nvPr>
+            <p:ph type="body"/>
+          </p:nvPr>
+        </p:nvSpPr>
+        <p:spPr>
+          <a:xfrm>
+            <a:off x="457200" y="1203480"/>
+            <a:ext cx="4015800" cy="2982960"/>
+          </a:xfrm>
+          <a:prstGeom prst="rect">
+            <a:avLst/>
+          </a:prstGeom>
+        </p:spPr>
+        <p:txBody>
+          <a:bodyPr lIns="0" rIns="0" tIns="0" bIns="0">
+            <a:normAutofit/>
+          </a:bodyPr>
+          <a:p>
+            <a:endParaRPr b="0" lang="ru-RU" sz="3200" spc="-1" strike="noStrike">
+              <a:latin typeface="Arial"/>
+            </a:endParaRPr>
+          </a:p>
+        </p:txBody>
+      </p:sp>
+      <p:sp>
+        <p:nvSpPr>
+          <p:cNvPr id="84" name="PlaceHolder 3"/>
+          <p:cNvSpPr>
+            <a:spLocks noGrp="1"/>
+          </p:cNvSpPr>
+          <p:nvPr>
+            <p:ph type="body"/>
+          </p:nvPr>
+        </p:nvSpPr>
+        <p:spPr>
+          <a:xfrm>
+            <a:off x="4674240" y="1203480"/>
+            <a:ext cx="4015800" cy="2982960"/>
+          </a:xfrm>
+          <a:prstGeom prst="rect">
+            <a:avLst/>
+          </a:prstGeom>
+        </p:spPr>
+        <p:txBody>
+          <a:bodyPr lIns="0" rIns="0" tIns="0" bIns="0">
+            <a:normAutofit/>
+          </a:bodyPr>
+          <a:p>
+            <a:endParaRPr b="0" lang="ru-RU" sz="3200" spc="-1" strike="noStrike">
+              <a:latin typeface="Arial"/>
+            </a:endParaRPr>
+          </a:p>
+        </p:txBody>
+      </p:sp>
+    </p:spTree>
+  </p:cSld>
+</p:sldLayout>
+</file>
+
+<file path=ppt/slideLayouts/slideLayout29.xml><?xml version="1.0" encoding="utf-8"?>
+<p:sldLayout xmlns:a="http://schemas.openxmlformats.org/drawingml/2006/main" xmlns:p="http://schemas.openxmlformats.org/presentationml/2006/main" xmlns:r="http://schemas.openxmlformats.org/officeDocument/2006/relationships" xmlns:p14="http://schemas.microsoft.com/office/powerpoint/2010/main" xmlns:p15="http://schemas.microsoft.com/office/powerpoint/2012/main" xmlns:mc="http://schemas.openxmlformats.org/markup-compatibility/2006" type="titleOnly" preserve="1">
+  <p:cSld name="Title Only">
+    <p:spTree>
+      <p:nvGrpSpPr>
+        <p:cNvPr id="1" name=""/>
+        <p:cNvGrpSpPr/>
+        <p:nvPr/>
+      </p:nvGrpSpPr>
+      <p:grpSpPr>
+        <a:xfrm>
+          <a:off x="0" y="0"/>
+          <a:ext cx="0" cy="0"/>
+          <a:chOff x="0" y="0"/>
+          <a:chExt cx="0" cy="0"/>
+        </a:xfrm>
+      </p:grpSpPr>
+      <p:sp>
+        <p:nvSpPr>
+          <p:cNvPr id="85" name="PlaceHolder 1"/>
+          <p:cNvSpPr>
+            <a:spLocks noGrp="1"/>
+          </p:cNvSpPr>
+          <p:nvPr>
+            <p:ph type="title"/>
+          </p:nvPr>
+        </p:nvSpPr>
+        <p:spPr>
+          <a:xfrm>
+            <a:off x="457200" y="9360"/>
+            <a:ext cx="8229240" cy="1250280"/>
+          </a:xfrm>
+          <a:prstGeom prst="rect">
+            <a:avLst/>
+          </a:prstGeom>
+        </p:spPr>
+        <p:txBody>
+          <a:bodyPr lIns="0" rIns="0" tIns="0" bIns="0" anchor="ctr">
+            <a:noAutofit/>
+          </a:bodyPr>
+          <a:p>
+            <a:pPr algn="ctr"/>
+            <a:endParaRPr b="0" lang="ru-RU" sz="4400" spc="-1" strike="noStrike">
               <a:latin typeface="Arial"/>
             </a:endParaRPr>
           </a:p>
@@ -2353,7 +2761,9 @@
           </a:prstGeom>
         </p:spPr>
         <p:txBody>
-          <a:bodyPr lIns="0" rIns="0" tIns="0" bIns="0" anchor="ctr"/>
+          <a:bodyPr lIns="0" rIns="0" tIns="0" bIns="0" anchor="ctr">
+            <a:noAutofit/>
+          </a:bodyPr>
           <a:p>
             <a:pPr algn="ctr"/>
             <a:endParaRPr b="0" lang="ru-RU" sz="4400" spc="-1" strike="noStrike">
@@ -2384,6 +2794,1007 @@
         <p:txBody>
           <a:bodyPr lIns="0" rIns="0" tIns="0" bIns="0">
             <a:normAutofit/>
+          </a:bodyPr>
+          <a:p>
+            <a:endParaRPr b="0" lang="ru-RU" sz="3200" spc="-1" strike="noStrike">
+              <a:latin typeface="Arial"/>
+            </a:endParaRPr>
+          </a:p>
+        </p:txBody>
+      </p:sp>
+    </p:spTree>
+  </p:cSld>
+</p:sldLayout>
+</file>
+
+<file path=ppt/slideLayouts/slideLayout30.xml><?xml version="1.0" encoding="utf-8"?>
+<p:sldLayout xmlns:a="http://schemas.openxmlformats.org/drawingml/2006/main" xmlns:p="http://schemas.openxmlformats.org/presentationml/2006/main" xmlns:r="http://schemas.openxmlformats.org/officeDocument/2006/relationships" xmlns:p14="http://schemas.microsoft.com/office/powerpoint/2010/main" xmlns:p15="http://schemas.microsoft.com/office/powerpoint/2012/main" xmlns:mc="http://schemas.openxmlformats.org/markup-compatibility/2006" type="objOnly" preserve="1">
+  <p:cSld name="Centered Text">
+    <p:spTree>
+      <p:nvGrpSpPr>
+        <p:cNvPr id="1" name=""/>
+        <p:cNvGrpSpPr/>
+        <p:nvPr/>
+      </p:nvGrpSpPr>
+      <p:grpSpPr>
+        <a:xfrm>
+          <a:off x="0" y="0"/>
+          <a:ext cx="0" cy="0"/>
+          <a:chOff x="0" y="0"/>
+          <a:chExt cx="0" cy="0"/>
+        </a:xfrm>
+      </p:grpSpPr>
+      <p:sp>
+        <p:nvSpPr>
+          <p:cNvPr id="86" name="PlaceHolder 1"/>
+          <p:cNvSpPr>
+            <a:spLocks noGrp="1"/>
+          </p:cNvSpPr>
+          <p:nvPr>
+            <p:ph type="subTitle"/>
+          </p:nvPr>
+        </p:nvSpPr>
+        <p:spPr>
+          <a:xfrm>
+            <a:off x="457200" y="205200"/>
+            <a:ext cx="8229240" cy="3981240"/>
+          </a:xfrm>
+          <a:prstGeom prst="rect">
+            <a:avLst/>
+          </a:prstGeom>
+        </p:spPr>
+        <p:txBody>
+          <a:bodyPr lIns="0" rIns="0" tIns="0" bIns="0" anchor="ctr">
+            <a:noAutofit/>
+          </a:bodyPr>
+          <a:p>
+            <a:pPr algn="ctr"/>
+            <a:endParaRPr b="0" lang="ru-RU" sz="3200" spc="-1" strike="noStrike">
+              <a:latin typeface="Arial"/>
+            </a:endParaRPr>
+          </a:p>
+        </p:txBody>
+      </p:sp>
+    </p:spTree>
+  </p:cSld>
+</p:sldLayout>
+</file>
+
+<file path=ppt/slideLayouts/slideLayout31.xml><?xml version="1.0" encoding="utf-8"?>
+<p:sldLayout xmlns:a="http://schemas.openxmlformats.org/drawingml/2006/main" xmlns:p="http://schemas.openxmlformats.org/presentationml/2006/main" xmlns:r="http://schemas.openxmlformats.org/officeDocument/2006/relationships" xmlns:p14="http://schemas.microsoft.com/office/powerpoint/2010/main" xmlns:p15="http://schemas.microsoft.com/office/powerpoint/2012/main" xmlns:mc="http://schemas.openxmlformats.org/markup-compatibility/2006" type="twoObjAndObj" preserve="1">
+  <p:cSld name="Title, 2 Content and Content">
+    <p:spTree>
+      <p:nvGrpSpPr>
+        <p:cNvPr id="1" name=""/>
+        <p:cNvGrpSpPr/>
+        <p:nvPr/>
+      </p:nvGrpSpPr>
+      <p:grpSpPr>
+        <a:xfrm>
+          <a:off x="0" y="0"/>
+          <a:ext cx="0" cy="0"/>
+          <a:chOff x="0" y="0"/>
+          <a:chExt cx="0" cy="0"/>
+        </a:xfrm>
+      </p:grpSpPr>
+      <p:sp>
+        <p:nvSpPr>
+          <p:cNvPr id="87" name="PlaceHolder 1"/>
+          <p:cNvSpPr>
+            <a:spLocks noGrp="1"/>
+          </p:cNvSpPr>
+          <p:nvPr>
+            <p:ph type="title"/>
+          </p:nvPr>
+        </p:nvSpPr>
+        <p:spPr>
+          <a:xfrm>
+            <a:off x="457200" y="9360"/>
+            <a:ext cx="8229240" cy="1250280"/>
+          </a:xfrm>
+          <a:prstGeom prst="rect">
+            <a:avLst/>
+          </a:prstGeom>
+        </p:spPr>
+        <p:txBody>
+          <a:bodyPr lIns="0" rIns="0" tIns="0" bIns="0" anchor="ctr">
+            <a:noAutofit/>
+          </a:bodyPr>
+          <a:p>
+            <a:pPr algn="ctr"/>
+            <a:endParaRPr b="0" lang="ru-RU" sz="4400" spc="-1" strike="noStrike">
+              <a:latin typeface="Arial"/>
+            </a:endParaRPr>
+          </a:p>
+        </p:txBody>
+      </p:sp>
+      <p:sp>
+        <p:nvSpPr>
+          <p:cNvPr id="88" name="PlaceHolder 2"/>
+          <p:cNvSpPr>
+            <a:spLocks noGrp="1"/>
+          </p:cNvSpPr>
+          <p:nvPr>
+            <p:ph type="body"/>
+          </p:nvPr>
+        </p:nvSpPr>
+        <p:spPr>
+          <a:xfrm>
+            <a:off x="457200" y="1203480"/>
+            <a:ext cx="4015800" cy="1422720"/>
+          </a:xfrm>
+          <a:prstGeom prst="rect">
+            <a:avLst/>
+          </a:prstGeom>
+        </p:spPr>
+        <p:txBody>
+          <a:bodyPr lIns="0" rIns="0" tIns="0" bIns="0">
+            <a:normAutofit/>
+          </a:bodyPr>
+          <a:p>
+            <a:endParaRPr b="0" lang="ru-RU" sz="3200" spc="-1" strike="noStrike">
+              <a:latin typeface="Arial"/>
+            </a:endParaRPr>
+          </a:p>
+        </p:txBody>
+      </p:sp>
+      <p:sp>
+        <p:nvSpPr>
+          <p:cNvPr id="89" name="PlaceHolder 3"/>
+          <p:cNvSpPr>
+            <a:spLocks noGrp="1"/>
+          </p:cNvSpPr>
+          <p:nvPr>
+            <p:ph type="body"/>
+          </p:nvPr>
+        </p:nvSpPr>
+        <p:spPr>
+          <a:xfrm>
+            <a:off x="4674240" y="1203480"/>
+            <a:ext cx="4015800" cy="2982960"/>
+          </a:xfrm>
+          <a:prstGeom prst="rect">
+            <a:avLst/>
+          </a:prstGeom>
+        </p:spPr>
+        <p:txBody>
+          <a:bodyPr lIns="0" rIns="0" tIns="0" bIns="0">
+            <a:normAutofit/>
+          </a:bodyPr>
+          <a:p>
+            <a:endParaRPr b="0" lang="ru-RU" sz="3200" spc="-1" strike="noStrike">
+              <a:latin typeface="Arial"/>
+            </a:endParaRPr>
+          </a:p>
+        </p:txBody>
+      </p:sp>
+      <p:sp>
+        <p:nvSpPr>
+          <p:cNvPr id="90" name="PlaceHolder 4"/>
+          <p:cNvSpPr>
+            <a:spLocks noGrp="1"/>
+          </p:cNvSpPr>
+          <p:nvPr>
+            <p:ph type="body"/>
+          </p:nvPr>
+        </p:nvSpPr>
+        <p:spPr>
+          <a:xfrm>
+            <a:off x="457200" y="2761920"/>
+            <a:ext cx="4015800" cy="1422720"/>
+          </a:xfrm>
+          <a:prstGeom prst="rect">
+            <a:avLst/>
+          </a:prstGeom>
+        </p:spPr>
+        <p:txBody>
+          <a:bodyPr lIns="0" rIns="0" tIns="0" bIns="0">
+            <a:normAutofit/>
+          </a:bodyPr>
+          <a:p>
+            <a:endParaRPr b="0" lang="ru-RU" sz="3200" spc="-1" strike="noStrike">
+              <a:latin typeface="Arial"/>
+            </a:endParaRPr>
+          </a:p>
+        </p:txBody>
+      </p:sp>
+    </p:spTree>
+  </p:cSld>
+</p:sldLayout>
+</file>
+
+<file path=ppt/slideLayouts/slideLayout32.xml><?xml version="1.0" encoding="utf-8"?>
+<p:sldLayout xmlns:a="http://schemas.openxmlformats.org/drawingml/2006/main" xmlns:p="http://schemas.openxmlformats.org/presentationml/2006/main" xmlns:r="http://schemas.openxmlformats.org/officeDocument/2006/relationships" xmlns:p14="http://schemas.microsoft.com/office/powerpoint/2010/main" xmlns:p15="http://schemas.microsoft.com/office/powerpoint/2012/main" xmlns:mc="http://schemas.openxmlformats.org/markup-compatibility/2006" type="objAndTwoObj" preserve="1">
+  <p:cSld name="Title Content and 2 Content">
+    <p:spTree>
+      <p:nvGrpSpPr>
+        <p:cNvPr id="1" name=""/>
+        <p:cNvGrpSpPr/>
+        <p:nvPr/>
+      </p:nvGrpSpPr>
+      <p:grpSpPr>
+        <a:xfrm>
+          <a:off x="0" y="0"/>
+          <a:ext cx="0" cy="0"/>
+          <a:chOff x="0" y="0"/>
+          <a:chExt cx="0" cy="0"/>
+        </a:xfrm>
+      </p:grpSpPr>
+      <p:sp>
+        <p:nvSpPr>
+          <p:cNvPr id="91" name="PlaceHolder 1"/>
+          <p:cNvSpPr>
+            <a:spLocks noGrp="1"/>
+          </p:cNvSpPr>
+          <p:nvPr>
+            <p:ph type="title"/>
+          </p:nvPr>
+        </p:nvSpPr>
+        <p:spPr>
+          <a:xfrm>
+            <a:off x="457200" y="9360"/>
+            <a:ext cx="8229240" cy="1250280"/>
+          </a:xfrm>
+          <a:prstGeom prst="rect">
+            <a:avLst/>
+          </a:prstGeom>
+        </p:spPr>
+        <p:txBody>
+          <a:bodyPr lIns="0" rIns="0" tIns="0" bIns="0" anchor="ctr">
+            <a:noAutofit/>
+          </a:bodyPr>
+          <a:p>
+            <a:pPr algn="ctr"/>
+            <a:endParaRPr b="0" lang="ru-RU" sz="4400" spc="-1" strike="noStrike">
+              <a:latin typeface="Arial"/>
+            </a:endParaRPr>
+          </a:p>
+        </p:txBody>
+      </p:sp>
+      <p:sp>
+        <p:nvSpPr>
+          <p:cNvPr id="92" name="PlaceHolder 2"/>
+          <p:cNvSpPr>
+            <a:spLocks noGrp="1"/>
+          </p:cNvSpPr>
+          <p:nvPr>
+            <p:ph type="body"/>
+          </p:nvPr>
+        </p:nvSpPr>
+        <p:spPr>
+          <a:xfrm>
+            <a:off x="457200" y="1203480"/>
+            <a:ext cx="4015800" cy="2982960"/>
+          </a:xfrm>
+          <a:prstGeom prst="rect">
+            <a:avLst/>
+          </a:prstGeom>
+        </p:spPr>
+        <p:txBody>
+          <a:bodyPr lIns="0" rIns="0" tIns="0" bIns="0">
+            <a:normAutofit/>
+          </a:bodyPr>
+          <a:p>
+            <a:endParaRPr b="0" lang="ru-RU" sz="3200" spc="-1" strike="noStrike">
+              <a:latin typeface="Arial"/>
+            </a:endParaRPr>
+          </a:p>
+        </p:txBody>
+      </p:sp>
+      <p:sp>
+        <p:nvSpPr>
+          <p:cNvPr id="93" name="PlaceHolder 3"/>
+          <p:cNvSpPr>
+            <a:spLocks noGrp="1"/>
+          </p:cNvSpPr>
+          <p:nvPr>
+            <p:ph type="body"/>
+          </p:nvPr>
+        </p:nvSpPr>
+        <p:spPr>
+          <a:xfrm>
+            <a:off x="4674240" y="1203480"/>
+            <a:ext cx="4015800" cy="1422720"/>
+          </a:xfrm>
+          <a:prstGeom prst="rect">
+            <a:avLst/>
+          </a:prstGeom>
+        </p:spPr>
+        <p:txBody>
+          <a:bodyPr lIns="0" rIns="0" tIns="0" bIns="0">
+            <a:normAutofit/>
+          </a:bodyPr>
+          <a:p>
+            <a:endParaRPr b="0" lang="ru-RU" sz="3200" spc="-1" strike="noStrike">
+              <a:latin typeface="Arial"/>
+            </a:endParaRPr>
+          </a:p>
+        </p:txBody>
+      </p:sp>
+      <p:sp>
+        <p:nvSpPr>
+          <p:cNvPr id="94" name="PlaceHolder 4"/>
+          <p:cNvSpPr>
+            <a:spLocks noGrp="1"/>
+          </p:cNvSpPr>
+          <p:nvPr>
+            <p:ph type="body"/>
+          </p:nvPr>
+        </p:nvSpPr>
+        <p:spPr>
+          <a:xfrm>
+            <a:off x="4674240" y="2761920"/>
+            <a:ext cx="4015800" cy="1422720"/>
+          </a:xfrm>
+          <a:prstGeom prst="rect">
+            <a:avLst/>
+          </a:prstGeom>
+        </p:spPr>
+        <p:txBody>
+          <a:bodyPr lIns="0" rIns="0" tIns="0" bIns="0">
+            <a:normAutofit/>
+          </a:bodyPr>
+          <a:p>
+            <a:endParaRPr b="0" lang="ru-RU" sz="3200" spc="-1" strike="noStrike">
+              <a:latin typeface="Arial"/>
+            </a:endParaRPr>
+          </a:p>
+        </p:txBody>
+      </p:sp>
+    </p:spTree>
+  </p:cSld>
+</p:sldLayout>
+</file>
+
+<file path=ppt/slideLayouts/slideLayout33.xml><?xml version="1.0" encoding="utf-8"?>
+<p:sldLayout xmlns:a="http://schemas.openxmlformats.org/drawingml/2006/main" xmlns:p="http://schemas.openxmlformats.org/presentationml/2006/main" xmlns:r="http://schemas.openxmlformats.org/officeDocument/2006/relationships" xmlns:p14="http://schemas.microsoft.com/office/powerpoint/2010/main" xmlns:p15="http://schemas.microsoft.com/office/powerpoint/2012/main" xmlns:mc="http://schemas.openxmlformats.org/markup-compatibility/2006" type="twoObjOverTx" preserve="1">
+  <p:cSld name="Title, 2 Content over Content">
+    <p:spTree>
+      <p:nvGrpSpPr>
+        <p:cNvPr id="1" name=""/>
+        <p:cNvGrpSpPr/>
+        <p:nvPr/>
+      </p:nvGrpSpPr>
+      <p:grpSpPr>
+        <a:xfrm>
+          <a:off x="0" y="0"/>
+          <a:ext cx="0" cy="0"/>
+          <a:chOff x="0" y="0"/>
+          <a:chExt cx="0" cy="0"/>
+        </a:xfrm>
+      </p:grpSpPr>
+      <p:sp>
+        <p:nvSpPr>
+          <p:cNvPr id="95" name="PlaceHolder 1"/>
+          <p:cNvSpPr>
+            <a:spLocks noGrp="1"/>
+          </p:cNvSpPr>
+          <p:nvPr>
+            <p:ph type="title"/>
+          </p:nvPr>
+        </p:nvSpPr>
+        <p:spPr>
+          <a:xfrm>
+            <a:off x="457200" y="9360"/>
+            <a:ext cx="8229240" cy="1250280"/>
+          </a:xfrm>
+          <a:prstGeom prst="rect">
+            <a:avLst/>
+          </a:prstGeom>
+        </p:spPr>
+        <p:txBody>
+          <a:bodyPr lIns="0" rIns="0" tIns="0" bIns="0" anchor="ctr">
+            <a:noAutofit/>
+          </a:bodyPr>
+          <a:p>
+            <a:pPr algn="ctr"/>
+            <a:endParaRPr b="0" lang="ru-RU" sz="4400" spc="-1" strike="noStrike">
+              <a:latin typeface="Arial"/>
+            </a:endParaRPr>
+          </a:p>
+        </p:txBody>
+      </p:sp>
+      <p:sp>
+        <p:nvSpPr>
+          <p:cNvPr id="96" name="PlaceHolder 2"/>
+          <p:cNvSpPr>
+            <a:spLocks noGrp="1"/>
+          </p:cNvSpPr>
+          <p:nvPr>
+            <p:ph type="body"/>
+          </p:nvPr>
+        </p:nvSpPr>
+        <p:spPr>
+          <a:xfrm>
+            <a:off x="457200" y="1203480"/>
+            <a:ext cx="4015800" cy="1422720"/>
+          </a:xfrm>
+          <a:prstGeom prst="rect">
+            <a:avLst/>
+          </a:prstGeom>
+        </p:spPr>
+        <p:txBody>
+          <a:bodyPr lIns="0" rIns="0" tIns="0" bIns="0">
+            <a:normAutofit/>
+          </a:bodyPr>
+          <a:p>
+            <a:endParaRPr b="0" lang="ru-RU" sz="3200" spc="-1" strike="noStrike">
+              <a:latin typeface="Arial"/>
+            </a:endParaRPr>
+          </a:p>
+        </p:txBody>
+      </p:sp>
+      <p:sp>
+        <p:nvSpPr>
+          <p:cNvPr id="97" name="PlaceHolder 3"/>
+          <p:cNvSpPr>
+            <a:spLocks noGrp="1"/>
+          </p:cNvSpPr>
+          <p:nvPr>
+            <p:ph type="body"/>
+          </p:nvPr>
+        </p:nvSpPr>
+        <p:spPr>
+          <a:xfrm>
+            <a:off x="4674240" y="1203480"/>
+            <a:ext cx="4015800" cy="1422720"/>
+          </a:xfrm>
+          <a:prstGeom prst="rect">
+            <a:avLst/>
+          </a:prstGeom>
+        </p:spPr>
+        <p:txBody>
+          <a:bodyPr lIns="0" rIns="0" tIns="0" bIns="0">
+            <a:normAutofit/>
+          </a:bodyPr>
+          <a:p>
+            <a:endParaRPr b="0" lang="ru-RU" sz="3200" spc="-1" strike="noStrike">
+              <a:latin typeface="Arial"/>
+            </a:endParaRPr>
+          </a:p>
+        </p:txBody>
+      </p:sp>
+      <p:sp>
+        <p:nvSpPr>
+          <p:cNvPr id="98" name="PlaceHolder 4"/>
+          <p:cNvSpPr>
+            <a:spLocks noGrp="1"/>
+          </p:cNvSpPr>
+          <p:nvPr>
+            <p:ph type="body"/>
+          </p:nvPr>
+        </p:nvSpPr>
+        <p:spPr>
+          <a:xfrm>
+            <a:off x="457200" y="2761920"/>
+            <a:ext cx="8229240" cy="1422720"/>
+          </a:xfrm>
+          <a:prstGeom prst="rect">
+            <a:avLst/>
+          </a:prstGeom>
+        </p:spPr>
+        <p:txBody>
+          <a:bodyPr lIns="0" rIns="0" tIns="0" bIns="0">
+            <a:normAutofit/>
+          </a:bodyPr>
+          <a:p>
+            <a:endParaRPr b="0" lang="ru-RU" sz="3200" spc="-1" strike="noStrike">
+              <a:latin typeface="Arial"/>
+            </a:endParaRPr>
+          </a:p>
+        </p:txBody>
+      </p:sp>
+    </p:spTree>
+  </p:cSld>
+</p:sldLayout>
+</file>
+
+<file path=ppt/slideLayouts/slideLayout34.xml><?xml version="1.0" encoding="utf-8"?>
+<p:sldLayout xmlns:a="http://schemas.openxmlformats.org/drawingml/2006/main" xmlns:p="http://schemas.openxmlformats.org/presentationml/2006/main" xmlns:r="http://schemas.openxmlformats.org/officeDocument/2006/relationships" xmlns:p14="http://schemas.microsoft.com/office/powerpoint/2010/main" xmlns:p15="http://schemas.microsoft.com/office/powerpoint/2012/main" xmlns:mc="http://schemas.openxmlformats.org/markup-compatibility/2006" type="objOverTx" preserve="1">
+  <p:cSld name="Title, Content over Content">
+    <p:spTree>
+      <p:nvGrpSpPr>
+        <p:cNvPr id="1" name=""/>
+        <p:cNvGrpSpPr/>
+        <p:nvPr/>
+      </p:nvGrpSpPr>
+      <p:grpSpPr>
+        <a:xfrm>
+          <a:off x="0" y="0"/>
+          <a:ext cx="0" cy="0"/>
+          <a:chOff x="0" y="0"/>
+          <a:chExt cx="0" cy="0"/>
+        </a:xfrm>
+      </p:grpSpPr>
+      <p:sp>
+        <p:nvSpPr>
+          <p:cNvPr id="99" name="PlaceHolder 1"/>
+          <p:cNvSpPr>
+            <a:spLocks noGrp="1"/>
+          </p:cNvSpPr>
+          <p:nvPr>
+            <p:ph type="title"/>
+          </p:nvPr>
+        </p:nvSpPr>
+        <p:spPr>
+          <a:xfrm>
+            <a:off x="457200" y="9360"/>
+            <a:ext cx="8229240" cy="1250280"/>
+          </a:xfrm>
+          <a:prstGeom prst="rect">
+            <a:avLst/>
+          </a:prstGeom>
+        </p:spPr>
+        <p:txBody>
+          <a:bodyPr lIns="0" rIns="0" tIns="0" bIns="0" anchor="ctr">
+            <a:noAutofit/>
+          </a:bodyPr>
+          <a:p>
+            <a:pPr algn="ctr"/>
+            <a:endParaRPr b="0" lang="ru-RU" sz="4400" spc="-1" strike="noStrike">
+              <a:latin typeface="Arial"/>
+            </a:endParaRPr>
+          </a:p>
+        </p:txBody>
+      </p:sp>
+      <p:sp>
+        <p:nvSpPr>
+          <p:cNvPr id="100" name="PlaceHolder 2"/>
+          <p:cNvSpPr>
+            <a:spLocks noGrp="1"/>
+          </p:cNvSpPr>
+          <p:nvPr>
+            <p:ph type="body"/>
+          </p:nvPr>
+        </p:nvSpPr>
+        <p:spPr>
+          <a:xfrm>
+            <a:off x="457200" y="1203480"/>
+            <a:ext cx="8229240" cy="1422720"/>
+          </a:xfrm>
+          <a:prstGeom prst="rect">
+            <a:avLst/>
+          </a:prstGeom>
+        </p:spPr>
+        <p:txBody>
+          <a:bodyPr lIns="0" rIns="0" tIns="0" bIns="0">
+            <a:normAutofit/>
+          </a:bodyPr>
+          <a:p>
+            <a:endParaRPr b="0" lang="ru-RU" sz="3200" spc="-1" strike="noStrike">
+              <a:latin typeface="Arial"/>
+            </a:endParaRPr>
+          </a:p>
+        </p:txBody>
+      </p:sp>
+      <p:sp>
+        <p:nvSpPr>
+          <p:cNvPr id="101" name="PlaceHolder 3"/>
+          <p:cNvSpPr>
+            <a:spLocks noGrp="1"/>
+          </p:cNvSpPr>
+          <p:nvPr>
+            <p:ph type="body"/>
+          </p:nvPr>
+        </p:nvSpPr>
+        <p:spPr>
+          <a:xfrm>
+            <a:off x="457200" y="2761920"/>
+            <a:ext cx="8229240" cy="1422720"/>
+          </a:xfrm>
+          <a:prstGeom prst="rect">
+            <a:avLst/>
+          </a:prstGeom>
+        </p:spPr>
+        <p:txBody>
+          <a:bodyPr lIns="0" rIns="0" tIns="0" bIns="0">
+            <a:normAutofit/>
+          </a:bodyPr>
+          <a:p>
+            <a:endParaRPr b="0" lang="ru-RU" sz="3200" spc="-1" strike="noStrike">
+              <a:latin typeface="Arial"/>
+            </a:endParaRPr>
+          </a:p>
+        </p:txBody>
+      </p:sp>
+    </p:spTree>
+  </p:cSld>
+</p:sldLayout>
+</file>
+
+<file path=ppt/slideLayouts/slideLayout35.xml><?xml version="1.0" encoding="utf-8"?>
+<p:sldLayout xmlns:a="http://schemas.openxmlformats.org/drawingml/2006/main" xmlns:p="http://schemas.openxmlformats.org/presentationml/2006/main" xmlns:r="http://schemas.openxmlformats.org/officeDocument/2006/relationships" xmlns:p14="http://schemas.microsoft.com/office/powerpoint/2010/main" xmlns:p15="http://schemas.microsoft.com/office/powerpoint/2012/main" xmlns:mc="http://schemas.openxmlformats.org/markup-compatibility/2006" type="fourObj" preserve="1">
+  <p:cSld name="Title, 4 Content">
+    <p:spTree>
+      <p:nvGrpSpPr>
+        <p:cNvPr id="1" name=""/>
+        <p:cNvGrpSpPr/>
+        <p:nvPr/>
+      </p:nvGrpSpPr>
+      <p:grpSpPr>
+        <a:xfrm>
+          <a:off x="0" y="0"/>
+          <a:ext cx="0" cy="0"/>
+          <a:chOff x="0" y="0"/>
+          <a:chExt cx="0" cy="0"/>
+        </a:xfrm>
+      </p:grpSpPr>
+      <p:sp>
+        <p:nvSpPr>
+          <p:cNvPr id="102" name="PlaceHolder 1"/>
+          <p:cNvSpPr>
+            <a:spLocks noGrp="1"/>
+          </p:cNvSpPr>
+          <p:nvPr>
+            <p:ph type="title"/>
+          </p:nvPr>
+        </p:nvSpPr>
+        <p:spPr>
+          <a:xfrm>
+            <a:off x="457200" y="9360"/>
+            <a:ext cx="8229240" cy="1250280"/>
+          </a:xfrm>
+          <a:prstGeom prst="rect">
+            <a:avLst/>
+          </a:prstGeom>
+        </p:spPr>
+        <p:txBody>
+          <a:bodyPr lIns="0" rIns="0" tIns="0" bIns="0" anchor="ctr">
+            <a:noAutofit/>
+          </a:bodyPr>
+          <a:p>
+            <a:pPr algn="ctr"/>
+            <a:endParaRPr b="0" lang="ru-RU" sz="4400" spc="-1" strike="noStrike">
+              <a:latin typeface="Arial"/>
+            </a:endParaRPr>
+          </a:p>
+        </p:txBody>
+      </p:sp>
+      <p:sp>
+        <p:nvSpPr>
+          <p:cNvPr id="103" name="PlaceHolder 2"/>
+          <p:cNvSpPr>
+            <a:spLocks noGrp="1"/>
+          </p:cNvSpPr>
+          <p:nvPr>
+            <p:ph type="body"/>
+          </p:nvPr>
+        </p:nvSpPr>
+        <p:spPr>
+          <a:xfrm>
+            <a:off x="457200" y="1203480"/>
+            <a:ext cx="4015800" cy="1422720"/>
+          </a:xfrm>
+          <a:prstGeom prst="rect">
+            <a:avLst/>
+          </a:prstGeom>
+        </p:spPr>
+        <p:txBody>
+          <a:bodyPr lIns="0" rIns="0" tIns="0" bIns="0">
+            <a:normAutofit/>
+          </a:bodyPr>
+          <a:p>
+            <a:endParaRPr b="0" lang="ru-RU" sz="3200" spc="-1" strike="noStrike">
+              <a:latin typeface="Arial"/>
+            </a:endParaRPr>
+          </a:p>
+        </p:txBody>
+      </p:sp>
+      <p:sp>
+        <p:nvSpPr>
+          <p:cNvPr id="104" name="PlaceHolder 3"/>
+          <p:cNvSpPr>
+            <a:spLocks noGrp="1"/>
+          </p:cNvSpPr>
+          <p:nvPr>
+            <p:ph type="body"/>
+          </p:nvPr>
+        </p:nvSpPr>
+        <p:spPr>
+          <a:xfrm>
+            <a:off x="4674240" y="1203480"/>
+            <a:ext cx="4015800" cy="1422720"/>
+          </a:xfrm>
+          <a:prstGeom prst="rect">
+            <a:avLst/>
+          </a:prstGeom>
+        </p:spPr>
+        <p:txBody>
+          <a:bodyPr lIns="0" rIns="0" tIns="0" bIns="0">
+            <a:normAutofit/>
+          </a:bodyPr>
+          <a:p>
+            <a:endParaRPr b="0" lang="ru-RU" sz="3200" spc="-1" strike="noStrike">
+              <a:latin typeface="Arial"/>
+            </a:endParaRPr>
+          </a:p>
+        </p:txBody>
+      </p:sp>
+      <p:sp>
+        <p:nvSpPr>
+          <p:cNvPr id="105" name="PlaceHolder 4"/>
+          <p:cNvSpPr>
+            <a:spLocks noGrp="1"/>
+          </p:cNvSpPr>
+          <p:nvPr>
+            <p:ph type="body"/>
+          </p:nvPr>
+        </p:nvSpPr>
+        <p:spPr>
+          <a:xfrm>
+            <a:off x="457200" y="2761920"/>
+            <a:ext cx="4015800" cy="1422720"/>
+          </a:xfrm>
+          <a:prstGeom prst="rect">
+            <a:avLst/>
+          </a:prstGeom>
+        </p:spPr>
+        <p:txBody>
+          <a:bodyPr lIns="0" rIns="0" tIns="0" bIns="0">
+            <a:normAutofit/>
+          </a:bodyPr>
+          <a:p>
+            <a:endParaRPr b="0" lang="ru-RU" sz="3200" spc="-1" strike="noStrike">
+              <a:latin typeface="Arial"/>
+            </a:endParaRPr>
+          </a:p>
+        </p:txBody>
+      </p:sp>
+      <p:sp>
+        <p:nvSpPr>
+          <p:cNvPr id="106" name="PlaceHolder 5"/>
+          <p:cNvSpPr>
+            <a:spLocks noGrp="1"/>
+          </p:cNvSpPr>
+          <p:nvPr>
+            <p:ph type="body"/>
+          </p:nvPr>
+        </p:nvSpPr>
+        <p:spPr>
+          <a:xfrm>
+            <a:off x="4674240" y="2761920"/>
+            <a:ext cx="4015800" cy="1422720"/>
+          </a:xfrm>
+          <a:prstGeom prst="rect">
+            <a:avLst/>
+          </a:prstGeom>
+        </p:spPr>
+        <p:txBody>
+          <a:bodyPr lIns="0" rIns="0" tIns="0" bIns="0">
+            <a:normAutofit/>
+          </a:bodyPr>
+          <a:p>
+            <a:endParaRPr b="0" lang="ru-RU" sz="3200" spc="-1" strike="noStrike">
+              <a:latin typeface="Arial"/>
+            </a:endParaRPr>
+          </a:p>
+        </p:txBody>
+      </p:sp>
+    </p:spTree>
+  </p:cSld>
+</p:sldLayout>
+</file>
+
+<file path=ppt/slideLayouts/slideLayout36.xml><?xml version="1.0" encoding="utf-8"?>
+<p:sldLayout xmlns:a="http://schemas.openxmlformats.org/drawingml/2006/main" xmlns:p="http://schemas.openxmlformats.org/presentationml/2006/main" xmlns:r="http://schemas.openxmlformats.org/officeDocument/2006/relationships" xmlns:p14="http://schemas.microsoft.com/office/powerpoint/2010/main" xmlns:p15="http://schemas.microsoft.com/office/powerpoint/2012/main" xmlns:mc="http://schemas.openxmlformats.org/markup-compatibility/2006" type="blank" preserve="1">
+  <p:cSld name="Title, 6 Content">
+    <p:spTree>
+      <p:nvGrpSpPr>
+        <p:cNvPr id="1" name=""/>
+        <p:cNvGrpSpPr/>
+        <p:nvPr/>
+      </p:nvGrpSpPr>
+      <p:grpSpPr>
+        <a:xfrm>
+          <a:off x="0" y="0"/>
+          <a:ext cx="0" cy="0"/>
+          <a:chOff x="0" y="0"/>
+          <a:chExt cx="0" cy="0"/>
+        </a:xfrm>
+      </p:grpSpPr>
+      <p:sp>
+        <p:nvSpPr>
+          <p:cNvPr id="107" name="PlaceHolder 1"/>
+          <p:cNvSpPr>
+            <a:spLocks noGrp="1"/>
+          </p:cNvSpPr>
+          <p:nvPr>
+            <p:ph type="title"/>
+          </p:nvPr>
+        </p:nvSpPr>
+        <p:spPr>
+          <a:xfrm>
+            <a:off x="457200" y="9360"/>
+            <a:ext cx="8229240" cy="1250280"/>
+          </a:xfrm>
+          <a:prstGeom prst="rect">
+            <a:avLst/>
+          </a:prstGeom>
+        </p:spPr>
+        <p:txBody>
+          <a:bodyPr lIns="0" rIns="0" tIns="0" bIns="0" anchor="ctr">
+            <a:noAutofit/>
+          </a:bodyPr>
+          <a:p>
+            <a:pPr algn="ctr"/>
+            <a:endParaRPr b="0" lang="ru-RU" sz="4400" spc="-1" strike="noStrike">
+              <a:latin typeface="Arial"/>
+            </a:endParaRPr>
+          </a:p>
+        </p:txBody>
+      </p:sp>
+      <p:sp>
+        <p:nvSpPr>
+          <p:cNvPr id="108" name="PlaceHolder 2"/>
+          <p:cNvSpPr>
+            <a:spLocks noGrp="1"/>
+          </p:cNvSpPr>
+          <p:nvPr>
+            <p:ph type="body"/>
+          </p:nvPr>
+        </p:nvSpPr>
+        <p:spPr>
+          <a:xfrm>
+            <a:off x="457200" y="1203480"/>
+            <a:ext cx="2649600" cy="1422720"/>
+          </a:xfrm>
+          <a:prstGeom prst="rect">
+            <a:avLst/>
+          </a:prstGeom>
+        </p:spPr>
+        <p:txBody>
+          <a:bodyPr lIns="0" rIns="0" tIns="0" bIns="0">
+            <a:normAutofit fontScale="49000"/>
+          </a:bodyPr>
+          <a:p>
+            <a:endParaRPr b="0" lang="ru-RU" sz="3200" spc="-1" strike="noStrike">
+              <a:latin typeface="Arial"/>
+            </a:endParaRPr>
+          </a:p>
+        </p:txBody>
+      </p:sp>
+      <p:sp>
+        <p:nvSpPr>
+          <p:cNvPr id="109" name="PlaceHolder 3"/>
+          <p:cNvSpPr>
+            <a:spLocks noGrp="1"/>
+          </p:cNvSpPr>
+          <p:nvPr>
+            <p:ph type="body"/>
+          </p:nvPr>
+        </p:nvSpPr>
+        <p:spPr>
+          <a:xfrm>
+            <a:off x="3239640" y="1203480"/>
+            <a:ext cx="2649600" cy="1422720"/>
+          </a:xfrm>
+          <a:prstGeom prst="rect">
+            <a:avLst/>
+          </a:prstGeom>
+        </p:spPr>
+        <p:txBody>
+          <a:bodyPr lIns="0" rIns="0" tIns="0" bIns="0">
+            <a:normAutofit fontScale="49000"/>
+          </a:bodyPr>
+          <a:p>
+            <a:endParaRPr b="0" lang="ru-RU" sz="3200" spc="-1" strike="noStrike">
+              <a:latin typeface="Arial"/>
+            </a:endParaRPr>
+          </a:p>
+        </p:txBody>
+      </p:sp>
+      <p:sp>
+        <p:nvSpPr>
+          <p:cNvPr id="110" name="PlaceHolder 4"/>
+          <p:cNvSpPr>
+            <a:spLocks noGrp="1"/>
+          </p:cNvSpPr>
+          <p:nvPr>
+            <p:ph type="body"/>
+          </p:nvPr>
+        </p:nvSpPr>
+        <p:spPr>
+          <a:xfrm>
+            <a:off x="6022080" y="1203480"/>
+            <a:ext cx="2649600" cy="1422720"/>
+          </a:xfrm>
+          <a:prstGeom prst="rect">
+            <a:avLst/>
+          </a:prstGeom>
+        </p:spPr>
+        <p:txBody>
+          <a:bodyPr lIns="0" rIns="0" tIns="0" bIns="0">
+            <a:normAutofit fontScale="49000"/>
+          </a:bodyPr>
+          <a:p>
+            <a:endParaRPr b="0" lang="ru-RU" sz="3200" spc="-1" strike="noStrike">
+              <a:latin typeface="Arial"/>
+            </a:endParaRPr>
+          </a:p>
+        </p:txBody>
+      </p:sp>
+      <p:sp>
+        <p:nvSpPr>
+          <p:cNvPr id="111" name="PlaceHolder 5"/>
+          <p:cNvSpPr>
+            <a:spLocks noGrp="1"/>
+          </p:cNvSpPr>
+          <p:nvPr>
+            <p:ph type="body"/>
+          </p:nvPr>
+        </p:nvSpPr>
+        <p:spPr>
+          <a:xfrm>
+            <a:off x="457200" y="2761920"/>
+            <a:ext cx="2649600" cy="1422720"/>
+          </a:xfrm>
+          <a:prstGeom prst="rect">
+            <a:avLst/>
+          </a:prstGeom>
+        </p:spPr>
+        <p:txBody>
+          <a:bodyPr lIns="0" rIns="0" tIns="0" bIns="0">
+            <a:normAutofit fontScale="49000"/>
+          </a:bodyPr>
+          <a:p>
+            <a:endParaRPr b="0" lang="ru-RU" sz="3200" spc="-1" strike="noStrike">
+              <a:latin typeface="Arial"/>
+            </a:endParaRPr>
+          </a:p>
+        </p:txBody>
+      </p:sp>
+      <p:sp>
+        <p:nvSpPr>
+          <p:cNvPr id="112" name="PlaceHolder 6"/>
+          <p:cNvSpPr>
+            <a:spLocks noGrp="1"/>
+          </p:cNvSpPr>
+          <p:nvPr>
+            <p:ph type="body"/>
+          </p:nvPr>
+        </p:nvSpPr>
+        <p:spPr>
+          <a:xfrm>
+            <a:off x="3239640" y="2761920"/>
+            <a:ext cx="2649600" cy="1422720"/>
+          </a:xfrm>
+          <a:prstGeom prst="rect">
+            <a:avLst/>
+          </a:prstGeom>
+        </p:spPr>
+        <p:txBody>
+          <a:bodyPr lIns="0" rIns="0" tIns="0" bIns="0">
+            <a:normAutofit fontScale="49000"/>
+          </a:bodyPr>
+          <a:p>
+            <a:endParaRPr b="0" lang="ru-RU" sz="3200" spc="-1" strike="noStrike">
+              <a:latin typeface="Arial"/>
+            </a:endParaRPr>
+          </a:p>
+        </p:txBody>
+      </p:sp>
+      <p:sp>
+        <p:nvSpPr>
+          <p:cNvPr id="113" name="PlaceHolder 7"/>
+          <p:cNvSpPr>
+            <a:spLocks noGrp="1"/>
+          </p:cNvSpPr>
+          <p:nvPr>
+            <p:ph type="body"/>
+          </p:nvPr>
+        </p:nvSpPr>
+        <p:spPr>
+          <a:xfrm>
+            <a:off x="6022080" y="2761920"/>
+            <a:ext cx="2649600" cy="1422720"/>
+          </a:xfrm>
+          <a:prstGeom prst="rect">
+            <a:avLst/>
+          </a:prstGeom>
+        </p:spPr>
+        <p:txBody>
+          <a:bodyPr lIns="0" rIns="0" tIns="0" bIns="0">
+            <a:normAutofit fontScale="49000"/>
           </a:bodyPr>
           <a:p>
             <a:endParaRPr b="0" lang="ru-RU" sz="3200" spc="-1" strike="noStrike">
@@ -2434,7 +3845,9 @@
           </a:prstGeom>
         </p:spPr>
         <p:txBody>
-          <a:bodyPr lIns="0" rIns="0" tIns="0" bIns="0" anchor="ctr"/>
+          <a:bodyPr lIns="0" rIns="0" tIns="0" bIns="0" anchor="ctr">
+            <a:noAutofit/>
+          </a:bodyPr>
           <a:p>
             <a:pPr algn="ctr"/>
             <a:endParaRPr b="0" lang="ru-RU" sz="4400" spc="-1" strike="noStrike">
@@ -2545,7 +3958,9 @@
           </a:prstGeom>
         </p:spPr>
         <p:txBody>
-          <a:bodyPr lIns="0" rIns="0" tIns="0" bIns="0" anchor="ctr"/>
+          <a:bodyPr lIns="0" rIns="0" tIns="0" bIns="0" anchor="ctr">
+            <a:noAutofit/>
+          </a:bodyPr>
           <a:p>
             <a:pPr algn="ctr"/>
             <a:endParaRPr b="0" lang="ru-RU" sz="4400" spc="-1" strike="noStrike">
@@ -2596,7 +4011,9 @@
           </a:prstGeom>
         </p:spPr>
         <p:txBody>
-          <a:bodyPr lIns="0" rIns="0" tIns="0" bIns="0" anchor="ctr"/>
+          <a:bodyPr lIns="0" rIns="0" tIns="0" bIns="0" anchor="ctr">
+            <a:noAutofit/>
+          </a:bodyPr>
           <a:p>
             <a:pPr algn="ctr"/>
             <a:endParaRPr b="0" lang="ru-RU" sz="3200" spc="-1" strike="noStrike">
@@ -2647,7 +4064,9 @@
           </a:prstGeom>
         </p:spPr>
         <p:txBody>
-          <a:bodyPr lIns="0" rIns="0" tIns="0" bIns="0" anchor="ctr"/>
+          <a:bodyPr lIns="0" rIns="0" tIns="0" bIns="0" anchor="ctr">
+            <a:noAutofit/>
+          </a:bodyPr>
           <a:p>
             <a:pPr algn="ctr"/>
             <a:endParaRPr b="0" lang="ru-RU" sz="4400" spc="-1" strike="noStrike">
@@ -2788,7 +4207,9 @@
           </a:prstGeom>
         </p:spPr>
         <p:txBody>
-          <a:bodyPr lIns="0" rIns="0" tIns="0" bIns="0" anchor="ctr"/>
+          <a:bodyPr lIns="0" rIns="0" tIns="0" bIns="0" anchor="ctr">
+            <a:noAutofit/>
+          </a:bodyPr>
           <a:p>
             <a:pPr algn="ctr"/>
             <a:endParaRPr b="0" lang="ru-RU" sz="4400" spc="-1" strike="noStrike">
@@ -2929,7 +4350,9 @@
           </a:prstGeom>
         </p:spPr>
         <p:txBody>
-          <a:bodyPr lIns="0" rIns="0" tIns="0" bIns="0" anchor="ctr"/>
+          <a:bodyPr lIns="0" rIns="0" tIns="0" bIns="0" anchor="ctr">
+            <a:noAutofit/>
+          </a:bodyPr>
           <a:p>
             <a:pPr algn="ctr"/>
             <a:endParaRPr b="0" lang="ru-RU" sz="4400" spc="-1" strike="noStrike">
@@ -3072,23 +4495,26 @@
         </p:nvSpPr>
         <p:spPr>
           <a:xfrm>
-            <a:off x="431640" y="205920"/>
-            <a:ext cx="8279640" cy="564840"/>
-          </a:xfrm>
-          <a:prstGeom prst="rect">
-            <a:avLst/>
-          </a:prstGeom>
-        </p:spPr>
-        <p:txBody>
-          <a:bodyPr lIns="0" rIns="0" tIns="0" bIns="0" anchor="ctr"/>
-          <a:p>
+            <a:off x="457200" y="205200"/>
+            <a:ext cx="8229240" cy="858600"/>
+          </a:xfrm>
+          <a:prstGeom prst="rect">
+            <a:avLst/>
+          </a:prstGeom>
+        </p:spPr>
+        <p:txBody>
+          <a:bodyPr lIns="0" rIns="0" tIns="0" bIns="0" anchor="ctr">
+            <a:noAutofit/>
+          </a:bodyPr>
+          <a:p>
+            <a:pPr algn="ctr"/>
             <a:r>
-              <a:rPr b="0" lang="ru-RU" sz="1800" spc="-1" strike="noStrike">
+              <a:rPr b="0" lang="ru-RU" sz="4400" spc="-1" strike="noStrike">
                 <a:latin typeface="Arial"/>
               </a:rPr>
               <a:t>Для правки текста заглавия щёлкните мышью</a:t>
             </a:r>
-            <a:endParaRPr b="0" lang="ru-RU" sz="1800" spc="-1" strike="noStrike">
+            <a:endParaRPr b="0" lang="ru-RU" sz="4400" spc="-1" strike="noStrike">
               <a:latin typeface="Arial"/>
             </a:endParaRPr>
           </a:p>
@@ -3340,7 +4766,9 @@
           </a:prstGeom>
         </p:spPr>
         <p:txBody>
-          <a:bodyPr lIns="0" rIns="0" tIns="0" bIns="0" anchor="ctr"/>
+          <a:bodyPr lIns="0" rIns="0" tIns="0" bIns="0" anchor="ctr">
+            <a:noAutofit/>
+          </a:bodyPr>
           <a:p>
             <a:pPr algn="ctr"/>
             <a:r>
@@ -3550,6 +4978,268 @@
     <p:sldLayoutId id="2147483671" r:id="rId12"/>
     <p:sldLayoutId id="2147483672" r:id="rId13"/>
     <p:sldLayoutId id="2147483673" r:id="rId14"/>
+  </p:sldLayoutIdLst>
+</p:sldMaster>
+</file>
+
+<file path=ppt/slideMasters/slideMaster3.xml><?xml version="1.0" encoding="utf-8"?>
+<p:sldMaster xmlns:a="http://schemas.openxmlformats.org/drawingml/2006/main" xmlns:p="http://schemas.openxmlformats.org/presentationml/2006/main" xmlns:r="http://schemas.openxmlformats.org/officeDocument/2006/relationships" xmlns:p14="http://schemas.microsoft.com/office/powerpoint/2010/main" xmlns:p15="http://schemas.microsoft.com/office/powerpoint/2012/main" xmlns:mc="http://schemas.openxmlformats.org/markup-compatibility/2006">
+  <p:cSld>
+    <p:bg>
+      <p:bgPr>
+        <a:blipFill rotWithShape="0">
+          <a:blip r:embed="rId2"/>
+          <a:stretch>
+            <a:fillRect/>
+          </a:stretch>
+        </a:blipFill>
+      </p:bgPr>
+    </p:bg>
+    <p:spTree>
+      <p:nvGrpSpPr>
+        <p:cNvPr id="1" name=""/>
+        <p:cNvGrpSpPr/>
+        <p:nvPr/>
+      </p:nvGrpSpPr>
+      <p:grpSpPr>
+        <a:xfrm>
+          <a:off x="0" y="0"/>
+          <a:ext cx="0" cy="0"/>
+          <a:chOff x="0" y="0"/>
+          <a:chExt cx="0" cy="0"/>
+        </a:xfrm>
+      </p:grpSpPr>
+      <p:sp>
+        <p:nvSpPr>
+          <p:cNvPr id="76" name="PlaceHolder 1"/>
+          <p:cNvSpPr>
+            <a:spLocks noGrp="1"/>
+          </p:cNvSpPr>
+          <p:nvPr>
+            <p:ph type="title"/>
+          </p:nvPr>
+        </p:nvSpPr>
+        <p:spPr>
+          <a:xfrm>
+            <a:off x="457200" y="9360"/>
+            <a:ext cx="8228880" cy="1249920"/>
+          </a:xfrm>
+          <a:prstGeom prst="rect">
+            <a:avLst/>
+          </a:prstGeom>
+        </p:spPr>
+        <p:txBody>
+          <a:bodyPr lIns="0" rIns="0" tIns="0" bIns="0" anchor="ctr">
+            <a:noAutofit/>
+          </a:bodyPr>
+          <a:p>
+            <a:r>
+              <a:rPr b="0" lang="ru-RU" sz="1800" spc="-1" strike="noStrike">
+                <a:latin typeface="Arial"/>
+              </a:rPr>
+              <a:t>Для правки текста заглавия щёлкните мышью</a:t>
+            </a:r>
+            <a:endParaRPr b="0" lang="ru-RU" sz="1800" spc="-1" strike="noStrike">
+              <a:latin typeface="Arial"/>
+            </a:endParaRPr>
+          </a:p>
+        </p:txBody>
+      </p:sp>
+      <p:sp>
+        <p:nvSpPr>
+          <p:cNvPr id="77" name="PlaceHolder 2"/>
+          <p:cNvSpPr>
+            <a:spLocks noGrp="1"/>
+          </p:cNvSpPr>
+          <p:nvPr>
+            <p:ph type="body"/>
+          </p:nvPr>
+        </p:nvSpPr>
+        <p:spPr>
+          <a:xfrm>
+            <a:off x="457200" y="1203480"/>
+            <a:ext cx="8228880" cy="2982600"/>
+          </a:xfrm>
+          <a:prstGeom prst="rect">
+            <a:avLst/>
+          </a:prstGeom>
+        </p:spPr>
+        <p:txBody>
+          <a:bodyPr lIns="0" rIns="0" tIns="0" bIns="0">
+            <a:normAutofit/>
+          </a:bodyPr>
+          <a:p>
+            <a:pPr marL="432000" indent="-324000">
+              <a:spcBef>
+                <a:spcPts val="1417"/>
+              </a:spcBef>
+              <a:buClr>
+                <a:srgbClr val="000000"/>
+              </a:buClr>
+              <a:buSzPct val="45000"/>
+              <a:buFont typeface="Wingdings" charset="2"/>
+              <a:buChar char=""/>
+            </a:pPr>
+            <a:r>
+              <a:rPr b="0" lang="ru-RU" sz="1800" spc="-1" strike="noStrike">
+                <a:latin typeface="Arial"/>
+              </a:rPr>
+              <a:t>Для правки структуры щёлкните мышью</a:t>
+            </a:r>
+            <a:endParaRPr b="0" lang="ru-RU" sz="1800" spc="-1" strike="noStrike">
+              <a:latin typeface="Arial"/>
+            </a:endParaRPr>
+          </a:p>
+          <a:p>
+            <a:pPr lvl="1" marL="864000" indent="-324000">
+              <a:spcBef>
+                <a:spcPts val="1134"/>
+              </a:spcBef>
+              <a:buClr>
+                <a:srgbClr val="000000"/>
+              </a:buClr>
+              <a:buSzPct val="75000"/>
+              <a:buFont typeface="Symbol" charset="2"/>
+              <a:buChar char=""/>
+            </a:pPr>
+            <a:r>
+              <a:rPr b="0" lang="ru-RU" sz="1800" spc="-1" strike="noStrike">
+                <a:latin typeface="Arial"/>
+              </a:rPr>
+              <a:t>Второй уровень структуры</a:t>
+            </a:r>
+            <a:endParaRPr b="0" lang="ru-RU" sz="1800" spc="-1" strike="noStrike">
+              <a:latin typeface="Arial"/>
+            </a:endParaRPr>
+          </a:p>
+          <a:p>
+            <a:pPr lvl="2" marL="1296000" indent="-288000">
+              <a:spcBef>
+                <a:spcPts val="850"/>
+              </a:spcBef>
+              <a:buClr>
+                <a:srgbClr val="000000"/>
+              </a:buClr>
+              <a:buSzPct val="45000"/>
+              <a:buFont typeface="Wingdings" charset="2"/>
+              <a:buChar char=""/>
+            </a:pPr>
+            <a:r>
+              <a:rPr b="0" lang="ru-RU" sz="1800" spc="-1" strike="noStrike">
+                <a:latin typeface="Arial"/>
+              </a:rPr>
+              <a:t>Третий уровень структуры</a:t>
+            </a:r>
+            <a:endParaRPr b="0" lang="ru-RU" sz="1800" spc="-1" strike="noStrike">
+              <a:latin typeface="Arial"/>
+            </a:endParaRPr>
+          </a:p>
+          <a:p>
+            <a:pPr lvl="3" marL="1728000" indent="-216000">
+              <a:spcBef>
+                <a:spcPts val="567"/>
+              </a:spcBef>
+              <a:buClr>
+                <a:srgbClr val="000000"/>
+              </a:buClr>
+              <a:buSzPct val="75000"/>
+              <a:buFont typeface="Symbol" charset="2"/>
+              <a:buChar char=""/>
+            </a:pPr>
+            <a:r>
+              <a:rPr b="0" lang="ru-RU" sz="1800" spc="-1" strike="noStrike">
+                <a:latin typeface="Arial"/>
+              </a:rPr>
+              <a:t>Четвёртый уровень структуры</a:t>
+            </a:r>
+            <a:endParaRPr b="0" lang="ru-RU" sz="1800" spc="-1" strike="noStrike">
+              <a:latin typeface="Arial"/>
+            </a:endParaRPr>
+          </a:p>
+          <a:p>
+            <a:pPr lvl="4" marL="2160000" indent="-216000">
+              <a:spcBef>
+                <a:spcPts val="283"/>
+              </a:spcBef>
+              <a:buClr>
+                <a:srgbClr val="000000"/>
+              </a:buClr>
+              <a:buSzPct val="45000"/>
+              <a:buFont typeface="Wingdings" charset="2"/>
+              <a:buChar char=""/>
+            </a:pPr>
+            <a:r>
+              <a:rPr b="0" lang="ru-RU" sz="1800" spc="-1" strike="noStrike">
+                <a:latin typeface="Arial"/>
+              </a:rPr>
+              <a:t>Пятый уровень структуры</a:t>
+            </a:r>
+            <a:endParaRPr b="0" lang="ru-RU" sz="1800" spc="-1" strike="noStrike">
+              <a:latin typeface="Arial"/>
+            </a:endParaRPr>
+          </a:p>
+          <a:p>
+            <a:pPr lvl="5" marL="2592000" indent="-216000">
+              <a:spcBef>
+                <a:spcPts val="283"/>
+              </a:spcBef>
+              <a:buClr>
+                <a:srgbClr val="000000"/>
+              </a:buClr>
+              <a:buSzPct val="45000"/>
+              <a:buFont typeface="Wingdings" charset="2"/>
+              <a:buChar char=""/>
+            </a:pPr>
+            <a:r>
+              <a:rPr b="0" lang="ru-RU" sz="1800" spc="-1" strike="noStrike">
+                <a:latin typeface="Arial"/>
+              </a:rPr>
+              <a:t>Шестой уровень структуры</a:t>
+            </a:r>
+            <a:endParaRPr b="0" lang="ru-RU" sz="1800" spc="-1" strike="noStrike">
+              <a:latin typeface="Arial"/>
+            </a:endParaRPr>
+          </a:p>
+          <a:p>
+            <a:pPr lvl="6" marL="3024000" indent="-216000">
+              <a:spcBef>
+                <a:spcPts val="283"/>
+              </a:spcBef>
+              <a:buClr>
+                <a:srgbClr val="000000"/>
+              </a:buClr>
+              <a:buSzPct val="45000"/>
+              <a:buFont typeface="Wingdings" charset="2"/>
+              <a:buChar char=""/>
+            </a:pPr>
+            <a:r>
+              <a:rPr b="0" lang="ru-RU" sz="1800" spc="-1" strike="noStrike">
+                <a:latin typeface="Arial"/>
+              </a:rPr>
+              <a:t>Седьмой уровень структуры</a:t>
+            </a:r>
+            <a:endParaRPr b="0" lang="ru-RU" sz="1800" spc="-1" strike="noStrike">
+              <a:latin typeface="Arial"/>
+            </a:endParaRPr>
+          </a:p>
+        </p:txBody>
+      </p:sp>
+    </p:spTree>
+  </p:cSld>
+  <p:clrMap bg1="lt1" bg2="lt2" tx1="dk1" tx2="dk2" accent1="accent1" accent2="accent2" accent3="accent3" accent4="accent4" accent5="accent5" accent6="accent6" hlink="hlink" folHlink="folHlink"/>
+  <p:sldLayoutIdLst>
+    <p:sldLayoutId id="2147483675" r:id="rId3"/>
+    <p:sldLayoutId id="2147483676" r:id="rId4"/>
+    <p:sldLayoutId id="2147483677" r:id="rId5"/>
+    <p:sldLayoutId id="2147483678" r:id="rId6"/>
+    <p:sldLayoutId id="2147483679" r:id="rId7"/>
+    <p:sldLayoutId id="2147483680" r:id="rId8"/>
+    <p:sldLayoutId id="2147483681" r:id="rId9"/>
+    <p:sldLayoutId id="2147483682" r:id="rId10"/>
+    <p:sldLayoutId id="2147483683" r:id="rId11"/>
+    <p:sldLayoutId id="2147483684" r:id="rId12"/>
+    <p:sldLayoutId id="2147483685" r:id="rId13"/>
+    <p:sldLayoutId id="2147483686" r:id="rId14"/>
   </p:sldLayoutIdLst>
 </p:sldMaster>
 </file>
@@ -3573,14 +5263,14 @@
       </p:grpSpPr>
       <p:sp>
         <p:nvSpPr>
-          <p:cNvPr id="82" name="CustomShape 1"/>
+          <p:cNvPr id="120" name="CustomShape 1"/>
           <p:cNvSpPr/>
           <p:nvPr/>
         </p:nvSpPr>
         <p:spPr>
           <a:xfrm>
             <a:off x="323640" y="1728000"/>
-            <a:ext cx="5364000" cy="2159640"/>
+            <a:ext cx="5363280" cy="2158920"/>
           </a:xfrm>
           <a:prstGeom prst="rect">
             <a:avLst/>
@@ -3597,7 +5287,9 @@
           <a:fontRef idx="minor"/>
         </p:style>
         <p:txBody>
-          <a:bodyPr lIns="90000" rIns="90000" tIns="45000" bIns="45000"/>
+          <a:bodyPr lIns="90000" rIns="90000" tIns="45000" bIns="45000">
+            <a:noAutofit/>
+          </a:bodyPr>
           <a:p>
             <a:pPr>
               <a:lnSpc>
@@ -3673,33 +5365,6 @@
       <p:transition spd="slow"/>
     </mc:Fallback>
   </mc:AlternateContent>
-  <p:timing>
-    <p:tnLst>
-      <p:par>
-        <p:cTn id="1" dur="indefinite" restart="never" nodeType="tmRoot">
-          <p:childTnLst>
-            <p:seq>
-              <p:cTn id="2" dur="indefinite" nodeType="mainSeq"/>
-              <p:prevCondLst>
-                <p:cond delay="0" evt="onPrev">
-                  <p:tgtEl>
-                    <p:sldTgt/>
-                  </p:tgtEl>
-                </p:cond>
-              </p:prevCondLst>
-              <p:nextCondLst>
-                <p:cond delay="0" evt="onNext">
-                  <p:tgtEl>
-                    <p:sldTgt/>
-                  </p:tgtEl>
-                </p:cond>
-              </p:nextCondLst>
-            </p:seq>
-          </p:childTnLst>
-        </p:cTn>
-      </p:par>
-    </p:tnLst>
-  </p:timing>
 </p:sld>
 </file>
 
@@ -3722,14 +5387,14 @@
       </p:grpSpPr>
       <p:sp>
         <p:nvSpPr>
-          <p:cNvPr id="83" name="CustomShape 1"/>
+          <p:cNvPr id="121" name="CustomShape 1"/>
           <p:cNvSpPr/>
           <p:nvPr/>
         </p:nvSpPr>
         <p:spPr>
           <a:xfrm>
             <a:off x="431640" y="205920"/>
-            <a:ext cx="8279640" cy="564840"/>
+            <a:ext cx="8278920" cy="564120"/>
           </a:xfrm>
           <a:prstGeom prst="rect">
             <a:avLst/>
@@ -3746,7 +5411,9 @@
           <a:fontRef idx="minor"/>
         </p:style>
         <p:txBody>
-          <a:bodyPr lIns="90000" rIns="90000" tIns="45000" bIns="45000" anchor="ctr"/>
+          <a:bodyPr lIns="90000" rIns="90000" tIns="45000" bIns="45000" anchor="ctr">
+            <a:noAutofit/>
+          </a:bodyPr>
           <a:p>
             <a:pPr algn="r">
               <a:lnSpc>
@@ -3759,6 +5426,7 @@
                   <a:srgbClr val="000000"/>
                 </a:solidFill>
                 <a:latin typeface="Arial"/>
+                <a:ea typeface="DejaVu Sans"/>
               </a:rPr>
               <a:t>Технические задачи при разработке устройств</a:t>
             </a:r>
@@ -3768,6 +5436,7 @@
                   <a:srgbClr val="000000"/>
                 </a:solidFill>
                 <a:latin typeface="Akrobat SemiBold"/>
+                <a:ea typeface="DejaVu Sans"/>
               </a:rPr>
               <a:t> </a:t>
             </a:r>
@@ -3779,14 +5448,14 @@
       </p:sp>
       <p:sp>
         <p:nvSpPr>
-          <p:cNvPr id="84" name="CustomShape 2"/>
+          <p:cNvPr id="122" name="CustomShape 2"/>
           <p:cNvSpPr/>
           <p:nvPr/>
         </p:nvSpPr>
         <p:spPr>
           <a:xfrm>
             <a:off x="7164360" y="4767120"/>
-            <a:ext cx="1871640" cy="273240"/>
+            <a:ext cx="1870920" cy="272520"/>
           </a:xfrm>
           <a:prstGeom prst="rect">
             <a:avLst/>
@@ -3803,19 +5472,22 @@
           <a:fontRef idx="minor"/>
         </p:style>
         <p:txBody>
-          <a:bodyPr lIns="90000" rIns="90000" tIns="45000" bIns="45000" anchor="ctr"/>
+          <a:bodyPr lIns="90000" rIns="90000" tIns="45000" bIns="45000" anchor="ctr">
+            <a:noAutofit/>
+          </a:bodyPr>
           <a:p>
             <a:pPr algn="r">
               <a:lnSpc>
                 <a:spcPct val="100000"/>
               </a:lnSpc>
             </a:pPr>
-            <a:fld id="{F4DB2EC7-F7E2-42E2-8C09-BEA07A86DEDA}" type="slidenum">
+            <a:fld id="{93A63BDB-0E09-448E-BC0B-D2B59806830A}" type="slidenum">
               <a:rPr b="0" lang="ru-RU" sz="1200" spc="-1" strike="noStrike">
                 <a:solidFill>
                   <a:srgbClr val="ffffff"/>
                 </a:solidFill>
                 <a:latin typeface="Akrobat SemiBold"/>
+                <a:ea typeface="DejaVu Sans"/>
               </a:rPr>
               <a:t>&lt;номер&gt;</a:t>
             </a:fld>
@@ -3827,14 +5499,14 @@
       </p:sp>
       <p:sp>
         <p:nvSpPr>
-          <p:cNvPr id="85" name="CustomShape 3"/>
+          <p:cNvPr id="123" name="CustomShape 3"/>
           <p:cNvSpPr/>
           <p:nvPr/>
         </p:nvSpPr>
         <p:spPr>
           <a:xfrm>
             <a:off x="395640" y="915480"/>
-            <a:ext cx="8279640" cy="3743640"/>
+            <a:ext cx="8278920" cy="3742920"/>
           </a:xfrm>
           <a:prstGeom prst="rect">
             <a:avLst/>
@@ -3851,9 +5523,11 @@
           <a:fontRef idx="minor"/>
         </p:style>
         <p:txBody>
-          <a:bodyPr lIns="90000" rIns="90000" tIns="45000" bIns="45000"/>
-          <a:p>
-            <a:pPr marL="432000" indent="-323640">
+          <a:bodyPr lIns="90000" rIns="90000" tIns="45000" bIns="45000">
+            <a:noAutofit/>
+          </a:bodyPr>
+          <a:p>
+            <a:pPr marL="432000" indent="-322920">
               <a:lnSpc>
                 <a:spcPct val="100000"/>
               </a:lnSpc>
@@ -3873,6 +5547,7 @@
                   <a:srgbClr val="000000"/>
                 </a:solidFill>
                 <a:latin typeface="Arial"/>
+                <a:ea typeface="DejaVu Sans"/>
               </a:rPr>
               <a:t>Разработка принципиальной схемы </a:t>
             </a:r>
@@ -3881,7 +5556,7 @@
             </a:endParaRPr>
           </a:p>
           <a:p>
-            <a:pPr marL="432000" indent="-323640">
+            <a:pPr marL="432000" indent="-322920">
               <a:lnSpc>
                 <a:spcPct val="100000"/>
               </a:lnSpc>
@@ -3901,6 +5576,7 @@
                   <a:srgbClr val="000000"/>
                 </a:solidFill>
                 <a:latin typeface="Arial"/>
+                <a:ea typeface="DejaVu Sans"/>
               </a:rPr>
               <a:t>Разработка механической конструкции</a:t>
             </a:r>
@@ -3909,7 +5585,7 @@
             </a:endParaRPr>
           </a:p>
           <a:p>
-            <a:pPr marL="432000" indent="-323640">
+            <a:pPr marL="432000" indent="-322920">
               <a:lnSpc>
                 <a:spcPct val="100000"/>
               </a:lnSpc>
@@ -3929,6 +5605,7 @@
                   <a:srgbClr val="000000"/>
                 </a:solidFill>
                 <a:latin typeface="Arial"/>
+                <a:ea typeface="DejaVu Sans"/>
               </a:rPr>
               <a:t>Проектирование печатных плат</a:t>
             </a:r>
@@ -3937,7 +5614,7 @@
             </a:endParaRPr>
           </a:p>
           <a:p>
-            <a:pPr marL="432000" indent="-323640">
+            <a:pPr marL="432000" indent="-322920">
               <a:lnSpc>
                 <a:spcPct val="100000"/>
               </a:lnSpc>
@@ -3957,6 +5634,7 @@
                   <a:srgbClr val="000000"/>
                 </a:solidFill>
                 <a:latin typeface="Arial"/>
+                <a:ea typeface="DejaVu Sans"/>
               </a:rPr>
               <a:t>Разработка встроенного ПО</a:t>
             </a:r>
@@ -3965,7 +5643,7 @@
             </a:endParaRPr>
           </a:p>
           <a:p>
-            <a:pPr marL="432000" indent="-323640">
+            <a:pPr marL="432000" indent="-322920">
               <a:lnSpc>
                 <a:spcPct val="100000"/>
               </a:lnSpc>
@@ -3985,6 +5663,7 @@
                   <a:srgbClr val="000000"/>
                 </a:solidFill>
                 <a:latin typeface="Arial"/>
+                <a:ea typeface="DejaVu Sans"/>
               </a:rPr>
               <a:t>Разработка документации</a:t>
             </a:r>
@@ -3993,7 +5672,7 @@
             </a:endParaRPr>
           </a:p>
           <a:p>
-            <a:pPr marL="432000" indent="-323640">
+            <a:pPr marL="432000" indent="-322920">
               <a:lnSpc>
                 <a:spcPct val="100000"/>
               </a:lnSpc>
@@ -4013,6 +5692,7 @@
                   <a:srgbClr val="000000"/>
                 </a:solidFill>
                 <a:latin typeface="Arial"/>
+                <a:ea typeface="DejaVu Sans"/>
               </a:rPr>
               <a:t>Проверка и подтверждение соответствия техническим требованиям </a:t>
             </a:r>
@@ -4032,33 +5712,6 @@
       <p:transition spd="slow"/>
     </mc:Fallback>
   </mc:AlternateContent>
-  <p:timing>
-    <p:tnLst>
-      <p:par>
-        <p:cTn id="3" dur="indefinite" restart="never" nodeType="tmRoot">
-          <p:childTnLst>
-            <p:seq>
-              <p:cTn id="4" dur="indefinite" nodeType="mainSeq"/>
-              <p:prevCondLst>
-                <p:cond delay="0" evt="onPrev">
-                  <p:tgtEl>
-                    <p:sldTgt/>
-                  </p:tgtEl>
-                </p:cond>
-              </p:prevCondLst>
-              <p:nextCondLst>
-                <p:cond delay="0" evt="onNext">
-                  <p:tgtEl>
-                    <p:sldTgt/>
-                  </p:tgtEl>
-                </p:cond>
-              </p:nextCondLst>
-            </p:seq>
-          </p:childTnLst>
-        </p:cTn>
-      </p:par>
-    </p:tnLst>
-  </p:timing>
 </p:sld>
 </file>
 
@@ -4081,14 +5734,14 @@
       </p:grpSpPr>
       <p:sp>
         <p:nvSpPr>
-          <p:cNvPr id="86" name="CustomShape 1"/>
+          <p:cNvPr id="124" name="CustomShape 1"/>
           <p:cNvSpPr/>
           <p:nvPr/>
         </p:nvSpPr>
         <p:spPr>
           <a:xfrm>
             <a:off x="431640" y="205920"/>
-            <a:ext cx="8279640" cy="564840"/>
+            <a:ext cx="8278920" cy="564120"/>
           </a:xfrm>
           <a:prstGeom prst="rect">
             <a:avLst/>
@@ -4105,7 +5758,9 @@
           <a:fontRef idx="minor"/>
         </p:style>
         <p:txBody>
-          <a:bodyPr lIns="0" rIns="0" tIns="0" bIns="0" anchor="ctr"/>
+          <a:bodyPr lIns="0" rIns="0" tIns="0" bIns="0" anchor="ctr">
+            <a:noAutofit/>
+          </a:bodyPr>
           <a:p>
             <a:pPr algn="r">
               <a:lnSpc>
@@ -4118,6 +5773,7 @@
                   <a:srgbClr val="000000"/>
                 </a:solidFill>
                 <a:latin typeface="Arial"/>
+                <a:ea typeface="DejaVu Sans"/>
               </a:rPr>
               <a:t>Проектирование схем</a:t>
             </a:r>
@@ -4129,14 +5785,14 @@
       </p:sp>
       <p:sp>
         <p:nvSpPr>
-          <p:cNvPr id="87" name="TextShape 2"/>
-          <p:cNvSpPr txBox="1"/>
+          <p:cNvPr id="125" name="CustomShape 2"/>
+          <p:cNvSpPr/>
           <p:nvPr/>
         </p:nvSpPr>
         <p:spPr>
           <a:xfrm>
             <a:off x="457200" y="792000"/>
-            <a:ext cx="8229240" cy="3888000"/>
+            <a:ext cx="8228520" cy="3887280"/>
           </a:xfrm>
           <a:prstGeom prst="rect">
             <a:avLst/>
@@ -4146,10 +5802,21 @@
             <a:noFill/>
           </a:ln>
         </p:spPr>
-        <p:txBody>
-          <a:bodyPr lIns="0" rIns="0" tIns="0" bIns="0"/>
-          <a:p>
-            <a:pPr marL="216000" indent="-216000">
+        <p:style>
+          <a:lnRef idx="0"/>
+          <a:fillRef idx="0"/>
+          <a:effectRef idx="0"/>
+          <a:fontRef idx="minor"/>
+        </p:style>
+        <p:txBody>
+          <a:bodyPr lIns="0" rIns="0" tIns="0" bIns="0">
+            <a:noAutofit/>
+          </a:bodyPr>
+          <a:p>
+            <a:pPr marL="216000" indent="-215280">
+              <a:lnSpc>
+                <a:spcPct val="100000"/>
+              </a:lnSpc>
               <a:buClr>
                 <a:srgbClr val="000000"/>
               </a:buClr>
@@ -4159,7 +5826,11 @@
             </a:pPr>
             <a:r>
               <a:rPr b="0" lang="ru-RU" sz="2800" spc="-1" strike="noStrike">
+                <a:solidFill>
+                  <a:srgbClr val="000000"/>
+                </a:solidFill>
                 <a:latin typeface="Arial"/>
+                <a:ea typeface="DejaVu Sans"/>
               </a:rPr>
               <a:t>Использование схемных заготовок, отлаженных схемных решений</a:t>
             </a:r>
@@ -4168,7 +5839,10 @@
             </a:endParaRPr>
           </a:p>
           <a:p>
-            <a:pPr marL="216000" indent="-216000">
+            <a:pPr marL="216000" indent="-215280">
+              <a:lnSpc>
+                <a:spcPct val="100000"/>
+              </a:lnSpc>
               <a:buClr>
                 <a:srgbClr val="000000"/>
               </a:buClr>
@@ -4178,7 +5852,11 @@
             </a:pPr>
             <a:r>
               <a:rPr b="0" lang="ru-RU" sz="2800" spc="-1" strike="noStrike">
+                <a:solidFill>
+                  <a:srgbClr val="000000"/>
+                </a:solidFill>
                 <a:latin typeface="Arial"/>
+                <a:ea typeface="DejaVu Sans"/>
               </a:rPr>
               <a:t>Интерактивные схемы ускоряют навигацию</a:t>
             </a:r>
@@ -4187,7 +5865,10 @@
             </a:endParaRPr>
           </a:p>
           <a:p>
-            <a:pPr marL="216000" indent="-216000">
+            <a:pPr marL="216000" indent="-215280">
+              <a:lnSpc>
+                <a:spcPct val="100000"/>
+              </a:lnSpc>
               <a:buClr>
                 <a:srgbClr val="000000"/>
               </a:buClr>
@@ -4197,7 +5878,11 @@
             </a:pPr>
             <a:r>
               <a:rPr b="0" lang="ru-RU" sz="2800" spc="-1" strike="noStrike">
+                <a:solidFill>
+                  <a:srgbClr val="000000"/>
+                </a:solidFill>
                 <a:latin typeface="Arial"/>
+                <a:ea typeface="DejaVu Sans"/>
               </a:rPr>
               <a:t>Использование ООП в схемных решениях</a:t>
             </a:r>
@@ -4206,7 +5891,10 @@
             </a:endParaRPr>
           </a:p>
           <a:p>
-            <a:pPr marL="216000" indent="-216000">
+            <a:pPr marL="216000" indent="-215280">
+              <a:lnSpc>
+                <a:spcPct val="100000"/>
+              </a:lnSpc>
               <a:buClr>
                 <a:srgbClr val="000000"/>
               </a:buClr>
@@ -4216,7 +5904,11 @@
             </a:pPr>
             <a:r>
               <a:rPr b="0" lang="ru-RU" sz="2800" spc="-1" strike="noStrike">
+                <a:solidFill>
+                  <a:srgbClr val="000000"/>
+                </a:solidFill>
                 <a:latin typeface="Arial"/>
+                <a:ea typeface="DejaVu Sans"/>
               </a:rPr>
               <a:t>Использование мастеров при создании библиотек УГО и посадочных мест компонентов.</a:t>
             </a:r>
@@ -4236,33 +5928,6 @@
       <p:transition spd="slow"/>
     </mc:Fallback>
   </mc:AlternateContent>
-  <p:timing>
-    <p:tnLst>
-      <p:par>
-        <p:cTn id="5" dur="indefinite" restart="never" nodeType="tmRoot">
-          <p:childTnLst>
-            <p:seq>
-              <p:cTn id="6" dur="indefinite" nodeType="mainSeq"/>
-              <p:prevCondLst>
-                <p:cond delay="0" evt="onPrev">
-                  <p:tgtEl>
-                    <p:sldTgt/>
-                  </p:tgtEl>
-                </p:cond>
-              </p:prevCondLst>
-              <p:nextCondLst>
-                <p:cond delay="0" evt="onNext">
-                  <p:tgtEl>
-                    <p:sldTgt/>
-                  </p:tgtEl>
-                </p:cond>
-              </p:nextCondLst>
-            </p:seq>
-          </p:childTnLst>
-        </p:cTn>
-      </p:par>
-    </p:tnLst>
-  </p:timing>
 </p:sld>
 </file>
 
@@ -4285,14 +5950,14 @@
       </p:grpSpPr>
       <p:sp>
         <p:nvSpPr>
-          <p:cNvPr id="88" name="CustomShape 1"/>
+          <p:cNvPr id="126" name="CustomShape 1"/>
           <p:cNvSpPr/>
           <p:nvPr/>
         </p:nvSpPr>
         <p:spPr>
           <a:xfrm>
             <a:off x="431640" y="205920"/>
-            <a:ext cx="8279640" cy="564840"/>
+            <a:ext cx="8278920" cy="564120"/>
           </a:xfrm>
           <a:prstGeom prst="rect">
             <a:avLst/>
@@ -4309,7 +5974,9 @@
           <a:fontRef idx="minor"/>
         </p:style>
         <p:txBody>
-          <a:bodyPr lIns="0" rIns="0" tIns="0" bIns="0" anchor="ctr"/>
+          <a:bodyPr lIns="0" rIns="0" tIns="0" bIns="0" anchor="ctr">
+            <a:noAutofit/>
+          </a:bodyPr>
           <a:p>
             <a:pPr algn="r">
               <a:lnSpc>
@@ -4322,6 +5989,7 @@
                   <a:srgbClr val="000000"/>
                 </a:solidFill>
                 <a:latin typeface="Arial"/>
+                <a:ea typeface="DejaVu Sans"/>
               </a:rPr>
               <a:t>Разработка механической конструкции</a:t>
             </a:r>
@@ -4333,14 +6001,14 @@
       </p:sp>
       <p:sp>
         <p:nvSpPr>
-          <p:cNvPr id="89" name="TextShape 2"/>
-          <p:cNvSpPr txBox="1"/>
+          <p:cNvPr id="127" name="CustomShape 2"/>
+          <p:cNvSpPr/>
           <p:nvPr/>
         </p:nvSpPr>
         <p:spPr>
           <a:xfrm>
             <a:off x="431640" y="792000"/>
-            <a:ext cx="8229240" cy="3888000"/>
+            <a:ext cx="8228520" cy="3887280"/>
           </a:xfrm>
           <a:prstGeom prst="rect">
             <a:avLst/>
@@ -4350,11 +6018,126 @@
             <a:noFill/>
           </a:ln>
         </p:spPr>
-        <p:txBody>
-          <a:bodyPr lIns="0" rIns="0" tIns="0" bIns="0"/>
-          <a:p>
-            <a:pPr algn="ctr"/>
-            <a:endParaRPr b="0" lang="ru-RU" sz="3200" spc="-1" strike="noStrike">
+        <p:style>
+          <a:lnRef idx="0"/>
+          <a:fillRef idx="0"/>
+          <a:effectRef idx="0"/>
+          <a:fontRef idx="minor"/>
+        </p:style>
+      </p:sp>
+      <p:sp>
+        <p:nvSpPr>
+          <p:cNvPr id="128" name="CustomShape 3"/>
+          <p:cNvSpPr/>
+          <p:nvPr/>
+        </p:nvSpPr>
+        <p:spPr>
+          <a:xfrm>
+            <a:off x="457200" y="1203480"/>
+            <a:ext cx="8228880" cy="2982600"/>
+          </a:xfrm>
+          <a:prstGeom prst="rect">
+            <a:avLst/>
+          </a:prstGeom>
+          <a:noFill/>
+          <a:ln>
+            <a:noFill/>
+          </a:ln>
+        </p:spPr>
+        <p:style>
+          <a:lnRef idx="0"/>
+          <a:fillRef idx="0"/>
+          <a:effectRef idx="0"/>
+          <a:fontRef idx="minor"/>
+        </p:style>
+        <p:txBody>
+          <a:bodyPr lIns="0" rIns="0" tIns="0" bIns="0">
+            <a:normAutofit/>
+          </a:bodyPr>
+          <a:p>
+            <a:pPr marL="432000" indent="-323640">
+              <a:lnSpc>
+                <a:spcPct val="100000"/>
+              </a:lnSpc>
+              <a:spcBef>
+                <a:spcPts val="1417"/>
+              </a:spcBef>
+              <a:buClr>
+                <a:srgbClr val="000000"/>
+              </a:buClr>
+              <a:buSzPct val="45000"/>
+              <a:buFont typeface="Wingdings" charset="2"/>
+              <a:buChar char=""/>
+            </a:pPr>
+            <a:r>
+              <a:rPr b="0" lang="ru-RU" sz="2400" spc="-1" strike="noStrike">
+                <a:latin typeface="Arial"/>
+              </a:rPr>
+              <a:t> </a:t>
+            </a:r>
+            <a:r>
+              <a:rPr b="0" lang="ru-RU" sz="2400" spc="-1" strike="noStrike">
+                <a:latin typeface="Arial"/>
+              </a:rPr>
+              <a:t>Внешний дизайн прибора</a:t>
+            </a:r>
+            <a:endParaRPr b="0" lang="ru-RU" sz="2400" spc="-1" strike="noStrike">
+              <a:latin typeface="Arial"/>
+            </a:endParaRPr>
+          </a:p>
+          <a:p>
+            <a:pPr marL="432000" indent="-323640">
+              <a:lnSpc>
+                <a:spcPct val="100000"/>
+              </a:lnSpc>
+              <a:spcBef>
+                <a:spcPts val="1417"/>
+              </a:spcBef>
+              <a:buClr>
+                <a:srgbClr val="000000"/>
+              </a:buClr>
+              <a:buSzPct val="45000"/>
+              <a:buFont typeface="Wingdings" charset="2"/>
+              <a:buChar char=""/>
+            </a:pPr>
+            <a:r>
+              <a:rPr b="0" lang="ru-RU" sz="2400" spc="-1" strike="noStrike">
+                <a:latin typeface="Arial"/>
+              </a:rPr>
+              <a:t>Внутренняя конструкция (крепление платы, конструкция изоляции, цепи сопряжения, разъемы сопряжения с внешним дизайном)</a:t>
+            </a:r>
+            <a:endParaRPr b="0" lang="ru-RU" sz="2400" spc="-1" strike="noStrike">
+              <a:latin typeface="Arial"/>
+            </a:endParaRPr>
+          </a:p>
+          <a:p>
+            <a:pPr marL="432000" indent="-323640">
+              <a:lnSpc>
+                <a:spcPct val="100000"/>
+              </a:lnSpc>
+              <a:spcBef>
+                <a:spcPts val="1417"/>
+              </a:spcBef>
+              <a:buClr>
+                <a:srgbClr val="000000"/>
+              </a:buClr>
+              <a:buSzPct val="45000"/>
+              <a:buFont typeface="Wingdings" charset="2"/>
+              <a:buChar char=""/>
+            </a:pPr>
+            <a:r>
+              <a:rPr b="0" lang="ru-RU" sz="2400" spc="-1" strike="noStrike">
+                <a:latin typeface="Arial"/>
+              </a:rPr>
+              <a:t> </a:t>
+            </a:r>
+            <a:r>
+              <a:rPr b="0" lang="ru-RU" sz="2400" spc="-1" strike="noStrike">
+                <a:latin typeface="Arial"/>
+              </a:rPr>
+              <a:t>Внесение изменений для соответствия исполнению (климат, ЭМИ и прочее)</a:t>
+            </a:r>
+            <a:endParaRPr b="0" lang="ru-RU" sz="2400" spc="-1" strike="noStrike">
               <a:latin typeface="Arial"/>
             </a:endParaRPr>
           </a:p>
@@ -4370,33 +6153,6 @@
       <p:transition spd="slow"/>
     </mc:Fallback>
   </mc:AlternateContent>
-  <p:timing>
-    <p:tnLst>
-      <p:par>
-        <p:cTn id="7" dur="indefinite" restart="never" nodeType="tmRoot">
-          <p:childTnLst>
-            <p:seq>
-              <p:cTn id="8" dur="indefinite" nodeType="mainSeq"/>
-              <p:prevCondLst>
-                <p:cond delay="0" evt="onPrev">
-                  <p:tgtEl>
-                    <p:sldTgt/>
-                  </p:tgtEl>
-                </p:cond>
-              </p:prevCondLst>
-              <p:nextCondLst>
-                <p:cond delay="0" evt="onNext">
-                  <p:tgtEl>
-                    <p:sldTgt/>
-                  </p:tgtEl>
-                </p:cond>
-              </p:nextCondLst>
-            </p:seq>
-          </p:childTnLst>
-        </p:cTn>
-      </p:par>
-    </p:tnLst>
-  </p:timing>
 </p:sld>
 </file>
 
@@ -4419,14 +6175,350 @@
       </p:grpSpPr>
       <p:sp>
         <p:nvSpPr>
-          <p:cNvPr id="90" name="CustomShape 1"/>
+          <p:cNvPr id="129" name="TextShape 1"/>
+          <p:cNvSpPr txBox="1"/>
+          <p:nvPr/>
+        </p:nvSpPr>
+        <p:spPr>
+          <a:xfrm>
+            <a:off x="457200" y="9360"/>
+            <a:ext cx="8228880" cy="1249920"/>
+          </a:xfrm>
+          <a:prstGeom prst="rect">
+            <a:avLst/>
+          </a:prstGeom>
+          <a:noFill/>
+          <a:ln>
+            <a:noFill/>
+          </a:ln>
+        </p:spPr>
+        <p:txBody>
+          <a:bodyPr lIns="0" rIns="0" tIns="0" bIns="0" anchor="ctr">
+            <a:noAutofit/>
+          </a:bodyPr>
+          <a:p>
+            <a:pPr algn="r"/>
+            <a:r>
+              <a:rPr b="0" lang="ru-RU" sz="2000" spc="-1" strike="noStrike">
+                <a:latin typeface="Arial"/>
+              </a:rPr>
+              <a:t>Проектирование печатных плат прибора</a:t>
+            </a:r>
+            <a:endParaRPr b="0" lang="ru-RU" sz="2000" spc="-1" strike="noStrike">
+              <a:latin typeface="Arial"/>
+            </a:endParaRPr>
+          </a:p>
+        </p:txBody>
+      </p:sp>
+      <p:sp>
+        <p:nvSpPr>
+          <p:cNvPr id="130" name="TextShape 2"/>
+          <p:cNvSpPr txBox="1"/>
+          <p:nvPr/>
+        </p:nvSpPr>
+        <p:spPr>
+          <a:xfrm>
+            <a:off x="457200" y="1203480"/>
+            <a:ext cx="8228880" cy="2982600"/>
+          </a:xfrm>
+          <a:prstGeom prst="rect">
+            <a:avLst/>
+          </a:prstGeom>
+          <a:noFill/>
+          <a:ln>
+            <a:noFill/>
+          </a:ln>
+        </p:spPr>
+        <p:txBody>
+          <a:bodyPr lIns="0" rIns="0" tIns="0" bIns="0">
+            <a:noAutofit/>
+          </a:bodyPr>
+          <a:p>
+            <a:pPr marL="216000" indent="-216000">
+              <a:buClr>
+                <a:srgbClr val="000000"/>
+              </a:buClr>
+              <a:buSzPct val="45000"/>
+              <a:buFont typeface="Wingdings" charset="2"/>
+              <a:buChar char=""/>
+            </a:pPr>
+            <a:r>
+              <a:rPr b="0" lang="ru-RU" sz="3200" spc="-1" strike="noStrike">
+                <a:latin typeface="Arial"/>
+              </a:rPr>
+              <a:t>Расстановка привязанных компонентов</a:t>
+            </a:r>
+            <a:endParaRPr b="0" lang="ru-RU" sz="3200" spc="-1" strike="noStrike">
+              <a:latin typeface="Arial"/>
+            </a:endParaRPr>
+          </a:p>
+          <a:p>
+            <a:pPr marL="216000" indent="-216000">
+              <a:buClr>
+                <a:srgbClr val="000000"/>
+              </a:buClr>
+              <a:buSzPct val="45000"/>
+              <a:buFont typeface="Wingdings" charset="2"/>
+              <a:buChar char=""/>
+            </a:pPr>
+            <a:r>
+              <a:rPr b="0" lang="ru-RU" sz="3200" spc="-1" strike="noStrike">
+                <a:latin typeface="Arial"/>
+              </a:rPr>
+              <a:t>Проектирование трассировки и расположения компонентов</a:t>
+            </a:r>
+            <a:endParaRPr b="0" lang="ru-RU" sz="3200" spc="-1" strike="noStrike">
+              <a:latin typeface="Arial"/>
+            </a:endParaRPr>
+          </a:p>
+          <a:p>
+            <a:pPr marL="216000" indent="-216000">
+              <a:buClr>
+                <a:srgbClr val="000000"/>
+              </a:buClr>
+              <a:buSzPct val="45000"/>
+              <a:buFont typeface="Wingdings" charset="2"/>
+              <a:buChar char=""/>
+            </a:pPr>
+            <a:r>
+              <a:rPr b="0" lang="ru-RU" sz="3200" spc="-1" strike="noStrike">
+                <a:latin typeface="Arial"/>
+              </a:rPr>
+              <a:t>Редактирование шелкографии</a:t>
+            </a:r>
+            <a:endParaRPr b="0" lang="ru-RU" sz="3200" spc="-1" strike="noStrike">
+              <a:latin typeface="Arial"/>
+            </a:endParaRPr>
+          </a:p>
+          <a:p>
+            <a:pPr marL="216000" indent="-216000">
+              <a:buClr>
+                <a:srgbClr val="000000"/>
+              </a:buClr>
+              <a:buSzPct val="45000"/>
+              <a:buFont typeface="Wingdings" charset="2"/>
+              <a:buChar char=""/>
+            </a:pPr>
+            <a:r>
+              <a:rPr b="0" lang="ru-RU" sz="3200" spc="-1" strike="noStrike">
+                <a:latin typeface="Arial"/>
+              </a:rPr>
+              <a:t>Генерация выходных файлов</a:t>
+            </a:r>
+            <a:endParaRPr b="0" lang="ru-RU" sz="3200" spc="-1" strike="noStrike">
+              <a:latin typeface="Arial"/>
+            </a:endParaRPr>
+          </a:p>
+        </p:txBody>
+      </p:sp>
+    </p:spTree>
+  </p:cSld>
+  <mc:AlternateContent>
+    <mc:Choice Requires="p14">
+      <p:transition spd="slow" p14:dur="2000"/>
+    </mc:Choice>
+    <mc:Fallback>
+      <p:transition spd="slow"/>
+    </mc:Fallback>
+  </mc:AlternateContent>
+</p:sld>
+</file>
+
+<file path=ppt/slides/slide6.xml><?xml version="1.0" encoding="utf-8"?>
+<p:sld xmlns:a="http://schemas.openxmlformats.org/drawingml/2006/main" xmlns:p="http://schemas.openxmlformats.org/presentationml/2006/main" xmlns:r="http://schemas.openxmlformats.org/officeDocument/2006/relationships" xmlns:p14="http://schemas.microsoft.com/office/powerpoint/2010/main" xmlns:p15="http://schemas.microsoft.com/office/powerpoint/2012/main" xmlns:mc="http://schemas.openxmlformats.org/markup-compatibility/2006">
+  <p:cSld>
+    <p:spTree>
+      <p:nvGrpSpPr>
+        <p:cNvPr id="1" name=""/>
+        <p:cNvGrpSpPr/>
+        <p:nvPr/>
+      </p:nvGrpSpPr>
+      <p:grpSpPr>
+        <a:xfrm>
+          <a:off x="0" y="0"/>
+          <a:ext cx="0" cy="0"/>
+          <a:chOff x="0" y="0"/>
+          <a:chExt cx="0" cy="0"/>
+        </a:xfrm>
+      </p:grpSpPr>
+      <p:sp>
+        <p:nvSpPr>
+          <p:cNvPr id="131" name="TextShape 1"/>
+          <p:cNvSpPr txBox="1"/>
+          <p:nvPr/>
+        </p:nvSpPr>
+        <p:spPr>
+          <a:xfrm>
+            <a:off x="457200" y="9360"/>
+            <a:ext cx="8228880" cy="1249920"/>
+          </a:xfrm>
+          <a:prstGeom prst="rect">
+            <a:avLst/>
+          </a:prstGeom>
+          <a:noFill/>
+          <a:ln>
+            <a:noFill/>
+          </a:ln>
+        </p:spPr>
+        <p:txBody>
+          <a:bodyPr lIns="0" rIns="0" tIns="0" bIns="0" anchor="ctr">
+            <a:noAutofit/>
+          </a:bodyPr>
+          <a:p>
+            <a:pPr algn="r"/>
+            <a:r>
+              <a:rPr b="0" lang="ru-RU" sz="2000" spc="-1" strike="noStrike">
+                <a:latin typeface="Arial"/>
+              </a:rPr>
+              <a:t>Разработка встроенного ПО</a:t>
+            </a:r>
+            <a:endParaRPr b="0" lang="ru-RU" sz="2000" spc="-1" strike="noStrike">
+              <a:latin typeface="Arial"/>
+            </a:endParaRPr>
+          </a:p>
+        </p:txBody>
+      </p:sp>
+      <p:sp>
+        <p:nvSpPr>
+          <p:cNvPr id="132" name="TextShape 2"/>
+          <p:cNvSpPr txBox="1"/>
+          <p:nvPr/>
+        </p:nvSpPr>
+        <p:spPr>
+          <a:xfrm>
+            <a:off x="457200" y="1203480"/>
+            <a:ext cx="8228880" cy="2982600"/>
+          </a:xfrm>
+          <a:prstGeom prst="rect">
+            <a:avLst/>
+          </a:prstGeom>
+          <a:noFill/>
+          <a:ln>
+            <a:noFill/>
+          </a:ln>
+        </p:spPr>
+        <p:txBody>
+          <a:bodyPr lIns="0" rIns="0" tIns="0" bIns="0">
+            <a:noAutofit/>
+          </a:bodyPr>
+          <a:p>
+            <a:pPr marL="216000" indent="-216000">
+              <a:buClr>
+                <a:srgbClr val="000000"/>
+              </a:buClr>
+              <a:buSzPct val="45000"/>
+              <a:buFont typeface="Wingdings" charset="2"/>
+              <a:buChar char=""/>
+            </a:pPr>
+            <a:r>
+              <a:rPr b="0" lang="ru-RU" sz="3200" spc="-1" strike="noStrike">
+                <a:latin typeface="Arial"/>
+              </a:rPr>
+              <a:t>Программно-аппаратная прослойка абстракции от платформы</a:t>
+            </a:r>
+            <a:endParaRPr b="0" lang="ru-RU" sz="3200" spc="-1" strike="noStrike">
+              <a:latin typeface="Arial"/>
+            </a:endParaRPr>
+          </a:p>
+          <a:p>
+            <a:pPr marL="216000" indent="-216000">
+              <a:buClr>
+                <a:srgbClr val="000000"/>
+              </a:buClr>
+              <a:buSzPct val="45000"/>
+              <a:buFont typeface="Wingdings" charset="2"/>
+              <a:buChar char=""/>
+            </a:pPr>
+            <a:r>
+              <a:rPr b="0" lang="ru-RU" sz="3200" spc="-1" strike="noStrike">
+                <a:latin typeface="Arial"/>
+              </a:rPr>
+              <a:t>Алгоритм работы прибора</a:t>
+            </a:r>
+            <a:endParaRPr b="0" lang="ru-RU" sz="3200" spc="-1" strike="noStrike">
+              <a:latin typeface="Arial"/>
+            </a:endParaRPr>
+          </a:p>
+          <a:p>
+            <a:pPr marL="216000" indent="-216000">
+              <a:buClr>
+                <a:srgbClr val="000000"/>
+              </a:buClr>
+              <a:buSzPct val="45000"/>
+              <a:buFont typeface="Wingdings" charset="2"/>
+              <a:buChar char=""/>
+            </a:pPr>
+            <a:r>
+              <a:rPr b="0" lang="ru-RU" sz="3200" spc="-1" strike="noStrike">
+                <a:latin typeface="Arial"/>
+              </a:rPr>
+              <a:t>Настройка взаимодействия между задачами в приборе</a:t>
+            </a:r>
+            <a:endParaRPr b="0" lang="ru-RU" sz="3200" spc="-1" strike="noStrike">
+              <a:latin typeface="Arial"/>
+            </a:endParaRPr>
+          </a:p>
+          <a:p>
+            <a:pPr marL="216000" indent="-216000">
+              <a:buClr>
+                <a:srgbClr val="000000"/>
+              </a:buClr>
+              <a:buSzPct val="45000"/>
+              <a:buFont typeface="Wingdings" charset="2"/>
+              <a:buChar char=""/>
+            </a:pPr>
+            <a:r>
+              <a:rPr b="0" lang="ru-RU" sz="3200" spc="-1" strike="noStrike">
+                <a:latin typeface="Arial"/>
+              </a:rPr>
+              <a:t>Реализация алгоритмов работы прибора</a:t>
+            </a:r>
+            <a:endParaRPr b="0" lang="ru-RU" sz="3200" spc="-1" strike="noStrike">
+              <a:latin typeface="Arial"/>
+            </a:endParaRPr>
+          </a:p>
+        </p:txBody>
+      </p:sp>
+    </p:spTree>
+  </p:cSld>
+  <mc:AlternateContent>
+    <mc:Choice Requires="p14">
+      <p:transition spd="slow" p14:dur="2000"/>
+    </mc:Choice>
+    <mc:Fallback>
+      <p:transition spd="slow"/>
+    </mc:Fallback>
+  </mc:AlternateContent>
+</p:sld>
+</file>
+
+<file path=ppt/slides/slide7.xml><?xml version="1.0" encoding="utf-8"?>
+<p:sld xmlns:a="http://schemas.openxmlformats.org/drawingml/2006/main" xmlns:p="http://schemas.openxmlformats.org/presentationml/2006/main" xmlns:r="http://schemas.openxmlformats.org/officeDocument/2006/relationships" xmlns:p14="http://schemas.microsoft.com/office/powerpoint/2010/main" xmlns:p15="http://schemas.microsoft.com/office/powerpoint/2012/main" xmlns:mc="http://schemas.openxmlformats.org/markup-compatibility/2006">
+  <p:cSld>
+    <p:spTree>
+      <p:nvGrpSpPr>
+        <p:cNvPr id="1" name=""/>
+        <p:cNvGrpSpPr/>
+        <p:nvPr/>
+      </p:nvGrpSpPr>
+      <p:grpSpPr>
+        <a:xfrm>
+          <a:off x="0" y="0"/>
+          <a:ext cx="0" cy="0"/>
+          <a:chOff x="0" y="0"/>
+          <a:chExt cx="0" cy="0"/>
+        </a:xfrm>
+      </p:grpSpPr>
+      <p:sp>
+        <p:nvSpPr>
+          <p:cNvPr id="133" name="CustomShape 1"/>
           <p:cNvSpPr/>
           <p:nvPr/>
         </p:nvSpPr>
         <p:spPr>
           <a:xfrm>
             <a:off x="7164360" y="4767120"/>
-            <a:ext cx="1871640" cy="273240"/>
+            <a:ext cx="1870920" cy="272520"/>
           </a:xfrm>
           <a:prstGeom prst="rect">
             <a:avLst/>
@@ -4443,19 +6535,22 @@
           <a:fontRef idx="minor"/>
         </p:style>
         <p:txBody>
-          <a:bodyPr lIns="90000" rIns="90000" tIns="45000" bIns="45000" anchor="ctr"/>
+          <a:bodyPr lIns="90000" rIns="90000" tIns="45000" bIns="45000" anchor="ctr">
+            <a:noAutofit/>
+          </a:bodyPr>
           <a:p>
             <a:pPr algn="r">
               <a:lnSpc>
                 <a:spcPct val="100000"/>
               </a:lnSpc>
             </a:pPr>
-            <a:fld id="{CB6F0F46-6FA5-4152-9C53-25DBEC0A9E71}" type="slidenum">
+            <a:fld id="{D3AECD28-9E9C-4C60-9A1C-55D69BE65E6F}" type="slidenum">
               <a:rPr b="0" lang="ru-RU" sz="1200" spc="-1" strike="noStrike">
                 <a:solidFill>
                   <a:srgbClr val="ffffff"/>
                 </a:solidFill>
                 <a:latin typeface="Akrobat SemiBold"/>
+                <a:ea typeface="DejaVu Sans"/>
               </a:rPr>
               <a:t>&lt;номер&gt;</a:t>
             </a:fld>
@@ -4467,14 +6562,14 @@
       </p:sp>
       <p:sp>
         <p:nvSpPr>
-          <p:cNvPr id="91" name="CustomShape 2"/>
+          <p:cNvPr id="134" name="CustomShape 2"/>
           <p:cNvSpPr/>
           <p:nvPr/>
         </p:nvSpPr>
         <p:spPr>
           <a:xfrm>
             <a:off x="431640" y="915480"/>
-            <a:ext cx="8279640" cy="3743640"/>
+            <a:ext cx="8278920" cy="3742920"/>
           </a:xfrm>
           <a:prstGeom prst="rect">
             <a:avLst/>
@@ -4509,6 +6604,7 @@
                   <a:srgbClr val="002060"/>
                 </a:solidFill>
                 <a:latin typeface="Arial"/>
+                <a:ea typeface="DejaVu Sans"/>
               </a:rPr>
               <a:t>Спасибо</a:t>
             </a:r>
@@ -4531,6 +6627,7 @@
                   <a:srgbClr val="002060"/>
                 </a:solidFill>
                 <a:latin typeface="Arial"/>
+                <a:ea typeface="DejaVu Sans"/>
               </a:rPr>
               <a:t>за внимание!</a:t>
             </a:r>
@@ -4590,33 +6687,6 @@
       <p:transition spd="slow"/>
     </mc:Fallback>
   </mc:AlternateContent>
-  <p:timing>
-    <p:tnLst>
-      <p:par>
-        <p:cTn id="9" dur="indefinite" restart="never" nodeType="tmRoot">
-          <p:childTnLst>
-            <p:seq>
-              <p:cTn id="10" dur="indefinite" nodeType="mainSeq"/>
-              <p:prevCondLst>
-                <p:cond delay="0" evt="onPrev">
-                  <p:tgtEl>
-                    <p:sldTgt/>
-                  </p:tgtEl>
-                </p:cond>
-              </p:prevCondLst>
-              <p:nextCondLst>
-                <p:cond delay="0" evt="onNext">
-                  <p:tgtEl>
-                    <p:sldTgt/>
-                  </p:tgtEl>
-                </p:cond>
-              </p:nextCondLst>
-            </p:seq>
-          </p:childTnLst>
-        </p:cTn>
-      </p:par>
-    </p:tnLst>
-  </p:timing>
 </p:sld>
 </file>
 
@@ -4734,18 +6804,21 @@
             </a:schemeClr>
           </a:solidFill>
           <a:prstDash val="solid"/>
+          <a:miter/>
         </a:ln>
         <a:ln w="25400" cap="flat" cmpd="sng" algn="ctr">
           <a:solidFill>
             <a:schemeClr val="phClr"/>
           </a:solidFill>
           <a:prstDash val="solid"/>
+          <a:miter/>
         </a:ln>
         <a:ln w="38100" cap="flat" cmpd="sng" algn="ctr">
           <a:solidFill>
             <a:schemeClr val="phClr"/>
           </a:solidFill>
           <a:prstDash val="solid"/>
+          <a:miter/>
         </a:ln>
       </a:lnStyleLst>
       <a:effectStyleLst>
@@ -4957,18 +7030,21 @@
             </a:schemeClr>
           </a:solidFill>
           <a:prstDash val="solid"/>
+          <a:miter/>
         </a:ln>
         <a:ln w="25400" cap="flat" cmpd="sng" algn="ctr">
           <a:solidFill>
             <a:schemeClr val="phClr"/>
           </a:solidFill>
           <a:prstDash val="solid"/>
+          <a:miter/>
         </a:ln>
         <a:ln w="38100" cap="flat" cmpd="sng" algn="ctr">
           <a:solidFill>
             <a:schemeClr val="phClr"/>
           </a:solidFill>
           <a:prstDash val="solid"/>
+          <a:miter/>
         </a:ln>
       </a:lnStyleLst>
       <a:effectStyleLst>
@@ -5180,18 +7256,247 @@
             </a:schemeClr>
           </a:solidFill>
           <a:prstDash val="solid"/>
+          <a:miter/>
         </a:ln>
         <a:ln w="25400" cap="flat" cmpd="sng" algn="ctr">
           <a:solidFill>
             <a:schemeClr val="phClr"/>
           </a:solidFill>
           <a:prstDash val="solid"/>
+          <a:miter/>
         </a:ln>
         <a:ln w="38100" cap="flat" cmpd="sng" algn="ctr">
           <a:solidFill>
             <a:schemeClr val="phClr"/>
           </a:solidFill>
           <a:prstDash val="solid"/>
+          <a:miter/>
+        </a:ln>
+      </a:lnStyleLst>
+      <a:effectStyleLst>
+        <a:effectStyle>
+          <a:effectLst>
+            <a:outerShdw blurRad="40000" dist="20000" dir="5400000" rotWithShape="0">
+              <a:srgbClr val="000000">
+                <a:alpha val="38000"/>
+              </a:srgbClr>
+            </a:outerShdw>
+          </a:effectLst>
+        </a:effectStyle>
+        <a:effectStyle>
+          <a:effectLst>
+            <a:outerShdw blurRad="40000" dist="23000" dir="5400000" rotWithShape="0">
+              <a:srgbClr val="000000">
+                <a:alpha val="35000"/>
+              </a:srgbClr>
+            </a:outerShdw>
+          </a:effectLst>
+        </a:effectStyle>
+        <a:effectStyle>
+          <a:effectLst>
+            <a:outerShdw blurRad="40000" dist="23000" dir="5400000" rotWithShape="0">
+              <a:srgbClr val="000000">
+                <a:alpha val="35000"/>
+              </a:srgbClr>
+            </a:outerShdw>
+          </a:effectLst>
+          <a:scene3d>
+            <a:camera prst="orthographicFront">
+              <a:rot lat="0" lon="0" rev="0"/>
+            </a:camera>
+            <a:lightRig rig="threePt" dir="t">
+              <a:rot lat="0" lon="0" rev="1200000"/>
+            </a:lightRig>
+          </a:scene3d>
+          <a:sp3d>
+            <a:bevelT w="63500" h="25400"/>
+          </a:sp3d>
+        </a:effectStyle>
+      </a:effectStyleLst>
+      <a:bgFillStyleLst>
+        <a:solidFill>
+          <a:schemeClr val="phClr"/>
+        </a:solidFill>
+        <a:gradFill rotWithShape="1">
+          <a:gsLst>
+            <a:gs pos="0">
+              <a:schemeClr val="phClr">
+                <a:tint val="40000"/>
+                <a:satMod val="350000"/>
+              </a:schemeClr>
+            </a:gs>
+            <a:gs pos="40000">
+              <a:schemeClr val="phClr">
+                <a:tint val="45000"/>
+                <a:shade val="99000"/>
+                <a:satMod val="350000"/>
+              </a:schemeClr>
+            </a:gs>
+            <a:gs pos="100000">
+              <a:schemeClr val="phClr">
+                <a:shade val="20000"/>
+                <a:satMod val="255000"/>
+              </a:schemeClr>
+            </a:gs>
+          </a:gsLst>
+          <a:path path="circle">
+            <a:fillToRect l="50000" t="-80000" r="50000" b="180000"/>
+          </a:path>
+        </a:gradFill>
+        <a:gradFill rotWithShape="1">
+          <a:gsLst>
+            <a:gs pos="0">
+              <a:schemeClr val="phClr">
+                <a:tint val="80000"/>
+                <a:satMod val="300000"/>
+              </a:schemeClr>
+            </a:gs>
+            <a:gs pos="100000">
+              <a:schemeClr val="phClr">
+                <a:shade val="30000"/>
+                <a:satMod val="200000"/>
+              </a:schemeClr>
+            </a:gs>
+          </a:gsLst>
+          <a:path path="circle">
+            <a:fillToRect l="50000" t="50000" r="50000" b="50000"/>
+          </a:path>
+        </a:gradFill>
+      </a:bgFillStyleLst>
+    </a:fmtScheme>
+  </a:themeElements>
+</a:theme>
+</file>
+
+<file path=ppt/theme/theme4.xml><?xml version="1.0" encoding="utf-8"?>
+<a:theme xmlns:a="http://schemas.openxmlformats.org/drawingml/2006/main" name="Office Theme">
+  <a:themeElements>
+    <a:clrScheme name="Office">
+      <a:dk1>
+        <a:sysClr val="windowText" lastClr="000000"/>
+      </a:dk1>
+      <a:lt1>
+        <a:sysClr val="window" lastClr="FFFFFF"/>
+      </a:lt1>
+      <a:dk2>
+        <a:srgbClr val="2646a0"/>
+      </a:dk2>
+      <a:lt2>
+        <a:srgbClr val="83c7db"/>
+      </a:lt2>
+      <a:accent1>
+        <a:srgbClr val="2646a0"/>
+      </a:accent1>
+      <a:accent2>
+        <a:srgbClr val="0082be"/>
+      </a:accent2>
+      <a:accent3>
+        <a:srgbClr val="0096b0"/>
+      </a:accent3>
+      <a:accent4>
+        <a:srgbClr val="00acbe"/>
+      </a:accent4>
+      <a:accent5>
+        <a:srgbClr val="83c7db"/>
+      </a:accent5>
+      <a:accent6>
+        <a:srgbClr val="b7dde8"/>
+      </a:accent6>
+      <a:hlink>
+        <a:srgbClr val="2646a0"/>
+      </a:hlink>
+      <a:folHlink>
+        <a:srgbClr val="7030a0"/>
+      </a:folHlink>
+    </a:clrScheme>
+    <a:fontScheme name="Office">
+      <a:majorFont>
+        <a:latin typeface="Arial"/>
+        <a:ea typeface="DejaVu Sans"/>
+        <a:cs typeface="DejaVu Sans"/>
+      </a:majorFont>
+      <a:minorFont>
+        <a:latin typeface="Arial"/>
+        <a:ea typeface="DejaVu Sans"/>
+        <a:cs typeface="DejaVu Sans"/>
+      </a:minorFont>
+    </a:fontScheme>
+    <a:fmtScheme name="Office">
+      <a:fillStyleLst>
+        <a:solidFill>
+          <a:schemeClr val="phClr"/>
+        </a:solidFill>
+        <a:gradFill rotWithShape="1">
+          <a:gsLst>
+            <a:gs pos="0">
+              <a:schemeClr val="phClr">
+                <a:tint val="50000"/>
+                <a:satMod val="300000"/>
+              </a:schemeClr>
+            </a:gs>
+            <a:gs pos="35000">
+              <a:schemeClr val="phClr">
+                <a:tint val="37000"/>
+                <a:satMod val="300000"/>
+              </a:schemeClr>
+            </a:gs>
+            <a:gs pos="100000">
+              <a:schemeClr val="phClr">
+                <a:tint val="15000"/>
+                <a:satMod val="350000"/>
+              </a:schemeClr>
+            </a:gs>
+          </a:gsLst>
+          <a:lin ang="16200000" scaled="1"/>
+        </a:gradFill>
+        <a:gradFill rotWithShape="1">
+          <a:gsLst>
+            <a:gs pos="0">
+              <a:schemeClr val="phClr">
+                <a:shade val="51000"/>
+                <a:satMod val="130000"/>
+              </a:schemeClr>
+            </a:gs>
+            <a:gs pos="80000">
+              <a:schemeClr val="phClr">
+                <a:shade val="93000"/>
+                <a:satMod val="130000"/>
+              </a:schemeClr>
+            </a:gs>
+            <a:gs pos="100000">
+              <a:schemeClr val="phClr">
+                <a:shade val="94000"/>
+                <a:satMod val="135000"/>
+              </a:schemeClr>
+            </a:gs>
+          </a:gsLst>
+          <a:lin ang="16200000" scaled="0"/>
+        </a:gradFill>
+      </a:fillStyleLst>
+      <a:lnStyleLst>
+        <a:ln w="9525" cap="flat" cmpd="sng" algn="ctr">
+          <a:solidFill>
+            <a:schemeClr val="phClr">
+              <a:shade val="95000"/>
+              <a:satMod val="105000"/>
+            </a:schemeClr>
+          </a:solidFill>
+          <a:prstDash val="solid"/>
+          <a:miter/>
+        </a:ln>
+        <a:ln w="25400" cap="flat" cmpd="sng" algn="ctr">
+          <a:solidFill>
+            <a:schemeClr val="phClr"/>
+          </a:solidFill>
+          <a:prstDash val="solid"/>
+          <a:miter/>
+        </a:ln>
+        <a:ln w="38100" cap="flat" cmpd="sng" algn="ctr">
+          <a:solidFill>
+            <a:schemeClr val="phClr"/>
+          </a:solidFill>
+          <a:prstDash val="solid"/>
+          <a:miter/>
         </a:ln>
       </a:lnStyleLst>
       <a:effectStyleLst>

--- a/10.12.19.pptx
+++ b/10.12.19.pptx
@@ -5,18 +5,24 @@
     <p:sldMasterId id="2147483648" r:id="rId2"/>
     <p:sldMasterId id="2147483661" r:id="rId3"/>
     <p:sldMasterId id="2147483674" r:id="rId4"/>
+    <p:sldMasterId id="2147483687" r:id="rId5"/>
   </p:sldMasterIdLst>
   <p:notesMasterIdLst>
-    <p:notesMasterId r:id="rId5"/>
+    <p:notesMasterId r:id="rId6"/>
   </p:notesMasterIdLst>
   <p:sldIdLst>
-    <p:sldId id="256" r:id="rId6"/>
-    <p:sldId id="257" r:id="rId7"/>
-    <p:sldId id="258" r:id="rId8"/>
-    <p:sldId id="259" r:id="rId9"/>
-    <p:sldId id="260" r:id="rId10"/>
-    <p:sldId id="261" r:id="rId11"/>
-    <p:sldId id="262" r:id="rId12"/>
+    <p:sldId id="256" r:id="rId7"/>
+    <p:sldId id="257" r:id="rId8"/>
+    <p:sldId id="258" r:id="rId9"/>
+    <p:sldId id="259" r:id="rId10"/>
+    <p:sldId id="260" r:id="rId11"/>
+    <p:sldId id="261" r:id="rId12"/>
+    <p:sldId id="262" r:id="rId13"/>
+    <p:sldId id="263" r:id="rId14"/>
+    <p:sldId id="264" r:id="rId15"/>
+    <p:sldId id="265" r:id="rId16"/>
+    <p:sldId id="266" r:id="rId17"/>
+    <p:sldId id="267" r:id="rId18"/>
   </p:sldIdLst>
   <p:sldSz cx="9144000" cy="5143500"/>
   <p:notesSz cx="6858000" cy="9144000"/>
@@ -42,7 +48,7 @@
       </p:grpSpPr>
       <p:sp>
         <p:nvSpPr>
-          <p:cNvPr id="114" name="PlaceHolder 1"/>
+          <p:cNvPr id="152" name="PlaceHolder 1"/>
           <p:cNvSpPr>
             <a:spLocks noGrp="1"/>
           </p:cNvSpPr>
@@ -79,7 +85,7 @@
       </p:sp>
       <p:sp>
         <p:nvSpPr>
-          <p:cNvPr id="115" name="PlaceHolder 2"/>
+          <p:cNvPr id="153" name="PlaceHolder 2"/>
           <p:cNvSpPr>
             <a:spLocks noGrp="1"/>
           </p:cNvSpPr>
@@ -115,7 +121,7 @@
       </p:sp>
       <p:sp>
         <p:nvSpPr>
-          <p:cNvPr id="116" name="PlaceHolder 3"/>
+          <p:cNvPr id="154" name="PlaceHolder 3"/>
           <p:cNvSpPr>
             <a:spLocks noGrp="1"/>
           </p:cNvSpPr>
@@ -151,7 +157,7 @@
       </p:sp>
       <p:sp>
         <p:nvSpPr>
-          <p:cNvPr id="117" name="PlaceHolder 4"/>
+          <p:cNvPr id="155" name="PlaceHolder 4"/>
           <p:cNvSpPr>
             <a:spLocks noGrp="1"/>
           </p:cNvSpPr>
@@ -188,7 +194,7 @@
       </p:sp>
       <p:sp>
         <p:nvSpPr>
-          <p:cNvPr id="118" name="PlaceHolder 5"/>
+          <p:cNvPr id="156" name="PlaceHolder 5"/>
           <p:cNvSpPr>
             <a:spLocks noGrp="1"/>
           </p:cNvSpPr>
@@ -224,7 +230,7 @@
       </p:sp>
       <p:sp>
         <p:nvSpPr>
-          <p:cNvPr id="119" name="PlaceHolder 6"/>
+          <p:cNvPr id="157" name="PlaceHolder 6"/>
           <p:cNvSpPr>
             <a:spLocks noGrp="1"/>
           </p:cNvSpPr>
@@ -247,7 +253,7 @@
           </a:bodyPr>
           <a:p>
             <a:pPr algn="r"/>
-            <a:fld id="{D4C11B92-778A-4988-9C74-58B745BAD8A3}" type="slidenum">
+            <a:fld id="{E7ACF5A4-6A9A-47B6-BD94-93A20B02F26D}" type="slidenum">
               <a:rPr b="0" lang="ru-RU" sz="1400" spc="-1" strike="noStrike">
                 <a:latin typeface="Times New Roman"/>
               </a:rPr>
@@ -284,7 +290,7 @@
       </p:grpSpPr>
       <p:sp>
         <p:nvSpPr>
-          <p:cNvPr id="135" name="PlaceHolder 1"/>
+          <p:cNvPr id="179" name="PlaceHolder 1"/>
           <p:cNvSpPr>
             <a:spLocks noGrp="1"/>
           </p:cNvSpPr>
@@ -295,16 +301,16 @@
         <p:spPr>
           <a:xfrm>
             <a:off x="380880" y="685800"/>
-            <a:ext cx="6094440" cy="3427560"/>
-          </a:xfrm>
-          <a:prstGeom prst="rect">
-            <a:avLst/>
-          </a:prstGeom>
-        </p:spPr>
-      </p:sp>
-      <p:sp>
-        <p:nvSpPr>
-          <p:cNvPr id="136" name="PlaceHolder 2"/>
+            <a:ext cx="6093720" cy="3426840"/>
+          </a:xfrm>
+          <a:prstGeom prst="rect">
+            <a:avLst/>
+          </a:prstGeom>
+        </p:spPr>
+      </p:sp>
+      <p:sp>
+        <p:nvSpPr>
+          <p:cNvPr id="180" name="PlaceHolder 2"/>
           <p:cNvSpPr>
             <a:spLocks noGrp="1"/>
           </p:cNvSpPr>
@@ -315,7 +321,7 @@
         <p:spPr>
           <a:xfrm>
             <a:off x="685800" y="4343400"/>
-            <a:ext cx="5484960" cy="4113360"/>
+            <a:ext cx="5484240" cy="4112640"/>
           </a:xfrm>
           <a:prstGeom prst="rect">
             <a:avLst/>
@@ -334,14 +340,14 @@
       </p:sp>
       <p:sp>
         <p:nvSpPr>
-          <p:cNvPr id="137" name="CustomShape 3"/>
+          <p:cNvPr id="181" name="CustomShape 3"/>
           <p:cNvSpPr/>
           <p:nvPr/>
         </p:nvSpPr>
         <p:spPr>
           <a:xfrm>
             <a:off x="3884760" y="8685360"/>
-            <a:ext cx="2970360" cy="455760"/>
+            <a:ext cx="2969640" cy="455040"/>
           </a:xfrm>
           <a:prstGeom prst="rect">
             <a:avLst/>
@@ -367,7 +373,7 @@
                 <a:spcPct val="100000"/>
               </a:lnSpc>
             </a:pPr>
-            <a:fld id="{0A74F94D-50EA-407E-B132-0A8DEA9B0106}" type="slidenum">
+            <a:fld id="{889B1673-AE97-4948-88BF-751BD7F9B500}" type="slidenum">
               <a:rPr b="0" lang="ru-RU" sz="1200" spc="-1" strike="noStrike">
                 <a:solidFill>
                   <a:srgbClr val="000000"/>
@@ -3808,6 +3814,195 @@
 </p:sldLayout>
 </file>
 
+<file path=ppt/slideLayouts/slideLayout37.xml><?xml version="1.0" encoding="utf-8"?>
+<p:sldLayout xmlns:a="http://schemas.openxmlformats.org/drawingml/2006/main" xmlns:p="http://schemas.openxmlformats.org/presentationml/2006/main" xmlns:r="http://schemas.openxmlformats.org/officeDocument/2006/relationships" xmlns:p14="http://schemas.microsoft.com/office/powerpoint/2010/main" xmlns:p15="http://schemas.microsoft.com/office/powerpoint/2012/main" xmlns:mc="http://schemas.openxmlformats.org/markup-compatibility/2006" type="blank" preserve="1">
+  <p:cSld name="Blank Slide">
+    <p:spTree>
+      <p:nvGrpSpPr>
+        <p:cNvPr id="1" name=""/>
+        <p:cNvGrpSpPr/>
+        <p:nvPr/>
+      </p:nvGrpSpPr>
+      <p:grpSpPr>
+        <a:xfrm>
+          <a:off x="0" y="0"/>
+          <a:ext cx="0" cy="0"/>
+          <a:chOff x="0" y="0"/>
+          <a:chExt cx="0" cy="0"/>
+        </a:xfrm>
+      </p:grpSpPr>
+    </p:spTree>
+  </p:cSld>
+</p:sldLayout>
+</file>
+
+<file path=ppt/slideLayouts/slideLayout38.xml><?xml version="1.0" encoding="utf-8"?>
+<p:sldLayout xmlns:a="http://schemas.openxmlformats.org/drawingml/2006/main" xmlns:p="http://schemas.openxmlformats.org/presentationml/2006/main" xmlns:r="http://schemas.openxmlformats.org/officeDocument/2006/relationships" xmlns:p14="http://schemas.microsoft.com/office/powerpoint/2010/main" xmlns:p15="http://schemas.microsoft.com/office/powerpoint/2012/main" xmlns:mc="http://schemas.openxmlformats.org/markup-compatibility/2006" type="tx" preserve="1">
+  <p:cSld name="Title Slide">
+    <p:spTree>
+      <p:nvGrpSpPr>
+        <p:cNvPr id="1" name=""/>
+        <p:cNvGrpSpPr/>
+        <p:nvPr/>
+      </p:nvGrpSpPr>
+      <p:grpSpPr>
+        <a:xfrm>
+          <a:off x="0" y="0"/>
+          <a:ext cx="0" cy="0"/>
+          <a:chOff x="0" y="0"/>
+          <a:chExt cx="0" cy="0"/>
+        </a:xfrm>
+      </p:grpSpPr>
+      <p:sp>
+        <p:nvSpPr>
+          <p:cNvPr id="116" name="PlaceHolder 1"/>
+          <p:cNvSpPr>
+            <a:spLocks noGrp="1"/>
+          </p:cNvSpPr>
+          <p:nvPr>
+            <p:ph type="title"/>
+          </p:nvPr>
+        </p:nvSpPr>
+        <p:spPr>
+          <a:xfrm>
+            <a:off x="457200" y="9360"/>
+            <a:ext cx="8229240" cy="1250280"/>
+          </a:xfrm>
+          <a:prstGeom prst="rect">
+            <a:avLst/>
+          </a:prstGeom>
+        </p:spPr>
+        <p:txBody>
+          <a:bodyPr lIns="0" rIns="0" tIns="0" bIns="0" anchor="ctr">
+            <a:noAutofit/>
+          </a:bodyPr>
+          <a:p>
+            <a:pPr algn="ctr"/>
+            <a:endParaRPr b="0" lang="ru-RU" sz="4400" spc="-1" strike="noStrike">
+              <a:latin typeface="Arial"/>
+            </a:endParaRPr>
+          </a:p>
+        </p:txBody>
+      </p:sp>
+      <p:sp>
+        <p:nvSpPr>
+          <p:cNvPr id="117" name="PlaceHolder 2"/>
+          <p:cNvSpPr>
+            <a:spLocks noGrp="1"/>
+          </p:cNvSpPr>
+          <p:nvPr>
+            <p:ph type="subTitle"/>
+          </p:nvPr>
+        </p:nvSpPr>
+        <p:spPr>
+          <a:xfrm>
+            <a:off x="457200" y="1203480"/>
+            <a:ext cx="8229240" cy="2982960"/>
+          </a:xfrm>
+          <a:prstGeom prst="rect">
+            <a:avLst/>
+          </a:prstGeom>
+        </p:spPr>
+        <p:txBody>
+          <a:bodyPr lIns="0" rIns="0" tIns="0" bIns="0" anchor="ctr">
+            <a:noAutofit/>
+          </a:bodyPr>
+          <a:p>
+            <a:pPr algn="ctr"/>
+            <a:endParaRPr b="0" lang="ru-RU" sz="3200" spc="-1" strike="noStrike">
+              <a:latin typeface="Arial"/>
+            </a:endParaRPr>
+          </a:p>
+        </p:txBody>
+      </p:sp>
+    </p:spTree>
+  </p:cSld>
+</p:sldLayout>
+</file>
+
+<file path=ppt/slideLayouts/slideLayout39.xml><?xml version="1.0" encoding="utf-8"?>
+<p:sldLayout xmlns:a="http://schemas.openxmlformats.org/drawingml/2006/main" xmlns:p="http://schemas.openxmlformats.org/presentationml/2006/main" xmlns:r="http://schemas.openxmlformats.org/officeDocument/2006/relationships" xmlns:p14="http://schemas.microsoft.com/office/powerpoint/2010/main" xmlns:p15="http://schemas.microsoft.com/office/powerpoint/2012/main" xmlns:mc="http://schemas.openxmlformats.org/markup-compatibility/2006" type="obj" preserve="1">
+  <p:cSld name="Title, Content">
+    <p:spTree>
+      <p:nvGrpSpPr>
+        <p:cNvPr id="1" name=""/>
+        <p:cNvGrpSpPr/>
+        <p:nvPr/>
+      </p:nvGrpSpPr>
+      <p:grpSpPr>
+        <a:xfrm>
+          <a:off x="0" y="0"/>
+          <a:ext cx="0" cy="0"/>
+          <a:chOff x="0" y="0"/>
+          <a:chExt cx="0" cy="0"/>
+        </a:xfrm>
+      </p:grpSpPr>
+      <p:sp>
+        <p:nvSpPr>
+          <p:cNvPr id="118" name="PlaceHolder 1"/>
+          <p:cNvSpPr>
+            <a:spLocks noGrp="1"/>
+          </p:cNvSpPr>
+          <p:nvPr>
+            <p:ph type="title"/>
+          </p:nvPr>
+        </p:nvSpPr>
+        <p:spPr>
+          <a:xfrm>
+            <a:off x="457200" y="9360"/>
+            <a:ext cx="8229240" cy="1250280"/>
+          </a:xfrm>
+          <a:prstGeom prst="rect">
+            <a:avLst/>
+          </a:prstGeom>
+        </p:spPr>
+        <p:txBody>
+          <a:bodyPr lIns="0" rIns="0" tIns="0" bIns="0" anchor="ctr">
+            <a:noAutofit/>
+          </a:bodyPr>
+          <a:p>
+            <a:pPr algn="ctr"/>
+            <a:endParaRPr b="0" lang="ru-RU" sz="4400" spc="-1" strike="noStrike">
+              <a:latin typeface="Arial"/>
+            </a:endParaRPr>
+          </a:p>
+        </p:txBody>
+      </p:sp>
+      <p:sp>
+        <p:nvSpPr>
+          <p:cNvPr id="119" name="PlaceHolder 2"/>
+          <p:cNvSpPr>
+            <a:spLocks noGrp="1"/>
+          </p:cNvSpPr>
+          <p:nvPr>
+            <p:ph type="body"/>
+          </p:nvPr>
+        </p:nvSpPr>
+        <p:spPr>
+          <a:xfrm>
+            <a:off x="457200" y="1203480"/>
+            <a:ext cx="8229240" cy="2982960"/>
+          </a:xfrm>
+          <a:prstGeom prst="rect">
+            <a:avLst/>
+          </a:prstGeom>
+        </p:spPr>
+        <p:txBody>
+          <a:bodyPr lIns="0" rIns="0" tIns="0" bIns="0">
+            <a:normAutofit/>
+          </a:bodyPr>
+          <a:p>
+            <a:endParaRPr b="0" lang="ru-RU" sz="3200" spc="-1" strike="noStrike">
+              <a:latin typeface="Arial"/>
+            </a:endParaRPr>
+          </a:p>
+        </p:txBody>
+      </p:sp>
+    </p:spTree>
+  </p:cSld>
+</p:sldLayout>
+</file>
+
 <file path=ppt/slideLayouts/slideLayout4.xml><?xml version="1.0" encoding="utf-8"?>
 <p:sldLayout xmlns:a="http://schemas.openxmlformats.org/drawingml/2006/main" xmlns:p="http://schemas.openxmlformats.org/presentationml/2006/main" xmlns:r="http://schemas.openxmlformats.org/officeDocument/2006/relationships" xmlns:p14="http://schemas.microsoft.com/office/powerpoint/2010/main" xmlns:p15="http://schemas.microsoft.com/office/powerpoint/2012/main" xmlns:mc="http://schemas.openxmlformats.org/markup-compatibility/2006" type="twoObj" preserve="1">
   <p:cSld name="Title, 2 Content">
@@ -3908,6 +4103,1173 @@
         <p:txBody>
           <a:bodyPr lIns="0" rIns="0" tIns="0" bIns="0">
             <a:normAutofit/>
+          </a:bodyPr>
+          <a:p>
+            <a:endParaRPr b="0" lang="ru-RU" sz="3200" spc="-1" strike="noStrike">
+              <a:latin typeface="Arial"/>
+            </a:endParaRPr>
+          </a:p>
+        </p:txBody>
+      </p:sp>
+    </p:spTree>
+  </p:cSld>
+</p:sldLayout>
+</file>
+
+<file path=ppt/slideLayouts/slideLayout40.xml><?xml version="1.0" encoding="utf-8"?>
+<p:sldLayout xmlns:a="http://schemas.openxmlformats.org/drawingml/2006/main" xmlns:p="http://schemas.openxmlformats.org/presentationml/2006/main" xmlns:r="http://schemas.openxmlformats.org/officeDocument/2006/relationships" xmlns:p14="http://schemas.microsoft.com/office/powerpoint/2010/main" xmlns:p15="http://schemas.microsoft.com/office/powerpoint/2012/main" xmlns:mc="http://schemas.openxmlformats.org/markup-compatibility/2006" type="twoObj" preserve="1">
+  <p:cSld name="Title, 2 Content">
+    <p:spTree>
+      <p:nvGrpSpPr>
+        <p:cNvPr id="1" name=""/>
+        <p:cNvGrpSpPr/>
+        <p:nvPr/>
+      </p:nvGrpSpPr>
+      <p:grpSpPr>
+        <a:xfrm>
+          <a:off x="0" y="0"/>
+          <a:ext cx="0" cy="0"/>
+          <a:chOff x="0" y="0"/>
+          <a:chExt cx="0" cy="0"/>
+        </a:xfrm>
+      </p:grpSpPr>
+      <p:sp>
+        <p:nvSpPr>
+          <p:cNvPr id="120" name="PlaceHolder 1"/>
+          <p:cNvSpPr>
+            <a:spLocks noGrp="1"/>
+          </p:cNvSpPr>
+          <p:nvPr>
+            <p:ph type="title"/>
+          </p:nvPr>
+        </p:nvSpPr>
+        <p:spPr>
+          <a:xfrm>
+            <a:off x="457200" y="9360"/>
+            <a:ext cx="8229240" cy="1250280"/>
+          </a:xfrm>
+          <a:prstGeom prst="rect">
+            <a:avLst/>
+          </a:prstGeom>
+        </p:spPr>
+        <p:txBody>
+          <a:bodyPr lIns="0" rIns="0" tIns="0" bIns="0" anchor="ctr">
+            <a:noAutofit/>
+          </a:bodyPr>
+          <a:p>
+            <a:pPr algn="ctr"/>
+            <a:endParaRPr b="0" lang="ru-RU" sz="4400" spc="-1" strike="noStrike">
+              <a:latin typeface="Arial"/>
+            </a:endParaRPr>
+          </a:p>
+        </p:txBody>
+      </p:sp>
+      <p:sp>
+        <p:nvSpPr>
+          <p:cNvPr id="121" name="PlaceHolder 2"/>
+          <p:cNvSpPr>
+            <a:spLocks noGrp="1"/>
+          </p:cNvSpPr>
+          <p:nvPr>
+            <p:ph type="body"/>
+          </p:nvPr>
+        </p:nvSpPr>
+        <p:spPr>
+          <a:xfrm>
+            <a:off x="457200" y="1203480"/>
+            <a:ext cx="4015800" cy="2982960"/>
+          </a:xfrm>
+          <a:prstGeom prst="rect">
+            <a:avLst/>
+          </a:prstGeom>
+        </p:spPr>
+        <p:txBody>
+          <a:bodyPr lIns="0" rIns="0" tIns="0" bIns="0">
+            <a:normAutofit/>
+          </a:bodyPr>
+          <a:p>
+            <a:endParaRPr b="0" lang="ru-RU" sz="3200" spc="-1" strike="noStrike">
+              <a:latin typeface="Arial"/>
+            </a:endParaRPr>
+          </a:p>
+        </p:txBody>
+      </p:sp>
+      <p:sp>
+        <p:nvSpPr>
+          <p:cNvPr id="122" name="PlaceHolder 3"/>
+          <p:cNvSpPr>
+            <a:spLocks noGrp="1"/>
+          </p:cNvSpPr>
+          <p:nvPr>
+            <p:ph type="body"/>
+          </p:nvPr>
+        </p:nvSpPr>
+        <p:spPr>
+          <a:xfrm>
+            <a:off x="4674240" y="1203480"/>
+            <a:ext cx="4015800" cy="2982960"/>
+          </a:xfrm>
+          <a:prstGeom prst="rect">
+            <a:avLst/>
+          </a:prstGeom>
+        </p:spPr>
+        <p:txBody>
+          <a:bodyPr lIns="0" rIns="0" tIns="0" bIns="0">
+            <a:normAutofit/>
+          </a:bodyPr>
+          <a:p>
+            <a:endParaRPr b="0" lang="ru-RU" sz="3200" spc="-1" strike="noStrike">
+              <a:latin typeface="Arial"/>
+            </a:endParaRPr>
+          </a:p>
+        </p:txBody>
+      </p:sp>
+    </p:spTree>
+  </p:cSld>
+</p:sldLayout>
+</file>
+
+<file path=ppt/slideLayouts/slideLayout41.xml><?xml version="1.0" encoding="utf-8"?>
+<p:sldLayout xmlns:a="http://schemas.openxmlformats.org/drawingml/2006/main" xmlns:p="http://schemas.openxmlformats.org/presentationml/2006/main" xmlns:r="http://schemas.openxmlformats.org/officeDocument/2006/relationships" xmlns:p14="http://schemas.microsoft.com/office/powerpoint/2010/main" xmlns:p15="http://schemas.microsoft.com/office/powerpoint/2012/main" xmlns:mc="http://schemas.openxmlformats.org/markup-compatibility/2006" type="titleOnly" preserve="1">
+  <p:cSld name="Title Only">
+    <p:spTree>
+      <p:nvGrpSpPr>
+        <p:cNvPr id="1" name=""/>
+        <p:cNvGrpSpPr/>
+        <p:nvPr/>
+      </p:nvGrpSpPr>
+      <p:grpSpPr>
+        <a:xfrm>
+          <a:off x="0" y="0"/>
+          <a:ext cx="0" cy="0"/>
+          <a:chOff x="0" y="0"/>
+          <a:chExt cx="0" cy="0"/>
+        </a:xfrm>
+      </p:grpSpPr>
+      <p:sp>
+        <p:nvSpPr>
+          <p:cNvPr id="123" name="PlaceHolder 1"/>
+          <p:cNvSpPr>
+            <a:spLocks noGrp="1"/>
+          </p:cNvSpPr>
+          <p:nvPr>
+            <p:ph type="title"/>
+          </p:nvPr>
+        </p:nvSpPr>
+        <p:spPr>
+          <a:xfrm>
+            <a:off x="457200" y="9360"/>
+            <a:ext cx="8229240" cy="1250280"/>
+          </a:xfrm>
+          <a:prstGeom prst="rect">
+            <a:avLst/>
+          </a:prstGeom>
+        </p:spPr>
+        <p:txBody>
+          <a:bodyPr lIns="0" rIns="0" tIns="0" bIns="0" anchor="ctr">
+            <a:noAutofit/>
+          </a:bodyPr>
+          <a:p>
+            <a:pPr algn="ctr"/>
+            <a:endParaRPr b="0" lang="ru-RU" sz="4400" spc="-1" strike="noStrike">
+              <a:latin typeface="Arial"/>
+            </a:endParaRPr>
+          </a:p>
+        </p:txBody>
+      </p:sp>
+    </p:spTree>
+  </p:cSld>
+</p:sldLayout>
+</file>
+
+<file path=ppt/slideLayouts/slideLayout42.xml><?xml version="1.0" encoding="utf-8"?>
+<p:sldLayout xmlns:a="http://schemas.openxmlformats.org/drawingml/2006/main" xmlns:p="http://schemas.openxmlformats.org/presentationml/2006/main" xmlns:r="http://schemas.openxmlformats.org/officeDocument/2006/relationships" xmlns:p14="http://schemas.microsoft.com/office/powerpoint/2010/main" xmlns:p15="http://schemas.microsoft.com/office/powerpoint/2012/main" xmlns:mc="http://schemas.openxmlformats.org/markup-compatibility/2006" type="objOnly" preserve="1">
+  <p:cSld name="Centered Text">
+    <p:spTree>
+      <p:nvGrpSpPr>
+        <p:cNvPr id="1" name=""/>
+        <p:cNvGrpSpPr/>
+        <p:nvPr/>
+      </p:nvGrpSpPr>
+      <p:grpSpPr>
+        <a:xfrm>
+          <a:off x="0" y="0"/>
+          <a:ext cx="0" cy="0"/>
+          <a:chOff x="0" y="0"/>
+          <a:chExt cx="0" cy="0"/>
+        </a:xfrm>
+      </p:grpSpPr>
+      <p:sp>
+        <p:nvSpPr>
+          <p:cNvPr id="124" name="PlaceHolder 1"/>
+          <p:cNvSpPr>
+            <a:spLocks noGrp="1"/>
+          </p:cNvSpPr>
+          <p:nvPr>
+            <p:ph type="subTitle"/>
+          </p:nvPr>
+        </p:nvSpPr>
+        <p:spPr>
+          <a:xfrm>
+            <a:off x="457200" y="205200"/>
+            <a:ext cx="8229240" cy="3981240"/>
+          </a:xfrm>
+          <a:prstGeom prst="rect">
+            <a:avLst/>
+          </a:prstGeom>
+        </p:spPr>
+        <p:txBody>
+          <a:bodyPr lIns="0" rIns="0" tIns="0" bIns="0" anchor="ctr">
+            <a:noAutofit/>
+          </a:bodyPr>
+          <a:p>
+            <a:pPr algn="ctr"/>
+            <a:endParaRPr b="0" lang="ru-RU" sz="3200" spc="-1" strike="noStrike">
+              <a:latin typeface="Arial"/>
+            </a:endParaRPr>
+          </a:p>
+        </p:txBody>
+      </p:sp>
+    </p:spTree>
+  </p:cSld>
+</p:sldLayout>
+</file>
+
+<file path=ppt/slideLayouts/slideLayout43.xml><?xml version="1.0" encoding="utf-8"?>
+<p:sldLayout xmlns:a="http://schemas.openxmlformats.org/drawingml/2006/main" xmlns:p="http://schemas.openxmlformats.org/presentationml/2006/main" xmlns:r="http://schemas.openxmlformats.org/officeDocument/2006/relationships" xmlns:p14="http://schemas.microsoft.com/office/powerpoint/2010/main" xmlns:p15="http://schemas.microsoft.com/office/powerpoint/2012/main" xmlns:mc="http://schemas.openxmlformats.org/markup-compatibility/2006" type="twoObjAndObj" preserve="1">
+  <p:cSld name="Title, 2 Content and Content">
+    <p:spTree>
+      <p:nvGrpSpPr>
+        <p:cNvPr id="1" name=""/>
+        <p:cNvGrpSpPr/>
+        <p:nvPr/>
+      </p:nvGrpSpPr>
+      <p:grpSpPr>
+        <a:xfrm>
+          <a:off x="0" y="0"/>
+          <a:ext cx="0" cy="0"/>
+          <a:chOff x="0" y="0"/>
+          <a:chExt cx="0" cy="0"/>
+        </a:xfrm>
+      </p:grpSpPr>
+      <p:sp>
+        <p:nvSpPr>
+          <p:cNvPr id="125" name="PlaceHolder 1"/>
+          <p:cNvSpPr>
+            <a:spLocks noGrp="1"/>
+          </p:cNvSpPr>
+          <p:nvPr>
+            <p:ph type="title"/>
+          </p:nvPr>
+        </p:nvSpPr>
+        <p:spPr>
+          <a:xfrm>
+            <a:off x="457200" y="9360"/>
+            <a:ext cx="8229240" cy="1250280"/>
+          </a:xfrm>
+          <a:prstGeom prst="rect">
+            <a:avLst/>
+          </a:prstGeom>
+        </p:spPr>
+        <p:txBody>
+          <a:bodyPr lIns="0" rIns="0" tIns="0" bIns="0" anchor="ctr">
+            <a:noAutofit/>
+          </a:bodyPr>
+          <a:p>
+            <a:pPr algn="ctr"/>
+            <a:endParaRPr b="0" lang="ru-RU" sz="4400" spc="-1" strike="noStrike">
+              <a:latin typeface="Arial"/>
+            </a:endParaRPr>
+          </a:p>
+        </p:txBody>
+      </p:sp>
+      <p:sp>
+        <p:nvSpPr>
+          <p:cNvPr id="126" name="PlaceHolder 2"/>
+          <p:cNvSpPr>
+            <a:spLocks noGrp="1"/>
+          </p:cNvSpPr>
+          <p:nvPr>
+            <p:ph type="body"/>
+          </p:nvPr>
+        </p:nvSpPr>
+        <p:spPr>
+          <a:xfrm>
+            <a:off x="457200" y="1203480"/>
+            <a:ext cx="4015800" cy="1422720"/>
+          </a:xfrm>
+          <a:prstGeom prst="rect">
+            <a:avLst/>
+          </a:prstGeom>
+        </p:spPr>
+        <p:txBody>
+          <a:bodyPr lIns="0" rIns="0" tIns="0" bIns="0">
+            <a:normAutofit/>
+          </a:bodyPr>
+          <a:p>
+            <a:endParaRPr b="0" lang="ru-RU" sz="3200" spc="-1" strike="noStrike">
+              <a:latin typeface="Arial"/>
+            </a:endParaRPr>
+          </a:p>
+        </p:txBody>
+      </p:sp>
+      <p:sp>
+        <p:nvSpPr>
+          <p:cNvPr id="127" name="PlaceHolder 3"/>
+          <p:cNvSpPr>
+            <a:spLocks noGrp="1"/>
+          </p:cNvSpPr>
+          <p:nvPr>
+            <p:ph type="body"/>
+          </p:nvPr>
+        </p:nvSpPr>
+        <p:spPr>
+          <a:xfrm>
+            <a:off x="4674240" y="1203480"/>
+            <a:ext cx="4015800" cy="2982960"/>
+          </a:xfrm>
+          <a:prstGeom prst="rect">
+            <a:avLst/>
+          </a:prstGeom>
+        </p:spPr>
+        <p:txBody>
+          <a:bodyPr lIns="0" rIns="0" tIns="0" bIns="0">
+            <a:normAutofit/>
+          </a:bodyPr>
+          <a:p>
+            <a:endParaRPr b="0" lang="ru-RU" sz="3200" spc="-1" strike="noStrike">
+              <a:latin typeface="Arial"/>
+            </a:endParaRPr>
+          </a:p>
+        </p:txBody>
+      </p:sp>
+      <p:sp>
+        <p:nvSpPr>
+          <p:cNvPr id="128" name="PlaceHolder 4"/>
+          <p:cNvSpPr>
+            <a:spLocks noGrp="1"/>
+          </p:cNvSpPr>
+          <p:nvPr>
+            <p:ph type="body"/>
+          </p:nvPr>
+        </p:nvSpPr>
+        <p:spPr>
+          <a:xfrm>
+            <a:off x="457200" y="2761920"/>
+            <a:ext cx="4015800" cy="1422720"/>
+          </a:xfrm>
+          <a:prstGeom prst="rect">
+            <a:avLst/>
+          </a:prstGeom>
+        </p:spPr>
+        <p:txBody>
+          <a:bodyPr lIns="0" rIns="0" tIns="0" bIns="0">
+            <a:normAutofit/>
+          </a:bodyPr>
+          <a:p>
+            <a:endParaRPr b="0" lang="ru-RU" sz="3200" spc="-1" strike="noStrike">
+              <a:latin typeface="Arial"/>
+            </a:endParaRPr>
+          </a:p>
+        </p:txBody>
+      </p:sp>
+    </p:spTree>
+  </p:cSld>
+</p:sldLayout>
+</file>
+
+<file path=ppt/slideLayouts/slideLayout44.xml><?xml version="1.0" encoding="utf-8"?>
+<p:sldLayout xmlns:a="http://schemas.openxmlformats.org/drawingml/2006/main" xmlns:p="http://schemas.openxmlformats.org/presentationml/2006/main" xmlns:r="http://schemas.openxmlformats.org/officeDocument/2006/relationships" xmlns:p14="http://schemas.microsoft.com/office/powerpoint/2010/main" xmlns:p15="http://schemas.microsoft.com/office/powerpoint/2012/main" xmlns:mc="http://schemas.openxmlformats.org/markup-compatibility/2006" type="objAndTwoObj" preserve="1">
+  <p:cSld name="Title Content and 2 Content">
+    <p:spTree>
+      <p:nvGrpSpPr>
+        <p:cNvPr id="1" name=""/>
+        <p:cNvGrpSpPr/>
+        <p:nvPr/>
+      </p:nvGrpSpPr>
+      <p:grpSpPr>
+        <a:xfrm>
+          <a:off x="0" y="0"/>
+          <a:ext cx="0" cy="0"/>
+          <a:chOff x="0" y="0"/>
+          <a:chExt cx="0" cy="0"/>
+        </a:xfrm>
+      </p:grpSpPr>
+      <p:sp>
+        <p:nvSpPr>
+          <p:cNvPr id="129" name="PlaceHolder 1"/>
+          <p:cNvSpPr>
+            <a:spLocks noGrp="1"/>
+          </p:cNvSpPr>
+          <p:nvPr>
+            <p:ph type="title"/>
+          </p:nvPr>
+        </p:nvSpPr>
+        <p:spPr>
+          <a:xfrm>
+            <a:off x="457200" y="9360"/>
+            <a:ext cx="8229240" cy="1250280"/>
+          </a:xfrm>
+          <a:prstGeom prst="rect">
+            <a:avLst/>
+          </a:prstGeom>
+        </p:spPr>
+        <p:txBody>
+          <a:bodyPr lIns="0" rIns="0" tIns="0" bIns="0" anchor="ctr">
+            <a:noAutofit/>
+          </a:bodyPr>
+          <a:p>
+            <a:pPr algn="ctr"/>
+            <a:endParaRPr b="0" lang="ru-RU" sz="4400" spc="-1" strike="noStrike">
+              <a:latin typeface="Arial"/>
+            </a:endParaRPr>
+          </a:p>
+        </p:txBody>
+      </p:sp>
+      <p:sp>
+        <p:nvSpPr>
+          <p:cNvPr id="130" name="PlaceHolder 2"/>
+          <p:cNvSpPr>
+            <a:spLocks noGrp="1"/>
+          </p:cNvSpPr>
+          <p:nvPr>
+            <p:ph type="body"/>
+          </p:nvPr>
+        </p:nvSpPr>
+        <p:spPr>
+          <a:xfrm>
+            <a:off x="457200" y="1203480"/>
+            <a:ext cx="4015800" cy="2982960"/>
+          </a:xfrm>
+          <a:prstGeom prst="rect">
+            <a:avLst/>
+          </a:prstGeom>
+        </p:spPr>
+        <p:txBody>
+          <a:bodyPr lIns="0" rIns="0" tIns="0" bIns="0">
+            <a:normAutofit/>
+          </a:bodyPr>
+          <a:p>
+            <a:endParaRPr b="0" lang="ru-RU" sz="3200" spc="-1" strike="noStrike">
+              <a:latin typeface="Arial"/>
+            </a:endParaRPr>
+          </a:p>
+        </p:txBody>
+      </p:sp>
+      <p:sp>
+        <p:nvSpPr>
+          <p:cNvPr id="131" name="PlaceHolder 3"/>
+          <p:cNvSpPr>
+            <a:spLocks noGrp="1"/>
+          </p:cNvSpPr>
+          <p:nvPr>
+            <p:ph type="body"/>
+          </p:nvPr>
+        </p:nvSpPr>
+        <p:spPr>
+          <a:xfrm>
+            <a:off x="4674240" y="1203480"/>
+            <a:ext cx="4015800" cy="1422720"/>
+          </a:xfrm>
+          <a:prstGeom prst="rect">
+            <a:avLst/>
+          </a:prstGeom>
+        </p:spPr>
+        <p:txBody>
+          <a:bodyPr lIns="0" rIns="0" tIns="0" bIns="0">
+            <a:normAutofit/>
+          </a:bodyPr>
+          <a:p>
+            <a:endParaRPr b="0" lang="ru-RU" sz="3200" spc="-1" strike="noStrike">
+              <a:latin typeface="Arial"/>
+            </a:endParaRPr>
+          </a:p>
+        </p:txBody>
+      </p:sp>
+      <p:sp>
+        <p:nvSpPr>
+          <p:cNvPr id="132" name="PlaceHolder 4"/>
+          <p:cNvSpPr>
+            <a:spLocks noGrp="1"/>
+          </p:cNvSpPr>
+          <p:nvPr>
+            <p:ph type="body"/>
+          </p:nvPr>
+        </p:nvSpPr>
+        <p:spPr>
+          <a:xfrm>
+            <a:off x="4674240" y="2761920"/>
+            <a:ext cx="4015800" cy="1422720"/>
+          </a:xfrm>
+          <a:prstGeom prst="rect">
+            <a:avLst/>
+          </a:prstGeom>
+        </p:spPr>
+        <p:txBody>
+          <a:bodyPr lIns="0" rIns="0" tIns="0" bIns="0">
+            <a:normAutofit/>
+          </a:bodyPr>
+          <a:p>
+            <a:endParaRPr b="0" lang="ru-RU" sz="3200" spc="-1" strike="noStrike">
+              <a:latin typeface="Arial"/>
+            </a:endParaRPr>
+          </a:p>
+        </p:txBody>
+      </p:sp>
+    </p:spTree>
+  </p:cSld>
+</p:sldLayout>
+</file>
+
+<file path=ppt/slideLayouts/slideLayout45.xml><?xml version="1.0" encoding="utf-8"?>
+<p:sldLayout xmlns:a="http://schemas.openxmlformats.org/drawingml/2006/main" xmlns:p="http://schemas.openxmlformats.org/presentationml/2006/main" xmlns:r="http://schemas.openxmlformats.org/officeDocument/2006/relationships" xmlns:p14="http://schemas.microsoft.com/office/powerpoint/2010/main" xmlns:p15="http://schemas.microsoft.com/office/powerpoint/2012/main" xmlns:mc="http://schemas.openxmlformats.org/markup-compatibility/2006" type="twoObjOverTx" preserve="1">
+  <p:cSld name="Title, 2 Content over Content">
+    <p:spTree>
+      <p:nvGrpSpPr>
+        <p:cNvPr id="1" name=""/>
+        <p:cNvGrpSpPr/>
+        <p:nvPr/>
+      </p:nvGrpSpPr>
+      <p:grpSpPr>
+        <a:xfrm>
+          <a:off x="0" y="0"/>
+          <a:ext cx="0" cy="0"/>
+          <a:chOff x="0" y="0"/>
+          <a:chExt cx="0" cy="0"/>
+        </a:xfrm>
+      </p:grpSpPr>
+      <p:sp>
+        <p:nvSpPr>
+          <p:cNvPr id="133" name="PlaceHolder 1"/>
+          <p:cNvSpPr>
+            <a:spLocks noGrp="1"/>
+          </p:cNvSpPr>
+          <p:nvPr>
+            <p:ph type="title"/>
+          </p:nvPr>
+        </p:nvSpPr>
+        <p:spPr>
+          <a:xfrm>
+            <a:off x="457200" y="9360"/>
+            <a:ext cx="8229240" cy="1250280"/>
+          </a:xfrm>
+          <a:prstGeom prst="rect">
+            <a:avLst/>
+          </a:prstGeom>
+        </p:spPr>
+        <p:txBody>
+          <a:bodyPr lIns="0" rIns="0" tIns="0" bIns="0" anchor="ctr">
+            <a:noAutofit/>
+          </a:bodyPr>
+          <a:p>
+            <a:pPr algn="ctr"/>
+            <a:endParaRPr b="0" lang="ru-RU" sz="4400" spc="-1" strike="noStrike">
+              <a:latin typeface="Arial"/>
+            </a:endParaRPr>
+          </a:p>
+        </p:txBody>
+      </p:sp>
+      <p:sp>
+        <p:nvSpPr>
+          <p:cNvPr id="134" name="PlaceHolder 2"/>
+          <p:cNvSpPr>
+            <a:spLocks noGrp="1"/>
+          </p:cNvSpPr>
+          <p:nvPr>
+            <p:ph type="body"/>
+          </p:nvPr>
+        </p:nvSpPr>
+        <p:spPr>
+          <a:xfrm>
+            <a:off x="457200" y="1203480"/>
+            <a:ext cx="4015800" cy="1422720"/>
+          </a:xfrm>
+          <a:prstGeom prst="rect">
+            <a:avLst/>
+          </a:prstGeom>
+        </p:spPr>
+        <p:txBody>
+          <a:bodyPr lIns="0" rIns="0" tIns="0" bIns="0">
+            <a:normAutofit/>
+          </a:bodyPr>
+          <a:p>
+            <a:endParaRPr b="0" lang="ru-RU" sz="3200" spc="-1" strike="noStrike">
+              <a:latin typeface="Arial"/>
+            </a:endParaRPr>
+          </a:p>
+        </p:txBody>
+      </p:sp>
+      <p:sp>
+        <p:nvSpPr>
+          <p:cNvPr id="135" name="PlaceHolder 3"/>
+          <p:cNvSpPr>
+            <a:spLocks noGrp="1"/>
+          </p:cNvSpPr>
+          <p:nvPr>
+            <p:ph type="body"/>
+          </p:nvPr>
+        </p:nvSpPr>
+        <p:spPr>
+          <a:xfrm>
+            <a:off x="4674240" y="1203480"/>
+            <a:ext cx="4015800" cy="1422720"/>
+          </a:xfrm>
+          <a:prstGeom prst="rect">
+            <a:avLst/>
+          </a:prstGeom>
+        </p:spPr>
+        <p:txBody>
+          <a:bodyPr lIns="0" rIns="0" tIns="0" bIns="0">
+            <a:normAutofit/>
+          </a:bodyPr>
+          <a:p>
+            <a:endParaRPr b="0" lang="ru-RU" sz="3200" spc="-1" strike="noStrike">
+              <a:latin typeface="Arial"/>
+            </a:endParaRPr>
+          </a:p>
+        </p:txBody>
+      </p:sp>
+      <p:sp>
+        <p:nvSpPr>
+          <p:cNvPr id="136" name="PlaceHolder 4"/>
+          <p:cNvSpPr>
+            <a:spLocks noGrp="1"/>
+          </p:cNvSpPr>
+          <p:nvPr>
+            <p:ph type="body"/>
+          </p:nvPr>
+        </p:nvSpPr>
+        <p:spPr>
+          <a:xfrm>
+            <a:off x="457200" y="2761920"/>
+            <a:ext cx="8229240" cy="1422720"/>
+          </a:xfrm>
+          <a:prstGeom prst="rect">
+            <a:avLst/>
+          </a:prstGeom>
+        </p:spPr>
+        <p:txBody>
+          <a:bodyPr lIns="0" rIns="0" tIns="0" bIns="0">
+            <a:normAutofit/>
+          </a:bodyPr>
+          <a:p>
+            <a:endParaRPr b="0" lang="ru-RU" sz="3200" spc="-1" strike="noStrike">
+              <a:latin typeface="Arial"/>
+            </a:endParaRPr>
+          </a:p>
+        </p:txBody>
+      </p:sp>
+    </p:spTree>
+  </p:cSld>
+</p:sldLayout>
+</file>
+
+<file path=ppt/slideLayouts/slideLayout46.xml><?xml version="1.0" encoding="utf-8"?>
+<p:sldLayout xmlns:a="http://schemas.openxmlformats.org/drawingml/2006/main" xmlns:p="http://schemas.openxmlformats.org/presentationml/2006/main" xmlns:r="http://schemas.openxmlformats.org/officeDocument/2006/relationships" xmlns:p14="http://schemas.microsoft.com/office/powerpoint/2010/main" xmlns:p15="http://schemas.microsoft.com/office/powerpoint/2012/main" xmlns:mc="http://schemas.openxmlformats.org/markup-compatibility/2006" type="objOverTx" preserve="1">
+  <p:cSld name="Title, Content over Content">
+    <p:spTree>
+      <p:nvGrpSpPr>
+        <p:cNvPr id="1" name=""/>
+        <p:cNvGrpSpPr/>
+        <p:nvPr/>
+      </p:nvGrpSpPr>
+      <p:grpSpPr>
+        <a:xfrm>
+          <a:off x="0" y="0"/>
+          <a:ext cx="0" cy="0"/>
+          <a:chOff x="0" y="0"/>
+          <a:chExt cx="0" cy="0"/>
+        </a:xfrm>
+      </p:grpSpPr>
+      <p:sp>
+        <p:nvSpPr>
+          <p:cNvPr id="137" name="PlaceHolder 1"/>
+          <p:cNvSpPr>
+            <a:spLocks noGrp="1"/>
+          </p:cNvSpPr>
+          <p:nvPr>
+            <p:ph type="title"/>
+          </p:nvPr>
+        </p:nvSpPr>
+        <p:spPr>
+          <a:xfrm>
+            <a:off x="457200" y="9360"/>
+            <a:ext cx="8229240" cy="1250280"/>
+          </a:xfrm>
+          <a:prstGeom prst="rect">
+            <a:avLst/>
+          </a:prstGeom>
+        </p:spPr>
+        <p:txBody>
+          <a:bodyPr lIns="0" rIns="0" tIns="0" bIns="0" anchor="ctr">
+            <a:noAutofit/>
+          </a:bodyPr>
+          <a:p>
+            <a:pPr algn="ctr"/>
+            <a:endParaRPr b="0" lang="ru-RU" sz="4400" spc="-1" strike="noStrike">
+              <a:latin typeface="Arial"/>
+            </a:endParaRPr>
+          </a:p>
+        </p:txBody>
+      </p:sp>
+      <p:sp>
+        <p:nvSpPr>
+          <p:cNvPr id="138" name="PlaceHolder 2"/>
+          <p:cNvSpPr>
+            <a:spLocks noGrp="1"/>
+          </p:cNvSpPr>
+          <p:nvPr>
+            <p:ph type="body"/>
+          </p:nvPr>
+        </p:nvSpPr>
+        <p:spPr>
+          <a:xfrm>
+            <a:off x="457200" y="1203480"/>
+            <a:ext cx="8229240" cy="1422720"/>
+          </a:xfrm>
+          <a:prstGeom prst="rect">
+            <a:avLst/>
+          </a:prstGeom>
+        </p:spPr>
+        <p:txBody>
+          <a:bodyPr lIns="0" rIns="0" tIns="0" bIns="0">
+            <a:normAutofit/>
+          </a:bodyPr>
+          <a:p>
+            <a:endParaRPr b="0" lang="ru-RU" sz="3200" spc="-1" strike="noStrike">
+              <a:latin typeface="Arial"/>
+            </a:endParaRPr>
+          </a:p>
+        </p:txBody>
+      </p:sp>
+      <p:sp>
+        <p:nvSpPr>
+          <p:cNvPr id="139" name="PlaceHolder 3"/>
+          <p:cNvSpPr>
+            <a:spLocks noGrp="1"/>
+          </p:cNvSpPr>
+          <p:nvPr>
+            <p:ph type="body"/>
+          </p:nvPr>
+        </p:nvSpPr>
+        <p:spPr>
+          <a:xfrm>
+            <a:off x="457200" y="2761920"/>
+            <a:ext cx="8229240" cy="1422720"/>
+          </a:xfrm>
+          <a:prstGeom prst="rect">
+            <a:avLst/>
+          </a:prstGeom>
+        </p:spPr>
+        <p:txBody>
+          <a:bodyPr lIns="0" rIns="0" tIns="0" bIns="0">
+            <a:normAutofit/>
+          </a:bodyPr>
+          <a:p>
+            <a:endParaRPr b="0" lang="ru-RU" sz="3200" spc="-1" strike="noStrike">
+              <a:latin typeface="Arial"/>
+            </a:endParaRPr>
+          </a:p>
+        </p:txBody>
+      </p:sp>
+    </p:spTree>
+  </p:cSld>
+</p:sldLayout>
+</file>
+
+<file path=ppt/slideLayouts/slideLayout47.xml><?xml version="1.0" encoding="utf-8"?>
+<p:sldLayout xmlns:a="http://schemas.openxmlformats.org/drawingml/2006/main" xmlns:p="http://schemas.openxmlformats.org/presentationml/2006/main" xmlns:r="http://schemas.openxmlformats.org/officeDocument/2006/relationships" xmlns:p14="http://schemas.microsoft.com/office/powerpoint/2010/main" xmlns:p15="http://schemas.microsoft.com/office/powerpoint/2012/main" xmlns:mc="http://schemas.openxmlformats.org/markup-compatibility/2006" type="fourObj" preserve="1">
+  <p:cSld name="Title, 4 Content">
+    <p:spTree>
+      <p:nvGrpSpPr>
+        <p:cNvPr id="1" name=""/>
+        <p:cNvGrpSpPr/>
+        <p:nvPr/>
+      </p:nvGrpSpPr>
+      <p:grpSpPr>
+        <a:xfrm>
+          <a:off x="0" y="0"/>
+          <a:ext cx="0" cy="0"/>
+          <a:chOff x="0" y="0"/>
+          <a:chExt cx="0" cy="0"/>
+        </a:xfrm>
+      </p:grpSpPr>
+      <p:sp>
+        <p:nvSpPr>
+          <p:cNvPr id="140" name="PlaceHolder 1"/>
+          <p:cNvSpPr>
+            <a:spLocks noGrp="1"/>
+          </p:cNvSpPr>
+          <p:nvPr>
+            <p:ph type="title"/>
+          </p:nvPr>
+        </p:nvSpPr>
+        <p:spPr>
+          <a:xfrm>
+            <a:off x="457200" y="9360"/>
+            <a:ext cx="8229240" cy="1250280"/>
+          </a:xfrm>
+          <a:prstGeom prst="rect">
+            <a:avLst/>
+          </a:prstGeom>
+        </p:spPr>
+        <p:txBody>
+          <a:bodyPr lIns="0" rIns="0" tIns="0" bIns="0" anchor="ctr">
+            <a:noAutofit/>
+          </a:bodyPr>
+          <a:p>
+            <a:pPr algn="ctr"/>
+            <a:endParaRPr b="0" lang="ru-RU" sz="4400" spc="-1" strike="noStrike">
+              <a:latin typeface="Arial"/>
+            </a:endParaRPr>
+          </a:p>
+        </p:txBody>
+      </p:sp>
+      <p:sp>
+        <p:nvSpPr>
+          <p:cNvPr id="141" name="PlaceHolder 2"/>
+          <p:cNvSpPr>
+            <a:spLocks noGrp="1"/>
+          </p:cNvSpPr>
+          <p:nvPr>
+            <p:ph type="body"/>
+          </p:nvPr>
+        </p:nvSpPr>
+        <p:spPr>
+          <a:xfrm>
+            <a:off x="457200" y="1203480"/>
+            <a:ext cx="4015800" cy="1422720"/>
+          </a:xfrm>
+          <a:prstGeom prst="rect">
+            <a:avLst/>
+          </a:prstGeom>
+        </p:spPr>
+        <p:txBody>
+          <a:bodyPr lIns="0" rIns="0" tIns="0" bIns="0">
+            <a:normAutofit/>
+          </a:bodyPr>
+          <a:p>
+            <a:endParaRPr b="0" lang="ru-RU" sz="3200" spc="-1" strike="noStrike">
+              <a:latin typeface="Arial"/>
+            </a:endParaRPr>
+          </a:p>
+        </p:txBody>
+      </p:sp>
+      <p:sp>
+        <p:nvSpPr>
+          <p:cNvPr id="142" name="PlaceHolder 3"/>
+          <p:cNvSpPr>
+            <a:spLocks noGrp="1"/>
+          </p:cNvSpPr>
+          <p:nvPr>
+            <p:ph type="body"/>
+          </p:nvPr>
+        </p:nvSpPr>
+        <p:spPr>
+          <a:xfrm>
+            <a:off x="4674240" y="1203480"/>
+            <a:ext cx="4015800" cy="1422720"/>
+          </a:xfrm>
+          <a:prstGeom prst="rect">
+            <a:avLst/>
+          </a:prstGeom>
+        </p:spPr>
+        <p:txBody>
+          <a:bodyPr lIns="0" rIns="0" tIns="0" bIns="0">
+            <a:normAutofit/>
+          </a:bodyPr>
+          <a:p>
+            <a:endParaRPr b="0" lang="ru-RU" sz="3200" spc="-1" strike="noStrike">
+              <a:latin typeface="Arial"/>
+            </a:endParaRPr>
+          </a:p>
+        </p:txBody>
+      </p:sp>
+      <p:sp>
+        <p:nvSpPr>
+          <p:cNvPr id="143" name="PlaceHolder 4"/>
+          <p:cNvSpPr>
+            <a:spLocks noGrp="1"/>
+          </p:cNvSpPr>
+          <p:nvPr>
+            <p:ph type="body"/>
+          </p:nvPr>
+        </p:nvSpPr>
+        <p:spPr>
+          <a:xfrm>
+            <a:off x="457200" y="2761920"/>
+            <a:ext cx="4015800" cy="1422720"/>
+          </a:xfrm>
+          <a:prstGeom prst="rect">
+            <a:avLst/>
+          </a:prstGeom>
+        </p:spPr>
+        <p:txBody>
+          <a:bodyPr lIns="0" rIns="0" tIns="0" bIns="0">
+            <a:normAutofit/>
+          </a:bodyPr>
+          <a:p>
+            <a:endParaRPr b="0" lang="ru-RU" sz="3200" spc="-1" strike="noStrike">
+              <a:latin typeface="Arial"/>
+            </a:endParaRPr>
+          </a:p>
+        </p:txBody>
+      </p:sp>
+      <p:sp>
+        <p:nvSpPr>
+          <p:cNvPr id="144" name="PlaceHolder 5"/>
+          <p:cNvSpPr>
+            <a:spLocks noGrp="1"/>
+          </p:cNvSpPr>
+          <p:nvPr>
+            <p:ph type="body"/>
+          </p:nvPr>
+        </p:nvSpPr>
+        <p:spPr>
+          <a:xfrm>
+            <a:off x="4674240" y="2761920"/>
+            <a:ext cx="4015800" cy="1422720"/>
+          </a:xfrm>
+          <a:prstGeom prst="rect">
+            <a:avLst/>
+          </a:prstGeom>
+        </p:spPr>
+        <p:txBody>
+          <a:bodyPr lIns="0" rIns="0" tIns="0" bIns="0">
+            <a:normAutofit/>
+          </a:bodyPr>
+          <a:p>
+            <a:endParaRPr b="0" lang="ru-RU" sz="3200" spc="-1" strike="noStrike">
+              <a:latin typeface="Arial"/>
+            </a:endParaRPr>
+          </a:p>
+        </p:txBody>
+      </p:sp>
+    </p:spTree>
+  </p:cSld>
+</p:sldLayout>
+</file>
+
+<file path=ppt/slideLayouts/slideLayout48.xml><?xml version="1.0" encoding="utf-8"?>
+<p:sldLayout xmlns:a="http://schemas.openxmlformats.org/drawingml/2006/main" xmlns:p="http://schemas.openxmlformats.org/presentationml/2006/main" xmlns:r="http://schemas.openxmlformats.org/officeDocument/2006/relationships" xmlns:p14="http://schemas.microsoft.com/office/powerpoint/2010/main" xmlns:p15="http://schemas.microsoft.com/office/powerpoint/2012/main" xmlns:mc="http://schemas.openxmlformats.org/markup-compatibility/2006" type="blank" preserve="1">
+  <p:cSld name="Title, 6 Content">
+    <p:spTree>
+      <p:nvGrpSpPr>
+        <p:cNvPr id="1" name=""/>
+        <p:cNvGrpSpPr/>
+        <p:nvPr/>
+      </p:nvGrpSpPr>
+      <p:grpSpPr>
+        <a:xfrm>
+          <a:off x="0" y="0"/>
+          <a:ext cx="0" cy="0"/>
+          <a:chOff x="0" y="0"/>
+          <a:chExt cx="0" cy="0"/>
+        </a:xfrm>
+      </p:grpSpPr>
+      <p:sp>
+        <p:nvSpPr>
+          <p:cNvPr id="145" name="PlaceHolder 1"/>
+          <p:cNvSpPr>
+            <a:spLocks noGrp="1"/>
+          </p:cNvSpPr>
+          <p:nvPr>
+            <p:ph type="title"/>
+          </p:nvPr>
+        </p:nvSpPr>
+        <p:spPr>
+          <a:xfrm>
+            <a:off x="457200" y="9360"/>
+            <a:ext cx="8229240" cy="1250280"/>
+          </a:xfrm>
+          <a:prstGeom prst="rect">
+            <a:avLst/>
+          </a:prstGeom>
+        </p:spPr>
+        <p:txBody>
+          <a:bodyPr lIns="0" rIns="0" tIns="0" bIns="0" anchor="ctr">
+            <a:noAutofit/>
+          </a:bodyPr>
+          <a:p>
+            <a:pPr algn="ctr"/>
+            <a:endParaRPr b="0" lang="ru-RU" sz="4400" spc="-1" strike="noStrike">
+              <a:latin typeface="Arial"/>
+            </a:endParaRPr>
+          </a:p>
+        </p:txBody>
+      </p:sp>
+      <p:sp>
+        <p:nvSpPr>
+          <p:cNvPr id="146" name="PlaceHolder 2"/>
+          <p:cNvSpPr>
+            <a:spLocks noGrp="1"/>
+          </p:cNvSpPr>
+          <p:nvPr>
+            <p:ph type="body"/>
+          </p:nvPr>
+        </p:nvSpPr>
+        <p:spPr>
+          <a:xfrm>
+            <a:off x="457200" y="1203480"/>
+            <a:ext cx="2649600" cy="1422720"/>
+          </a:xfrm>
+          <a:prstGeom prst="rect">
+            <a:avLst/>
+          </a:prstGeom>
+        </p:spPr>
+        <p:txBody>
+          <a:bodyPr lIns="0" rIns="0" tIns="0" bIns="0">
+            <a:normAutofit fontScale="49000"/>
+          </a:bodyPr>
+          <a:p>
+            <a:endParaRPr b="0" lang="ru-RU" sz="3200" spc="-1" strike="noStrike">
+              <a:latin typeface="Arial"/>
+            </a:endParaRPr>
+          </a:p>
+        </p:txBody>
+      </p:sp>
+      <p:sp>
+        <p:nvSpPr>
+          <p:cNvPr id="147" name="PlaceHolder 3"/>
+          <p:cNvSpPr>
+            <a:spLocks noGrp="1"/>
+          </p:cNvSpPr>
+          <p:nvPr>
+            <p:ph type="body"/>
+          </p:nvPr>
+        </p:nvSpPr>
+        <p:spPr>
+          <a:xfrm>
+            <a:off x="3239640" y="1203480"/>
+            <a:ext cx="2649600" cy="1422720"/>
+          </a:xfrm>
+          <a:prstGeom prst="rect">
+            <a:avLst/>
+          </a:prstGeom>
+        </p:spPr>
+        <p:txBody>
+          <a:bodyPr lIns="0" rIns="0" tIns="0" bIns="0">
+            <a:normAutofit fontScale="49000"/>
+          </a:bodyPr>
+          <a:p>
+            <a:endParaRPr b="0" lang="ru-RU" sz="3200" spc="-1" strike="noStrike">
+              <a:latin typeface="Arial"/>
+            </a:endParaRPr>
+          </a:p>
+        </p:txBody>
+      </p:sp>
+      <p:sp>
+        <p:nvSpPr>
+          <p:cNvPr id="148" name="PlaceHolder 4"/>
+          <p:cNvSpPr>
+            <a:spLocks noGrp="1"/>
+          </p:cNvSpPr>
+          <p:nvPr>
+            <p:ph type="body"/>
+          </p:nvPr>
+        </p:nvSpPr>
+        <p:spPr>
+          <a:xfrm>
+            <a:off x="6022080" y="1203480"/>
+            <a:ext cx="2649600" cy="1422720"/>
+          </a:xfrm>
+          <a:prstGeom prst="rect">
+            <a:avLst/>
+          </a:prstGeom>
+        </p:spPr>
+        <p:txBody>
+          <a:bodyPr lIns="0" rIns="0" tIns="0" bIns="0">
+            <a:normAutofit fontScale="49000"/>
+          </a:bodyPr>
+          <a:p>
+            <a:endParaRPr b="0" lang="ru-RU" sz="3200" spc="-1" strike="noStrike">
+              <a:latin typeface="Arial"/>
+            </a:endParaRPr>
+          </a:p>
+        </p:txBody>
+      </p:sp>
+      <p:sp>
+        <p:nvSpPr>
+          <p:cNvPr id="149" name="PlaceHolder 5"/>
+          <p:cNvSpPr>
+            <a:spLocks noGrp="1"/>
+          </p:cNvSpPr>
+          <p:nvPr>
+            <p:ph type="body"/>
+          </p:nvPr>
+        </p:nvSpPr>
+        <p:spPr>
+          <a:xfrm>
+            <a:off x="457200" y="2761920"/>
+            <a:ext cx="2649600" cy="1422720"/>
+          </a:xfrm>
+          <a:prstGeom prst="rect">
+            <a:avLst/>
+          </a:prstGeom>
+        </p:spPr>
+        <p:txBody>
+          <a:bodyPr lIns="0" rIns="0" tIns="0" bIns="0">
+            <a:normAutofit fontScale="49000"/>
+          </a:bodyPr>
+          <a:p>
+            <a:endParaRPr b="0" lang="ru-RU" sz="3200" spc="-1" strike="noStrike">
+              <a:latin typeface="Arial"/>
+            </a:endParaRPr>
+          </a:p>
+        </p:txBody>
+      </p:sp>
+      <p:sp>
+        <p:nvSpPr>
+          <p:cNvPr id="150" name="PlaceHolder 6"/>
+          <p:cNvSpPr>
+            <a:spLocks noGrp="1"/>
+          </p:cNvSpPr>
+          <p:nvPr>
+            <p:ph type="body"/>
+          </p:nvPr>
+        </p:nvSpPr>
+        <p:spPr>
+          <a:xfrm>
+            <a:off x="3239640" y="2761920"/>
+            <a:ext cx="2649600" cy="1422720"/>
+          </a:xfrm>
+          <a:prstGeom prst="rect">
+            <a:avLst/>
+          </a:prstGeom>
+        </p:spPr>
+        <p:txBody>
+          <a:bodyPr lIns="0" rIns="0" tIns="0" bIns="0">
+            <a:normAutofit fontScale="49000"/>
+          </a:bodyPr>
+          <a:p>
+            <a:endParaRPr b="0" lang="ru-RU" sz="3200" spc="-1" strike="noStrike">
+              <a:latin typeface="Arial"/>
+            </a:endParaRPr>
+          </a:p>
+        </p:txBody>
+      </p:sp>
+      <p:sp>
+        <p:nvSpPr>
+          <p:cNvPr id="151" name="PlaceHolder 7"/>
+          <p:cNvSpPr>
+            <a:spLocks noGrp="1"/>
+          </p:cNvSpPr>
+          <p:nvPr>
+            <p:ph type="body"/>
+          </p:nvPr>
+        </p:nvSpPr>
+        <p:spPr>
+          <a:xfrm>
+            <a:off x="6022080" y="2761920"/>
+            <a:ext cx="2649600" cy="1422720"/>
+          </a:xfrm>
+          <a:prstGeom prst="rect">
+            <a:avLst/>
+          </a:prstGeom>
+        </p:spPr>
+        <p:txBody>
+          <a:bodyPr lIns="0" rIns="0" tIns="0" bIns="0">
+            <a:normAutofit fontScale="49000"/>
           </a:bodyPr>
           <a:p>
             <a:endParaRPr b="0" lang="ru-RU" sz="3200" spc="-1" strike="noStrike">
@@ -5021,6 +6383,269 @@
         </p:nvSpPr>
         <p:spPr>
           <a:xfrm>
+            <a:off x="457200" y="205200"/>
+            <a:ext cx="8229240" cy="858600"/>
+          </a:xfrm>
+          <a:prstGeom prst="rect">
+            <a:avLst/>
+          </a:prstGeom>
+        </p:spPr>
+        <p:txBody>
+          <a:bodyPr lIns="0" rIns="0" tIns="0" bIns="0" anchor="ctr">
+            <a:noAutofit/>
+          </a:bodyPr>
+          <a:p>
+            <a:pPr algn="ctr"/>
+            <a:r>
+              <a:rPr b="0" lang="ru-RU" sz="4400" spc="-1" strike="noStrike">
+                <a:latin typeface="Arial"/>
+              </a:rPr>
+              <a:t>Для правки текста заглавия щёлкните мышью</a:t>
+            </a:r>
+            <a:endParaRPr b="0" lang="ru-RU" sz="4400" spc="-1" strike="noStrike">
+              <a:latin typeface="Arial"/>
+            </a:endParaRPr>
+          </a:p>
+        </p:txBody>
+      </p:sp>
+      <p:sp>
+        <p:nvSpPr>
+          <p:cNvPr id="77" name="PlaceHolder 2"/>
+          <p:cNvSpPr>
+            <a:spLocks noGrp="1"/>
+          </p:cNvSpPr>
+          <p:nvPr>
+            <p:ph type="body"/>
+          </p:nvPr>
+        </p:nvSpPr>
+        <p:spPr>
+          <a:xfrm>
+            <a:off x="457200" y="1203480"/>
+            <a:ext cx="8229240" cy="2982960"/>
+          </a:xfrm>
+          <a:prstGeom prst="rect">
+            <a:avLst/>
+          </a:prstGeom>
+        </p:spPr>
+        <p:txBody>
+          <a:bodyPr lIns="0" rIns="0" tIns="0" bIns="0">
+            <a:normAutofit/>
+          </a:bodyPr>
+          <a:p>
+            <a:pPr marL="432000" indent="-324000">
+              <a:spcBef>
+                <a:spcPts val="1417"/>
+              </a:spcBef>
+              <a:buClr>
+                <a:srgbClr val="000000"/>
+              </a:buClr>
+              <a:buSzPct val="45000"/>
+              <a:buFont typeface="Wingdings" charset="2"/>
+              <a:buChar char=""/>
+            </a:pPr>
+            <a:r>
+              <a:rPr b="0" lang="ru-RU" sz="3200" spc="-1" strike="noStrike">
+                <a:latin typeface="Arial"/>
+              </a:rPr>
+              <a:t>Для правки структуры щёлкните мышью</a:t>
+            </a:r>
+            <a:endParaRPr b="0" lang="ru-RU" sz="3200" spc="-1" strike="noStrike">
+              <a:latin typeface="Arial"/>
+            </a:endParaRPr>
+          </a:p>
+          <a:p>
+            <a:pPr lvl="1" marL="864000" indent="-324000">
+              <a:spcBef>
+                <a:spcPts val="1134"/>
+              </a:spcBef>
+              <a:buClr>
+                <a:srgbClr val="000000"/>
+              </a:buClr>
+              <a:buSzPct val="75000"/>
+              <a:buFont typeface="Symbol" charset="2"/>
+              <a:buChar char=""/>
+            </a:pPr>
+            <a:r>
+              <a:rPr b="0" lang="ru-RU" sz="2800" spc="-1" strike="noStrike">
+                <a:latin typeface="Arial"/>
+              </a:rPr>
+              <a:t>Второй уровень структуры</a:t>
+            </a:r>
+            <a:endParaRPr b="0" lang="ru-RU" sz="2800" spc="-1" strike="noStrike">
+              <a:latin typeface="Arial"/>
+            </a:endParaRPr>
+          </a:p>
+          <a:p>
+            <a:pPr lvl="2" marL="1296000" indent="-288000">
+              <a:spcBef>
+                <a:spcPts val="850"/>
+              </a:spcBef>
+              <a:buClr>
+                <a:srgbClr val="000000"/>
+              </a:buClr>
+              <a:buSzPct val="45000"/>
+              <a:buFont typeface="Wingdings" charset="2"/>
+              <a:buChar char=""/>
+            </a:pPr>
+            <a:r>
+              <a:rPr b="0" lang="ru-RU" sz="2400" spc="-1" strike="noStrike">
+                <a:latin typeface="Arial"/>
+              </a:rPr>
+              <a:t>Третий уровень структуры</a:t>
+            </a:r>
+            <a:endParaRPr b="0" lang="ru-RU" sz="2400" spc="-1" strike="noStrike">
+              <a:latin typeface="Arial"/>
+            </a:endParaRPr>
+          </a:p>
+          <a:p>
+            <a:pPr lvl="3" marL="1728000" indent="-216000">
+              <a:spcBef>
+                <a:spcPts val="567"/>
+              </a:spcBef>
+              <a:buClr>
+                <a:srgbClr val="000000"/>
+              </a:buClr>
+              <a:buSzPct val="75000"/>
+              <a:buFont typeface="Symbol" charset="2"/>
+              <a:buChar char=""/>
+            </a:pPr>
+            <a:r>
+              <a:rPr b="0" lang="ru-RU" sz="2000" spc="-1" strike="noStrike">
+                <a:latin typeface="Arial"/>
+              </a:rPr>
+              <a:t>Четвёртый уровень структуры</a:t>
+            </a:r>
+            <a:endParaRPr b="0" lang="ru-RU" sz="2000" spc="-1" strike="noStrike">
+              <a:latin typeface="Arial"/>
+            </a:endParaRPr>
+          </a:p>
+          <a:p>
+            <a:pPr lvl="4" marL="2160000" indent="-216000">
+              <a:spcBef>
+                <a:spcPts val="283"/>
+              </a:spcBef>
+              <a:buClr>
+                <a:srgbClr val="000000"/>
+              </a:buClr>
+              <a:buSzPct val="45000"/>
+              <a:buFont typeface="Wingdings" charset="2"/>
+              <a:buChar char=""/>
+            </a:pPr>
+            <a:r>
+              <a:rPr b="0" lang="ru-RU" sz="2000" spc="-1" strike="noStrike">
+                <a:latin typeface="Arial"/>
+              </a:rPr>
+              <a:t>Пятый уровень структуры</a:t>
+            </a:r>
+            <a:endParaRPr b="0" lang="ru-RU" sz="2000" spc="-1" strike="noStrike">
+              <a:latin typeface="Arial"/>
+            </a:endParaRPr>
+          </a:p>
+          <a:p>
+            <a:pPr lvl="5" marL="2592000" indent="-216000">
+              <a:spcBef>
+                <a:spcPts val="283"/>
+              </a:spcBef>
+              <a:buClr>
+                <a:srgbClr val="000000"/>
+              </a:buClr>
+              <a:buSzPct val="45000"/>
+              <a:buFont typeface="Wingdings" charset="2"/>
+              <a:buChar char=""/>
+            </a:pPr>
+            <a:r>
+              <a:rPr b="0" lang="ru-RU" sz="2000" spc="-1" strike="noStrike">
+                <a:latin typeface="Arial"/>
+              </a:rPr>
+              <a:t>Шестой уровень структуры</a:t>
+            </a:r>
+            <a:endParaRPr b="0" lang="ru-RU" sz="2000" spc="-1" strike="noStrike">
+              <a:latin typeface="Arial"/>
+            </a:endParaRPr>
+          </a:p>
+          <a:p>
+            <a:pPr lvl="6" marL="3024000" indent="-216000">
+              <a:spcBef>
+                <a:spcPts val="283"/>
+              </a:spcBef>
+              <a:buClr>
+                <a:srgbClr val="000000"/>
+              </a:buClr>
+              <a:buSzPct val="45000"/>
+              <a:buFont typeface="Wingdings" charset="2"/>
+              <a:buChar char=""/>
+            </a:pPr>
+            <a:r>
+              <a:rPr b="0" lang="ru-RU" sz="2000" spc="-1" strike="noStrike">
+                <a:latin typeface="Arial"/>
+              </a:rPr>
+              <a:t>Седьмой уровень структуры</a:t>
+            </a:r>
+            <a:endParaRPr b="0" lang="ru-RU" sz="2000" spc="-1" strike="noStrike">
+              <a:latin typeface="Arial"/>
+            </a:endParaRPr>
+          </a:p>
+        </p:txBody>
+      </p:sp>
+    </p:spTree>
+  </p:cSld>
+  <p:clrMap bg1="lt1" bg2="lt2" tx1="dk1" tx2="dk2" accent1="accent1" accent2="accent2" accent3="accent3" accent4="accent4" accent5="accent5" accent6="accent6" hlink="hlink" folHlink="folHlink"/>
+  <p:sldLayoutIdLst>
+    <p:sldLayoutId id="2147483675" r:id="rId3"/>
+    <p:sldLayoutId id="2147483676" r:id="rId4"/>
+    <p:sldLayoutId id="2147483677" r:id="rId5"/>
+    <p:sldLayoutId id="2147483678" r:id="rId6"/>
+    <p:sldLayoutId id="2147483679" r:id="rId7"/>
+    <p:sldLayoutId id="2147483680" r:id="rId8"/>
+    <p:sldLayoutId id="2147483681" r:id="rId9"/>
+    <p:sldLayoutId id="2147483682" r:id="rId10"/>
+    <p:sldLayoutId id="2147483683" r:id="rId11"/>
+    <p:sldLayoutId id="2147483684" r:id="rId12"/>
+    <p:sldLayoutId id="2147483685" r:id="rId13"/>
+    <p:sldLayoutId id="2147483686" r:id="rId14"/>
+  </p:sldLayoutIdLst>
+</p:sldMaster>
+</file>
+
+<file path=ppt/slideMasters/slideMaster4.xml><?xml version="1.0" encoding="utf-8"?>
+<p:sldMaster xmlns:a="http://schemas.openxmlformats.org/drawingml/2006/main" xmlns:p="http://schemas.openxmlformats.org/presentationml/2006/main" xmlns:r="http://schemas.openxmlformats.org/officeDocument/2006/relationships" xmlns:p14="http://schemas.microsoft.com/office/powerpoint/2010/main" xmlns:p15="http://schemas.microsoft.com/office/powerpoint/2012/main" xmlns:mc="http://schemas.openxmlformats.org/markup-compatibility/2006">
+  <p:cSld>
+    <p:bg>
+      <p:bgPr>
+        <a:blipFill rotWithShape="0">
+          <a:blip r:embed="rId2"/>
+          <a:stretch>
+            <a:fillRect/>
+          </a:stretch>
+        </a:blipFill>
+      </p:bgPr>
+    </p:bg>
+    <p:spTree>
+      <p:nvGrpSpPr>
+        <p:cNvPr id="1" name=""/>
+        <p:cNvGrpSpPr/>
+        <p:nvPr/>
+      </p:nvGrpSpPr>
+      <p:grpSpPr>
+        <a:xfrm>
+          <a:off x="0" y="0"/>
+          <a:ext cx="0" cy="0"/>
+          <a:chOff x="0" y="0"/>
+          <a:chExt cx="0" cy="0"/>
+        </a:xfrm>
+      </p:grpSpPr>
+      <p:sp>
+        <p:nvSpPr>
+          <p:cNvPr id="114" name="PlaceHolder 1"/>
+          <p:cNvSpPr>
+            <a:spLocks noGrp="1"/>
+          </p:cNvSpPr>
+          <p:nvPr>
+            <p:ph type="title"/>
+          </p:nvPr>
+        </p:nvSpPr>
+        <p:spPr>
+          <a:xfrm>
             <a:off x="457200" y="9360"/>
             <a:ext cx="8228880" cy="1249920"/>
           </a:xfrm>
@@ -5047,7 +6672,7 @@
       </p:sp>
       <p:sp>
         <p:nvSpPr>
-          <p:cNvPr id="77" name="PlaceHolder 2"/>
+          <p:cNvPr id="115" name="PlaceHolder 2"/>
           <p:cNvSpPr>
             <a:spLocks noGrp="1"/>
           </p:cNvSpPr>
@@ -5228,18 +6853,18 @@
   </p:cSld>
   <p:clrMap bg1="lt1" bg2="lt2" tx1="dk1" tx2="dk2" accent1="accent1" accent2="accent2" accent3="accent3" accent4="accent4" accent5="accent5" accent6="accent6" hlink="hlink" folHlink="folHlink"/>
   <p:sldLayoutIdLst>
-    <p:sldLayoutId id="2147483675" r:id="rId3"/>
-    <p:sldLayoutId id="2147483676" r:id="rId4"/>
-    <p:sldLayoutId id="2147483677" r:id="rId5"/>
-    <p:sldLayoutId id="2147483678" r:id="rId6"/>
-    <p:sldLayoutId id="2147483679" r:id="rId7"/>
-    <p:sldLayoutId id="2147483680" r:id="rId8"/>
-    <p:sldLayoutId id="2147483681" r:id="rId9"/>
-    <p:sldLayoutId id="2147483682" r:id="rId10"/>
-    <p:sldLayoutId id="2147483683" r:id="rId11"/>
-    <p:sldLayoutId id="2147483684" r:id="rId12"/>
-    <p:sldLayoutId id="2147483685" r:id="rId13"/>
-    <p:sldLayoutId id="2147483686" r:id="rId14"/>
+    <p:sldLayoutId id="2147483688" r:id="rId3"/>
+    <p:sldLayoutId id="2147483689" r:id="rId4"/>
+    <p:sldLayoutId id="2147483690" r:id="rId5"/>
+    <p:sldLayoutId id="2147483691" r:id="rId6"/>
+    <p:sldLayoutId id="2147483692" r:id="rId7"/>
+    <p:sldLayoutId id="2147483693" r:id="rId8"/>
+    <p:sldLayoutId id="2147483694" r:id="rId9"/>
+    <p:sldLayoutId id="2147483695" r:id="rId10"/>
+    <p:sldLayoutId id="2147483696" r:id="rId11"/>
+    <p:sldLayoutId id="2147483697" r:id="rId12"/>
+    <p:sldLayoutId id="2147483698" r:id="rId13"/>
+    <p:sldLayoutId id="2147483699" r:id="rId14"/>
   </p:sldLayoutIdLst>
 </p:sldMaster>
 </file>
@@ -5263,14 +6888,14 @@
       </p:grpSpPr>
       <p:sp>
         <p:nvSpPr>
-          <p:cNvPr id="120" name="CustomShape 1"/>
+          <p:cNvPr id="158" name="CustomShape 1"/>
           <p:cNvSpPr/>
           <p:nvPr/>
         </p:nvSpPr>
         <p:spPr>
           <a:xfrm>
             <a:off x="323640" y="1728000"/>
-            <a:ext cx="5363280" cy="2158920"/>
+            <a:ext cx="5362560" cy="2158200"/>
           </a:xfrm>
           <a:prstGeom prst="rect">
             <a:avLst/>
@@ -5350,6 +6975,626 @@
               <a:t>Золотарев А.С. НПЦ «Промэлектроника»</a:t>
             </a:r>
             <a:endParaRPr b="0" lang="ru-RU" sz="1800" spc="-1" strike="noStrike">
+              <a:latin typeface="Arial"/>
+            </a:endParaRPr>
+          </a:p>
+        </p:txBody>
+      </p:sp>
+    </p:spTree>
+  </p:cSld>
+  <mc:AlternateContent>
+    <mc:Choice Requires="p14">
+      <p:transition spd="slow" p14:dur="2000"/>
+    </mc:Choice>
+    <mc:Fallback>
+      <p:transition spd="slow"/>
+    </mc:Fallback>
+  </mc:AlternateContent>
+</p:sld>
+</file>
+
+<file path=ppt/slides/slide10.xml><?xml version="1.0" encoding="utf-8"?>
+<p:sld xmlns:a="http://schemas.openxmlformats.org/drawingml/2006/main" xmlns:p="http://schemas.openxmlformats.org/presentationml/2006/main" xmlns:r="http://schemas.openxmlformats.org/officeDocument/2006/relationships" xmlns:p14="http://schemas.microsoft.com/office/powerpoint/2010/main" xmlns:p15="http://schemas.microsoft.com/office/powerpoint/2012/main" xmlns:mc="http://schemas.openxmlformats.org/markup-compatibility/2006">
+  <p:cSld>
+    <p:spTree>
+      <p:nvGrpSpPr>
+        <p:cNvPr id="1" name=""/>
+        <p:cNvGrpSpPr/>
+        <p:nvPr/>
+      </p:nvGrpSpPr>
+      <p:grpSpPr>
+        <a:xfrm>
+          <a:off x="0" y="0"/>
+          <a:ext cx="0" cy="0"/>
+          <a:chOff x="0" y="0"/>
+          <a:chExt cx="0" cy="0"/>
+        </a:xfrm>
+      </p:grpSpPr>
+      <p:sp>
+        <p:nvSpPr>
+          <p:cNvPr id="173" name="CustomShape 1"/>
+          <p:cNvSpPr/>
+          <p:nvPr/>
+        </p:nvSpPr>
+        <p:spPr>
+          <a:xfrm>
+            <a:off x="457200" y="9360"/>
+            <a:ext cx="8228160" cy="1249200"/>
+          </a:xfrm>
+          <a:prstGeom prst="rect">
+            <a:avLst/>
+          </a:prstGeom>
+          <a:noFill/>
+          <a:ln>
+            <a:noFill/>
+          </a:ln>
+        </p:spPr>
+        <p:style>
+          <a:lnRef idx="0"/>
+          <a:fillRef idx="0"/>
+          <a:effectRef idx="0"/>
+          <a:fontRef idx="minor"/>
+        </p:style>
+        <p:txBody>
+          <a:bodyPr lIns="0" rIns="0" tIns="0" bIns="0" anchor="ctr">
+            <a:noAutofit/>
+          </a:bodyPr>
+          <a:p>
+            <a:pPr algn="r">
+              <a:lnSpc>
+                <a:spcPct val="100000"/>
+              </a:lnSpc>
+            </a:pPr>
+            <a:r>
+              <a:rPr b="0" lang="ru-RU" sz="2000" spc="-1" strike="noStrike">
+                <a:solidFill>
+                  <a:srgbClr val="000000"/>
+                </a:solidFill>
+                <a:latin typeface="Arial"/>
+                <a:ea typeface="DejaVu Sans"/>
+              </a:rPr>
+              <a:t>Разработка встроенного ПО</a:t>
+            </a:r>
+            <a:endParaRPr b="0" lang="ru-RU" sz="2000" spc="-1" strike="noStrike">
+              <a:latin typeface="Arial"/>
+            </a:endParaRPr>
+          </a:p>
+        </p:txBody>
+      </p:sp>
+      <p:sp>
+        <p:nvSpPr>
+          <p:cNvPr id="174" name="CustomShape 2"/>
+          <p:cNvSpPr/>
+          <p:nvPr/>
+        </p:nvSpPr>
+        <p:spPr>
+          <a:xfrm>
+            <a:off x="457200" y="1203480"/>
+            <a:ext cx="8228160" cy="2981880"/>
+          </a:xfrm>
+          <a:prstGeom prst="rect">
+            <a:avLst/>
+          </a:prstGeom>
+          <a:noFill/>
+          <a:ln>
+            <a:noFill/>
+          </a:ln>
+        </p:spPr>
+        <p:style>
+          <a:lnRef idx="0"/>
+          <a:fillRef idx="0"/>
+          <a:effectRef idx="0"/>
+          <a:fontRef idx="minor"/>
+        </p:style>
+        <p:txBody>
+          <a:bodyPr lIns="0" rIns="0" tIns="0" bIns="0">
+            <a:noAutofit/>
+          </a:bodyPr>
+          <a:p>
+            <a:pPr marL="216000" indent="-215280">
+              <a:lnSpc>
+                <a:spcPct val="100000"/>
+              </a:lnSpc>
+              <a:buClr>
+                <a:srgbClr val="000000"/>
+              </a:buClr>
+              <a:buSzPct val="45000"/>
+              <a:buFont typeface="Wingdings" charset="2"/>
+              <a:buChar char=""/>
+            </a:pPr>
+            <a:r>
+              <a:rPr b="0" lang="ru-RU" sz="2800" spc="-1" strike="noStrike">
+                <a:solidFill>
+                  <a:srgbClr val="000000"/>
+                </a:solidFill>
+                <a:latin typeface="Arial"/>
+                <a:ea typeface="DejaVu Sans"/>
+              </a:rPr>
+              <a:t>Программно-аппаратная прослойка абстракции от платформы</a:t>
+            </a:r>
+            <a:endParaRPr b="0" lang="ru-RU" sz="2800" spc="-1" strike="noStrike">
+              <a:latin typeface="Arial"/>
+            </a:endParaRPr>
+          </a:p>
+          <a:p>
+            <a:pPr marL="216000" indent="-215280">
+              <a:lnSpc>
+                <a:spcPct val="100000"/>
+              </a:lnSpc>
+              <a:buClr>
+                <a:srgbClr val="000000"/>
+              </a:buClr>
+              <a:buSzPct val="45000"/>
+              <a:buFont typeface="Wingdings" charset="2"/>
+              <a:buChar char=""/>
+            </a:pPr>
+            <a:r>
+              <a:rPr b="0" lang="ru-RU" sz="2800" spc="-1" strike="noStrike">
+                <a:solidFill>
+                  <a:srgbClr val="000000"/>
+                </a:solidFill>
+                <a:latin typeface="Arial"/>
+                <a:ea typeface="DejaVu Sans"/>
+              </a:rPr>
+              <a:t>Алгоритм работы</a:t>
+            </a:r>
+            <a:endParaRPr b="0" lang="ru-RU" sz="2800" spc="-1" strike="noStrike">
+              <a:latin typeface="Arial"/>
+            </a:endParaRPr>
+          </a:p>
+          <a:p>
+            <a:pPr marL="216000" indent="-215280">
+              <a:lnSpc>
+                <a:spcPct val="100000"/>
+              </a:lnSpc>
+              <a:buClr>
+                <a:srgbClr val="000000"/>
+              </a:buClr>
+              <a:buSzPct val="45000"/>
+              <a:buFont typeface="Wingdings" charset="2"/>
+              <a:buChar char=""/>
+            </a:pPr>
+            <a:r>
+              <a:rPr b="0" lang="ru-RU" sz="2800" spc="-1" strike="noStrike">
+                <a:solidFill>
+                  <a:srgbClr val="000000"/>
+                </a:solidFill>
+                <a:latin typeface="Arial"/>
+                <a:ea typeface="DejaVu Sans"/>
+              </a:rPr>
+              <a:t>Настройка взаимодействия между задачами</a:t>
+            </a:r>
+            <a:endParaRPr b="0" lang="ru-RU" sz="2800" spc="-1" strike="noStrike">
+              <a:latin typeface="Arial"/>
+            </a:endParaRPr>
+          </a:p>
+          <a:p>
+            <a:pPr marL="216000" indent="-215280">
+              <a:lnSpc>
+                <a:spcPct val="100000"/>
+              </a:lnSpc>
+              <a:buClr>
+                <a:srgbClr val="000000"/>
+              </a:buClr>
+              <a:buSzPct val="45000"/>
+              <a:buFont typeface="Wingdings" charset="2"/>
+              <a:buChar char=""/>
+            </a:pPr>
+            <a:r>
+              <a:rPr b="0" lang="ru-RU" sz="2800" spc="-1" strike="noStrike">
+                <a:solidFill>
+                  <a:srgbClr val="000000"/>
+                </a:solidFill>
+                <a:latin typeface="Arial"/>
+                <a:ea typeface="DejaVu Sans"/>
+              </a:rPr>
+              <a:t>Реализация алгоритмов работы</a:t>
+            </a:r>
+            <a:endParaRPr b="0" lang="ru-RU" sz="2800" spc="-1" strike="noStrike">
+              <a:latin typeface="Arial"/>
+            </a:endParaRPr>
+          </a:p>
+        </p:txBody>
+      </p:sp>
+    </p:spTree>
+  </p:cSld>
+  <mc:AlternateContent>
+    <mc:Choice Requires="p14">
+      <p:transition spd="slow" p14:dur="2000"/>
+    </mc:Choice>
+    <mc:Fallback>
+      <p:transition spd="slow"/>
+    </mc:Fallback>
+  </mc:AlternateContent>
+</p:sld>
+</file>
+
+<file path=ppt/slides/slide11.xml><?xml version="1.0" encoding="utf-8"?>
+<p:sld xmlns:a="http://schemas.openxmlformats.org/drawingml/2006/main" xmlns:p="http://schemas.openxmlformats.org/presentationml/2006/main" xmlns:r="http://schemas.openxmlformats.org/officeDocument/2006/relationships" xmlns:p14="http://schemas.microsoft.com/office/powerpoint/2010/main" xmlns:p15="http://schemas.microsoft.com/office/powerpoint/2012/main" xmlns:mc="http://schemas.openxmlformats.org/markup-compatibility/2006">
+  <p:cSld>
+    <p:spTree>
+      <p:nvGrpSpPr>
+        <p:cNvPr id="1" name=""/>
+        <p:cNvGrpSpPr/>
+        <p:nvPr/>
+      </p:nvGrpSpPr>
+      <p:grpSpPr>
+        <a:xfrm>
+          <a:off x="0" y="0"/>
+          <a:ext cx="0" cy="0"/>
+          <a:chOff x="0" y="0"/>
+          <a:chExt cx="0" cy="0"/>
+        </a:xfrm>
+      </p:grpSpPr>
+      <p:sp>
+        <p:nvSpPr>
+          <p:cNvPr id="175" name="TextShape 1"/>
+          <p:cNvSpPr txBox="1"/>
+          <p:nvPr/>
+        </p:nvSpPr>
+        <p:spPr>
+          <a:xfrm>
+            <a:off x="457200" y="9360"/>
+            <a:ext cx="8228880" cy="1249920"/>
+          </a:xfrm>
+          <a:prstGeom prst="rect">
+            <a:avLst/>
+          </a:prstGeom>
+          <a:noFill/>
+          <a:ln>
+            <a:noFill/>
+          </a:ln>
+        </p:spPr>
+        <p:txBody>
+          <a:bodyPr lIns="0" rIns="0" tIns="0" bIns="0" anchor="ctr">
+            <a:noAutofit/>
+          </a:bodyPr>
+          <a:p>
+            <a:pPr algn="r"/>
+            <a:r>
+              <a:rPr b="0" lang="ru-RU" sz="2600" spc="-1" strike="noStrike">
+                <a:latin typeface="Arial"/>
+              </a:rPr>
+              <a:t>Использование систем контроля версий</a:t>
+            </a:r>
+            <a:endParaRPr b="0" lang="ru-RU" sz="2600" spc="-1" strike="noStrike">
+              <a:latin typeface="Arial"/>
+            </a:endParaRPr>
+          </a:p>
+        </p:txBody>
+      </p:sp>
+      <p:sp>
+        <p:nvSpPr>
+          <p:cNvPr id="176" name="TextShape 2"/>
+          <p:cNvSpPr txBox="1"/>
+          <p:nvPr/>
+        </p:nvSpPr>
+        <p:spPr>
+          <a:xfrm>
+            <a:off x="457200" y="1203480"/>
+            <a:ext cx="8228880" cy="2982600"/>
+          </a:xfrm>
+          <a:prstGeom prst="rect">
+            <a:avLst/>
+          </a:prstGeom>
+          <a:noFill/>
+          <a:ln>
+            <a:noFill/>
+          </a:ln>
+        </p:spPr>
+        <p:txBody>
+          <a:bodyPr lIns="0" rIns="0" tIns="0" bIns="0">
+            <a:noAutofit/>
+          </a:bodyPr>
+          <a:p>
+            <a:pPr marL="216000" indent="-216000">
+              <a:buClr>
+                <a:srgbClr val="000000"/>
+              </a:buClr>
+              <a:buSzPct val="45000"/>
+              <a:buFont typeface="Wingdings" charset="2"/>
+              <a:buChar char=""/>
+            </a:pPr>
+            <a:r>
+              <a:rPr b="0" lang="ru-RU" sz="2000" spc="-1" strike="noStrike">
+                <a:latin typeface="Arial"/>
+              </a:rPr>
+              <a:t>Можно вернуться на любую версию в проекте</a:t>
+            </a:r>
+            <a:endParaRPr b="0" lang="ru-RU" sz="2000" spc="-1" strike="noStrike">
+              <a:latin typeface="Arial"/>
+            </a:endParaRPr>
+          </a:p>
+          <a:p>
+            <a:pPr marL="216000" indent="-216000">
+              <a:buClr>
+                <a:srgbClr val="000000"/>
+              </a:buClr>
+              <a:buSzPct val="45000"/>
+              <a:buFont typeface="Wingdings" charset="2"/>
+              <a:buChar char=""/>
+            </a:pPr>
+            <a:r>
+              <a:rPr b="0" lang="ru-RU" sz="2000" spc="-1" strike="noStrike">
+                <a:latin typeface="Arial"/>
+              </a:rPr>
+              <a:t>Протестировать и сравнить разные варианты</a:t>
+            </a:r>
+            <a:endParaRPr b="0" lang="ru-RU" sz="2000" spc="-1" strike="noStrike">
+              <a:latin typeface="Arial"/>
+            </a:endParaRPr>
+          </a:p>
+          <a:p>
+            <a:pPr marL="216000" indent="-216000">
+              <a:buClr>
+                <a:srgbClr val="000000"/>
+              </a:buClr>
+              <a:buSzPct val="45000"/>
+              <a:buFont typeface="Wingdings" charset="2"/>
+              <a:buChar char=""/>
+            </a:pPr>
+            <a:r>
+              <a:rPr b="0" lang="ru-RU" sz="2000" spc="-1" strike="noStrike">
+                <a:latin typeface="Arial"/>
+              </a:rPr>
+              <a:t>Отсутствует загромождение кода закоментаренными кусками </a:t>
+            </a:r>
+            <a:endParaRPr b="0" lang="ru-RU" sz="2000" spc="-1" strike="noStrike">
+              <a:latin typeface="Arial"/>
+            </a:endParaRPr>
+          </a:p>
+          <a:p>
+            <a:pPr marL="216000" indent="-216000">
+              <a:buClr>
+                <a:srgbClr val="000000"/>
+              </a:buClr>
+              <a:buSzPct val="45000"/>
+              <a:buFont typeface="Wingdings" charset="2"/>
+              <a:buChar char=""/>
+            </a:pPr>
+            <a:r>
+              <a:rPr b="0" lang="ru-RU" sz="2000" spc="-1" strike="noStrike">
+                <a:latin typeface="Arial"/>
+              </a:rPr>
+              <a:t>Крайне низкая вероятность потери наработок</a:t>
+            </a:r>
+            <a:endParaRPr b="0" lang="ru-RU" sz="2000" spc="-1" strike="noStrike">
+              <a:latin typeface="Arial"/>
+            </a:endParaRPr>
+          </a:p>
+          <a:p>
+            <a:pPr marL="216000" indent="-216000">
+              <a:buClr>
+                <a:srgbClr val="000000"/>
+              </a:buClr>
+              <a:buSzPct val="45000"/>
+              <a:buFont typeface="Wingdings" charset="2"/>
+              <a:buChar char=""/>
+            </a:pPr>
+            <a:r>
+              <a:rPr b="0" lang="ru-RU" sz="2000" spc="-1" strike="noStrike">
+                <a:latin typeface="Arial"/>
+              </a:rPr>
+              <a:t>Возможность работы на разных компьютерах не используя внешние носители</a:t>
+            </a:r>
+            <a:endParaRPr b="0" lang="ru-RU" sz="2000" spc="-1" strike="noStrike">
+              <a:latin typeface="Arial"/>
+            </a:endParaRPr>
+          </a:p>
+          <a:p>
+            <a:pPr marL="216000" indent="-216000">
+              <a:buClr>
+                <a:srgbClr val="000000"/>
+              </a:buClr>
+              <a:buSzPct val="45000"/>
+              <a:buFont typeface="Wingdings" charset="2"/>
+              <a:buChar char=""/>
+            </a:pPr>
+            <a:r>
+              <a:rPr b="0" lang="ru-RU" sz="2000" spc="-1" strike="noStrike">
+                <a:latin typeface="Arial"/>
+              </a:rPr>
+              <a:t>Работа в команде не приводит к коллизиям, автоматизировано сопоставление изменений</a:t>
+            </a:r>
+            <a:endParaRPr b="0" lang="ru-RU" sz="2000" spc="-1" strike="noStrike">
+              <a:latin typeface="Arial"/>
+            </a:endParaRPr>
+          </a:p>
+        </p:txBody>
+      </p:sp>
+    </p:spTree>
+  </p:cSld>
+  <mc:AlternateContent>
+    <mc:Choice Requires="p14">
+      <p:transition spd="slow" p14:dur="2000"/>
+    </mc:Choice>
+    <mc:Fallback>
+      <p:transition spd="slow"/>
+    </mc:Fallback>
+  </mc:AlternateContent>
+</p:sld>
+</file>
+
+<file path=ppt/slides/slide12.xml><?xml version="1.0" encoding="utf-8"?>
+<p:sld xmlns:a="http://schemas.openxmlformats.org/drawingml/2006/main" xmlns:p="http://schemas.openxmlformats.org/presentationml/2006/main" xmlns:r="http://schemas.openxmlformats.org/officeDocument/2006/relationships" xmlns:p14="http://schemas.microsoft.com/office/powerpoint/2010/main" xmlns:p15="http://schemas.microsoft.com/office/powerpoint/2012/main" xmlns:mc="http://schemas.openxmlformats.org/markup-compatibility/2006">
+  <p:cSld>
+    <p:spTree>
+      <p:nvGrpSpPr>
+        <p:cNvPr id="1" name=""/>
+        <p:cNvGrpSpPr/>
+        <p:nvPr/>
+      </p:nvGrpSpPr>
+      <p:grpSpPr>
+        <a:xfrm>
+          <a:off x="0" y="0"/>
+          <a:ext cx="0" cy="0"/>
+          <a:chOff x="0" y="0"/>
+          <a:chExt cx="0" cy="0"/>
+        </a:xfrm>
+      </p:grpSpPr>
+      <p:sp>
+        <p:nvSpPr>
+          <p:cNvPr id="177" name="CustomShape 1"/>
+          <p:cNvSpPr/>
+          <p:nvPr/>
+        </p:nvSpPr>
+        <p:spPr>
+          <a:xfrm>
+            <a:off x="7164360" y="4767120"/>
+            <a:ext cx="1870200" cy="271800"/>
+          </a:xfrm>
+          <a:prstGeom prst="rect">
+            <a:avLst/>
+          </a:prstGeom>
+          <a:noFill/>
+          <a:ln>
+            <a:noFill/>
+          </a:ln>
+        </p:spPr>
+        <p:style>
+          <a:lnRef idx="0"/>
+          <a:fillRef idx="0"/>
+          <a:effectRef idx="0"/>
+          <a:fontRef idx="minor"/>
+        </p:style>
+        <p:txBody>
+          <a:bodyPr lIns="90000" rIns="90000" tIns="45000" bIns="45000" anchor="ctr">
+            <a:noAutofit/>
+          </a:bodyPr>
+          <a:p>
+            <a:pPr algn="r">
+              <a:lnSpc>
+                <a:spcPct val="100000"/>
+              </a:lnSpc>
+            </a:pPr>
+            <a:fld id="{CAD5B5B1-5A25-454B-A827-62A04FABE5C5}" type="slidenum">
+              <a:rPr b="0" lang="ru-RU" sz="1200" spc="-1" strike="noStrike">
+                <a:solidFill>
+                  <a:srgbClr val="ffffff"/>
+                </a:solidFill>
+                <a:latin typeface="Akrobat SemiBold"/>
+                <a:ea typeface="DejaVu Sans"/>
+              </a:rPr>
+              <a:t>&lt;номер&gt;</a:t>
+            </a:fld>
+            <a:endParaRPr b="0" lang="ru-RU" sz="1200" spc="-1" strike="noStrike">
+              <a:latin typeface="Arial"/>
+            </a:endParaRPr>
+          </a:p>
+        </p:txBody>
+      </p:sp>
+      <p:sp>
+        <p:nvSpPr>
+          <p:cNvPr id="178" name="CustomShape 2"/>
+          <p:cNvSpPr/>
+          <p:nvPr/>
+        </p:nvSpPr>
+        <p:spPr>
+          <a:xfrm>
+            <a:off x="431640" y="915480"/>
+            <a:ext cx="8278200" cy="3742200"/>
+          </a:xfrm>
+          <a:prstGeom prst="rect">
+            <a:avLst/>
+          </a:prstGeom>
+          <a:noFill/>
+          <a:ln>
+            <a:noFill/>
+          </a:ln>
+        </p:spPr>
+        <p:style>
+          <a:lnRef idx="0"/>
+          <a:fillRef idx="0"/>
+          <a:effectRef idx="0"/>
+          <a:fontRef idx="minor"/>
+        </p:style>
+        <p:txBody>
+          <a:bodyPr lIns="90000" rIns="90000" tIns="45000" bIns="45000">
+            <a:normAutofit/>
+          </a:bodyPr>
+          <a:p>
+            <a:pPr algn="ctr">
+              <a:lnSpc>
+                <a:spcPct val="100000"/>
+              </a:lnSpc>
+              <a:spcBef>
+                <a:spcPts val="680"/>
+              </a:spcBef>
+            </a:pPr>
+            <a:r>
+              <a:rPr b="1" lang="ru-RU" sz="3400" spc="-1" strike="noStrike">
+                <a:solidFill>
+                  <a:srgbClr val="002060"/>
+                </a:solidFill>
+                <a:latin typeface="Arial"/>
+                <a:ea typeface="DejaVu Sans"/>
+              </a:rPr>
+              <a:t>Спасибо</a:t>
+            </a:r>
+            <a:endParaRPr b="0" lang="ru-RU" sz="3400" spc="-1" strike="noStrike">
+              <a:latin typeface="Arial"/>
+            </a:endParaRPr>
+          </a:p>
+          <a:p>
+            <a:pPr algn="ctr">
+              <a:lnSpc>
+                <a:spcPct val="100000"/>
+              </a:lnSpc>
+              <a:spcBef>
+                <a:spcPts val="680"/>
+              </a:spcBef>
+            </a:pPr>
+            <a:r>
+              <a:rPr b="1" lang="ru-RU" sz="3400" spc="-1" strike="noStrike">
+                <a:solidFill>
+                  <a:srgbClr val="002060"/>
+                </a:solidFill>
+                <a:latin typeface="Arial"/>
+                <a:ea typeface="DejaVu Sans"/>
+              </a:rPr>
+              <a:t>за внимание!</a:t>
+            </a:r>
+            <a:endParaRPr b="0" lang="ru-RU" sz="3400" spc="-1" strike="noStrike">
+              <a:latin typeface="Arial"/>
+            </a:endParaRPr>
+          </a:p>
+          <a:p>
+            <a:pPr algn="ctr">
+              <a:lnSpc>
+                <a:spcPct val="100000"/>
+              </a:lnSpc>
+              <a:spcBef>
+                <a:spcPts val="680"/>
+              </a:spcBef>
+            </a:pPr>
+            <a:endParaRPr b="0" lang="ru-RU" sz="3400" spc="-1" strike="noStrike">
+              <a:latin typeface="Arial"/>
+            </a:endParaRPr>
+          </a:p>
+          <a:p>
+            <a:pPr>
+              <a:lnSpc>
+                <a:spcPct val="100000"/>
+              </a:lnSpc>
+              <a:spcBef>
+                <a:spcPts val="799"/>
+              </a:spcBef>
+            </a:pPr>
+            <a:br/>
+            <a:endParaRPr b="0" lang="ru-RU" sz="3400" spc="-1" strike="noStrike">
+              <a:latin typeface="Arial"/>
+            </a:endParaRPr>
+          </a:p>
+          <a:p>
+            <a:pPr>
+              <a:lnSpc>
+                <a:spcPct val="100000"/>
+              </a:lnSpc>
+              <a:spcBef>
+                <a:spcPts val="479"/>
+              </a:spcBef>
+            </a:pPr>
+            <a:endParaRPr b="0" lang="ru-RU" sz="3400" spc="-1" strike="noStrike">
               <a:latin typeface="Arial"/>
             </a:endParaRPr>
           </a:p>
@@ -5387,14 +7632,14 @@
       </p:grpSpPr>
       <p:sp>
         <p:nvSpPr>
-          <p:cNvPr id="121" name="CustomShape 1"/>
+          <p:cNvPr id="159" name="CustomShape 1"/>
           <p:cNvSpPr/>
           <p:nvPr/>
         </p:nvSpPr>
         <p:spPr>
           <a:xfrm>
             <a:off x="431640" y="205920"/>
-            <a:ext cx="8278920" cy="564120"/>
+            <a:ext cx="8278200" cy="563400"/>
           </a:xfrm>
           <a:prstGeom prst="rect">
             <a:avLst/>
@@ -5448,14 +7693,14 @@
       </p:sp>
       <p:sp>
         <p:nvSpPr>
-          <p:cNvPr id="122" name="CustomShape 2"/>
+          <p:cNvPr id="160" name="CustomShape 2"/>
           <p:cNvSpPr/>
           <p:nvPr/>
         </p:nvSpPr>
         <p:spPr>
           <a:xfrm>
             <a:off x="7164360" y="4767120"/>
-            <a:ext cx="1870920" cy="272520"/>
+            <a:ext cx="1870200" cy="271800"/>
           </a:xfrm>
           <a:prstGeom prst="rect">
             <a:avLst/>
@@ -5481,7 +7726,7 @@
                 <a:spcPct val="100000"/>
               </a:lnSpc>
             </a:pPr>
-            <a:fld id="{93A63BDB-0E09-448E-BC0B-D2B59806830A}" type="slidenum">
+            <a:fld id="{DCE5C3C9-1D72-41A0-95AE-699127592B23}" type="slidenum">
               <a:rPr b="0" lang="ru-RU" sz="1200" spc="-1" strike="noStrike">
                 <a:solidFill>
                   <a:srgbClr val="ffffff"/>
@@ -5489,7 +7734,7 @@
                 <a:latin typeface="Akrobat SemiBold"/>
                 <a:ea typeface="DejaVu Sans"/>
               </a:rPr>
-              <a:t>&lt;номер&gt;</a:t>
+              <a:t>1</a:t>
             </a:fld>
             <a:endParaRPr b="0" lang="ru-RU" sz="1200" spc="-1" strike="noStrike">
               <a:latin typeface="Arial"/>
@@ -5499,14 +7744,14 @@
       </p:sp>
       <p:sp>
         <p:nvSpPr>
-          <p:cNvPr id="123" name="CustomShape 3"/>
+          <p:cNvPr id="161" name="CustomShape 3"/>
           <p:cNvSpPr/>
           <p:nvPr/>
         </p:nvSpPr>
         <p:spPr>
           <a:xfrm>
             <a:off x="395640" y="915480"/>
-            <a:ext cx="8278920" cy="3742920"/>
+            <a:ext cx="8278200" cy="3742200"/>
           </a:xfrm>
           <a:prstGeom prst="rect">
             <a:avLst/>
@@ -5527,7 +7772,7 @@
             <a:noAutofit/>
           </a:bodyPr>
           <a:p>
-            <a:pPr marL="432000" indent="-322920">
+            <a:pPr marL="432000" indent="-322200">
               <a:lnSpc>
                 <a:spcPct val="100000"/>
               </a:lnSpc>
@@ -5556,7 +7801,7 @@
             </a:endParaRPr>
           </a:p>
           <a:p>
-            <a:pPr marL="432000" indent="-322920">
+            <a:pPr marL="432000" indent="-322200">
               <a:lnSpc>
                 <a:spcPct val="100000"/>
               </a:lnSpc>
@@ -5585,7 +7830,7 @@
             </a:endParaRPr>
           </a:p>
           <a:p>
-            <a:pPr marL="432000" indent="-322920">
+            <a:pPr marL="432000" indent="-322200">
               <a:lnSpc>
                 <a:spcPct val="100000"/>
               </a:lnSpc>
@@ -5614,7 +7859,7 @@
             </a:endParaRPr>
           </a:p>
           <a:p>
-            <a:pPr marL="432000" indent="-322920">
+            <a:pPr marL="432000" indent="-322200">
               <a:lnSpc>
                 <a:spcPct val="100000"/>
               </a:lnSpc>
@@ -5643,7 +7888,7 @@
             </a:endParaRPr>
           </a:p>
           <a:p>
-            <a:pPr marL="432000" indent="-322920">
+            <a:pPr marL="432000" indent="-322200">
               <a:lnSpc>
                 <a:spcPct val="100000"/>
               </a:lnSpc>
@@ -5672,7 +7917,7 @@
             </a:endParaRPr>
           </a:p>
           <a:p>
-            <a:pPr marL="432000" indent="-322920">
+            <a:pPr marL="432000" indent="-322200">
               <a:lnSpc>
                 <a:spcPct val="100000"/>
               </a:lnSpc>
@@ -5734,14 +7979,14 @@
       </p:grpSpPr>
       <p:sp>
         <p:nvSpPr>
-          <p:cNvPr id="124" name="CustomShape 1"/>
+          <p:cNvPr id="162" name="CustomShape 1"/>
           <p:cNvSpPr/>
           <p:nvPr/>
         </p:nvSpPr>
         <p:spPr>
           <a:xfrm>
             <a:off x="431640" y="205920"/>
-            <a:ext cx="8278920" cy="564120"/>
+            <a:ext cx="8278200" cy="563400"/>
           </a:xfrm>
           <a:prstGeom prst="rect">
             <a:avLst/>
@@ -5785,14 +8030,14 @@
       </p:sp>
       <p:sp>
         <p:nvSpPr>
-          <p:cNvPr id="125" name="CustomShape 2"/>
+          <p:cNvPr id="163" name="CustomShape 2"/>
           <p:cNvSpPr/>
           <p:nvPr/>
         </p:nvSpPr>
         <p:spPr>
           <a:xfrm>
             <a:off x="457200" y="792000"/>
-            <a:ext cx="8228520" cy="3887280"/>
+            <a:ext cx="8227800" cy="3886560"/>
           </a:xfrm>
           <a:prstGeom prst="rect">
             <a:avLst/>
@@ -5813,7 +8058,7 @@
             <a:noAutofit/>
           </a:bodyPr>
           <a:p>
-            <a:pPr marL="216000" indent="-215280">
+            <a:pPr marL="216000" indent="-214560">
               <a:lnSpc>
                 <a:spcPct val="100000"/>
               </a:lnSpc>
@@ -5839,7 +8084,7 @@
             </a:endParaRPr>
           </a:p>
           <a:p>
-            <a:pPr marL="216000" indent="-215280">
+            <a:pPr marL="216000" indent="-214560">
               <a:lnSpc>
                 <a:spcPct val="100000"/>
               </a:lnSpc>
@@ -5865,7 +8110,7 @@
             </a:endParaRPr>
           </a:p>
           <a:p>
-            <a:pPr marL="216000" indent="-215280">
+            <a:pPr marL="216000" indent="-214560">
               <a:lnSpc>
                 <a:spcPct val="100000"/>
               </a:lnSpc>
@@ -5891,7 +8136,7 @@
             </a:endParaRPr>
           </a:p>
           <a:p>
-            <a:pPr marL="216000" indent="-215280">
+            <a:pPr marL="216000" indent="-214560">
               <a:lnSpc>
                 <a:spcPct val="100000"/>
               </a:lnSpc>
@@ -5948,201 +8193,29 @@
           <a:chExt cx="0" cy="0"/>
         </a:xfrm>
       </p:grpSpPr>
-      <p:sp>
-        <p:nvSpPr>
-          <p:cNvPr id="126" name="CustomShape 1"/>
-          <p:cNvSpPr/>
+      <p:pic>
+        <p:nvPicPr>
+          <p:cNvPr id="164" name="" descr=""/>
+          <p:cNvPicPr/>
           <p:nvPr/>
-        </p:nvSpPr>
-        <p:spPr>
-          <a:xfrm>
-            <a:off x="431640" y="205920"/>
-            <a:ext cx="8278920" cy="564120"/>
-          </a:xfrm>
-          <a:prstGeom prst="rect">
-            <a:avLst/>
-          </a:prstGeom>
-          <a:noFill/>
+        </p:nvPicPr>
+        <p:blipFill>
+          <a:blip r:embed="rId1"/>
+          <a:stretch/>
+        </p:blipFill>
+        <p:spPr>
+          <a:xfrm>
+            <a:off x="-431640" y="576000"/>
+            <a:ext cx="9143640" cy="4389120"/>
+          </a:xfrm>
+          <a:prstGeom prst="rect">
+            <a:avLst/>
+          </a:prstGeom>
           <a:ln>
             <a:noFill/>
           </a:ln>
         </p:spPr>
-        <p:style>
-          <a:lnRef idx="0"/>
-          <a:fillRef idx="0"/>
-          <a:effectRef idx="0"/>
-          <a:fontRef idx="minor"/>
-        </p:style>
-        <p:txBody>
-          <a:bodyPr lIns="0" rIns="0" tIns="0" bIns="0" anchor="ctr">
-            <a:noAutofit/>
-          </a:bodyPr>
-          <a:p>
-            <a:pPr algn="r">
-              <a:lnSpc>
-                <a:spcPct val="100000"/>
-              </a:lnSpc>
-            </a:pPr>
-            <a:r>
-              <a:rPr b="0" lang="ru-RU" sz="1800" spc="-1" strike="noStrike">
-                <a:solidFill>
-                  <a:srgbClr val="000000"/>
-                </a:solidFill>
-                <a:latin typeface="Arial"/>
-                <a:ea typeface="DejaVu Sans"/>
-              </a:rPr>
-              <a:t>Разработка механической конструкции</a:t>
-            </a:r>
-            <a:endParaRPr b="0" lang="ru-RU" sz="1800" spc="-1" strike="noStrike">
-              <a:latin typeface="Arial"/>
-            </a:endParaRPr>
-          </a:p>
-        </p:txBody>
-      </p:sp>
-      <p:sp>
-        <p:nvSpPr>
-          <p:cNvPr id="127" name="CustomShape 2"/>
-          <p:cNvSpPr/>
-          <p:nvPr/>
-        </p:nvSpPr>
-        <p:spPr>
-          <a:xfrm>
-            <a:off x="431640" y="792000"/>
-            <a:ext cx="8228520" cy="3887280"/>
-          </a:xfrm>
-          <a:prstGeom prst="rect">
-            <a:avLst/>
-          </a:prstGeom>
-          <a:noFill/>
-          <a:ln>
-            <a:noFill/>
-          </a:ln>
-        </p:spPr>
-        <p:style>
-          <a:lnRef idx="0"/>
-          <a:fillRef idx="0"/>
-          <a:effectRef idx="0"/>
-          <a:fontRef idx="minor"/>
-        </p:style>
-      </p:sp>
-      <p:sp>
-        <p:nvSpPr>
-          <p:cNvPr id="128" name="CustomShape 3"/>
-          <p:cNvSpPr/>
-          <p:nvPr/>
-        </p:nvSpPr>
-        <p:spPr>
-          <a:xfrm>
-            <a:off x="457200" y="1203480"/>
-            <a:ext cx="8228880" cy="2982600"/>
-          </a:xfrm>
-          <a:prstGeom prst="rect">
-            <a:avLst/>
-          </a:prstGeom>
-          <a:noFill/>
-          <a:ln>
-            <a:noFill/>
-          </a:ln>
-        </p:spPr>
-        <p:style>
-          <a:lnRef idx="0"/>
-          <a:fillRef idx="0"/>
-          <a:effectRef idx="0"/>
-          <a:fontRef idx="minor"/>
-        </p:style>
-        <p:txBody>
-          <a:bodyPr lIns="0" rIns="0" tIns="0" bIns="0">
-            <a:normAutofit/>
-          </a:bodyPr>
-          <a:p>
-            <a:pPr marL="432000" indent="-323640">
-              <a:lnSpc>
-                <a:spcPct val="100000"/>
-              </a:lnSpc>
-              <a:spcBef>
-                <a:spcPts val="1417"/>
-              </a:spcBef>
-              <a:buClr>
-                <a:srgbClr val="000000"/>
-              </a:buClr>
-              <a:buSzPct val="45000"/>
-              <a:buFont typeface="Wingdings" charset="2"/>
-              <a:buChar char=""/>
-            </a:pPr>
-            <a:r>
-              <a:rPr b="0" lang="ru-RU" sz="2400" spc="-1" strike="noStrike">
-                <a:latin typeface="Arial"/>
-              </a:rPr>
-              <a:t> </a:t>
-            </a:r>
-            <a:r>
-              <a:rPr b="0" lang="ru-RU" sz="2400" spc="-1" strike="noStrike">
-                <a:latin typeface="Arial"/>
-              </a:rPr>
-              <a:t>Внешний дизайн прибора</a:t>
-            </a:r>
-            <a:endParaRPr b="0" lang="ru-RU" sz="2400" spc="-1" strike="noStrike">
-              <a:latin typeface="Arial"/>
-            </a:endParaRPr>
-          </a:p>
-          <a:p>
-            <a:pPr marL="432000" indent="-323640">
-              <a:lnSpc>
-                <a:spcPct val="100000"/>
-              </a:lnSpc>
-              <a:spcBef>
-                <a:spcPts val="1417"/>
-              </a:spcBef>
-              <a:buClr>
-                <a:srgbClr val="000000"/>
-              </a:buClr>
-              <a:buSzPct val="45000"/>
-              <a:buFont typeface="Wingdings" charset="2"/>
-              <a:buChar char=""/>
-            </a:pPr>
-            <a:r>
-              <a:rPr b="0" lang="ru-RU" sz="2400" spc="-1" strike="noStrike">
-                <a:latin typeface="Arial"/>
-              </a:rPr>
-              <a:t>Внутренняя конструкция (крепление платы, конструкция изоляции, цепи сопряжения, разъемы сопряжения с внешним дизайном)</a:t>
-            </a:r>
-            <a:endParaRPr b="0" lang="ru-RU" sz="2400" spc="-1" strike="noStrike">
-              <a:latin typeface="Arial"/>
-            </a:endParaRPr>
-          </a:p>
-          <a:p>
-            <a:pPr marL="432000" indent="-323640">
-              <a:lnSpc>
-                <a:spcPct val="100000"/>
-              </a:lnSpc>
-              <a:spcBef>
-                <a:spcPts val="1417"/>
-              </a:spcBef>
-              <a:buClr>
-                <a:srgbClr val="000000"/>
-              </a:buClr>
-              <a:buSzPct val="45000"/>
-              <a:buFont typeface="Wingdings" charset="2"/>
-              <a:buChar char=""/>
-            </a:pPr>
-            <a:r>
-              <a:rPr b="0" lang="ru-RU" sz="2400" spc="-1" strike="noStrike">
-                <a:latin typeface="Arial"/>
-              </a:rPr>
-              <a:t> </a:t>
-            </a:r>
-            <a:r>
-              <a:rPr b="0" lang="ru-RU" sz="2400" spc="-1" strike="noStrike">
-                <a:latin typeface="Arial"/>
-              </a:rPr>
-              <a:t>Внесение изменений для соответствия исполнению (климат, ЭМИ и прочее)</a:t>
-            </a:r>
-            <a:endParaRPr b="0" lang="ru-RU" sz="2400" spc="-1" strike="noStrike">
-              <a:latin typeface="Arial"/>
-            </a:endParaRPr>
-          </a:p>
-        </p:txBody>
-      </p:sp>
+      </p:pic>
     </p:spTree>
   </p:cSld>
   <mc:AlternateContent>
@@ -6173,144 +8246,29 @@
           <a:chExt cx="0" cy="0"/>
         </a:xfrm>
       </p:grpSpPr>
-      <p:sp>
-        <p:nvSpPr>
-          <p:cNvPr id="129" name="TextShape 1"/>
-          <p:cNvSpPr txBox="1"/>
+      <p:pic>
+        <p:nvPicPr>
+          <p:cNvPr id="165" name="" descr=""/>
+          <p:cNvPicPr/>
           <p:nvPr/>
-        </p:nvSpPr>
-        <p:spPr>
-          <a:xfrm>
-            <a:off x="457200" y="9360"/>
-            <a:ext cx="8228880" cy="1249920"/>
-          </a:xfrm>
-          <a:prstGeom prst="rect">
-            <a:avLst/>
-          </a:prstGeom>
-          <a:noFill/>
+        </p:nvPicPr>
+        <p:blipFill>
+          <a:blip r:embed="rId1"/>
+          <a:stretch/>
+        </p:blipFill>
+        <p:spPr>
+          <a:xfrm>
+            <a:off x="-215640" y="598680"/>
+            <a:ext cx="9143640" cy="3793320"/>
+          </a:xfrm>
+          <a:prstGeom prst="rect">
+            <a:avLst/>
+          </a:prstGeom>
           <a:ln>
             <a:noFill/>
           </a:ln>
         </p:spPr>
-        <p:txBody>
-          <a:bodyPr lIns="0" rIns="0" tIns="0" bIns="0" anchor="ctr">
-            <a:noAutofit/>
-          </a:bodyPr>
-          <a:p>
-            <a:pPr algn="r"/>
-            <a:r>
-              <a:rPr b="0" lang="ru-RU" sz="2000" spc="-1" strike="noStrike">
-                <a:latin typeface="Arial"/>
-              </a:rPr>
-              <a:t>Проектирование печатных плат прибора</a:t>
-            </a:r>
-            <a:endParaRPr b="0" lang="ru-RU" sz="2000" spc="-1" strike="noStrike">
-              <a:latin typeface="Arial"/>
-            </a:endParaRPr>
-          </a:p>
-        </p:txBody>
-      </p:sp>
-      <p:sp>
-        <p:nvSpPr>
-          <p:cNvPr id="130" name="TextShape 2"/>
-          <p:cNvSpPr txBox="1"/>
-          <p:nvPr/>
-        </p:nvSpPr>
-        <p:spPr>
-          <a:xfrm>
-            <a:off x="457200" y="1203480"/>
-            <a:ext cx="8228880" cy="2982600"/>
-          </a:xfrm>
-          <a:prstGeom prst="rect">
-            <a:avLst/>
-          </a:prstGeom>
-          <a:noFill/>
-          <a:ln>
-            <a:noFill/>
-          </a:ln>
-        </p:spPr>
-        <p:txBody>
-          <a:bodyPr lIns="0" rIns="0" tIns="0" bIns="0">
-            <a:noAutofit/>
-          </a:bodyPr>
-          <a:p>
-            <a:pPr marL="216000" indent="-216000">
-              <a:buClr>
-                <a:srgbClr val="000000"/>
-              </a:buClr>
-              <a:buSzPct val="45000"/>
-              <a:buFont typeface="Wingdings" charset="2"/>
-              <a:buChar char=""/>
-            </a:pPr>
-            <a:r>
-              <a:rPr b="0" lang="ru-RU" sz="3200" spc="-1" strike="noStrike">
-                <a:latin typeface="Arial"/>
-              </a:rPr>
-              <a:t>Расстановка привязанных компонентов</a:t>
-            </a:r>
-            <a:endParaRPr b="0" lang="ru-RU" sz="3200" spc="-1" strike="noStrike">
-              <a:latin typeface="Arial"/>
-            </a:endParaRPr>
-          </a:p>
-          <a:p>
-            <a:pPr marL="216000" indent="-216000">
-              <a:buClr>
-                <a:srgbClr val="000000"/>
-              </a:buClr>
-              <a:buSzPct val="45000"/>
-              <a:buFont typeface="Wingdings" charset="2"/>
-              <a:buChar char=""/>
-            </a:pPr>
-            <a:r>
-              <a:rPr b="0" lang="ru-RU" sz="3200" spc="-1" strike="noStrike">
-                <a:latin typeface="Arial"/>
-              </a:rPr>
-              <a:t>Проектирование трассировки и расположения компонентов</a:t>
-            </a:r>
-            <a:endParaRPr b="0" lang="ru-RU" sz="3200" spc="-1" strike="noStrike">
-              <a:latin typeface="Arial"/>
-            </a:endParaRPr>
-          </a:p>
-          <a:p>
-            <a:pPr marL="216000" indent="-216000">
-              <a:buClr>
-                <a:srgbClr val="000000"/>
-              </a:buClr>
-              <a:buSzPct val="45000"/>
-              <a:buFont typeface="Wingdings" charset="2"/>
-              <a:buChar char=""/>
-            </a:pPr>
-            <a:r>
-              <a:rPr b="0" lang="ru-RU" sz="3200" spc="-1" strike="noStrike">
-                <a:latin typeface="Arial"/>
-              </a:rPr>
-              <a:t>Редактирование шелкографии</a:t>
-            </a:r>
-            <a:endParaRPr b="0" lang="ru-RU" sz="3200" spc="-1" strike="noStrike">
-              <a:latin typeface="Arial"/>
-            </a:endParaRPr>
-          </a:p>
-          <a:p>
-            <a:pPr marL="216000" indent="-216000">
-              <a:buClr>
-                <a:srgbClr val="000000"/>
-              </a:buClr>
-              <a:buSzPct val="45000"/>
-              <a:buFont typeface="Wingdings" charset="2"/>
-              <a:buChar char=""/>
-            </a:pPr>
-            <a:r>
-              <a:rPr b="0" lang="ru-RU" sz="3200" spc="-1" strike="noStrike">
-                <a:latin typeface="Arial"/>
-              </a:rPr>
-              <a:t>Генерация выходных файлов</a:t>
-            </a:r>
-            <a:endParaRPr b="0" lang="ru-RU" sz="3200" spc="-1" strike="noStrike">
-              <a:latin typeface="Arial"/>
-            </a:endParaRPr>
-          </a:p>
-        </p:txBody>
-      </p:sp>
+      </p:pic>
     </p:spTree>
   </p:cSld>
   <mc:AlternateContent>
@@ -6343,14 +8301,14 @@
       </p:grpSpPr>
       <p:sp>
         <p:nvSpPr>
-          <p:cNvPr id="131" name="TextShape 1"/>
-          <p:cNvSpPr txBox="1"/>
+          <p:cNvPr id="166" name="CustomShape 1"/>
+          <p:cNvSpPr/>
           <p:nvPr/>
         </p:nvSpPr>
         <p:spPr>
           <a:xfrm>
-            <a:off x="457200" y="9360"/>
-            <a:ext cx="8228880" cy="1249920"/>
+            <a:off x="431640" y="205920"/>
+            <a:ext cx="8278200" cy="563400"/>
           </a:xfrm>
           <a:prstGeom prst="rect">
             <a:avLst/>
@@ -6360,34 +8318,48 @@
             <a:noFill/>
           </a:ln>
         </p:spPr>
+        <p:style>
+          <a:lnRef idx="0"/>
+          <a:fillRef idx="0"/>
+          <a:effectRef idx="0"/>
+          <a:fontRef idx="minor"/>
+        </p:style>
         <p:txBody>
           <a:bodyPr lIns="0" rIns="0" tIns="0" bIns="0" anchor="ctr">
             <a:noAutofit/>
           </a:bodyPr>
           <a:p>
-            <a:pPr algn="r"/>
+            <a:pPr algn="r">
+              <a:lnSpc>
+                <a:spcPct val="100000"/>
+              </a:lnSpc>
+            </a:pPr>
             <a:r>
-              <a:rPr b="0" lang="ru-RU" sz="2000" spc="-1" strike="noStrike">
+              <a:rPr b="0" lang="ru-RU" sz="1800" spc="-1" strike="noStrike">
+                <a:solidFill>
+                  <a:srgbClr val="000000"/>
+                </a:solidFill>
                 <a:latin typeface="Arial"/>
+                <a:ea typeface="DejaVu Sans"/>
               </a:rPr>
-              <a:t>Разработка встроенного ПО</a:t>
+              <a:t>Разработка механической конструкции</a:t>
             </a:r>
-            <a:endParaRPr b="0" lang="ru-RU" sz="2000" spc="-1" strike="noStrike">
-              <a:latin typeface="Arial"/>
-            </a:endParaRPr>
-          </a:p>
-        </p:txBody>
-      </p:sp>
-      <p:sp>
-        <p:nvSpPr>
-          <p:cNvPr id="132" name="TextShape 2"/>
-          <p:cNvSpPr txBox="1"/>
+            <a:endParaRPr b="0" lang="ru-RU" sz="1800" spc="-1" strike="noStrike">
+              <a:latin typeface="Arial"/>
+            </a:endParaRPr>
+          </a:p>
+        </p:txBody>
+      </p:sp>
+      <p:sp>
+        <p:nvSpPr>
+          <p:cNvPr id="167" name="CustomShape 2"/>
+          <p:cNvSpPr/>
           <p:nvPr/>
         </p:nvSpPr>
         <p:spPr>
           <a:xfrm>
-            <a:off x="457200" y="1203480"/>
-            <a:ext cx="8228880" cy="2982600"/>
+            <a:off x="431640" y="792000"/>
+            <a:ext cx="8227800" cy="3886560"/>
           </a:xfrm>
           <a:prstGeom prst="rect">
             <a:avLst/>
@@ -6397,12 +8369,50 @@
             <a:noFill/>
           </a:ln>
         </p:spPr>
-        <p:txBody>
-          <a:bodyPr lIns="0" rIns="0" tIns="0" bIns="0">
-            <a:noAutofit/>
-          </a:bodyPr>
-          <a:p>
-            <a:pPr marL="216000" indent="-216000">
+        <p:style>
+          <a:lnRef idx="0"/>
+          <a:fillRef idx="0"/>
+          <a:effectRef idx="0"/>
+          <a:fontRef idx="minor"/>
+        </p:style>
+      </p:sp>
+      <p:sp>
+        <p:nvSpPr>
+          <p:cNvPr id="168" name="CustomShape 3"/>
+          <p:cNvSpPr/>
+          <p:nvPr/>
+        </p:nvSpPr>
+        <p:spPr>
+          <a:xfrm>
+            <a:off x="457200" y="1203480"/>
+            <a:ext cx="8228160" cy="2981880"/>
+          </a:xfrm>
+          <a:prstGeom prst="rect">
+            <a:avLst/>
+          </a:prstGeom>
+          <a:noFill/>
+          <a:ln>
+            <a:noFill/>
+          </a:ln>
+        </p:spPr>
+        <p:style>
+          <a:lnRef idx="0"/>
+          <a:fillRef idx="0"/>
+          <a:effectRef idx="0"/>
+          <a:fontRef idx="minor"/>
+        </p:style>
+        <p:txBody>
+          <a:bodyPr lIns="0" rIns="0" tIns="0" bIns="0">
+            <a:normAutofit/>
+          </a:bodyPr>
+          <a:p>
+            <a:pPr marL="432000" indent="-322920">
+              <a:lnSpc>
+                <a:spcPct val="100000"/>
+              </a:lnSpc>
+              <a:spcBef>
+                <a:spcPts val="1417"/>
+              </a:spcBef>
               <a:buClr>
                 <a:srgbClr val="000000"/>
               </a:buClr>
@@ -6411,17 +8421,37 @@
               <a:buChar char=""/>
             </a:pPr>
             <a:r>
-              <a:rPr b="0" lang="ru-RU" sz="3200" spc="-1" strike="noStrike">
+              <a:rPr b="0" lang="ru-RU" sz="2400" spc="-1" strike="noStrike">
+                <a:solidFill>
+                  <a:srgbClr val="000000"/>
+                </a:solidFill>
                 <a:latin typeface="Arial"/>
+                <a:ea typeface="DejaVu Sans"/>
               </a:rPr>
-              <a:t>Программно-аппаратная прослойка абстракции от платформы</a:t>
+              <a:t> </a:t>
             </a:r>
-            <a:endParaRPr b="0" lang="ru-RU" sz="3200" spc="-1" strike="noStrike">
-              <a:latin typeface="Arial"/>
-            </a:endParaRPr>
-          </a:p>
-          <a:p>
-            <a:pPr marL="216000" indent="-216000">
+            <a:r>
+              <a:rPr b="0" lang="ru-RU" sz="2400" spc="-1" strike="noStrike">
+                <a:solidFill>
+                  <a:srgbClr val="000000"/>
+                </a:solidFill>
+                <a:latin typeface="Arial"/>
+                <a:ea typeface="DejaVu Sans"/>
+              </a:rPr>
+              <a:t>Внешний дизайн прибора</a:t>
+            </a:r>
+            <a:endParaRPr b="0" lang="ru-RU" sz="2400" spc="-1" strike="noStrike">
+              <a:latin typeface="Arial"/>
+            </a:endParaRPr>
+          </a:p>
+          <a:p>
+            <a:pPr marL="432000" indent="-322920">
+              <a:lnSpc>
+                <a:spcPct val="100000"/>
+              </a:lnSpc>
+              <a:spcBef>
+                <a:spcPts val="1417"/>
+              </a:spcBef>
               <a:buClr>
                 <a:srgbClr val="000000"/>
               </a:buClr>
@@ -6430,17 +8460,27 @@
               <a:buChar char=""/>
             </a:pPr>
             <a:r>
-              <a:rPr b="0" lang="ru-RU" sz="3200" spc="-1" strike="noStrike">
+              <a:rPr b="0" lang="ru-RU" sz="2400" spc="-1" strike="noStrike">
+                <a:solidFill>
+                  <a:srgbClr val="000000"/>
+                </a:solidFill>
                 <a:latin typeface="Arial"/>
+                <a:ea typeface="DejaVu Sans"/>
               </a:rPr>
-              <a:t>Алгоритм работы прибора</a:t>
+              <a:t>Внутренняя конструкция (крепление платы, конструкция изоляции, цепи сопряжения, разъемы сопряжения с внешним дизайном)</a:t>
             </a:r>
-            <a:endParaRPr b="0" lang="ru-RU" sz="3200" spc="-1" strike="noStrike">
-              <a:latin typeface="Arial"/>
-            </a:endParaRPr>
-          </a:p>
-          <a:p>
-            <a:pPr marL="216000" indent="-216000">
+            <a:endParaRPr b="0" lang="ru-RU" sz="2400" spc="-1" strike="noStrike">
+              <a:latin typeface="Arial"/>
+            </a:endParaRPr>
+          </a:p>
+          <a:p>
+            <a:pPr marL="432000" indent="-322920">
+              <a:lnSpc>
+                <a:spcPct val="100000"/>
+              </a:lnSpc>
+              <a:spcBef>
+                <a:spcPts val="1417"/>
+              </a:spcBef>
               <a:buClr>
                 <a:srgbClr val="000000"/>
               </a:buClr>
@@ -6449,31 +8489,26 @@
               <a:buChar char=""/>
             </a:pPr>
             <a:r>
-              <a:rPr b="0" lang="ru-RU" sz="3200" spc="-1" strike="noStrike">
+              <a:rPr b="0" lang="ru-RU" sz="2400" spc="-1" strike="noStrike">
+                <a:solidFill>
+                  <a:srgbClr val="000000"/>
+                </a:solidFill>
                 <a:latin typeface="Arial"/>
+                <a:ea typeface="DejaVu Sans"/>
               </a:rPr>
-              <a:t>Настройка взаимодействия между задачами в приборе</a:t>
+              <a:t> </a:t>
             </a:r>
-            <a:endParaRPr b="0" lang="ru-RU" sz="3200" spc="-1" strike="noStrike">
-              <a:latin typeface="Arial"/>
-            </a:endParaRPr>
-          </a:p>
-          <a:p>
-            <a:pPr marL="216000" indent="-216000">
-              <a:buClr>
-                <a:srgbClr val="000000"/>
-              </a:buClr>
-              <a:buSzPct val="45000"/>
-              <a:buFont typeface="Wingdings" charset="2"/>
-              <a:buChar char=""/>
-            </a:pPr>
             <a:r>
-              <a:rPr b="0" lang="ru-RU" sz="3200" spc="-1" strike="noStrike">
+              <a:rPr b="0" lang="ru-RU" sz="2400" spc="-1" strike="noStrike">
+                <a:solidFill>
+                  <a:srgbClr val="000000"/>
+                </a:solidFill>
                 <a:latin typeface="Arial"/>
+                <a:ea typeface="DejaVu Sans"/>
               </a:rPr>
-              <a:t>Реализация алгоритмов работы прибора</a:t>
+              <a:t>Внесение изменений для соответствия исполнению (климатическое исполнение, ЭМИ и прочее)</a:t>
             </a:r>
-            <a:endParaRPr b="0" lang="ru-RU" sz="3200" spc="-1" strike="noStrike">
+            <a:endParaRPr b="0" lang="ru-RU" sz="2400" spc="-1" strike="noStrike">
               <a:latin typeface="Arial"/>
             </a:endParaRPr>
           </a:p>
@@ -6509,16 +8544,69 @@
           <a:chExt cx="0" cy="0"/>
         </a:xfrm>
       </p:grpSpPr>
-      <p:sp>
-        <p:nvSpPr>
-          <p:cNvPr id="133" name="CustomShape 1"/>
+      <p:pic>
+        <p:nvPicPr>
+          <p:cNvPr id="169" name="" descr=""/>
+          <p:cNvPicPr/>
+          <p:nvPr/>
+        </p:nvPicPr>
+        <p:blipFill>
+          <a:blip r:embed="rId1"/>
+          <a:stretch/>
+        </p:blipFill>
+        <p:spPr>
+          <a:xfrm>
+            <a:off x="1581840" y="936000"/>
+            <a:ext cx="5762160" cy="3495240"/>
+          </a:xfrm>
+          <a:prstGeom prst="rect">
+            <a:avLst/>
+          </a:prstGeom>
+          <a:ln>
+            <a:noFill/>
+          </a:ln>
+        </p:spPr>
+      </p:pic>
+    </p:spTree>
+  </p:cSld>
+  <mc:AlternateContent>
+    <mc:Choice Requires="p14">
+      <p:transition spd="slow" p14:dur="2000"/>
+    </mc:Choice>
+    <mc:Fallback>
+      <p:transition spd="slow"/>
+    </mc:Fallback>
+  </mc:AlternateContent>
+</p:sld>
+</file>
+
+<file path=ppt/slides/slide8.xml><?xml version="1.0" encoding="utf-8"?>
+<p:sld xmlns:a="http://schemas.openxmlformats.org/drawingml/2006/main" xmlns:p="http://schemas.openxmlformats.org/presentationml/2006/main" xmlns:r="http://schemas.openxmlformats.org/officeDocument/2006/relationships" xmlns:p14="http://schemas.microsoft.com/office/powerpoint/2010/main" xmlns:p15="http://schemas.microsoft.com/office/powerpoint/2012/main" xmlns:mc="http://schemas.openxmlformats.org/markup-compatibility/2006">
+  <p:cSld>
+    <p:spTree>
+      <p:nvGrpSpPr>
+        <p:cNvPr id="1" name=""/>
+        <p:cNvGrpSpPr/>
+        <p:nvPr/>
+      </p:nvGrpSpPr>
+      <p:grpSpPr>
+        <a:xfrm>
+          <a:off x="0" y="0"/>
+          <a:ext cx="0" cy="0"/>
+          <a:chOff x="0" y="0"/>
+          <a:chExt cx="0" cy="0"/>
+        </a:xfrm>
+      </p:grpSpPr>
+      <p:sp>
+        <p:nvSpPr>
+          <p:cNvPr id="170" name="CustomShape 1"/>
           <p:cNvSpPr/>
           <p:nvPr/>
         </p:nvSpPr>
         <p:spPr>
           <a:xfrm>
-            <a:off x="7164360" y="4767120"/>
-            <a:ext cx="1870920" cy="272520"/>
+            <a:off x="457200" y="9360"/>
+            <a:ext cx="8228160" cy="1249200"/>
           </a:xfrm>
           <a:prstGeom prst="rect">
             <a:avLst/>
@@ -6535,7 +8623,7 @@
           <a:fontRef idx="minor"/>
         </p:style>
         <p:txBody>
-          <a:bodyPr lIns="90000" rIns="90000" tIns="45000" bIns="45000" anchor="ctr">
+          <a:bodyPr lIns="0" rIns="0" tIns="0" bIns="0" anchor="ctr">
             <a:noAutofit/>
           </a:bodyPr>
           <a:p>
@@ -6544,32 +8632,32 @@
                 <a:spcPct val="100000"/>
               </a:lnSpc>
             </a:pPr>
-            <a:fld id="{D3AECD28-9E9C-4C60-9A1C-55D69BE65E6F}" type="slidenum">
-              <a:rPr b="0" lang="ru-RU" sz="1200" spc="-1" strike="noStrike">
+            <a:r>
+              <a:rPr b="0" lang="ru-RU" sz="2000" spc="-1" strike="noStrike">
                 <a:solidFill>
-                  <a:srgbClr val="ffffff"/>
+                  <a:srgbClr val="000000"/>
                 </a:solidFill>
-                <a:latin typeface="Akrobat SemiBold"/>
+                <a:latin typeface="Arial"/>
                 <a:ea typeface="DejaVu Sans"/>
               </a:rPr>
-              <a:t>&lt;номер&gt;</a:t>
-            </a:fld>
-            <a:endParaRPr b="0" lang="ru-RU" sz="1200" spc="-1" strike="noStrike">
-              <a:latin typeface="Arial"/>
-            </a:endParaRPr>
-          </a:p>
-        </p:txBody>
-      </p:sp>
-      <p:sp>
-        <p:nvSpPr>
-          <p:cNvPr id="134" name="CustomShape 2"/>
+              <a:t>Проектирование печатных плат прибора</a:t>
+            </a:r>
+            <a:endParaRPr b="0" lang="ru-RU" sz="2000" spc="-1" strike="noStrike">
+              <a:latin typeface="Arial"/>
+            </a:endParaRPr>
+          </a:p>
+        </p:txBody>
+      </p:sp>
+      <p:sp>
+        <p:nvSpPr>
+          <p:cNvPr id="171" name="CustomShape 2"/>
           <p:cNvSpPr/>
           <p:nvPr/>
         </p:nvSpPr>
         <p:spPr>
           <a:xfrm>
-            <a:off x="431640" y="915480"/>
-            <a:ext cx="8278920" cy="3742920"/>
+            <a:off x="457200" y="1203480"/>
+            <a:ext cx="8228160" cy="2981880"/>
           </a:xfrm>
           <a:prstGeom prst="rect">
             <a:avLst/>
@@ -6586,92 +8674,203 @@
           <a:fontRef idx="minor"/>
         </p:style>
         <p:txBody>
-          <a:bodyPr lIns="90000" rIns="90000" tIns="45000" bIns="45000">
-            <a:normAutofit/>
-          </a:bodyPr>
-          <a:p>
-            <a:pPr algn="ctr">
+          <a:bodyPr lIns="0" rIns="0" tIns="0" bIns="0">
+            <a:noAutofit/>
+          </a:bodyPr>
+          <a:p>
+            <a:pPr marL="216000" indent="-215280">
               <a:lnSpc>
                 <a:spcPct val="100000"/>
               </a:lnSpc>
-              <a:spcBef>
-                <a:spcPts val="680"/>
-              </a:spcBef>
+              <a:buClr>
+                <a:srgbClr val="000000"/>
+              </a:buClr>
+              <a:buSzPct val="45000"/>
+              <a:buFont typeface="Wingdings" charset="2"/>
+              <a:buChar char=""/>
             </a:pPr>
             <a:r>
-              <a:rPr b="1" lang="ru-RU" sz="3400" spc="-1" strike="noStrike">
+              <a:rPr b="0" lang="ru-RU" sz="2800" spc="-1" strike="noStrike">
                 <a:solidFill>
-                  <a:srgbClr val="002060"/>
+                  <a:srgbClr val="000000"/>
                 </a:solidFill>
                 <a:latin typeface="Arial"/>
                 <a:ea typeface="DejaVu Sans"/>
               </a:rPr>
-              <a:t>Спасибо</a:t>
+              <a:t>Контур платы</a:t>
             </a:r>
-            <a:endParaRPr b="0" lang="ru-RU" sz="3400" spc="-1" strike="noStrike">
-              <a:latin typeface="Arial"/>
-            </a:endParaRPr>
-          </a:p>
-          <a:p>
-            <a:pPr algn="ctr">
+            <a:endParaRPr b="0" lang="ru-RU" sz="2800" spc="-1" strike="noStrike">
+              <a:latin typeface="Arial"/>
+            </a:endParaRPr>
+          </a:p>
+          <a:p>
+            <a:pPr marL="216000" indent="-215280">
               <a:lnSpc>
                 <a:spcPct val="100000"/>
               </a:lnSpc>
-              <a:spcBef>
-                <a:spcPts val="680"/>
-              </a:spcBef>
+              <a:buClr>
+                <a:srgbClr val="000000"/>
+              </a:buClr>
+              <a:buSzPct val="45000"/>
+              <a:buFont typeface="Wingdings" charset="2"/>
+              <a:buChar char=""/>
             </a:pPr>
             <a:r>
-              <a:rPr b="1" lang="ru-RU" sz="3400" spc="-1" strike="noStrike">
+              <a:rPr b="0" lang="ru-RU" sz="2800" spc="-1" strike="noStrike">
                 <a:solidFill>
-                  <a:srgbClr val="002060"/>
+                  <a:srgbClr val="000000"/>
                 </a:solidFill>
                 <a:latin typeface="Arial"/>
                 <a:ea typeface="DejaVu Sans"/>
               </a:rPr>
-              <a:t>за внимание!</a:t>
+              <a:t>Расстановка привязанных компонентов</a:t>
             </a:r>
-            <a:endParaRPr b="0" lang="ru-RU" sz="3400" spc="-1" strike="noStrike">
-              <a:latin typeface="Arial"/>
-            </a:endParaRPr>
-          </a:p>
-          <a:p>
-            <a:pPr algn="ctr">
+            <a:endParaRPr b="0" lang="ru-RU" sz="2800" spc="-1" strike="noStrike">
+              <a:latin typeface="Arial"/>
+            </a:endParaRPr>
+          </a:p>
+          <a:p>
+            <a:pPr marL="216000" indent="-215280">
               <a:lnSpc>
                 <a:spcPct val="100000"/>
               </a:lnSpc>
-              <a:spcBef>
-                <a:spcPts val="680"/>
-              </a:spcBef>
+              <a:buClr>
+                <a:srgbClr val="000000"/>
+              </a:buClr>
+              <a:buSzPct val="45000"/>
+              <a:buFont typeface="Wingdings" charset="2"/>
+              <a:buChar char=""/>
             </a:pPr>
-            <a:endParaRPr b="0" lang="ru-RU" sz="3400" spc="-1" strike="noStrike">
-              <a:latin typeface="Arial"/>
-            </a:endParaRPr>
-          </a:p>
-          <a:p>
-            <a:pPr>
+            <a:r>
+              <a:rPr b="0" lang="ru-RU" sz="2800" spc="-1" strike="noStrike">
+                <a:solidFill>
+                  <a:srgbClr val="000000"/>
+                </a:solidFill>
+                <a:latin typeface="Arial"/>
+                <a:ea typeface="DejaVu Sans"/>
+              </a:rPr>
+              <a:t>Проектирование трассировки и расположения компонентов</a:t>
+            </a:r>
+            <a:endParaRPr b="0" lang="ru-RU" sz="2800" spc="-1" strike="noStrike">
+              <a:latin typeface="Arial"/>
+            </a:endParaRPr>
+          </a:p>
+          <a:p>
+            <a:pPr marL="216000" indent="-215280">
               <a:lnSpc>
                 <a:spcPct val="100000"/>
               </a:lnSpc>
-              <a:spcBef>
-                <a:spcPts val="799"/>
-              </a:spcBef>
+              <a:buClr>
+                <a:srgbClr val="000000"/>
+              </a:buClr>
+              <a:buSzPct val="45000"/>
+              <a:buFont typeface="Wingdings" charset="2"/>
+              <a:buChar char=""/>
             </a:pPr>
-            <a:br/>
-            <a:endParaRPr b="0" lang="ru-RU" sz="3400" spc="-1" strike="noStrike">
-              <a:latin typeface="Arial"/>
-            </a:endParaRPr>
-          </a:p>
-          <a:p>
-            <a:pPr>
+            <a:r>
+              <a:rPr b="0" lang="ru-RU" sz="2800" spc="-1" strike="noStrike">
+                <a:solidFill>
+                  <a:srgbClr val="000000"/>
+                </a:solidFill>
+                <a:latin typeface="Arial"/>
+                <a:ea typeface="DejaVu Sans"/>
+              </a:rPr>
+              <a:t>Редактирование шелкографии</a:t>
+            </a:r>
+            <a:endParaRPr b="0" lang="ru-RU" sz="2800" spc="-1" strike="noStrike">
+              <a:latin typeface="Arial"/>
+            </a:endParaRPr>
+          </a:p>
+          <a:p>
+            <a:pPr marL="216000" indent="-215280">
               <a:lnSpc>
                 <a:spcPct val="100000"/>
               </a:lnSpc>
-              <a:spcBef>
-                <a:spcPts val="479"/>
-              </a:spcBef>
+              <a:buClr>
+                <a:srgbClr val="000000"/>
+              </a:buClr>
+              <a:buSzPct val="45000"/>
+              <a:buFont typeface="Wingdings" charset="2"/>
+              <a:buChar char=""/>
             </a:pPr>
-            <a:endParaRPr b="0" lang="ru-RU" sz="3400" spc="-1" strike="noStrike">
+            <a:r>
+              <a:rPr b="0" lang="ru-RU" sz="2800" spc="-1" strike="noStrike">
+                <a:solidFill>
+                  <a:srgbClr val="000000"/>
+                </a:solidFill>
+                <a:latin typeface="Arial"/>
+                <a:ea typeface="DejaVu Sans"/>
+              </a:rPr>
+              <a:t>Генерация выходных файлов</a:t>
+            </a:r>
+            <a:endParaRPr b="0" lang="ru-RU" sz="2800" spc="-1" strike="noStrike">
+              <a:latin typeface="Arial"/>
+            </a:endParaRPr>
+          </a:p>
+        </p:txBody>
+      </p:sp>
+    </p:spTree>
+  </p:cSld>
+  <mc:AlternateContent>
+    <mc:Choice Requires="p14">
+      <p:transition spd="slow" p14:dur="2000"/>
+    </mc:Choice>
+    <mc:Fallback>
+      <p:transition spd="slow"/>
+    </mc:Fallback>
+  </mc:AlternateContent>
+</p:sld>
+</file>
+
+<file path=ppt/slides/slide9.xml><?xml version="1.0" encoding="utf-8"?>
+<p:sld xmlns:a="http://schemas.openxmlformats.org/drawingml/2006/main" xmlns:p="http://schemas.openxmlformats.org/presentationml/2006/main" xmlns:r="http://schemas.openxmlformats.org/officeDocument/2006/relationships" xmlns:p14="http://schemas.microsoft.com/office/powerpoint/2010/main" xmlns:p15="http://schemas.microsoft.com/office/powerpoint/2012/main" xmlns:mc="http://schemas.openxmlformats.org/markup-compatibility/2006">
+  <p:cSld>
+    <p:spTree>
+      <p:nvGrpSpPr>
+        <p:cNvPr id="1" name=""/>
+        <p:cNvGrpSpPr/>
+        <p:nvPr/>
+      </p:nvGrpSpPr>
+      <p:grpSpPr>
+        <a:xfrm>
+          <a:off x="0" y="0"/>
+          <a:ext cx="0" cy="0"/>
+          <a:chOff x="0" y="0"/>
+          <a:chExt cx="0" cy="0"/>
+        </a:xfrm>
+      </p:grpSpPr>
+      <p:sp>
+        <p:nvSpPr>
+          <p:cNvPr id="172" name="TextShape 1"/>
+          <p:cNvSpPr txBox="1"/>
+          <p:nvPr/>
+        </p:nvSpPr>
+        <p:spPr>
+          <a:xfrm>
+            <a:off x="457200" y="1203480"/>
+            <a:ext cx="8228880" cy="2982600"/>
+          </a:xfrm>
+          <a:prstGeom prst="rect">
+            <a:avLst/>
+          </a:prstGeom>
+          <a:noFill/>
+          <a:ln>
+            <a:noFill/>
+          </a:ln>
+        </p:spPr>
+        <p:txBody>
+          <a:bodyPr lIns="0" rIns="0" tIns="0" bIns="0" anchor="ctr">
+            <a:noAutofit/>
+          </a:bodyPr>
+          <a:p>
+            <a:pPr algn="ctr"/>
+            <a:r>
+              <a:rPr b="0" lang="ru-RU" sz="3200" spc="-1" strike="noStrike">
+                <a:latin typeface="Arial"/>
+              </a:rPr>
+              <a:t>Открой среду и покажи</a:t>
+            </a:r>
+            <a:endParaRPr b="0" lang="ru-RU" sz="3200" spc="-1" strike="noStrike">
               <a:latin typeface="Arial"/>
             </a:endParaRPr>
           </a:p>
@@ -7592,4 +9791,230 @@
     </a:fmtScheme>
   </a:themeElements>
 </a:theme>
+</file>
+
+<file path=ppt/theme/theme5.xml><?xml version="1.0" encoding="utf-8"?>
+<a:theme xmlns:a="http://schemas.openxmlformats.org/drawingml/2006/main" name="Office Theme">
+  <a:themeElements>
+    <a:clrScheme name="Office">
+      <a:dk1>
+        <a:sysClr val="windowText" lastClr="000000"/>
+      </a:dk1>
+      <a:lt1>
+        <a:sysClr val="window" lastClr="FFFFFF"/>
+      </a:lt1>
+      <a:dk2>
+        <a:srgbClr val="2646a0"/>
+      </a:dk2>
+      <a:lt2>
+        <a:srgbClr val="83c7db"/>
+      </a:lt2>
+      <a:accent1>
+        <a:srgbClr val="2646a0"/>
+      </a:accent1>
+      <a:accent2>
+        <a:srgbClr val="0082be"/>
+      </a:accent2>
+      <a:accent3>
+        <a:srgbClr val="0096b0"/>
+      </a:accent3>
+      <a:accent4>
+        <a:srgbClr val="00acbe"/>
+      </a:accent4>
+      <a:accent5>
+        <a:srgbClr val="83c7db"/>
+      </a:accent5>
+      <a:accent6>
+        <a:srgbClr val="b7dde8"/>
+      </a:accent6>
+      <a:hlink>
+        <a:srgbClr val="2646a0"/>
+      </a:hlink>
+      <a:folHlink>
+        <a:srgbClr val="7030a0"/>
+      </a:folHlink>
+    </a:clrScheme>
+    <a:fontScheme name="Office">
+      <a:majorFont>
+        <a:latin typeface="Arial"/>
+        <a:ea typeface="DejaVu Sans"/>
+        <a:cs typeface="DejaVu Sans"/>
+      </a:majorFont>
+      <a:minorFont>
+        <a:latin typeface="Arial"/>
+        <a:ea typeface="DejaVu Sans"/>
+        <a:cs typeface="DejaVu Sans"/>
+      </a:minorFont>
+    </a:fontScheme>
+    <a:fmtScheme name="Office">
+      <a:fillStyleLst>
+        <a:solidFill>
+          <a:schemeClr val="phClr"/>
+        </a:solidFill>
+        <a:gradFill rotWithShape="1">
+          <a:gsLst>
+            <a:gs pos="0">
+              <a:schemeClr val="phClr">
+                <a:tint val="50000"/>
+                <a:satMod val="300000"/>
+              </a:schemeClr>
+            </a:gs>
+            <a:gs pos="35000">
+              <a:schemeClr val="phClr">
+                <a:tint val="37000"/>
+                <a:satMod val="300000"/>
+              </a:schemeClr>
+            </a:gs>
+            <a:gs pos="100000">
+              <a:schemeClr val="phClr">
+                <a:tint val="15000"/>
+                <a:satMod val="350000"/>
+              </a:schemeClr>
+            </a:gs>
+          </a:gsLst>
+          <a:lin ang="16200000" scaled="1"/>
+        </a:gradFill>
+        <a:gradFill rotWithShape="1">
+          <a:gsLst>
+            <a:gs pos="0">
+              <a:schemeClr val="phClr">
+                <a:shade val="51000"/>
+                <a:satMod val="130000"/>
+              </a:schemeClr>
+            </a:gs>
+            <a:gs pos="80000">
+              <a:schemeClr val="phClr">
+                <a:shade val="93000"/>
+                <a:satMod val="130000"/>
+              </a:schemeClr>
+            </a:gs>
+            <a:gs pos="100000">
+              <a:schemeClr val="phClr">
+                <a:shade val="94000"/>
+                <a:satMod val="135000"/>
+              </a:schemeClr>
+            </a:gs>
+          </a:gsLst>
+          <a:lin ang="16200000" scaled="0"/>
+        </a:gradFill>
+      </a:fillStyleLst>
+      <a:lnStyleLst>
+        <a:ln w="9525" cap="flat" cmpd="sng" algn="ctr">
+          <a:solidFill>
+            <a:schemeClr val="phClr">
+              <a:shade val="95000"/>
+              <a:satMod val="105000"/>
+            </a:schemeClr>
+          </a:solidFill>
+          <a:prstDash val="solid"/>
+          <a:miter/>
+        </a:ln>
+        <a:ln w="25400" cap="flat" cmpd="sng" algn="ctr">
+          <a:solidFill>
+            <a:schemeClr val="phClr"/>
+          </a:solidFill>
+          <a:prstDash val="solid"/>
+          <a:miter/>
+        </a:ln>
+        <a:ln w="38100" cap="flat" cmpd="sng" algn="ctr">
+          <a:solidFill>
+            <a:schemeClr val="phClr"/>
+          </a:solidFill>
+          <a:prstDash val="solid"/>
+          <a:miter/>
+        </a:ln>
+      </a:lnStyleLst>
+      <a:effectStyleLst>
+        <a:effectStyle>
+          <a:effectLst>
+            <a:outerShdw blurRad="40000" dist="20000" dir="5400000" rotWithShape="0">
+              <a:srgbClr val="000000">
+                <a:alpha val="38000"/>
+              </a:srgbClr>
+            </a:outerShdw>
+          </a:effectLst>
+        </a:effectStyle>
+        <a:effectStyle>
+          <a:effectLst>
+            <a:outerShdw blurRad="40000" dist="23000" dir="5400000" rotWithShape="0">
+              <a:srgbClr val="000000">
+                <a:alpha val="35000"/>
+              </a:srgbClr>
+            </a:outerShdw>
+          </a:effectLst>
+        </a:effectStyle>
+        <a:effectStyle>
+          <a:effectLst>
+            <a:outerShdw blurRad="40000" dist="23000" dir="5400000" rotWithShape="0">
+              <a:srgbClr val="000000">
+                <a:alpha val="35000"/>
+              </a:srgbClr>
+            </a:outerShdw>
+          </a:effectLst>
+          <a:scene3d>
+            <a:camera prst="orthographicFront">
+              <a:rot lat="0" lon="0" rev="0"/>
+            </a:camera>
+            <a:lightRig rig="threePt" dir="t">
+              <a:rot lat="0" lon="0" rev="1200000"/>
+            </a:lightRig>
+          </a:scene3d>
+          <a:sp3d>
+            <a:bevelT w="63500" h="25400"/>
+          </a:sp3d>
+        </a:effectStyle>
+      </a:effectStyleLst>
+      <a:bgFillStyleLst>
+        <a:solidFill>
+          <a:schemeClr val="phClr"/>
+        </a:solidFill>
+        <a:gradFill rotWithShape="1">
+          <a:gsLst>
+            <a:gs pos="0">
+              <a:schemeClr val="phClr">
+                <a:tint val="40000"/>
+                <a:satMod val="350000"/>
+              </a:schemeClr>
+            </a:gs>
+            <a:gs pos="40000">
+              <a:schemeClr val="phClr">
+                <a:tint val="45000"/>
+                <a:shade val="99000"/>
+                <a:satMod val="350000"/>
+              </a:schemeClr>
+            </a:gs>
+            <a:gs pos="100000">
+              <a:schemeClr val="phClr">
+                <a:shade val="20000"/>
+                <a:satMod val="255000"/>
+              </a:schemeClr>
+            </a:gs>
+          </a:gsLst>
+          <a:path path="circle">
+            <a:fillToRect l="50000" t="-80000" r="50000" b="180000"/>
+          </a:path>
+        </a:gradFill>
+        <a:gradFill rotWithShape="1">
+          <a:gsLst>
+            <a:gs pos="0">
+              <a:schemeClr val="phClr">
+                <a:tint val="80000"/>
+                <a:satMod val="300000"/>
+              </a:schemeClr>
+            </a:gs>
+            <a:gs pos="100000">
+              <a:schemeClr val="phClr">
+                <a:shade val="30000"/>
+                <a:satMod val="200000"/>
+              </a:schemeClr>
+            </a:gs>
+          </a:gsLst>
+          <a:path path="circle">
+            <a:fillToRect l="50000" t="50000" r="50000" b="50000"/>
+          </a:path>
+        </a:gradFill>
+      </a:bgFillStyleLst>
+    </a:fmtScheme>
+  </a:themeElements>
+</a:theme>
 </file>
--- a/10.12.19.pptx
+++ b/10.12.19.pptx
@@ -6,23 +6,24 @@
     <p:sldMasterId id="2147483661" r:id="rId3"/>
     <p:sldMasterId id="2147483674" r:id="rId4"/>
     <p:sldMasterId id="2147483687" r:id="rId5"/>
+    <p:sldMasterId id="2147483700" r:id="rId6"/>
   </p:sldMasterIdLst>
   <p:notesMasterIdLst>
-    <p:notesMasterId r:id="rId6"/>
+    <p:notesMasterId r:id="rId7"/>
   </p:notesMasterIdLst>
   <p:sldIdLst>
-    <p:sldId id="256" r:id="rId7"/>
-    <p:sldId id="257" r:id="rId8"/>
-    <p:sldId id="258" r:id="rId9"/>
-    <p:sldId id="259" r:id="rId10"/>
-    <p:sldId id="260" r:id="rId11"/>
-    <p:sldId id="261" r:id="rId12"/>
-    <p:sldId id="262" r:id="rId13"/>
-    <p:sldId id="263" r:id="rId14"/>
-    <p:sldId id="264" r:id="rId15"/>
-    <p:sldId id="265" r:id="rId16"/>
-    <p:sldId id="266" r:id="rId17"/>
-    <p:sldId id="267" r:id="rId18"/>
+    <p:sldId id="256" r:id="rId8"/>
+    <p:sldId id="257" r:id="rId9"/>
+    <p:sldId id="258" r:id="rId10"/>
+    <p:sldId id="259" r:id="rId11"/>
+    <p:sldId id="260" r:id="rId12"/>
+    <p:sldId id="261" r:id="rId13"/>
+    <p:sldId id="262" r:id="rId14"/>
+    <p:sldId id="263" r:id="rId15"/>
+    <p:sldId id="264" r:id="rId16"/>
+    <p:sldId id="265" r:id="rId17"/>
+    <p:sldId id="266" r:id="rId18"/>
+    <p:sldId id="267" r:id="rId19"/>
   </p:sldIdLst>
   <p:sldSz cx="9144000" cy="5143500"/>
   <p:notesSz cx="6858000" cy="9144000"/>
@@ -48,7 +49,7 @@
       </p:grpSpPr>
       <p:sp>
         <p:nvSpPr>
-          <p:cNvPr id="152" name="PlaceHolder 1"/>
+          <p:cNvPr id="190" name="PlaceHolder 1"/>
           <p:cNvSpPr>
             <a:spLocks noGrp="1"/>
           </p:cNvSpPr>
@@ -85,7 +86,7 @@
       </p:sp>
       <p:sp>
         <p:nvSpPr>
-          <p:cNvPr id="153" name="PlaceHolder 2"/>
+          <p:cNvPr id="191" name="PlaceHolder 2"/>
           <p:cNvSpPr>
             <a:spLocks noGrp="1"/>
           </p:cNvSpPr>
@@ -121,7 +122,7 @@
       </p:sp>
       <p:sp>
         <p:nvSpPr>
-          <p:cNvPr id="154" name="PlaceHolder 3"/>
+          <p:cNvPr id="192" name="PlaceHolder 3"/>
           <p:cNvSpPr>
             <a:spLocks noGrp="1"/>
           </p:cNvSpPr>
@@ -147,7 +148,7 @@
               <a:rPr b="0" lang="ru-RU" sz="1400" spc="-1" strike="noStrike">
                 <a:latin typeface="Times New Roman"/>
               </a:rPr>
-              <a:t> </a:t>
+              <a:t>&lt;верхний колонтитул&gt;</a:t>
             </a:r>
             <a:endParaRPr b="0" lang="ru-RU" sz="1400" spc="-1" strike="noStrike">
               <a:latin typeface="Times New Roman"/>
@@ -157,7 +158,7 @@
       </p:sp>
       <p:sp>
         <p:nvSpPr>
-          <p:cNvPr id="155" name="PlaceHolder 4"/>
+          <p:cNvPr id="193" name="PlaceHolder 4"/>
           <p:cNvSpPr>
             <a:spLocks noGrp="1"/>
           </p:cNvSpPr>
@@ -184,7 +185,7 @@
               <a:rPr b="0" lang="ru-RU" sz="1400" spc="-1" strike="noStrike">
                 <a:latin typeface="Times New Roman"/>
               </a:rPr>
-              <a:t> </a:t>
+              <a:t>&lt;дата/время&gt;</a:t>
             </a:r>
             <a:endParaRPr b="0" lang="ru-RU" sz="1400" spc="-1" strike="noStrike">
               <a:latin typeface="Times New Roman"/>
@@ -194,7 +195,7 @@
       </p:sp>
       <p:sp>
         <p:nvSpPr>
-          <p:cNvPr id="156" name="PlaceHolder 5"/>
+          <p:cNvPr id="194" name="PlaceHolder 5"/>
           <p:cNvSpPr>
             <a:spLocks noGrp="1"/>
           </p:cNvSpPr>
@@ -220,7 +221,7 @@
               <a:rPr b="0" lang="ru-RU" sz="1400" spc="-1" strike="noStrike">
                 <a:latin typeface="Times New Roman"/>
               </a:rPr>
-              <a:t> </a:t>
+              <a:t>&lt;нижний колонтитул&gt;</a:t>
             </a:r>
             <a:endParaRPr b="0" lang="ru-RU" sz="1400" spc="-1" strike="noStrike">
               <a:latin typeface="Times New Roman"/>
@@ -230,7 +231,7 @@
       </p:sp>
       <p:sp>
         <p:nvSpPr>
-          <p:cNvPr id="157" name="PlaceHolder 6"/>
+          <p:cNvPr id="195" name="PlaceHolder 6"/>
           <p:cNvSpPr>
             <a:spLocks noGrp="1"/>
           </p:cNvSpPr>
@@ -253,11 +254,11 @@
           </a:bodyPr>
           <a:p>
             <a:pPr algn="r"/>
-            <a:fld id="{E7ACF5A4-6A9A-47B6-BD94-93A20B02F26D}" type="slidenum">
+            <a:fld id="{A7379B1C-218A-48B1-BF7A-F1690A17221E}" type="slidenum">
               <a:rPr b="0" lang="ru-RU" sz="1400" spc="-1" strike="noStrike">
                 <a:latin typeface="Times New Roman"/>
               </a:rPr>
-              <a:t>1</a:t>
+              <a:t>&lt;номер&gt;</a:t>
             </a:fld>
             <a:endParaRPr b="0" lang="ru-RU" sz="1400" spc="-1" strike="noStrike">
               <a:latin typeface="Times New Roman"/>
@@ -290,7 +291,7 @@
       </p:grpSpPr>
       <p:sp>
         <p:nvSpPr>
-          <p:cNvPr id="179" name="PlaceHolder 1"/>
+          <p:cNvPr id="217" name="PlaceHolder 1"/>
           <p:cNvSpPr>
             <a:spLocks noGrp="1"/>
           </p:cNvSpPr>
@@ -301,16 +302,16 @@
         <p:spPr>
           <a:xfrm>
             <a:off x="380880" y="685800"/>
-            <a:ext cx="6093720" cy="3426840"/>
-          </a:xfrm>
-          <a:prstGeom prst="rect">
-            <a:avLst/>
-          </a:prstGeom>
-        </p:spPr>
-      </p:sp>
-      <p:sp>
-        <p:nvSpPr>
-          <p:cNvPr id="180" name="PlaceHolder 2"/>
+            <a:ext cx="6093360" cy="3426480"/>
+          </a:xfrm>
+          <a:prstGeom prst="rect">
+            <a:avLst/>
+          </a:prstGeom>
+        </p:spPr>
+      </p:sp>
+      <p:sp>
+        <p:nvSpPr>
+          <p:cNvPr id="218" name="PlaceHolder 2"/>
           <p:cNvSpPr>
             <a:spLocks noGrp="1"/>
           </p:cNvSpPr>
@@ -321,7 +322,7 @@
         <p:spPr>
           <a:xfrm>
             <a:off x="685800" y="4343400"/>
-            <a:ext cx="5484240" cy="4112640"/>
+            <a:ext cx="5483880" cy="4112280"/>
           </a:xfrm>
           <a:prstGeom prst="rect">
             <a:avLst/>
@@ -340,14 +341,14 @@
       </p:sp>
       <p:sp>
         <p:nvSpPr>
-          <p:cNvPr id="181" name="CustomShape 3"/>
+          <p:cNvPr id="219" name="CustomShape 3"/>
           <p:cNvSpPr/>
           <p:nvPr/>
         </p:nvSpPr>
         <p:spPr>
           <a:xfrm>
             <a:off x="3884760" y="8685360"/>
-            <a:ext cx="2969640" cy="455040"/>
+            <a:ext cx="2969280" cy="454680"/>
           </a:xfrm>
           <a:prstGeom prst="rect">
             <a:avLst/>
@@ -373,7 +374,7 @@
                 <a:spcPct val="100000"/>
               </a:lnSpc>
             </a:pPr>
-            <a:fld id="{889B1673-AE97-4948-88BF-751BD7F9B500}" type="slidenum">
+            <a:fld id="{11F0A722-88F2-456A-9EDB-CED575CC57BB}" type="slidenum">
               <a:rPr b="0" lang="ru-RU" sz="1200" spc="-1" strike="noStrike">
                 <a:solidFill>
                   <a:srgbClr val="000000"/>
@@ -5283,6 +5284,28 @@
 </p:sldLayout>
 </file>
 
+<file path=ppt/slideLayouts/slideLayout49.xml><?xml version="1.0" encoding="utf-8"?>
+<p:sldLayout xmlns:a="http://schemas.openxmlformats.org/drawingml/2006/main" xmlns:p="http://schemas.openxmlformats.org/presentationml/2006/main" xmlns:r="http://schemas.openxmlformats.org/officeDocument/2006/relationships" xmlns:p14="http://schemas.microsoft.com/office/powerpoint/2010/main" xmlns:p15="http://schemas.microsoft.com/office/powerpoint/2012/main" xmlns:mc="http://schemas.openxmlformats.org/markup-compatibility/2006" type="blank" preserve="1">
+  <p:cSld name="Blank Slide">
+    <p:spTree>
+      <p:nvGrpSpPr>
+        <p:cNvPr id="1" name=""/>
+        <p:cNvGrpSpPr/>
+        <p:nvPr/>
+      </p:nvGrpSpPr>
+      <p:grpSpPr>
+        <a:xfrm>
+          <a:off x="0" y="0"/>
+          <a:ext cx="0" cy="0"/>
+          <a:chOff x="0" y="0"/>
+          <a:chExt cx="0" cy="0"/>
+        </a:xfrm>
+      </p:grpSpPr>
+    </p:spTree>
+  </p:cSld>
+</p:sldLayout>
+</file>
+
 <file path=ppt/slideLayouts/slideLayout5.xml><?xml version="1.0" encoding="utf-8"?>
 <p:sldLayout xmlns:a="http://schemas.openxmlformats.org/drawingml/2006/main" xmlns:p="http://schemas.openxmlformats.org/presentationml/2006/main" xmlns:r="http://schemas.openxmlformats.org/officeDocument/2006/relationships" xmlns:p14="http://schemas.microsoft.com/office/powerpoint/2010/main" xmlns:p15="http://schemas.microsoft.com/office/powerpoint/2012/main" xmlns:mc="http://schemas.openxmlformats.org/markup-compatibility/2006" type="titleOnly" preserve="1">
   <p:cSld name="Title Only">
@@ -5326,6 +5349,1107 @@
           <a:p>
             <a:pPr algn="ctr"/>
             <a:endParaRPr b="0" lang="ru-RU" sz="4400" spc="-1" strike="noStrike">
+              <a:latin typeface="Arial"/>
+            </a:endParaRPr>
+          </a:p>
+        </p:txBody>
+      </p:sp>
+    </p:spTree>
+  </p:cSld>
+</p:sldLayout>
+</file>
+
+<file path=ppt/slideLayouts/slideLayout50.xml><?xml version="1.0" encoding="utf-8"?>
+<p:sldLayout xmlns:a="http://schemas.openxmlformats.org/drawingml/2006/main" xmlns:p="http://schemas.openxmlformats.org/presentationml/2006/main" xmlns:r="http://schemas.openxmlformats.org/officeDocument/2006/relationships" xmlns:p14="http://schemas.microsoft.com/office/powerpoint/2010/main" xmlns:p15="http://schemas.microsoft.com/office/powerpoint/2012/main" xmlns:mc="http://schemas.openxmlformats.org/markup-compatibility/2006" type="tx" preserve="1">
+  <p:cSld name="Title Slide">
+    <p:spTree>
+      <p:nvGrpSpPr>
+        <p:cNvPr id="1" name=""/>
+        <p:cNvGrpSpPr/>
+        <p:nvPr/>
+      </p:nvGrpSpPr>
+      <p:grpSpPr>
+        <a:xfrm>
+          <a:off x="0" y="0"/>
+          <a:ext cx="0" cy="0"/>
+          <a:chOff x="0" y="0"/>
+          <a:chExt cx="0" cy="0"/>
+        </a:xfrm>
+      </p:grpSpPr>
+      <p:sp>
+        <p:nvSpPr>
+          <p:cNvPr id="154" name="PlaceHolder 1"/>
+          <p:cNvSpPr>
+            <a:spLocks noGrp="1"/>
+          </p:cNvSpPr>
+          <p:nvPr>
+            <p:ph type="title"/>
+          </p:nvPr>
+        </p:nvSpPr>
+        <p:spPr>
+          <a:xfrm>
+            <a:off x="457200" y="9360"/>
+            <a:ext cx="8229240" cy="1250280"/>
+          </a:xfrm>
+          <a:prstGeom prst="rect">
+            <a:avLst/>
+          </a:prstGeom>
+        </p:spPr>
+        <p:txBody>
+          <a:bodyPr lIns="0" rIns="0" tIns="0" bIns="0" anchor="ctr">
+            <a:noAutofit/>
+          </a:bodyPr>
+          <a:p>
+            <a:pPr algn="ctr"/>
+            <a:endParaRPr b="0" lang="ru-RU" sz="4400" spc="-1" strike="noStrike">
+              <a:latin typeface="Arial"/>
+            </a:endParaRPr>
+          </a:p>
+        </p:txBody>
+      </p:sp>
+      <p:sp>
+        <p:nvSpPr>
+          <p:cNvPr id="155" name="PlaceHolder 2"/>
+          <p:cNvSpPr>
+            <a:spLocks noGrp="1"/>
+          </p:cNvSpPr>
+          <p:nvPr>
+            <p:ph type="subTitle"/>
+          </p:nvPr>
+        </p:nvSpPr>
+        <p:spPr>
+          <a:xfrm>
+            <a:off x="457200" y="1203480"/>
+            <a:ext cx="8229240" cy="2982960"/>
+          </a:xfrm>
+          <a:prstGeom prst="rect">
+            <a:avLst/>
+          </a:prstGeom>
+        </p:spPr>
+        <p:txBody>
+          <a:bodyPr lIns="0" rIns="0" tIns="0" bIns="0" anchor="ctr">
+            <a:noAutofit/>
+          </a:bodyPr>
+          <a:p>
+            <a:pPr algn="ctr"/>
+            <a:endParaRPr b="0" lang="ru-RU" sz="3200" spc="-1" strike="noStrike">
+              <a:latin typeface="Arial"/>
+            </a:endParaRPr>
+          </a:p>
+        </p:txBody>
+      </p:sp>
+    </p:spTree>
+  </p:cSld>
+</p:sldLayout>
+</file>
+
+<file path=ppt/slideLayouts/slideLayout51.xml><?xml version="1.0" encoding="utf-8"?>
+<p:sldLayout xmlns:a="http://schemas.openxmlformats.org/drawingml/2006/main" xmlns:p="http://schemas.openxmlformats.org/presentationml/2006/main" xmlns:r="http://schemas.openxmlformats.org/officeDocument/2006/relationships" xmlns:p14="http://schemas.microsoft.com/office/powerpoint/2010/main" xmlns:p15="http://schemas.microsoft.com/office/powerpoint/2012/main" xmlns:mc="http://schemas.openxmlformats.org/markup-compatibility/2006" type="obj" preserve="1">
+  <p:cSld name="Title, Content">
+    <p:spTree>
+      <p:nvGrpSpPr>
+        <p:cNvPr id="1" name=""/>
+        <p:cNvGrpSpPr/>
+        <p:nvPr/>
+      </p:nvGrpSpPr>
+      <p:grpSpPr>
+        <a:xfrm>
+          <a:off x="0" y="0"/>
+          <a:ext cx="0" cy="0"/>
+          <a:chOff x="0" y="0"/>
+          <a:chExt cx="0" cy="0"/>
+        </a:xfrm>
+      </p:grpSpPr>
+      <p:sp>
+        <p:nvSpPr>
+          <p:cNvPr id="156" name="PlaceHolder 1"/>
+          <p:cNvSpPr>
+            <a:spLocks noGrp="1"/>
+          </p:cNvSpPr>
+          <p:nvPr>
+            <p:ph type="title"/>
+          </p:nvPr>
+        </p:nvSpPr>
+        <p:spPr>
+          <a:xfrm>
+            <a:off x="457200" y="9360"/>
+            <a:ext cx="8229240" cy="1250280"/>
+          </a:xfrm>
+          <a:prstGeom prst="rect">
+            <a:avLst/>
+          </a:prstGeom>
+        </p:spPr>
+        <p:txBody>
+          <a:bodyPr lIns="0" rIns="0" tIns="0" bIns="0" anchor="ctr">
+            <a:noAutofit/>
+          </a:bodyPr>
+          <a:p>
+            <a:pPr algn="ctr"/>
+            <a:endParaRPr b="0" lang="ru-RU" sz="4400" spc="-1" strike="noStrike">
+              <a:latin typeface="Arial"/>
+            </a:endParaRPr>
+          </a:p>
+        </p:txBody>
+      </p:sp>
+      <p:sp>
+        <p:nvSpPr>
+          <p:cNvPr id="157" name="PlaceHolder 2"/>
+          <p:cNvSpPr>
+            <a:spLocks noGrp="1"/>
+          </p:cNvSpPr>
+          <p:nvPr>
+            <p:ph type="body"/>
+          </p:nvPr>
+        </p:nvSpPr>
+        <p:spPr>
+          <a:xfrm>
+            <a:off x="457200" y="1203480"/>
+            <a:ext cx="8229240" cy="2982960"/>
+          </a:xfrm>
+          <a:prstGeom prst="rect">
+            <a:avLst/>
+          </a:prstGeom>
+        </p:spPr>
+        <p:txBody>
+          <a:bodyPr lIns="0" rIns="0" tIns="0" bIns="0">
+            <a:normAutofit/>
+          </a:bodyPr>
+          <a:p>
+            <a:endParaRPr b="0" lang="ru-RU" sz="3200" spc="-1" strike="noStrike">
+              <a:latin typeface="Arial"/>
+            </a:endParaRPr>
+          </a:p>
+        </p:txBody>
+      </p:sp>
+    </p:spTree>
+  </p:cSld>
+</p:sldLayout>
+</file>
+
+<file path=ppt/slideLayouts/slideLayout52.xml><?xml version="1.0" encoding="utf-8"?>
+<p:sldLayout xmlns:a="http://schemas.openxmlformats.org/drawingml/2006/main" xmlns:p="http://schemas.openxmlformats.org/presentationml/2006/main" xmlns:r="http://schemas.openxmlformats.org/officeDocument/2006/relationships" xmlns:p14="http://schemas.microsoft.com/office/powerpoint/2010/main" xmlns:p15="http://schemas.microsoft.com/office/powerpoint/2012/main" xmlns:mc="http://schemas.openxmlformats.org/markup-compatibility/2006" type="twoObj" preserve="1">
+  <p:cSld name="Title, 2 Content">
+    <p:spTree>
+      <p:nvGrpSpPr>
+        <p:cNvPr id="1" name=""/>
+        <p:cNvGrpSpPr/>
+        <p:nvPr/>
+      </p:nvGrpSpPr>
+      <p:grpSpPr>
+        <a:xfrm>
+          <a:off x="0" y="0"/>
+          <a:ext cx="0" cy="0"/>
+          <a:chOff x="0" y="0"/>
+          <a:chExt cx="0" cy="0"/>
+        </a:xfrm>
+      </p:grpSpPr>
+      <p:sp>
+        <p:nvSpPr>
+          <p:cNvPr id="158" name="PlaceHolder 1"/>
+          <p:cNvSpPr>
+            <a:spLocks noGrp="1"/>
+          </p:cNvSpPr>
+          <p:nvPr>
+            <p:ph type="title"/>
+          </p:nvPr>
+        </p:nvSpPr>
+        <p:spPr>
+          <a:xfrm>
+            <a:off x="457200" y="9360"/>
+            <a:ext cx="8229240" cy="1250280"/>
+          </a:xfrm>
+          <a:prstGeom prst="rect">
+            <a:avLst/>
+          </a:prstGeom>
+        </p:spPr>
+        <p:txBody>
+          <a:bodyPr lIns="0" rIns="0" tIns="0" bIns="0" anchor="ctr">
+            <a:noAutofit/>
+          </a:bodyPr>
+          <a:p>
+            <a:pPr algn="ctr"/>
+            <a:endParaRPr b="0" lang="ru-RU" sz="4400" spc="-1" strike="noStrike">
+              <a:latin typeface="Arial"/>
+            </a:endParaRPr>
+          </a:p>
+        </p:txBody>
+      </p:sp>
+      <p:sp>
+        <p:nvSpPr>
+          <p:cNvPr id="159" name="PlaceHolder 2"/>
+          <p:cNvSpPr>
+            <a:spLocks noGrp="1"/>
+          </p:cNvSpPr>
+          <p:nvPr>
+            <p:ph type="body"/>
+          </p:nvPr>
+        </p:nvSpPr>
+        <p:spPr>
+          <a:xfrm>
+            <a:off x="457200" y="1203480"/>
+            <a:ext cx="4015800" cy="2982960"/>
+          </a:xfrm>
+          <a:prstGeom prst="rect">
+            <a:avLst/>
+          </a:prstGeom>
+        </p:spPr>
+        <p:txBody>
+          <a:bodyPr lIns="0" rIns="0" tIns="0" bIns="0">
+            <a:normAutofit/>
+          </a:bodyPr>
+          <a:p>
+            <a:endParaRPr b="0" lang="ru-RU" sz="3200" spc="-1" strike="noStrike">
+              <a:latin typeface="Arial"/>
+            </a:endParaRPr>
+          </a:p>
+        </p:txBody>
+      </p:sp>
+      <p:sp>
+        <p:nvSpPr>
+          <p:cNvPr id="160" name="PlaceHolder 3"/>
+          <p:cNvSpPr>
+            <a:spLocks noGrp="1"/>
+          </p:cNvSpPr>
+          <p:nvPr>
+            <p:ph type="body"/>
+          </p:nvPr>
+        </p:nvSpPr>
+        <p:spPr>
+          <a:xfrm>
+            <a:off x="4674240" y="1203480"/>
+            <a:ext cx="4015800" cy="2982960"/>
+          </a:xfrm>
+          <a:prstGeom prst="rect">
+            <a:avLst/>
+          </a:prstGeom>
+        </p:spPr>
+        <p:txBody>
+          <a:bodyPr lIns="0" rIns="0" tIns="0" bIns="0">
+            <a:normAutofit/>
+          </a:bodyPr>
+          <a:p>
+            <a:endParaRPr b="0" lang="ru-RU" sz="3200" spc="-1" strike="noStrike">
+              <a:latin typeface="Arial"/>
+            </a:endParaRPr>
+          </a:p>
+        </p:txBody>
+      </p:sp>
+    </p:spTree>
+  </p:cSld>
+</p:sldLayout>
+</file>
+
+<file path=ppt/slideLayouts/slideLayout53.xml><?xml version="1.0" encoding="utf-8"?>
+<p:sldLayout xmlns:a="http://schemas.openxmlformats.org/drawingml/2006/main" xmlns:p="http://schemas.openxmlformats.org/presentationml/2006/main" xmlns:r="http://schemas.openxmlformats.org/officeDocument/2006/relationships" xmlns:p14="http://schemas.microsoft.com/office/powerpoint/2010/main" xmlns:p15="http://schemas.microsoft.com/office/powerpoint/2012/main" xmlns:mc="http://schemas.openxmlformats.org/markup-compatibility/2006" type="titleOnly" preserve="1">
+  <p:cSld name="Title Only">
+    <p:spTree>
+      <p:nvGrpSpPr>
+        <p:cNvPr id="1" name=""/>
+        <p:cNvGrpSpPr/>
+        <p:nvPr/>
+      </p:nvGrpSpPr>
+      <p:grpSpPr>
+        <a:xfrm>
+          <a:off x="0" y="0"/>
+          <a:ext cx="0" cy="0"/>
+          <a:chOff x="0" y="0"/>
+          <a:chExt cx="0" cy="0"/>
+        </a:xfrm>
+      </p:grpSpPr>
+      <p:sp>
+        <p:nvSpPr>
+          <p:cNvPr id="161" name="PlaceHolder 1"/>
+          <p:cNvSpPr>
+            <a:spLocks noGrp="1"/>
+          </p:cNvSpPr>
+          <p:nvPr>
+            <p:ph type="title"/>
+          </p:nvPr>
+        </p:nvSpPr>
+        <p:spPr>
+          <a:xfrm>
+            <a:off x="457200" y="9360"/>
+            <a:ext cx="8229240" cy="1250280"/>
+          </a:xfrm>
+          <a:prstGeom prst="rect">
+            <a:avLst/>
+          </a:prstGeom>
+        </p:spPr>
+        <p:txBody>
+          <a:bodyPr lIns="0" rIns="0" tIns="0" bIns="0" anchor="ctr">
+            <a:noAutofit/>
+          </a:bodyPr>
+          <a:p>
+            <a:pPr algn="ctr"/>
+            <a:endParaRPr b="0" lang="ru-RU" sz="4400" spc="-1" strike="noStrike">
+              <a:latin typeface="Arial"/>
+            </a:endParaRPr>
+          </a:p>
+        </p:txBody>
+      </p:sp>
+    </p:spTree>
+  </p:cSld>
+</p:sldLayout>
+</file>
+
+<file path=ppt/slideLayouts/slideLayout54.xml><?xml version="1.0" encoding="utf-8"?>
+<p:sldLayout xmlns:a="http://schemas.openxmlformats.org/drawingml/2006/main" xmlns:p="http://schemas.openxmlformats.org/presentationml/2006/main" xmlns:r="http://schemas.openxmlformats.org/officeDocument/2006/relationships" xmlns:p14="http://schemas.microsoft.com/office/powerpoint/2010/main" xmlns:p15="http://schemas.microsoft.com/office/powerpoint/2012/main" xmlns:mc="http://schemas.openxmlformats.org/markup-compatibility/2006" type="objOnly" preserve="1">
+  <p:cSld name="Centered Text">
+    <p:spTree>
+      <p:nvGrpSpPr>
+        <p:cNvPr id="1" name=""/>
+        <p:cNvGrpSpPr/>
+        <p:nvPr/>
+      </p:nvGrpSpPr>
+      <p:grpSpPr>
+        <a:xfrm>
+          <a:off x="0" y="0"/>
+          <a:ext cx="0" cy="0"/>
+          <a:chOff x="0" y="0"/>
+          <a:chExt cx="0" cy="0"/>
+        </a:xfrm>
+      </p:grpSpPr>
+      <p:sp>
+        <p:nvSpPr>
+          <p:cNvPr id="162" name="PlaceHolder 1"/>
+          <p:cNvSpPr>
+            <a:spLocks noGrp="1"/>
+          </p:cNvSpPr>
+          <p:nvPr>
+            <p:ph type="subTitle"/>
+          </p:nvPr>
+        </p:nvSpPr>
+        <p:spPr>
+          <a:xfrm>
+            <a:off x="457200" y="205200"/>
+            <a:ext cx="8229240" cy="3981240"/>
+          </a:xfrm>
+          <a:prstGeom prst="rect">
+            <a:avLst/>
+          </a:prstGeom>
+        </p:spPr>
+        <p:txBody>
+          <a:bodyPr lIns="0" rIns="0" tIns="0" bIns="0" anchor="ctr">
+            <a:noAutofit/>
+          </a:bodyPr>
+          <a:p>
+            <a:pPr algn="ctr"/>
+            <a:endParaRPr b="0" lang="ru-RU" sz="3200" spc="-1" strike="noStrike">
+              <a:latin typeface="Arial"/>
+            </a:endParaRPr>
+          </a:p>
+        </p:txBody>
+      </p:sp>
+    </p:spTree>
+  </p:cSld>
+</p:sldLayout>
+</file>
+
+<file path=ppt/slideLayouts/slideLayout55.xml><?xml version="1.0" encoding="utf-8"?>
+<p:sldLayout xmlns:a="http://schemas.openxmlformats.org/drawingml/2006/main" xmlns:p="http://schemas.openxmlformats.org/presentationml/2006/main" xmlns:r="http://schemas.openxmlformats.org/officeDocument/2006/relationships" xmlns:p14="http://schemas.microsoft.com/office/powerpoint/2010/main" xmlns:p15="http://schemas.microsoft.com/office/powerpoint/2012/main" xmlns:mc="http://schemas.openxmlformats.org/markup-compatibility/2006" type="twoObjAndObj" preserve="1">
+  <p:cSld name="Title, 2 Content and Content">
+    <p:spTree>
+      <p:nvGrpSpPr>
+        <p:cNvPr id="1" name=""/>
+        <p:cNvGrpSpPr/>
+        <p:nvPr/>
+      </p:nvGrpSpPr>
+      <p:grpSpPr>
+        <a:xfrm>
+          <a:off x="0" y="0"/>
+          <a:ext cx="0" cy="0"/>
+          <a:chOff x="0" y="0"/>
+          <a:chExt cx="0" cy="0"/>
+        </a:xfrm>
+      </p:grpSpPr>
+      <p:sp>
+        <p:nvSpPr>
+          <p:cNvPr id="163" name="PlaceHolder 1"/>
+          <p:cNvSpPr>
+            <a:spLocks noGrp="1"/>
+          </p:cNvSpPr>
+          <p:nvPr>
+            <p:ph type="title"/>
+          </p:nvPr>
+        </p:nvSpPr>
+        <p:spPr>
+          <a:xfrm>
+            <a:off x="457200" y="9360"/>
+            <a:ext cx="8229240" cy="1250280"/>
+          </a:xfrm>
+          <a:prstGeom prst="rect">
+            <a:avLst/>
+          </a:prstGeom>
+        </p:spPr>
+        <p:txBody>
+          <a:bodyPr lIns="0" rIns="0" tIns="0" bIns="0" anchor="ctr">
+            <a:noAutofit/>
+          </a:bodyPr>
+          <a:p>
+            <a:pPr algn="ctr"/>
+            <a:endParaRPr b="0" lang="ru-RU" sz="4400" spc="-1" strike="noStrike">
+              <a:latin typeface="Arial"/>
+            </a:endParaRPr>
+          </a:p>
+        </p:txBody>
+      </p:sp>
+      <p:sp>
+        <p:nvSpPr>
+          <p:cNvPr id="164" name="PlaceHolder 2"/>
+          <p:cNvSpPr>
+            <a:spLocks noGrp="1"/>
+          </p:cNvSpPr>
+          <p:nvPr>
+            <p:ph type="body"/>
+          </p:nvPr>
+        </p:nvSpPr>
+        <p:spPr>
+          <a:xfrm>
+            <a:off x="457200" y="1203480"/>
+            <a:ext cx="4015800" cy="1422720"/>
+          </a:xfrm>
+          <a:prstGeom prst="rect">
+            <a:avLst/>
+          </a:prstGeom>
+        </p:spPr>
+        <p:txBody>
+          <a:bodyPr lIns="0" rIns="0" tIns="0" bIns="0">
+            <a:normAutofit/>
+          </a:bodyPr>
+          <a:p>
+            <a:endParaRPr b="0" lang="ru-RU" sz="3200" spc="-1" strike="noStrike">
+              <a:latin typeface="Arial"/>
+            </a:endParaRPr>
+          </a:p>
+        </p:txBody>
+      </p:sp>
+      <p:sp>
+        <p:nvSpPr>
+          <p:cNvPr id="165" name="PlaceHolder 3"/>
+          <p:cNvSpPr>
+            <a:spLocks noGrp="1"/>
+          </p:cNvSpPr>
+          <p:nvPr>
+            <p:ph type="body"/>
+          </p:nvPr>
+        </p:nvSpPr>
+        <p:spPr>
+          <a:xfrm>
+            <a:off x="4674240" y="1203480"/>
+            <a:ext cx="4015800" cy="2982960"/>
+          </a:xfrm>
+          <a:prstGeom prst="rect">
+            <a:avLst/>
+          </a:prstGeom>
+        </p:spPr>
+        <p:txBody>
+          <a:bodyPr lIns="0" rIns="0" tIns="0" bIns="0">
+            <a:normAutofit/>
+          </a:bodyPr>
+          <a:p>
+            <a:endParaRPr b="0" lang="ru-RU" sz="3200" spc="-1" strike="noStrike">
+              <a:latin typeface="Arial"/>
+            </a:endParaRPr>
+          </a:p>
+        </p:txBody>
+      </p:sp>
+      <p:sp>
+        <p:nvSpPr>
+          <p:cNvPr id="166" name="PlaceHolder 4"/>
+          <p:cNvSpPr>
+            <a:spLocks noGrp="1"/>
+          </p:cNvSpPr>
+          <p:nvPr>
+            <p:ph type="body"/>
+          </p:nvPr>
+        </p:nvSpPr>
+        <p:spPr>
+          <a:xfrm>
+            <a:off x="457200" y="2761920"/>
+            <a:ext cx="4015800" cy="1422720"/>
+          </a:xfrm>
+          <a:prstGeom prst="rect">
+            <a:avLst/>
+          </a:prstGeom>
+        </p:spPr>
+        <p:txBody>
+          <a:bodyPr lIns="0" rIns="0" tIns="0" bIns="0">
+            <a:normAutofit/>
+          </a:bodyPr>
+          <a:p>
+            <a:endParaRPr b="0" lang="ru-RU" sz="3200" spc="-1" strike="noStrike">
+              <a:latin typeface="Arial"/>
+            </a:endParaRPr>
+          </a:p>
+        </p:txBody>
+      </p:sp>
+    </p:spTree>
+  </p:cSld>
+</p:sldLayout>
+</file>
+
+<file path=ppt/slideLayouts/slideLayout56.xml><?xml version="1.0" encoding="utf-8"?>
+<p:sldLayout xmlns:a="http://schemas.openxmlformats.org/drawingml/2006/main" xmlns:p="http://schemas.openxmlformats.org/presentationml/2006/main" xmlns:r="http://schemas.openxmlformats.org/officeDocument/2006/relationships" xmlns:p14="http://schemas.microsoft.com/office/powerpoint/2010/main" xmlns:p15="http://schemas.microsoft.com/office/powerpoint/2012/main" xmlns:mc="http://schemas.openxmlformats.org/markup-compatibility/2006" type="objAndTwoObj" preserve="1">
+  <p:cSld name="Title Content and 2 Content">
+    <p:spTree>
+      <p:nvGrpSpPr>
+        <p:cNvPr id="1" name=""/>
+        <p:cNvGrpSpPr/>
+        <p:nvPr/>
+      </p:nvGrpSpPr>
+      <p:grpSpPr>
+        <a:xfrm>
+          <a:off x="0" y="0"/>
+          <a:ext cx="0" cy="0"/>
+          <a:chOff x="0" y="0"/>
+          <a:chExt cx="0" cy="0"/>
+        </a:xfrm>
+      </p:grpSpPr>
+      <p:sp>
+        <p:nvSpPr>
+          <p:cNvPr id="167" name="PlaceHolder 1"/>
+          <p:cNvSpPr>
+            <a:spLocks noGrp="1"/>
+          </p:cNvSpPr>
+          <p:nvPr>
+            <p:ph type="title"/>
+          </p:nvPr>
+        </p:nvSpPr>
+        <p:spPr>
+          <a:xfrm>
+            <a:off x="457200" y="9360"/>
+            <a:ext cx="8229240" cy="1250280"/>
+          </a:xfrm>
+          <a:prstGeom prst="rect">
+            <a:avLst/>
+          </a:prstGeom>
+        </p:spPr>
+        <p:txBody>
+          <a:bodyPr lIns="0" rIns="0" tIns="0" bIns="0" anchor="ctr">
+            <a:noAutofit/>
+          </a:bodyPr>
+          <a:p>
+            <a:pPr algn="ctr"/>
+            <a:endParaRPr b="0" lang="ru-RU" sz="4400" spc="-1" strike="noStrike">
+              <a:latin typeface="Arial"/>
+            </a:endParaRPr>
+          </a:p>
+        </p:txBody>
+      </p:sp>
+      <p:sp>
+        <p:nvSpPr>
+          <p:cNvPr id="168" name="PlaceHolder 2"/>
+          <p:cNvSpPr>
+            <a:spLocks noGrp="1"/>
+          </p:cNvSpPr>
+          <p:nvPr>
+            <p:ph type="body"/>
+          </p:nvPr>
+        </p:nvSpPr>
+        <p:spPr>
+          <a:xfrm>
+            <a:off x="457200" y="1203480"/>
+            <a:ext cx="4015800" cy="2982960"/>
+          </a:xfrm>
+          <a:prstGeom prst="rect">
+            <a:avLst/>
+          </a:prstGeom>
+        </p:spPr>
+        <p:txBody>
+          <a:bodyPr lIns="0" rIns="0" tIns="0" bIns="0">
+            <a:normAutofit/>
+          </a:bodyPr>
+          <a:p>
+            <a:endParaRPr b="0" lang="ru-RU" sz="3200" spc="-1" strike="noStrike">
+              <a:latin typeface="Arial"/>
+            </a:endParaRPr>
+          </a:p>
+        </p:txBody>
+      </p:sp>
+      <p:sp>
+        <p:nvSpPr>
+          <p:cNvPr id="169" name="PlaceHolder 3"/>
+          <p:cNvSpPr>
+            <a:spLocks noGrp="1"/>
+          </p:cNvSpPr>
+          <p:nvPr>
+            <p:ph type="body"/>
+          </p:nvPr>
+        </p:nvSpPr>
+        <p:spPr>
+          <a:xfrm>
+            <a:off x="4674240" y="1203480"/>
+            <a:ext cx="4015800" cy="1422720"/>
+          </a:xfrm>
+          <a:prstGeom prst="rect">
+            <a:avLst/>
+          </a:prstGeom>
+        </p:spPr>
+        <p:txBody>
+          <a:bodyPr lIns="0" rIns="0" tIns="0" bIns="0">
+            <a:normAutofit/>
+          </a:bodyPr>
+          <a:p>
+            <a:endParaRPr b="0" lang="ru-RU" sz="3200" spc="-1" strike="noStrike">
+              <a:latin typeface="Arial"/>
+            </a:endParaRPr>
+          </a:p>
+        </p:txBody>
+      </p:sp>
+      <p:sp>
+        <p:nvSpPr>
+          <p:cNvPr id="170" name="PlaceHolder 4"/>
+          <p:cNvSpPr>
+            <a:spLocks noGrp="1"/>
+          </p:cNvSpPr>
+          <p:nvPr>
+            <p:ph type="body"/>
+          </p:nvPr>
+        </p:nvSpPr>
+        <p:spPr>
+          <a:xfrm>
+            <a:off x="4674240" y="2761920"/>
+            <a:ext cx="4015800" cy="1422720"/>
+          </a:xfrm>
+          <a:prstGeom prst="rect">
+            <a:avLst/>
+          </a:prstGeom>
+        </p:spPr>
+        <p:txBody>
+          <a:bodyPr lIns="0" rIns="0" tIns="0" bIns="0">
+            <a:normAutofit/>
+          </a:bodyPr>
+          <a:p>
+            <a:endParaRPr b="0" lang="ru-RU" sz="3200" spc="-1" strike="noStrike">
+              <a:latin typeface="Arial"/>
+            </a:endParaRPr>
+          </a:p>
+        </p:txBody>
+      </p:sp>
+    </p:spTree>
+  </p:cSld>
+</p:sldLayout>
+</file>
+
+<file path=ppt/slideLayouts/slideLayout57.xml><?xml version="1.0" encoding="utf-8"?>
+<p:sldLayout xmlns:a="http://schemas.openxmlformats.org/drawingml/2006/main" xmlns:p="http://schemas.openxmlformats.org/presentationml/2006/main" xmlns:r="http://schemas.openxmlformats.org/officeDocument/2006/relationships" xmlns:p14="http://schemas.microsoft.com/office/powerpoint/2010/main" xmlns:p15="http://schemas.microsoft.com/office/powerpoint/2012/main" xmlns:mc="http://schemas.openxmlformats.org/markup-compatibility/2006" type="twoObjOverTx" preserve="1">
+  <p:cSld name="Title, 2 Content over Content">
+    <p:spTree>
+      <p:nvGrpSpPr>
+        <p:cNvPr id="1" name=""/>
+        <p:cNvGrpSpPr/>
+        <p:nvPr/>
+      </p:nvGrpSpPr>
+      <p:grpSpPr>
+        <a:xfrm>
+          <a:off x="0" y="0"/>
+          <a:ext cx="0" cy="0"/>
+          <a:chOff x="0" y="0"/>
+          <a:chExt cx="0" cy="0"/>
+        </a:xfrm>
+      </p:grpSpPr>
+      <p:sp>
+        <p:nvSpPr>
+          <p:cNvPr id="171" name="PlaceHolder 1"/>
+          <p:cNvSpPr>
+            <a:spLocks noGrp="1"/>
+          </p:cNvSpPr>
+          <p:nvPr>
+            <p:ph type="title"/>
+          </p:nvPr>
+        </p:nvSpPr>
+        <p:spPr>
+          <a:xfrm>
+            <a:off x="457200" y="9360"/>
+            <a:ext cx="8229240" cy="1250280"/>
+          </a:xfrm>
+          <a:prstGeom prst="rect">
+            <a:avLst/>
+          </a:prstGeom>
+        </p:spPr>
+        <p:txBody>
+          <a:bodyPr lIns="0" rIns="0" tIns="0" bIns="0" anchor="ctr">
+            <a:noAutofit/>
+          </a:bodyPr>
+          <a:p>
+            <a:pPr algn="ctr"/>
+            <a:endParaRPr b="0" lang="ru-RU" sz="4400" spc="-1" strike="noStrike">
+              <a:latin typeface="Arial"/>
+            </a:endParaRPr>
+          </a:p>
+        </p:txBody>
+      </p:sp>
+      <p:sp>
+        <p:nvSpPr>
+          <p:cNvPr id="172" name="PlaceHolder 2"/>
+          <p:cNvSpPr>
+            <a:spLocks noGrp="1"/>
+          </p:cNvSpPr>
+          <p:nvPr>
+            <p:ph type="body"/>
+          </p:nvPr>
+        </p:nvSpPr>
+        <p:spPr>
+          <a:xfrm>
+            <a:off x="457200" y="1203480"/>
+            <a:ext cx="4015800" cy="1422720"/>
+          </a:xfrm>
+          <a:prstGeom prst="rect">
+            <a:avLst/>
+          </a:prstGeom>
+        </p:spPr>
+        <p:txBody>
+          <a:bodyPr lIns="0" rIns="0" tIns="0" bIns="0">
+            <a:normAutofit/>
+          </a:bodyPr>
+          <a:p>
+            <a:endParaRPr b="0" lang="ru-RU" sz="3200" spc="-1" strike="noStrike">
+              <a:latin typeface="Arial"/>
+            </a:endParaRPr>
+          </a:p>
+        </p:txBody>
+      </p:sp>
+      <p:sp>
+        <p:nvSpPr>
+          <p:cNvPr id="173" name="PlaceHolder 3"/>
+          <p:cNvSpPr>
+            <a:spLocks noGrp="1"/>
+          </p:cNvSpPr>
+          <p:nvPr>
+            <p:ph type="body"/>
+          </p:nvPr>
+        </p:nvSpPr>
+        <p:spPr>
+          <a:xfrm>
+            <a:off x="4674240" y="1203480"/>
+            <a:ext cx="4015800" cy="1422720"/>
+          </a:xfrm>
+          <a:prstGeom prst="rect">
+            <a:avLst/>
+          </a:prstGeom>
+        </p:spPr>
+        <p:txBody>
+          <a:bodyPr lIns="0" rIns="0" tIns="0" bIns="0">
+            <a:normAutofit/>
+          </a:bodyPr>
+          <a:p>
+            <a:endParaRPr b="0" lang="ru-RU" sz="3200" spc="-1" strike="noStrike">
+              <a:latin typeface="Arial"/>
+            </a:endParaRPr>
+          </a:p>
+        </p:txBody>
+      </p:sp>
+      <p:sp>
+        <p:nvSpPr>
+          <p:cNvPr id="174" name="PlaceHolder 4"/>
+          <p:cNvSpPr>
+            <a:spLocks noGrp="1"/>
+          </p:cNvSpPr>
+          <p:nvPr>
+            <p:ph type="body"/>
+          </p:nvPr>
+        </p:nvSpPr>
+        <p:spPr>
+          <a:xfrm>
+            <a:off x="457200" y="2761920"/>
+            <a:ext cx="8229240" cy="1422720"/>
+          </a:xfrm>
+          <a:prstGeom prst="rect">
+            <a:avLst/>
+          </a:prstGeom>
+        </p:spPr>
+        <p:txBody>
+          <a:bodyPr lIns="0" rIns="0" tIns="0" bIns="0">
+            <a:normAutofit/>
+          </a:bodyPr>
+          <a:p>
+            <a:endParaRPr b="0" lang="ru-RU" sz="3200" spc="-1" strike="noStrike">
+              <a:latin typeface="Arial"/>
+            </a:endParaRPr>
+          </a:p>
+        </p:txBody>
+      </p:sp>
+    </p:spTree>
+  </p:cSld>
+</p:sldLayout>
+</file>
+
+<file path=ppt/slideLayouts/slideLayout58.xml><?xml version="1.0" encoding="utf-8"?>
+<p:sldLayout xmlns:a="http://schemas.openxmlformats.org/drawingml/2006/main" xmlns:p="http://schemas.openxmlformats.org/presentationml/2006/main" xmlns:r="http://schemas.openxmlformats.org/officeDocument/2006/relationships" xmlns:p14="http://schemas.microsoft.com/office/powerpoint/2010/main" xmlns:p15="http://schemas.microsoft.com/office/powerpoint/2012/main" xmlns:mc="http://schemas.openxmlformats.org/markup-compatibility/2006" type="objOverTx" preserve="1">
+  <p:cSld name="Title, Content over Content">
+    <p:spTree>
+      <p:nvGrpSpPr>
+        <p:cNvPr id="1" name=""/>
+        <p:cNvGrpSpPr/>
+        <p:nvPr/>
+      </p:nvGrpSpPr>
+      <p:grpSpPr>
+        <a:xfrm>
+          <a:off x="0" y="0"/>
+          <a:ext cx="0" cy="0"/>
+          <a:chOff x="0" y="0"/>
+          <a:chExt cx="0" cy="0"/>
+        </a:xfrm>
+      </p:grpSpPr>
+      <p:sp>
+        <p:nvSpPr>
+          <p:cNvPr id="175" name="PlaceHolder 1"/>
+          <p:cNvSpPr>
+            <a:spLocks noGrp="1"/>
+          </p:cNvSpPr>
+          <p:nvPr>
+            <p:ph type="title"/>
+          </p:nvPr>
+        </p:nvSpPr>
+        <p:spPr>
+          <a:xfrm>
+            <a:off x="457200" y="9360"/>
+            <a:ext cx="8229240" cy="1250280"/>
+          </a:xfrm>
+          <a:prstGeom prst="rect">
+            <a:avLst/>
+          </a:prstGeom>
+        </p:spPr>
+        <p:txBody>
+          <a:bodyPr lIns="0" rIns="0" tIns="0" bIns="0" anchor="ctr">
+            <a:noAutofit/>
+          </a:bodyPr>
+          <a:p>
+            <a:pPr algn="ctr"/>
+            <a:endParaRPr b="0" lang="ru-RU" sz="4400" spc="-1" strike="noStrike">
+              <a:latin typeface="Arial"/>
+            </a:endParaRPr>
+          </a:p>
+        </p:txBody>
+      </p:sp>
+      <p:sp>
+        <p:nvSpPr>
+          <p:cNvPr id="176" name="PlaceHolder 2"/>
+          <p:cNvSpPr>
+            <a:spLocks noGrp="1"/>
+          </p:cNvSpPr>
+          <p:nvPr>
+            <p:ph type="body"/>
+          </p:nvPr>
+        </p:nvSpPr>
+        <p:spPr>
+          <a:xfrm>
+            <a:off x="457200" y="1203480"/>
+            <a:ext cx="8229240" cy="1422720"/>
+          </a:xfrm>
+          <a:prstGeom prst="rect">
+            <a:avLst/>
+          </a:prstGeom>
+        </p:spPr>
+        <p:txBody>
+          <a:bodyPr lIns="0" rIns="0" tIns="0" bIns="0">
+            <a:normAutofit/>
+          </a:bodyPr>
+          <a:p>
+            <a:endParaRPr b="0" lang="ru-RU" sz="3200" spc="-1" strike="noStrike">
+              <a:latin typeface="Arial"/>
+            </a:endParaRPr>
+          </a:p>
+        </p:txBody>
+      </p:sp>
+      <p:sp>
+        <p:nvSpPr>
+          <p:cNvPr id="177" name="PlaceHolder 3"/>
+          <p:cNvSpPr>
+            <a:spLocks noGrp="1"/>
+          </p:cNvSpPr>
+          <p:nvPr>
+            <p:ph type="body"/>
+          </p:nvPr>
+        </p:nvSpPr>
+        <p:spPr>
+          <a:xfrm>
+            <a:off x="457200" y="2761920"/>
+            <a:ext cx="8229240" cy="1422720"/>
+          </a:xfrm>
+          <a:prstGeom prst="rect">
+            <a:avLst/>
+          </a:prstGeom>
+        </p:spPr>
+        <p:txBody>
+          <a:bodyPr lIns="0" rIns="0" tIns="0" bIns="0">
+            <a:normAutofit/>
+          </a:bodyPr>
+          <a:p>
+            <a:endParaRPr b="0" lang="ru-RU" sz="3200" spc="-1" strike="noStrike">
+              <a:latin typeface="Arial"/>
+            </a:endParaRPr>
+          </a:p>
+        </p:txBody>
+      </p:sp>
+    </p:spTree>
+  </p:cSld>
+</p:sldLayout>
+</file>
+
+<file path=ppt/slideLayouts/slideLayout59.xml><?xml version="1.0" encoding="utf-8"?>
+<p:sldLayout xmlns:a="http://schemas.openxmlformats.org/drawingml/2006/main" xmlns:p="http://schemas.openxmlformats.org/presentationml/2006/main" xmlns:r="http://schemas.openxmlformats.org/officeDocument/2006/relationships" xmlns:p14="http://schemas.microsoft.com/office/powerpoint/2010/main" xmlns:p15="http://schemas.microsoft.com/office/powerpoint/2012/main" xmlns:mc="http://schemas.openxmlformats.org/markup-compatibility/2006" type="fourObj" preserve="1">
+  <p:cSld name="Title, 4 Content">
+    <p:spTree>
+      <p:nvGrpSpPr>
+        <p:cNvPr id="1" name=""/>
+        <p:cNvGrpSpPr/>
+        <p:nvPr/>
+      </p:nvGrpSpPr>
+      <p:grpSpPr>
+        <a:xfrm>
+          <a:off x="0" y="0"/>
+          <a:ext cx="0" cy="0"/>
+          <a:chOff x="0" y="0"/>
+          <a:chExt cx="0" cy="0"/>
+        </a:xfrm>
+      </p:grpSpPr>
+      <p:sp>
+        <p:nvSpPr>
+          <p:cNvPr id="178" name="PlaceHolder 1"/>
+          <p:cNvSpPr>
+            <a:spLocks noGrp="1"/>
+          </p:cNvSpPr>
+          <p:nvPr>
+            <p:ph type="title"/>
+          </p:nvPr>
+        </p:nvSpPr>
+        <p:spPr>
+          <a:xfrm>
+            <a:off x="457200" y="9360"/>
+            <a:ext cx="8229240" cy="1250280"/>
+          </a:xfrm>
+          <a:prstGeom prst="rect">
+            <a:avLst/>
+          </a:prstGeom>
+        </p:spPr>
+        <p:txBody>
+          <a:bodyPr lIns="0" rIns="0" tIns="0" bIns="0" anchor="ctr">
+            <a:noAutofit/>
+          </a:bodyPr>
+          <a:p>
+            <a:pPr algn="ctr"/>
+            <a:endParaRPr b="0" lang="ru-RU" sz="4400" spc="-1" strike="noStrike">
+              <a:latin typeface="Arial"/>
+            </a:endParaRPr>
+          </a:p>
+        </p:txBody>
+      </p:sp>
+      <p:sp>
+        <p:nvSpPr>
+          <p:cNvPr id="179" name="PlaceHolder 2"/>
+          <p:cNvSpPr>
+            <a:spLocks noGrp="1"/>
+          </p:cNvSpPr>
+          <p:nvPr>
+            <p:ph type="body"/>
+          </p:nvPr>
+        </p:nvSpPr>
+        <p:spPr>
+          <a:xfrm>
+            <a:off x="457200" y="1203480"/>
+            <a:ext cx="4015800" cy="1422720"/>
+          </a:xfrm>
+          <a:prstGeom prst="rect">
+            <a:avLst/>
+          </a:prstGeom>
+        </p:spPr>
+        <p:txBody>
+          <a:bodyPr lIns="0" rIns="0" tIns="0" bIns="0">
+            <a:normAutofit/>
+          </a:bodyPr>
+          <a:p>
+            <a:endParaRPr b="0" lang="ru-RU" sz="3200" spc="-1" strike="noStrike">
+              <a:latin typeface="Arial"/>
+            </a:endParaRPr>
+          </a:p>
+        </p:txBody>
+      </p:sp>
+      <p:sp>
+        <p:nvSpPr>
+          <p:cNvPr id="180" name="PlaceHolder 3"/>
+          <p:cNvSpPr>
+            <a:spLocks noGrp="1"/>
+          </p:cNvSpPr>
+          <p:nvPr>
+            <p:ph type="body"/>
+          </p:nvPr>
+        </p:nvSpPr>
+        <p:spPr>
+          <a:xfrm>
+            <a:off x="4674240" y="1203480"/>
+            <a:ext cx="4015800" cy="1422720"/>
+          </a:xfrm>
+          <a:prstGeom prst="rect">
+            <a:avLst/>
+          </a:prstGeom>
+        </p:spPr>
+        <p:txBody>
+          <a:bodyPr lIns="0" rIns="0" tIns="0" bIns="0">
+            <a:normAutofit/>
+          </a:bodyPr>
+          <a:p>
+            <a:endParaRPr b="0" lang="ru-RU" sz="3200" spc="-1" strike="noStrike">
+              <a:latin typeface="Arial"/>
+            </a:endParaRPr>
+          </a:p>
+        </p:txBody>
+      </p:sp>
+      <p:sp>
+        <p:nvSpPr>
+          <p:cNvPr id="181" name="PlaceHolder 4"/>
+          <p:cNvSpPr>
+            <a:spLocks noGrp="1"/>
+          </p:cNvSpPr>
+          <p:nvPr>
+            <p:ph type="body"/>
+          </p:nvPr>
+        </p:nvSpPr>
+        <p:spPr>
+          <a:xfrm>
+            <a:off x="457200" y="2761920"/>
+            <a:ext cx="4015800" cy="1422720"/>
+          </a:xfrm>
+          <a:prstGeom prst="rect">
+            <a:avLst/>
+          </a:prstGeom>
+        </p:spPr>
+        <p:txBody>
+          <a:bodyPr lIns="0" rIns="0" tIns="0" bIns="0">
+            <a:normAutofit/>
+          </a:bodyPr>
+          <a:p>
+            <a:endParaRPr b="0" lang="ru-RU" sz="3200" spc="-1" strike="noStrike">
+              <a:latin typeface="Arial"/>
+            </a:endParaRPr>
+          </a:p>
+        </p:txBody>
+      </p:sp>
+      <p:sp>
+        <p:nvSpPr>
+          <p:cNvPr id="182" name="PlaceHolder 5"/>
+          <p:cNvSpPr>
+            <a:spLocks noGrp="1"/>
+          </p:cNvSpPr>
+          <p:nvPr>
+            <p:ph type="body"/>
+          </p:nvPr>
+        </p:nvSpPr>
+        <p:spPr>
+          <a:xfrm>
+            <a:off x="4674240" y="2761920"/>
+            <a:ext cx="4015800" cy="1422720"/>
+          </a:xfrm>
+          <a:prstGeom prst="rect">
+            <a:avLst/>
+          </a:prstGeom>
+        </p:spPr>
+        <p:txBody>
+          <a:bodyPr lIns="0" rIns="0" tIns="0" bIns="0">
+            <a:normAutofit/>
+          </a:bodyPr>
+          <a:p>
+            <a:endParaRPr b="0" lang="ru-RU" sz="3200" spc="-1" strike="noStrike">
               <a:latin typeface="Arial"/>
             </a:endParaRPr>
           </a:p>
@@ -5378,6 +6502,239 @@
           </a:bodyPr>
           <a:p>
             <a:pPr algn="ctr"/>
+            <a:endParaRPr b="0" lang="ru-RU" sz="3200" spc="-1" strike="noStrike">
+              <a:latin typeface="Arial"/>
+            </a:endParaRPr>
+          </a:p>
+        </p:txBody>
+      </p:sp>
+    </p:spTree>
+  </p:cSld>
+</p:sldLayout>
+</file>
+
+<file path=ppt/slideLayouts/slideLayout60.xml><?xml version="1.0" encoding="utf-8"?>
+<p:sldLayout xmlns:a="http://schemas.openxmlformats.org/drawingml/2006/main" xmlns:p="http://schemas.openxmlformats.org/presentationml/2006/main" xmlns:r="http://schemas.openxmlformats.org/officeDocument/2006/relationships" xmlns:p14="http://schemas.microsoft.com/office/powerpoint/2010/main" xmlns:p15="http://schemas.microsoft.com/office/powerpoint/2012/main" xmlns:mc="http://schemas.openxmlformats.org/markup-compatibility/2006" type="blank" preserve="1">
+  <p:cSld name="Title, 6 Content">
+    <p:spTree>
+      <p:nvGrpSpPr>
+        <p:cNvPr id="1" name=""/>
+        <p:cNvGrpSpPr/>
+        <p:nvPr/>
+      </p:nvGrpSpPr>
+      <p:grpSpPr>
+        <a:xfrm>
+          <a:off x="0" y="0"/>
+          <a:ext cx="0" cy="0"/>
+          <a:chOff x="0" y="0"/>
+          <a:chExt cx="0" cy="0"/>
+        </a:xfrm>
+      </p:grpSpPr>
+      <p:sp>
+        <p:nvSpPr>
+          <p:cNvPr id="183" name="PlaceHolder 1"/>
+          <p:cNvSpPr>
+            <a:spLocks noGrp="1"/>
+          </p:cNvSpPr>
+          <p:nvPr>
+            <p:ph type="title"/>
+          </p:nvPr>
+        </p:nvSpPr>
+        <p:spPr>
+          <a:xfrm>
+            <a:off x="457200" y="9360"/>
+            <a:ext cx="8229240" cy="1250280"/>
+          </a:xfrm>
+          <a:prstGeom prst="rect">
+            <a:avLst/>
+          </a:prstGeom>
+        </p:spPr>
+        <p:txBody>
+          <a:bodyPr lIns="0" rIns="0" tIns="0" bIns="0" anchor="ctr">
+            <a:noAutofit/>
+          </a:bodyPr>
+          <a:p>
+            <a:pPr algn="ctr"/>
+            <a:endParaRPr b="0" lang="ru-RU" sz="4400" spc="-1" strike="noStrike">
+              <a:latin typeface="Arial"/>
+            </a:endParaRPr>
+          </a:p>
+        </p:txBody>
+      </p:sp>
+      <p:sp>
+        <p:nvSpPr>
+          <p:cNvPr id="184" name="PlaceHolder 2"/>
+          <p:cNvSpPr>
+            <a:spLocks noGrp="1"/>
+          </p:cNvSpPr>
+          <p:nvPr>
+            <p:ph type="body"/>
+          </p:nvPr>
+        </p:nvSpPr>
+        <p:spPr>
+          <a:xfrm>
+            <a:off x="457200" y="1203480"/>
+            <a:ext cx="2649600" cy="1422720"/>
+          </a:xfrm>
+          <a:prstGeom prst="rect">
+            <a:avLst/>
+          </a:prstGeom>
+        </p:spPr>
+        <p:txBody>
+          <a:bodyPr lIns="0" rIns="0" tIns="0" bIns="0">
+            <a:normAutofit fontScale="49000"/>
+          </a:bodyPr>
+          <a:p>
+            <a:endParaRPr b="0" lang="ru-RU" sz="3200" spc="-1" strike="noStrike">
+              <a:latin typeface="Arial"/>
+            </a:endParaRPr>
+          </a:p>
+        </p:txBody>
+      </p:sp>
+      <p:sp>
+        <p:nvSpPr>
+          <p:cNvPr id="185" name="PlaceHolder 3"/>
+          <p:cNvSpPr>
+            <a:spLocks noGrp="1"/>
+          </p:cNvSpPr>
+          <p:nvPr>
+            <p:ph type="body"/>
+          </p:nvPr>
+        </p:nvSpPr>
+        <p:spPr>
+          <a:xfrm>
+            <a:off x="3239640" y="1203480"/>
+            <a:ext cx="2649600" cy="1422720"/>
+          </a:xfrm>
+          <a:prstGeom prst="rect">
+            <a:avLst/>
+          </a:prstGeom>
+        </p:spPr>
+        <p:txBody>
+          <a:bodyPr lIns="0" rIns="0" tIns="0" bIns="0">
+            <a:normAutofit fontScale="49000"/>
+          </a:bodyPr>
+          <a:p>
+            <a:endParaRPr b="0" lang="ru-RU" sz="3200" spc="-1" strike="noStrike">
+              <a:latin typeface="Arial"/>
+            </a:endParaRPr>
+          </a:p>
+        </p:txBody>
+      </p:sp>
+      <p:sp>
+        <p:nvSpPr>
+          <p:cNvPr id="186" name="PlaceHolder 4"/>
+          <p:cNvSpPr>
+            <a:spLocks noGrp="1"/>
+          </p:cNvSpPr>
+          <p:nvPr>
+            <p:ph type="body"/>
+          </p:nvPr>
+        </p:nvSpPr>
+        <p:spPr>
+          <a:xfrm>
+            <a:off x="6022080" y="1203480"/>
+            <a:ext cx="2649600" cy="1422720"/>
+          </a:xfrm>
+          <a:prstGeom prst="rect">
+            <a:avLst/>
+          </a:prstGeom>
+        </p:spPr>
+        <p:txBody>
+          <a:bodyPr lIns="0" rIns="0" tIns="0" bIns="0">
+            <a:normAutofit fontScale="49000"/>
+          </a:bodyPr>
+          <a:p>
+            <a:endParaRPr b="0" lang="ru-RU" sz="3200" spc="-1" strike="noStrike">
+              <a:latin typeface="Arial"/>
+            </a:endParaRPr>
+          </a:p>
+        </p:txBody>
+      </p:sp>
+      <p:sp>
+        <p:nvSpPr>
+          <p:cNvPr id="187" name="PlaceHolder 5"/>
+          <p:cNvSpPr>
+            <a:spLocks noGrp="1"/>
+          </p:cNvSpPr>
+          <p:nvPr>
+            <p:ph type="body"/>
+          </p:nvPr>
+        </p:nvSpPr>
+        <p:spPr>
+          <a:xfrm>
+            <a:off x="457200" y="2761920"/>
+            <a:ext cx="2649600" cy="1422720"/>
+          </a:xfrm>
+          <a:prstGeom prst="rect">
+            <a:avLst/>
+          </a:prstGeom>
+        </p:spPr>
+        <p:txBody>
+          <a:bodyPr lIns="0" rIns="0" tIns="0" bIns="0">
+            <a:normAutofit fontScale="49000"/>
+          </a:bodyPr>
+          <a:p>
+            <a:endParaRPr b="0" lang="ru-RU" sz="3200" spc="-1" strike="noStrike">
+              <a:latin typeface="Arial"/>
+            </a:endParaRPr>
+          </a:p>
+        </p:txBody>
+      </p:sp>
+      <p:sp>
+        <p:nvSpPr>
+          <p:cNvPr id="188" name="PlaceHolder 6"/>
+          <p:cNvSpPr>
+            <a:spLocks noGrp="1"/>
+          </p:cNvSpPr>
+          <p:nvPr>
+            <p:ph type="body"/>
+          </p:nvPr>
+        </p:nvSpPr>
+        <p:spPr>
+          <a:xfrm>
+            <a:off x="3239640" y="2761920"/>
+            <a:ext cx="2649600" cy="1422720"/>
+          </a:xfrm>
+          <a:prstGeom prst="rect">
+            <a:avLst/>
+          </a:prstGeom>
+        </p:spPr>
+        <p:txBody>
+          <a:bodyPr lIns="0" rIns="0" tIns="0" bIns="0">
+            <a:normAutofit fontScale="49000"/>
+          </a:bodyPr>
+          <a:p>
+            <a:endParaRPr b="0" lang="ru-RU" sz="3200" spc="-1" strike="noStrike">
+              <a:latin typeface="Arial"/>
+            </a:endParaRPr>
+          </a:p>
+        </p:txBody>
+      </p:sp>
+      <p:sp>
+        <p:nvSpPr>
+          <p:cNvPr id="189" name="PlaceHolder 7"/>
+          <p:cNvSpPr>
+            <a:spLocks noGrp="1"/>
+          </p:cNvSpPr>
+          <p:nvPr>
+            <p:ph type="body"/>
+          </p:nvPr>
+        </p:nvSpPr>
+        <p:spPr>
+          <a:xfrm>
+            <a:off x="6022080" y="2761920"/>
+            <a:ext cx="2649600" cy="1422720"/>
+          </a:xfrm>
+          <a:prstGeom prst="rect">
+            <a:avLst/>
+          </a:prstGeom>
+        </p:spPr>
+        <p:txBody>
+          <a:bodyPr lIns="0" rIns="0" tIns="0" bIns="0">
+            <a:normAutofit fontScale="49000"/>
+          </a:bodyPr>
+          <a:p>
             <a:endParaRPr b="0" lang="ru-RU" sz="3200" spc="-1" strike="noStrike">
               <a:latin typeface="Arial"/>
             </a:endParaRPr>
@@ -6646,8 +8003,8 @@
         </p:nvSpPr>
         <p:spPr>
           <a:xfrm>
-            <a:off x="457200" y="9360"/>
-            <a:ext cx="8228880" cy="1249920"/>
+            <a:off x="457200" y="205200"/>
+            <a:ext cx="8229240" cy="858600"/>
           </a:xfrm>
           <a:prstGeom prst="rect">
             <a:avLst/>
@@ -6658,13 +8015,14 @@
             <a:noAutofit/>
           </a:bodyPr>
           <a:p>
+            <a:pPr algn="ctr"/>
             <a:r>
-              <a:rPr b="0" lang="ru-RU" sz="1800" spc="-1" strike="noStrike">
+              <a:rPr b="0" lang="ru-RU" sz="4400" spc="-1" strike="noStrike">
                 <a:latin typeface="Arial"/>
               </a:rPr>
               <a:t>Для правки текста заглавия щёлкните мышью</a:t>
             </a:r>
-            <a:endParaRPr b="0" lang="ru-RU" sz="1800" spc="-1" strike="noStrike">
+            <a:endParaRPr b="0" lang="ru-RU" sz="4400" spc="-1" strike="noStrike">
               <a:latin typeface="Arial"/>
             </a:endParaRPr>
           </a:p>
@@ -6683,7 +8041,7 @@
         <p:spPr>
           <a:xfrm>
             <a:off x="457200" y="1203480"/>
-            <a:ext cx="8228880" cy="2982600"/>
+            <a:ext cx="8229240" cy="2982960"/>
           </a:xfrm>
           <a:prstGeom prst="rect">
             <a:avLst/>
@@ -6706,12 +8064,12 @@
               <a:buChar char=""/>
             </a:pPr>
             <a:r>
-              <a:rPr b="0" lang="ru-RU" sz="1800" spc="-1" strike="noStrike">
+              <a:rPr b="0" lang="ru-RU" sz="3200" spc="-1" strike="noStrike">
                 <a:latin typeface="Arial"/>
               </a:rPr>
               <a:t>Для правки структуры щёлкните мышью</a:t>
             </a:r>
-            <a:endParaRPr b="0" lang="ru-RU" sz="1800" spc="-1" strike="noStrike">
+            <a:endParaRPr b="0" lang="ru-RU" sz="3200" spc="-1" strike="noStrike">
               <a:latin typeface="Arial"/>
             </a:endParaRPr>
           </a:p>
@@ -6728,12 +8086,12 @@
               <a:buChar char=""/>
             </a:pPr>
             <a:r>
-              <a:rPr b="0" lang="ru-RU" sz="1800" spc="-1" strike="noStrike">
+              <a:rPr b="0" lang="ru-RU" sz="2800" spc="-1" strike="noStrike">
                 <a:latin typeface="Arial"/>
               </a:rPr>
               <a:t>Второй уровень структуры</a:t>
             </a:r>
-            <a:endParaRPr b="0" lang="ru-RU" sz="1800" spc="-1" strike="noStrike">
+            <a:endParaRPr b="0" lang="ru-RU" sz="2800" spc="-1" strike="noStrike">
               <a:latin typeface="Arial"/>
             </a:endParaRPr>
           </a:p>
@@ -6750,12 +8108,12 @@
               <a:buChar char=""/>
             </a:pPr>
             <a:r>
-              <a:rPr b="0" lang="ru-RU" sz="1800" spc="-1" strike="noStrike">
+              <a:rPr b="0" lang="ru-RU" sz="2400" spc="-1" strike="noStrike">
                 <a:latin typeface="Arial"/>
               </a:rPr>
               <a:t>Третий уровень структуры</a:t>
             </a:r>
-            <a:endParaRPr b="0" lang="ru-RU" sz="1800" spc="-1" strike="noStrike">
+            <a:endParaRPr b="0" lang="ru-RU" sz="2400" spc="-1" strike="noStrike">
               <a:latin typeface="Arial"/>
             </a:endParaRPr>
           </a:p>
@@ -6772,12 +8130,12 @@
               <a:buChar char=""/>
             </a:pPr>
             <a:r>
-              <a:rPr b="0" lang="ru-RU" sz="1800" spc="-1" strike="noStrike">
+              <a:rPr b="0" lang="ru-RU" sz="2000" spc="-1" strike="noStrike">
                 <a:latin typeface="Arial"/>
               </a:rPr>
               <a:t>Четвёртый уровень структуры</a:t>
             </a:r>
-            <a:endParaRPr b="0" lang="ru-RU" sz="1800" spc="-1" strike="noStrike">
+            <a:endParaRPr b="0" lang="ru-RU" sz="2000" spc="-1" strike="noStrike">
               <a:latin typeface="Arial"/>
             </a:endParaRPr>
           </a:p>
@@ -6794,12 +8152,12 @@
               <a:buChar char=""/>
             </a:pPr>
             <a:r>
-              <a:rPr b="0" lang="ru-RU" sz="1800" spc="-1" strike="noStrike">
+              <a:rPr b="0" lang="ru-RU" sz="2000" spc="-1" strike="noStrike">
                 <a:latin typeface="Arial"/>
               </a:rPr>
               <a:t>Пятый уровень структуры</a:t>
             </a:r>
-            <a:endParaRPr b="0" lang="ru-RU" sz="1800" spc="-1" strike="noStrike">
+            <a:endParaRPr b="0" lang="ru-RU" sz="2000" spc="-1" strike="noStrike">
               <a:latin typeface="Arial"/>
             </a:endParaRPr>
           </a:p>
@@ -6816,12 +8174,12 @@
               <a:buChar char=""/>
             </a:pPr>
             <a:r>
-              <a:rPr b="0" lang="ru-RU" sz="1800" spc="-1" strike="noStrike">
+              <a:rPr b="0" lang="ru-RU" sz="2000" spc="-1" strike="noStrike">
                 <a:latin typeface="Arial"/>
               </a:rPr>
               <a:t>Шестой уровень структуры</a:t>
             </a:r>
-            <a:endParaRPr b="0" lang="ru-RU" sz="1800" spc="-1" strike="noStrike">
+            <a:endParaRPr b="0" lang="ru-RU" sz="2000" spc="-1" strike="noStrike">
               <a:latin typeface="Arial"/>
             </a:endParaRPr>
           </a:p>
@@ -6838,12 +8196,12 @@
               <a:buChar char=""/>
             </a:pPr>
             <a:r>
-              <a:rPr b="0" lang="ru-RU" sz="1800" spc="-1" strike="noStrike">
+              <a:rPr b="0" lang="ru-RU" sz="2000" spc="-1" strike="noStrike">
                 <a:latin typeface="Arial"/>
               </a:rPr>
               <a:t>Седьмой уровень структуры</a:t>
             </a:r>
-            <a:endParaRPr b="0" lang="ru-RU" sz="1800" spc="-1" strike="noStrike">
+            <a:endParaRPr b="0" lang="ru-RU" sz="2000" spc="-1" strike="noStrike">
               <a:latin typeface="Arial"/>
             </a:endParaRPr>
           </a:p>
@@ -6865,6 +8223,268 @@
     <p:sldLayoutId id="2147483697" r:id="rId12"/>
     <p:sldLayoutId id="2147483698" r:id="rId13"/>
     <p:sldLayoutId id="2147483699" r:id="rId14"/>
+  </p:sldLayoutIdLst>
+</p:sldMaster>
+</file>
+
+<file path=ppt/slideMasters/slideMaster5.xml><?xml version="1.0" encoding="utf-8"?>
+<p:sldMaster xmlns:a="http://schemas.openxmlformats.org/drawingml/2006/main" xmlns:p="http://schemas.openxmlformats.org/presentationml/2006/main" xmlns:r="http://schemas.openxmlformats.org/officeDocument/2006/relationships" xmlns:p14="http://schemas.microsoft.com/office/powerpoint/2010/main" xmlns:p15="http://schemas.microsoft.com/office/powerpoint/2012/main" xmlns:mc="http://schemas.openxmlformats.org/markup-compatibility/2006">
+  <p:cSld>
+    <p:bg>
+      <p:bgPr>
+        <a:blipFill rotWithShape="0">
+          <a:blip r:embed="rId2"/>
+          <a:stretch>
+            <a:fillRect/>
+          </a:stretch>
+        </a:blipFill>
+      </p:bgPr>
+    </p:bg>
+    <p:spTree>
+      <p:nvGrpSpPr>
+        <p:cNvPr id="1" name=""/>
+        <p:cNvGrpSpPr/>
+        <p:nvPr/>
+      </p:nvGrpSpPr>
+      <p:grpSpPr>
+        <a:xfrm>
+          <a:off x="0" y="0"/>
+          <a:ext cx="0" cy="0"/>
+          <a:chOff x="0" y="0"/>
+          <a:chExt cx="0" cy="0"/>
+        </a:xfrm>
+      </p:grpSpPr>
+      <p:sp>
+        <p:nvSpPr>
+          <p:cNvPr id="152" name="PlaceHolder 1"/>
+          <p:cNvSpPr>
+            <a:spLocks noGrp="1"/>
+          </p:cNvSpPr>
+          <p:nvPr>
+            <p:ph type="title"/>
+          </p:nvPr>
+        </p:nvSpPr>
+        <p:spPr>
+          <a:xfrm>
+            <a:off x="457200" y="9360"/>
+            <a:ext cx="8228880" cy="1249920"/>
+          </a:xfrm>
+          <a:prstGeom prst="rect">
+            <a:avLst/>
+          </a:prstGeom>
+        </p:spPr>
+        <p:txBody>
+          <a:bodyPr lIns="0" rIns="0" tIns="0" bIns="0" anchor="ctr">
+            <a:noAutofit/>
+          </a:bodyPr>
+          <a:p>
+            <a:r>
+              <a:rPr b="0" lang="ru-RU" sz="1800" spc="-1" strike="noStrike">
+                <a:latin typeface="Arial"/>
+              </a:rPr>
+              <a:t>Для правки текста заглавия щёлкните мышью</a:t>
+            </a:r>
+            <a:endParaRPr b="0" lang="ru-RU" sz="1800" spc="-1" strike="noStrike">
+              <a:latin typeface="Arial"/>
+            </a:endParaRPr>
+          </a:p>
+        </p:txBody>
+      </p:sp>
+      <p:sp>
+        <p:nvSpPr>
+          <p:cNvPr id="153" name="PlaceHolder 2"/>
+          <p:cNvSpPr>
+            <a:spLocks noGrp="1"/>
+          </p:cNvSpPr>
+          <p:nvPr>
+            <p:ph type="body"/>
+          </p:nvPr>
+        </p:nvSpPr>
+        <p:spPr>
+          <a:xfrm>
+            <a:off x="457200" y="1203480"/>
+            <a:ext cx="8229240" cy="2982960"/>
+          </a:xfrm>
+          <a:prstGeom prst="rect">
+            <a:avLst/>
+          </a:prstGeom>
+        </p:spPr>
+        <p:txBody>
+          <a:bodyPr lIns="0" rIns="0" tIns="0" bIns="0">
+            <a:normAutofit/>
+          </a:bodyPr>
+          <a:p>
+            <a:pPr marL="432000" indent="-324000">
+              <a:spcBef>
+                <a:spcPts val="1417"/>
+              </a:spcBef>
+              <a:buClr>
+                <a:srgbClr val="000000"/>
+              </a:buClr>
+              <a:buSzPct val="45000"/>
+              <a:buFont typeface="Wingdings" charset="2"/>
+              <a:buChar char=""/>
+            </a:pPr>
+            <a:r>
+              <a:rPr b="0" lang="ru-RU" sz="3200" spc="-1" strike="noStrike">
+                <a:latin typeface="Arial"/>
+              </a:rPr>
+              <a:t>Для правки структуры щёлкните мышью</a:t>
+            </a:r>
+            <a:endParaRPr b="0" lang="ru-RU" sz="3200" spc="-1" strike="noStrike">
+              <a:latin typeface="Arial"/>
+            </a:endParaRPr>
+          </a:p>
+          <a:p>
+            <a:pPr lvl="1" marL="864000" indent="-324000">
+              <a:spcBef>
+                <a:spcPts val="1134"/>
+              </a:spcBef>
+              <a:buClr>
+                <a:srgbClr val="000000"/>
+              </a:buClr>
+              <a:buSzPct val="75000"/>
+              <a:buFont typeface="Symbol" charset="2"/>
+              <a:buChar char=""/>
+            </a:pPr>
+            <a:r>
+              <a:rPr b="0" lang="ru-RU" sz="2800" spc="-1" strike="noStrike">
+                <a:latin typeface="Arial"/>
+              </a:rPr>
+              <a:t>Второй уровень структуры</a:t>
+            </a:r>
+            <a:endParaRPr b="0" lang="ru-RU" sz="2800" spc="-1" strike="noStrike">
+              <a:latin typeface="Arial"/>
+            </a:endParaRPr>
+          </a:p>
+          <a:p>
+            <a:pPr lvl="2" marL="1296000" indent="-288000">
+              <a:spcBef>
+                <a:spcPts val="850"/>
+              </a:spcBef>
+              <a:buClr>
+                <a:srgbClr val="000000"/>
+              </a:buClr>
+              <a:buSzPct val="45000"/>
+              <a:buFont typeface="Wingdings" charset="2"/>
+              <a:buChar char=""/>
+            </a:pPr>
+            <a:r>
+              <a:rPr b="0" lang="ru-RU" sz="2400" spc="-1" strike="noStrike">
+                <a:latin typeface="Arial"/>
+              </a:rPr>
+              <a:t>Третий уровень структуры</a:t>
+            </a:r>
+            <a:endParaRPr b="0" lang="ru-RU" sz="2400" spc="-1" strike="noStrike">
+              <a:latin typeface="Arial"/>
+            </a:endParaRPr>
+          </a:p>
+          <a:p>
+            <a:pPr lvl="3" marL="1728000" indent="-216000">
+              <a:spcBef>
+                <a:spcPts val="567"/>
+              </a:spcBef>
+              <a:buClr>
+                <a:srgbClr val="000000"/>
+              </a:buClr>
+              <a:buSzPct val="75000"/>
+              <a:buFont typeface="Symbol" charset="2"/>
+              <a:buChar char=""/>
+            </a:pPr>
+            <a:r>
+              <a:rPr b="0" lang="ru-RU" sz="2000" spc="-1" strike="noStrike">
+                <a:latin typeface="Arial"/>
+              </a:rPr>
+              <a:t>Четвёртый уровень структуры</a:t>
+            </a:r>
+            <a:endParaRPr b="0" lang="ru-RU" sz="2000" spc="-1" strike="noStrike">
+              <a:latin typeface="Arial"/>
+            </a:endParaRPr>
+          </a:p>
+          <a:p>
+            <a:pPr lvl="4" marL="2160000" indent="-216000">
+              <a:spcBef>
+                <a:spcPts val="283"/>
+              </a:spcBef>
+              <a:buClr>
+                <a:srgbClr val="000000"/>
+              </a:buClr>
+              <a:buSzPct val="45000"/>
+              <a:buFont typeface="Wingdings" charset="2"/>
+              <a:buChar char=""/>
+            </a:pPr>
+            <a:r>
+              <a:rPr b="0" lang="ru-RU" sz="2000" spc="-1" strike="noStrike">
+                <a:latin typeface="Arial"/>
+              </a:rPr>
+              <a:t>Пятый уровень структуры</a:t>
+            </a:r>
+            <a:endParaRPr b="0" lang="ru-RU" sz="2000" spc="-1" strike="noStrike">
+              <a:latin typeface="Arial"/>
+            </a:endParaRPr>
+          </a:p>
+          <a:p>
+            <a:pPr lvl="5" marL="2592000" indent="-216000">
+              <a:spcBef>
+                <a:spcPts val="283"/>
+              </a:spcBef>
+              <a:buClr>
+                <a:srgbClr val="000000"/>
+              </a:buClr>
+              <a:buSzPct val="45000"/>
+              <a:buFont typeface="Wingdings" charset="2"/>
+              <a:buChar char=""/>
+            </a:pPr>
+            <a:r>
+              <a:rPr b="0" lang="ru-RU" sz="2000" spc="-1" strike="noStrike">
+                <a:latin typeface="Arial"/>
+              </a:rPr>
+              <a:t>Шестой уровень структуры</a:t>
+            </a:r>
+            <a:endParaRPr b="0" lang="ru-RU" sz="2000" spc="-1" strike="noStrike">
+              <a:latin typeface="Arial"/>
+            </a:endParaRPr>
+          </a:p>
+          <a:p>
+            <a:pPr lvl="6" marL="3024000" indent="-216000">
+              <a:spcBef>
+                <a:spcPts val="283"/>
+              </a:spcBef>
+              <a:buClr>
+                <a:srgbClr val="000000"/>
+              </a:buClr>
+              <a:buSzPct val="45000"/>
+              <a:buFont typeface="Wingdings" charset="2"/>
+              <a:buChar char=""/>
+            </a:pPr>
+            <a:r>
+              <a:rPr b="0" lang="ru-RU" sz="2000" spc="-1" strike="noStrike">
+                <a:latin typeface="Arial"/>
+              </a:rPr>
+              <a:t>Седьмой уровень структуры</a:t>
+            </a:r>
+            <a:endParaRPr b="0" lang="ru-RU" sz="2000" spc="-1" strike="noStrike">
+              <a:latin typeface="Arial"/>
+            </a:endParaRPr>
+          </a:p>
+        </p:txBody>
+      </p:sp>
+    </p:spTree>
+  </p:cSld>
+  <p:clrMap bg1="lt1" bg2="lt2" tx1="dk1" tx2="dk2" accent1="accent1" accent2="accent2" accent3="accent3" accent4="accent4" accent5="accent5" accent6="accent6" hlink="hlink" folHlink="folHlink"/>
+  <p:sldLayoutIdLst>
+    <p:sldLayoutId id="2147483701" r:id="rId3"/>
+    <p:sldLayoutId id="2147483702" r:id="rId4"/>
+    <p:sldLayoutId id="2147483703" r:id="rId5"/>
+    <p:sldLayoutId id="2147483704" r:id="rId6"/>
+    <p:sldLayoutId id="2147483705" r:id="rId7"/>
+    <p:sldLayoutId id="2147483706" r:id="rId8"/>
+    <p:sldLayoutId id="2147483707" r:id="rId9"/>
+    <p:sldLayoutId id="2147483708" r:id="rId10"/>
+    <p:sldLayoutId id="2147483709" r:id="rId11"/>
+    <p:sldLayoutId id="2147483710" r:id="rId12"/>
+    <p:sldLayoutId id="2147483711" r:id="rId13"/>
+    <p:sldLayoutId id="2147483712" r:id="rId14"/>
   </p:sldLayoutIdLst>
 </p:sldMaster>
 </file>
@@ -6888,14 +8508,14 @@
       </p:grpSpPr>
       <p:sp>
         <p:nvSpPr>
-          <p:cNvPr id="158" name="CustomShape 1"/>
+          <p:cNvPr id="196" name="CustomShape 1"/>
           <p:cNvSpPr/>
           <p:nvPr/>
         </p:nvSpPr>
         <p:spPr>
           <a:xfrm>
             <a:off x="323640" y="1728000"/>
-            <a:ext cx="5362560" cy="2158200"/>
+            <a:ext cx="5362200" cy="2157840"/>
           </a:xfrm>
           <a:prstGeom prst="rect">
             <a:avLst/>
@@ -7012,14 +8632,14 @@
       </p:grpSpPr>
       <p:sp>
         <p:nvSpPr>
-          <p:cNvPr id="173" name="CustomShape 1"/>
+          <p:cNvPr id="211" name="CustomShape 1"/>
           <p:cNvSpPr/>
           <p:nvPr/>
         </p:nvSpPr>
         <p:spPr>
           <a:xfrm>
             <a:off x="457200" y="9360"/>
-            <a:ext cx="8228160" cy="1249200"/>
+            <a:ext cx="8227800" cy="1248840"/>
           </a:xfrm>
           <a:prstGeom prst="rect">
             <a:avLst/>
@@ -7063,14 +8683,14 @@
       </p:sp>
       <p:sp>
         <p:nvSpPr>
-          <p:cNvPr id="174" name="CustomShape 2"/>
+          <p:cNvPr id="212" name="CustomShape 2"/>
           <p:cNvSpPr/>
           <p:nvPr/>
         </p:nvSpPr>
         <p:spPr>
           <a:xfrm>
             <a:off x="457200" y="1203480"/>
-            <a:ext cx="8228160" cy="2981880"/>
+            <a:ext cx="8227800" cy="2981520"/>
           </a:xfrm>
           <a:prstGeom prst="rect">
             <a:avLst/>
@@ -7091,7 +8711,7 @@
             <a:noAutofit/>
           </a:bodyPr>
           <a:p>
-            <a:pPr marL="216000" indent="-215280">
+            <a:pPr marL="216000" indent="-214920">
               <a:lnSpc>
                 <a:spcPct val="100000"/>
               </a:lnSpc>
@@ -7117,7 +8737,7 @@
             </a:endParaRPr>
           </a:p>
           <a:p>
-            <a:pPr marL="216000" indent="-215280">
+            <a:pPr marL="216000" indent="-214920">
               <a:lnSpc>
                 <a:spcPct val="100000"/>
               </a:lnSpc>
@@ -7143,7 +8763,7 @@
             </a:endParaRPr>
           </a:p>
           <a:p>
-            <a:pPr marL="216000" indent="-215280">
+            <a:pPr marL="216000" indent="-214920">
               <a:lnSpc>
                 <a:spcPct val="100000"/>
               </a:lnSpc>
@@ -7169,7 +8789,7 @@
             </a:endParaRPr>
           </a:p>
           <a:p>
-            <a:pPr marL="216000" indent="-215280">
+            <a:pPr marL="216000" indent="-214920">
               <a:lnSpc>
                 <a:spcPct val="100000"/>
               </a:lnSpc>
@@ -7228,14 +8848,14 @@
       </p:grpSpPr>
       <p:sp>
         <p:nvSpPr>
-          <p:cNvPr id="175" name="TextShape 1"/>
-          <p:cNvSpPr txBox="1"/>
+          <p:cNvPr id="213" name="CustomShape 1"/>
+          <p:cNvSpPr/>
           <p:nvPr/>
         </p:nvSpPr>
         <p:spPr>
           <a:xfrm>
             <a:off x="457200" y="9360"/>
-            <a:ext cx="8228880" cy="1249920"/>
+            <a:ext cx="8228520" cy="1249560"/>
           </a:xfrm>
           <a:prstGeom prst="rect">
             <a:avLst/>
@@ -7245,12 +8865,22 @@
             <a:noFill/>
           </a:ln>
         </p:spPr>
+        <p:style>
+          <a:lnRef idx="0"/>
+          <a:fillRef idx="0"/>
+          <a:effectRef idx="0"/>
+          <a:fontRef idx="minor"/>
+        </p:style>
         <p:txBody>
           <a:bodyPr lIns="0" rIns="0" tIns="0" bIns="0" anchor="ctr">
             <a:noAutofit/>
           </a:bodyPr>
           <a:p>
-            <a:pPr algn="r"/>
+            <a:pPr algn="r">
+              <a:lnSpc>
+                <a:spcPct val="100000"/>
+              </a:lnSpc>
+            </a:pPr>
             <a:r>
               <a:rPr b="0" lang="ru-RU" sz="2600" spc="-1" strike="noStrike">
                 <a:latin typeface="Arial"/>
@@ -7265,14 +8895,14 @@
       </p:sp>
       <p:sp>
         <p:nvSpPr>
-          <p:cNvPr id="176" name="TextShape 2"/>
-          <p:cNvSpPr txBox="1"/>
+          <p:cNvPr id="214" name="CustomShape 2"/>
+          <p:cNvSpPr/>
           <p:nvPr/>
         </p:nvSpPr>
         <p:spPr>
           <a:xfrm>
             <a:off x="457200" y="1203480"/>
-            <a:ext cx="8228880" cy="2982600"/>
+            <a:ext cx="8228520" cy="2982240"/>
           </a:xfrm>
           <a:prstGeom prst="rect">
             <a:avLst/>
@@ -7282,12 +8912,21 @@
             <a:noFill/>
           </a:ln>
         </p:spPr>
+        <p:style>
+          <a:lnRef idx="0"/>
+          <a:fillRef idx="0"/>
+          <a:effectRef idx="0"/>
+          <a:fontRef idx="minor"/>
+        </p:style>
         <p:txBody>
           <a:bodyPr lIns="0" rIns="0" tIns="0" bIns="0">
             <a:noAutofit/>
           </a:bodyPr>
           <a:p>
-            <a:pPr marL="216000" indent="-216000">
+            <a:pPr marL="216000" indent="-215640">
+              <a:lnSpc>
+                <a:spcPct val="100000"/>
+              </a:lnSpc>
               <a:buClr>
                 <a:srgbClr val="000000"/>
               </a:buClr>
@@ -7306,7 +8945,10 @@
             </a:endParaRPr>
           </a:p>
           <a:p>
-            <a:pPr marL="216000" indent="-216000">
+            <a:pPr marL="216000" indent="-215640">
+              <a:lnSpc>
+                <a:spcPct val="100000"/>
+              </a:lnSpc>
               <a:buClr>
                 <a:srgbClr val="000000"/>
               </a:buClr>
@@ -7325,7 +8967,10 @@
             </a:endParaRPr>
           </a:p>
           <a:p>
-            <a:pPr marL="216000" indent="-216000">
+            <a:pPr marL="216000" indent="-215640">
+              <a:lnSpc>
+                <a:spcPct val="100000"/>
+              </a:lnSpc>
               <a:buClr>
                 <a:srgbClr val="000000"/>
               </a:buClr>
@@ -7344,7 +8989,10 @@
             </a:endParaRPr>
           </a:p>
           <a:p>
-            <a:pPr marL="216000" indent="-216000">
+            <a:pPr marL="216000" indent="-215640">
+              <a:lnSpc>
+                <a:spcPct val="100000"/>
+              </a:lnSpc>
               <a:buClr>
                 <a:srgbClr val="000000"/>
               </a:buClr>
@@ -7363,7 +9011,10 @@
             </a:endParaRPr>
           </a:p>
           <a:p>
-            <a:pPr marL="216000" indent="-216000">
+            <a:pPr marL="216000" indent="-215640">
+              <a:lnSpc>
+                <a:spcPct val="100000"/>
+              </a:lnSpc>
               <a:buClr>
                 <a:srgbClr val="000000"/>
               </a:buClr>
@@ -7382,7 +9033,10 @@
             </a:endParaRPr>
           </a:p>
           <a:p>
-            <a:pPr marL="216000" indent="-216000">
+            <a:pPr marL="216000" indent="-215640">
+              <a:lnSpc>
+                <a:spcPct val="100000"/>
+              </a:lnSpc>
               <a:buClr>
                 <a:srgbClr val="000000"/>
               </a:buClr>
@@ -7434,14 +9088,14 @@
       </p:grpSpPr>
       <p:sp>
         <p:nvSpPr>
-          <p:cNvPr id="177" name="CustomShape 1"/>
+          <p:cNvPr id="215" name="CustomShape 1"/>
           <p:cNvSpPr/>
           <p:nvPr/>
         </p:nvSpPr>
         <p:spPr>
           <a:xfrm>
             <a:off x="7164360" y="4767120"/>
-            <a:ext cx="1870200" cy="271800"/>
+            <a:ext cx="1869840" cy="271440"/>
           </a:xfrm>
           <a:prstGeom prst="rect">
             <a:avLst/>
@@ -7467,7 +9121,7 @@
                 <a:spcPct val="100000"/>
               </a:lnSpc>
             </a:pPr>
-            <a:fld id="{CAD5B5B1-5A25-454B-A827-62A04FABE5C5}" type="slidenum">
+            <a:fld id="{61B520C7-570A-4E4A-B5BA-CCEDFDEAFFF9}" type="slidenum">
               <a:rPr b="0" lang="ru-RU" sz="1200" spc="-1" strike="noStrike">
                 <a:solidFill>
                   <a:srgbClr val="ffffff"/>
@@ -7485,14 +9139,14 @@
       </p:sp>
       <p:sp>
         <p:nvSpPr>
-          <p:cNvPr id="178" name="CustomShape 2"/>
+          <p:cNvPr id="216" name="CustomShape 2"/>
           <p:cNvSpPr/>
           <p:nvPr/>
         </p:nvSpPr>
         <p:spPr>
           <a:xfrm>
             <a:off x="431640" y="915480"/>
-            <a:ext cx="8278200" cy="3742200"/>
+            <a:ext cx="8277840" cy="3741840"/>
           </a:xfrm>
           <a:prstGeom prst="rect">
             <a:avLst/>
@@ -7632,14 +9286,14 @@
       </p:grpSpPr>
       <p:sp>
         <p:nvSpPr>
-          <p:cNvPr id="159" name="CustomShape 1"/>
+          <p:cNvPr id="197" name="CustomShape 1"/>
           <p:cNvSpPr/>
           <p:nvPr/>
         </p:nvSpPr>
         <p:spPr>
           <a:xfrm>
             <a:off x="431640" y="205920"/>
-            <a:ext cx="8278200" cy="563400"/>
+            <a:ext cx="8277840" cy="563040"/>
           </a:xfrm>
           <a:prstGeom prst="rect">
             <a:avLst/>
@@ -7693,14 +9347,14 @@
       </p:sp>
       <p:sp>
         <p:nvSpPr>
-          <p:cNvPr id="160" name="CustomShape 2"/>
+          <p:cNvPr id="198" name="CustomShape 2"/>
           <p:cNvSpPr/>
           <p:nvPr/>
         </p:nvSpPr>
         <p:spPr>
           <a:xfrm>
             <a:off x="7164360" y="4767120"/>
-            <a:ext cx="1870200" cy="271800"/>
+            <a:ext cx="1869840" cy="271440"/>
           </a:xfrm>
           <a:prstGeom prst="rect">
             <a:avLst/>
@@ -7726,7 +9380,7 @@
                 <a:spcPct val="100000"/>
               </a:lnSpc>
             </a:pPr>
-            <a:fld id="{DCE5C3C9-1D72-41A0-95AE-699127592B23}" type="slidenum">
+            <a:fld id="{0277D026-D51E-45B7-9AB3-8C069CB9AFD6}" type="slidenum">
               <a:rPr b="0" lang="ru-RU" sz="1200" spc="-1" strike="noStrike">
                 <a:solidFill>
                   <a:srgbClr val="ffffff"/>
@@ -7734,7 +9388,7 @@
                 <a:latin typeface="Akrobat SemiBold"/>
                 <a:ea typeface="DejaVu Sans"/>
               </a:rPr>
-              <a:t>1</a:t>
+              <a:t>&lt;номер&gt;</a:t>
             </a:fld>
             <a:endParaRPr b="0" lang="ru-RU" sz="1200" spc="-1" strike="noStrike">
               <a:latin typeface="Arial"/>
@@ -7744,14 +9398,14 @@
       </p:sp>
       <p:sp>
         <p:nvSpPr>
-          <p:cNvPr id="161" name="CustomShape 3"/>
+          <p:cNvPr id="199" name="CustomShape 3"/>
           <p:cNvSpPr/>
           <p:nvPr/>
         </p:nvSpPr>
         <p:spPr>
           <a:xfrm>
             <a:off x="395640" y="915480"/>
-            <a:ext cx="8278200" cy="3742200"/>
+            <a:ext cx="8277840" cy="3741840"/>
           </a:xfrm>
           <a:prstGeom prst="rect">
             <a:avLst/>
@@ -7772,7 +9426,7 @@
             <a:noAutofit/>
           </a:bodyPr>
           <a:p>
-            <a:pPr marL="432000" indent="-322200">
+            <a:pPr marL="432000" indent="-321840">
               <a:lnSpc>
                 <a:spcPct val="100000"/>
               </a:lnSpc>
@@ -7801,7 +9455,7 @@
             </a:endParaRPr>
           </a:p>
           <a:p>
-            <a:pPr marL="432000" indent="-322200">
+            <a:pPr marL="432000" indent="-321840">
               <a:lnSpc>
                 <a:spcPct val="100000"/>
               </a:lnSpc>
@@ -7830,7 +9484,7 @@
             </a:endParaRPr>
           </a:p>
           <a:p>
-            <a:pPr marL="432000" indent="-322200">
+            <a:pPr marL="432000" indent="-321840">
               <a:lnSpc>
                 <a:spcPct val="100000"/>
               </a:lnSpc>
@@ -7859,7 +9513,7 @@
             </a:endParaRPr>
           </a:p>
           <a:p>
-            <a:pPr marL="432000" indent="-322200">
+            <a:pPr marL="432000" indent="-321840">
               <a:lnSpc>
                 <a:spcPct val="100000"/>
               </a:lnSpc>
@@ -7888,7 +9542,7 @@
             </a:endParaRPr>
           </a:p>
           <a:p>
-            <a:pPr marL="432000" indent="-322200">
+            <a:pPr marL="432000" indent="-321840">
               <a:lnSpc>
                 <a:spcPct val="100000"/>
               </a:lnSpc>
@@ -7917,7 +9571,7 @@
             </a:endParaRPr>
           </a:p>
           <a:p>
-            <a:pPr marL="432000" indent="-322200">
+            <a:pPr marL="432000" indent="-321840">
               <a:lnSpc>
                 <a:spcPct val="100000"/>
               </a:lnSpc>
@@ -7979,14 +9633,14 @@
       </p:grpSpPr>
       <p:sp>
         <p:nvSpPr>
-          <p:cNvPr id="162" name="CustomShape 1"/>
+          <p:cNvPr id="200" name="CustomShape 1"/>
           <p:cNvSpPr/>
           <p:nvPr/>
         </p:nvSpPr>
         <p:spPr>
           <a:xfrm>
             <a:off x="431640" y="205920"/>
-            <a:ext cx="8278200" cy="563400"/>
+            <a:ext cx="8277840" cy="563040"/>
           </a:xfrm>
           <a:prstGeom prst="rect">
             <a:avLst/>
@@ -8030,14 +9684,14 @@
       </p:sp>
       <p:sp>
         <p:nvSpPr>
-          <p:cNvPr id="163" name="CustomShape 2"/>
+          <p:cNvPr id="201" name="CustomShape 2"/>
           <p:cNvSpPr/>
           <p:nvPr/>
         </p:nvSpPr>
         <p:spPr>
           <a:xfrm>
             <a:off x="457200" y="792000"/>
-            <a:ext cx="8227800" cy="3886560"/>
+            <a:ext cx="8227440" cy="3886200"/>
           </a:xfrm>
           <a:prstGeom prst="rect">
             <a:avLst/>
@@ -8058,7 +9712,7 @@
             <a:noAutofit/>
           </a:bodyPr>
           <a:p>
-            <a:pPr marL="216000" indent="-214560">
+            <a:pPr marL="216000" indent="-214200">
               <a:lnSpc>
                 <a:spcPct val="100000"/>
               </a:lnSpc>
@@ -8084,7 +9738,7 @@
             </a:endParaRPr>
           </a:p>
           <a:p>
-            <a:pPr marL="216000" indent="-214560">
+            <a:pPr marL="216000" indent="-214200">
               <a:lnSpc>
                 <a:spcPct val="100000"/>
               </a:lnSpc>
@@ -8110,7 +9764,7 @@
             </a:endParaRPr>
           </a:p>
           <a:p>
-            <a:pPr marL="216000" indent="-214560">
+            <a:pPr marL="216000" indent="-214200">
               <a:lnSpc>
                 <a:spcPct val="100000"/>
               </a:lnSpc>
@@ -8136,7 +9790,7 @@
             </a:endParaRPr>
           </a:p>
           <a:p>
-            <a:pPr marL="216000" indent="-214560">
+            <a:pPr marL="216000" indent="-214200">
               <a:lnSpc>
                 <a:spcPct val="100000"/>
               </a:lnSpc>
@@ -8195,7 +9849,7 @@
       </p:grpSpPr>
       <p:pic>
         <p:nvPicPr>
-          <p:cNvPr id="164" name="" descr=""/>
+          <p:cNvPr id="202" name="" descr=""/>
           <p:cNvPicPr/>
           <p:nvPr/>
         </p:nvPicPr>
@@ -8205,8 +9859,8 @@
         </p:blipFill>
         <p:spPr>
           <a:xfrm>
-            <a:off x="-431640" y="576000"/>
-            <a:ext cx="9143640" cy="4389120"/>
+            <a:off x="-215640" y="598680"/>
+            <a:ext cx="9143280" cy="3792960"/>
           </a:xfrm>
           <a:prstGeom prst="rect">
             <a:avLst/>
@@ -8248,7 +9902,7 @@
       </p:grpSpPr>
       <p:pic>
         <p:nvPicPr>
-          <p:cNvPr id="165" name="" descr=""/>
+          <p:cNvPr id="203" name="" descr=""/>
           <p:cNvPicPr/>
           <p:nvPr/>
         </p:nvPicPr>
@@ -8258,8 +9912,8 @@
         </p:blipFill>
         <p:spPr>
           <a:xfrm>
-            <a:off x="-215640" y="598680"/>
-            <a:ext cx="9143640" cy="3793320"/>
+            <a:off x="-431640" y="576000"/>
+            <a:ext cx="9143280" cy="4388760"/>
           </a:xfrm>
           <a:prstGeom prst="rect">
             <a:avLst/>
@@ -8301,14 +9955,14 @@
       </p:grpSpPr>
       <p:sp>
         <p:nvSpPr>
-          <p:cNvPr id="166" name="CustomShape 1"/>
+          <p:cNvPr id="204" name="CustomShape 1"/>
           <p:cNvSpPr/>
           <p:nvPr/>
         </p:nvSpPr>
         <p:spPr>
           <a:xfrm>
             <a:off x="431640" y="205920"/>
-            <a:ext cx="8278200" cy="563400"/>
+            <a:ext cx="8277840" cy="563040"/>
           </a:xfrm>
           <a:prstGeom prst="rect">
             <a:avLst/>
@@ -8352,14 +10006,14 @@
       </p:sp>
       <p:sp>
         <p:nvSpPr>
-          <p:cNvPr id="167" name="CustomShape 2"/>
+          <p:cNvPr id="205" name="CustomShape 2"/>
           <p:cNvSpPr/>
           <p:nvPr/>
         </p:nvSpPr>
         <p:spPr>
           <a:xfrm>
             <a:off x="431640" y="792000"/>
-            <a:ext cx="8227800" cy="3886560"/>
+            <a:ext cx="8227440" cy="3886200"/>
           </a:xfrm>
           <a:prstGeom prst="rect">
             <a:avLst/>
@@ -8378,14 +10032,14 @@
       </p:sp>
       <p:sp>
         <p:nvSpPr>
-          <p:cNvPr id="168" name="CustomShape 3"/>
+          <p:cNvPr id="206" name="CustomShape 3"/>
           <p:cNvSpPr/>
           <p:nvPr/>
         </p:nvSpPr>
         <p:spPr>
           <a:xfrm>
             <a:off x="457200" y="1203480"/>
-            <a:ext cx="8228160" cy="2981880"/>
+            <a:ext cx="8227800" cy="2981520"/>
           </a:xfrm>
           <a:prstGeom prst="rect">
             <a:avLst/>
@@ -8406,7 +10060,7 @@
             <a:normAutofit/>
           </a:bodyPr>
           <a:p>
-            <a:pPr marL="432000" indent="-322920">
+            <a:pPr marL="432000" indent="-322560">
               <a:lnSpc>
                 <a:spcPct val="100000"/>
               </a:lnSpc>
@@ -8445,7 +10099,7 @@
             </a:endParaRPr>
           </a:p>
           <a:p>
-            <a:pPr marL="432000" indent="-322920">
+            <a:pPr marL="432000" indent="-322560">
               <a:lnSpc>
                 <a:spcPct val="100000"/>
               </a:lnSpc>
@@ -8474,7 +10128,7 @@
             </a:endParaRPr>
           </a:p>
           <a:p>
-            <a:pPr marL="432000" indent="-322920">
+            <a:pPr marL="432000" indent="-322560">
               <a:lnSpc>
                 <a:spcPct val="100000"/>
               </a:lnSpc>
@@ -8546,7 +10200,7 @@
       </p:grpSpPr>
       <p:pic>
         <p:nvPicPr>
-          <p:cNvPr id="169" name="" descr=""/>
+          <p:cNvPr id="207" name="" descr=""/>
           <p:cNvPicPr/>
           <p:nvPr/>
         </p:nvPicPr>
@@ -8557,7 +10211,7 @@
         <p:spPr>
           <a:xfrm>
             <a:off x="1581840" y="936000"/>
-            <a:ext cx="5762160" cy="3495240"/>
+            <a:ext cx="5761800" cy="3494880"/>
           </a:xfrm>
           <a:prstGeom prst="rect">
             <a:avLst/>
@@ -8599,14 +10253,14 @@
       </p:grpSpPr>
       <p:sp>
         <p:nvSpPr>
-          <p:cNvPr id="170" name="CustomShape 1"/>
+          <p:cNvPr id="208" name="CustomShape 1"/>
           <p:cNvSpPr/>
           <p:nvPr/>
         </p:nvSpPr>
         <p:spPr>
           <a:xfrm>
             <a:off x="457200" y="9360"/>
-            <a:ext cx="8228160" cy="1249200"/>
+            <a:ext cx="8227800" cy="1248840"/>
           </a:xfrm>
           <a:prstGeom prst="rect">
             <a:avLst/>
@@ -8650,14 +10304,14 @@
       </p:sp>
       <p:sp>
         <p:nvSpPr>
-          <p:cNvPr id="171" name="CustomShape 2"/>
+          <p:cNvPr id="209" name="CustomShape 2"/>
           <p:cNvSpPr/>
           <p:nvPr/>
         </p:nvSpPr>
         <p:spPr>
           <a:xfrm>
             <a:off x="457200" y="1203480"/>
-            <a:ext cx="8228160" cy="2981880"/>
+            <a:ext cx="8227800" cy="2981520"/>
           </a:xfrm>
           <a:prstGeom prst="rect">
             <a:avLst/>
@@ -8678,7 +10332,7 @@
             <a:noAutofit/>
           </a:bodyPr>
           <a:p>
-            <a:pPr marL="216000" indent="-215280">
+            <a:pPr marL="216000" indent="-214920">
               <a:lnSpc>
                 <a:spcPct val="100000"/>
               </a:lnSpc>
@@ -8704,7 +10358,7 @@
             </a:endParaRPr>
           </a:p>
           <a:p>
-            <a:pPr marL="216000" indent="-215280">
+            <a:pPr marL="216000" indent="-214920">
               <a:lnSpc>
                 <a:spcPct val="100000"/>
               </a:lnSpc>
@@ -8730,7 +10384,7 @@
             </a:endParaRPr>
           </a:p>
           <a:p>
-            <a:pPr marL="216000" indent="-215280">
+            <a:pPr marL="216000" indent="-214920">
               <a:lnSpc>
                 <a:spcPct val="100000"/>
               </a:lnSpc>
@@ -8756,7 +10410,7 @@
             </a:endParaRPr>
           </a:p>
           <a:p>
-            <a:pPr marL="216000" indent="-215280">
+            <a:pPr marL="216000" indent="-214920">
               <a:lnSpc>
                 <a:spcPct val="100000"/>
               </a:lnSpc>
@@ -8782,7 +10436,7 @@
             </a:endParaRPr>
           </a:p>
           <a:p>
-            <a:pPr marL="216000" indent="-215280">
+            <a:pPr marL="216000" indent="-214920">
               <a:lnSpc>
                 <a:spcPct val="100000"/>
               </a:lnSpc>
@@ -8841,14 +10495,14 @@
       </p:grpSpPr>
       <p:sp>
         <p:nvSpPr>
-          <p:cNvPr id="172" name="TextShape 1"/>
-          <p:cNvSpPr txBox="1"/>
+          <p:cNvPr id="210" name="CustomShape 1"/>
+          <p:cNvSpPr/>
           <p:nvPr/>
         </p:nvSpPr>
         <p:spPr>
           <a:xfrm>
             <a:off x="457200" y="1203480"/>
-            <a:ext cx="8228880" cy="2982600"/>
+            <a:ext cx="8228520" cy="2982240"/>
           </a:xfrm>
           <a:prstGeom prst="rect">
             <a:avLst/>
@@ -8858,12 +10512,22 @@
             <a:noFill/>
           </a:ln>
         </p:spPr>
+        <p:style>
+          <a:lnRef idx="0"/>
+          <a:fillRef idx="0"/>
+          <a:effectRef idx="0"/>
+          <a:fontRef idx="minor"/>
+        </p:style>
         <p:txBody>
           <a:bodyPr lIns="0" rIns="0" tIns="0" bIns="0" anchor="ctr">
             <a:noAutofit/>
           </a:bodyPr>
           <a:p>
-            <a:pPr algn="ctr"/>
+            <a:pPr algn="ctr">
+              <a:lnSpc>
+                <a:spcPct val="100000"/>
+              </a:lnSpc>
+            </a:pPr>
             <a:r>
               <a:rPr b="0" lang="ru-RU" sz="3200" spc="-1" strike="noStrike">
                 <a:latin typeface="Arial"/>
@@ -10017,4 +11681,230 @@
     </a:fmtScheme>
   </a:themeElements>
 </a:theme>
+</file>
+
+<file path=ppt/theme/theme6.xml><?xml version="1.0" encoding="utf-8"?>
+<a:theme xmlns:a="http://schemas.openxmlformats.org/drawingml/2006/main" name="Office Theme">
+  <a:themeElements>
+    <a:clrScheme name="Office">
+      <a:dk1>
+        <a:sysClr val="windowText" lastClr="000000"/>
+      </a:dk1>
+      <a:lt1>
+        <a:sysClr val="window" lastClr="FFFFFF"/>
+      </a:lt1>
+      <a:dk2>
+        <a:srgbClr val="2646a0"/>
+      </a:dk2>
+      <a:lt2>
+        <a:srgbClr val="83c7db"/>
+      </a:lt2>
+      <a:accent1>
+        <a:srgbClr val="2646a0"/>
+      </a:accent1>
+      <a:accent2>
+        <a:srgbClr val="0082be"/>
+      </a:accent2>
+      <a:accent3>
+        <a:srgbClr val="0096b0"/>
+      </a:accent3>
+      <a:accent4>
+        <a:srgbClr val="00acbe"/>
+      </a:accent4>
+      <a:accent5>
+        <a:srgbClr val="83c7db"/>
+      </a:accent5>
+      <a:accent6>
+        <a:srgbClr val="b7dde8"/>
+      </a:accent6>
+      <a:hlink>
+        <a:srgbClr val="2646a0"/>
+      </a:hlink>
+      <a:folHlink>
+        <a:srgbClr val="7030a0"/>
+      </a:folHlink>
+    </a:clrScheme>
+    <a:fontScheme name="Office">
+      <a:majorFont>
+        <a:latin typeface="Arial"/>
+        <a:ea typeface="DejaVu Sans"/>
+        <a:cs typeface="DejaVu Sans"/>
+      </a:majorFont>
+      <a:minorFont>
+        <a:latin typeface="Arial"/>
+        <a:ea typeface="DejaVu Sans"/>
+        <a:cs typeface="DejaVu Sans"/>
+      </a:minorFont>
+    </a:fontScheme>
+    <a:fmtScheme name="Office">
+      <a:fillStyleLst>
+        <a:solidFill>
+          <a:schemeClr val="phClr"/>
+        </a:solidFill>
+        <a:gradFill rotWithShape="1">
+          <a:gsLst>
+            <a:gs pos="0">
+              <a:schemeClr val="phClr">
+                <a:tint val="50000"/>
+                <a:satMod val="300000"/>
+              </a:schemeClr>
+            </a:gs>
+            <a:gs pos="35000">
+              <a:schemeClr val="phClr">
+                <a:tint val="37000"/>
+                <a:satMod val="300000"/>
+              </a:schemeClr>
+            </a:gs>
+            <a:gs pos="100000">
+              <a:schemeClr val="phClr">
+                <a:tint val="15000"/>
+                <a:satMod val="350000"/>
+              </a:schemeClr>
+            </a:gs>
+          </a:gsLst>
+          <a:lin ang="16200000" scaled="1"/>
+        </a:gradFill>
+        <a:gradFill rotWithShape="1">
+          <a:gsLst>
+            <a:gs pos="0">
+              <a:schemeClr val="phClr">
+                <a:shade val="51000"/>
+                <a:satMod val="130000"/>
+              </a:schemeClr>
+            </a:gs>
+            <a:gs pos="80000">
+              <a:schemeClr val="phClr">
+                <a:shade val="93000"/>
+                <a:satMod val="130000"/>
+              </a:schemeClr>
+            </a:gs>
+            <a:gs pos="100000">
+              <a:schemeClr val="phClr">
+                <a:shade val="94000"/>
+                <a:satMod val="135000"/>
+              </a:schemeClr>
+            </a:gs>
+          </a:gsLst>
+          <a:lin ang="16200000" scaled="0"/>
+        </a:gradFill>
+      </a:fillStyleLst>
+      <a:lnStyleLst>
+        <a:ln w="9525" cap="flat" cmpd="sng" algn="ctr">
+          <a:solidFill>
+            <a:schemeClr val="phClr">
+              <a:shade val="95000"/>
+              <a:satMod val="105000"/>
+            </a:schemeClr>
+          </a:solidFill>
+          <a:prstDash val="solid"/>
+          <a:miter/>
+        </a:ln>
+        <a:ln w="25400" cap="flat" cmpd="sng" algn="ctr">
+          <a:solidFill>
+            <a:schemeClr val="phClr"/>
+          </a:solidFill>
+          <a:prstDash val="solid"/>
+          <a:miter/>
+        </a:ln>
+        <a:ln w="38100" cap="flat" cmpd="sng" algn="ctr">
+          <a:solidFill>
+            <a:schemeClr val="phClr"/>
+          </a:solidFill>
+          <a:prstDash val="solid"/>
+          <a:miter/>
+        </a:ln>
+      </a:lnStyleLst>
+      <a:effectStyleLst>
+        <a:effectStyle>
+          <a:effectLst>
+            <a:outerShdw blurRad="40000" dist="20000" dir="5400000" rotWithShape="0">
+              <a:srgbClr val="000000">
+                <a:alpha val="38000"/>
+              </a:srgbClr>
+            </a:outerShdw>
+          </a:effectLst>
+        </a:effectStyle>
+        <a:effectStyle>
+          <a:effectLst>
+            <a:outerShdw blurRad="40000" dist="23000" dir="5400000" rotWithShape="0">
+              <a:srgbClr val="000000">
+                <a:alpha val="35000"/>
+              </a:srgbClr>
+            </a:outerShdw>
+          </a:effectLst>
+        </a:effectStyle>
+        <a:effectStyle>
+          <a:effectLst>
+            <a:outerShdw blurRad="40000" dist="23000" dir="5400000" rotWithShape="0">
+              <a:srgbClr val="000000">
+                <a:alpha val="35000"/>
+              </a:srgbClr>
+            </a:outerShdw>
+          </a:effectLst>
+          <a:scene3d>
+            <a:camera prst="orthographicFront">
+              <a:rot lat="0" lon="0" rev="0"/>
+            </a:camera>
+            <a:lightRig rig="threePt" dir="t">
+              <a:rot lat="0" lon="0" rev="1200000"/>
+            </a:lightRig>
+          </a:scene3d>
+          <a:sp3d>
+            <a:bevelT w="63500" h="25400"/>
+          </a:sp3d>
+        </a:effectStyle>
+      </a:effectStyleLst>
+      <a:bgFillStyleLst>
+        <a:solidFill>
+          <a:schemeClr val="phClr"/>
+        </a:solidFill>
+        <a:gradFill rotWithShape="1">
+          <a:gsLst>
+            <a:gs pos="0">
+              <a:schemeClr val="phClr">
+                <a:tint val="40000"/>
+                <a:satMod val="350000"/>
+              </a:schemeClr>
+            </a:gs>
+            <a:gs pos="40000">
+              <a:schemeClr val="phClr">
+                <a:tint val="45000"/>
+                <a:shade val="99000"/>
+                <a:satMod val="350000"/>
+              </a:schemeClr>
+            </a:gs>
+            <a:gs pos="100000">
+              <a:schemeClr val="phClr">
+                <a:shade val="20000"/>
+                <a:satMod val="255000"/>
+              </a:schemeClr>
+            </a:gs>
+          </a:gsLst>
+          <a:path path="circle">
+            <a:fillToRect l="50000" t="-80000" r="50000" b="180000"/>
+          </a:path>
+        </a:gradFill>
+        <a:gradFill rotWithShape="1">
+          <a:gsLst>
+            <a:gs pos="0">
+              <a:schemeClr val="phClr">
+                <a:tint val="80000"/>
+                <a:satMod val="300000"/>
+              </a:schemeClr>
+            </a:gs>
+            <a:gs pos="100000">
+              <a:schemeClr val="phClr">
+                <a:shade val="30000"/>
+                <a:satMod val="200000"/>
+              </a:schemeClr>
+            </a:gs>
+          </a:gsLst>
+          <a:path path="circle">
+            <a:fillToRect l="50000" t="50000" r="50000" b="50000"/>
+          </a:path>
+        </a:gradFill>
+      </a:bgFillStyleLst>
+    </a:fmtScheme>
+  </a:themeElements>
+</a:theme>
 </file>